--- a/res/HeartRateMonitor.pptx
+++ b/res/HeartRateMonitor.pptx
@@ -619,11 +619,7 @@
             </a:r>
             <a:r>
               <a:rPr lang="de-DE" baseline="0" dirty="0" smtClean="0"/>
-              <a:t> Fourier Transform = Fast DFT </a:t>
-            </a:r>
-            <a:r>
-              <a:rPr lang="de-DE" baseline="0" dirty="0" smtClean="0"/>
-              <a:t>Implementation</a:t>
+              <a:t> Fourier Transform = Fast DFT Implementation</a:t>
             </a:r>
           </a:p>
           <a:p>
@@ -1933,25 +1929,102 @@
           <a:p>
             <a:r>
               <a:rPr lang="de-DE" dirty="0" smtClean="0"/>
-              <a:t>Bluetooth</a:t>
+              <a:t>Bluetooth not</a:t>
             </a:r>
             <a:r>
               <a:rPr lang="de-DE" baseline="0" dirty="0" smtClean="0"/>
-              <a:t> nicht unterstützt, da falsches Modul bestellt wurde (nicht kompatible Version um am PC zu nutzen).</a:t>
-            </a:r>
-          </a:p>
-          <a:p>
+              <a:t> </a:t>
+            </a:r>
+            <a:r>
+              <a:rPr lang="de-DE" baseline="0" dirty="0" err="1" smtClean="0"/>
+              <a:t>support</a:t>
+            </a:r>
             <a:r>
               <a:rPr lang="de-DE" baseline="0" dirty="0" smtClean="0"/>
-              <a:t>Hinzufügen von </a:t>
+              <a:t>, </a:t>
             </a:r>
             <a:r>
               <a:rPr lang="de-DE" baseline="0" dirty="0" err="1" smtClean="0"/>
+              <a:t>because</a:t>
+            </a:r>
+            <a:r>
+              <a:rPr lang="de-DE" baseline="0" dirty="0" smtClean="0"/>
+              <a:t> </a:t>
+            </a:r>
+            <a:r>
+              <a:rPr lang="de-DE" baseline="0" dirty="0" err="1" smtClean="0"/>
+              <a:t>we</a:t>
+            </a:r>
+            <a:r>
+              <a:rPr lang="de-DE" baseline="0" dirty="0" smtClean="0"/>
+              <a:t> </a:t>
+            </a:r>
+            <a:r>
+              <a:rPr lang="de-DE" baseline="0" dirty="0" err="1" smtClean="0"/>
+              <a:t>got</a:t>
+            </a:r>
+            <a:r>
+              <a:rPr lang="de-DE" baseline="0" dirty="0" smtClean="0"/>
+              <a:t> a </a:t>
+            </a:r>
+            <a:r>
+              <a:rPr lang="de-DE" baseline="0" dirty="0" err="1" smtClean="0"/>
+              <a:t>wrong</a:t>
+            </a:r>
+            <a:r>
+              <a:rPr lang="de-DE" baseline="0" dirty="0" smtClean="0"/>
+              <a:t> </a:t>
+            </a:r>
+            <a:r>
+              <a:rPr lang="de-DE" baseline="0" dirty="0" err="1" smtClean="0"/>
+              <a:t>module</a:t>
+            </a:r>
+            <a:r>
+              <a:rPr lang="de-DE" baseline="0" dirty="0" smtClean="0"/>
+              <a:t> (not </a:t>
+            </a:r>
+            <a:r>
+              <a:rPr lang="de-DE" baseline="0" dirty="0" err="1" smtClean="0"/>
+              <a:t>compatible</a:t>
+            </a:r>
+            <a:r>
+              <a:rPr lang="de-DE" baseline="0" dirty="0" smtClean="0"/>
+              <a:t> </a:t>
+            </a:r>
+            <a:r>
+              <a:rPr lang="de-DE" baseline="0" dirty="0" err="1" smtClean="0"/>
+              <a:t>to</a:t>
+            </a:r>
+            <a:r>
+              <a:rPr lang="de-DE" baseline="0" dirty="0" smtClean="0"/>
+              <a:t> </a:t>
+            </a:r>
+            <a:r>
+              <a:rPr lang="de-DE" baseline="0" dirty="0" err="1" smtClean="0"/>
+              <a:t>pc</a:t>
+            </a:r>
+            <a:r>
+              <a:rPr lang="de-DE" baseline="0" dirty="0" smtClean="0"/>
+              <a:t>).</a:t>
+            </a:r>
+            <a:endParaRPr lang="de-DE" baseline="0" dirty="0" smtClean="0"/>
+          </a:p>
+          <a:p>
+            <a:r>
+              <a:rPr lang="en-US" dirty="0" smtClean="0"/>
+              <a:t>However,</a:t>
+            </a:r>
+            <a:r>
+              <a:rPr lang="en-US" baseline="0" dirty="0" smtClean="0"/>
+              <a:t> adding </a:t>
+            </a:r>
+            <a:r>
+              <a:rPr lang="en-US" baseline="0" dirty="0" err="1" smtClean="0"/>
               <a:t>bluetooth</a:t>
             </a:r>
             <a:r>
-              <a:rPr lang="de-DE" baseline="0" dirty="0" smtClean="0"/>
-              <a:t> Unterstützung ist einfach, da schon seriell verwendet wird.</a:t>
+              <a:rPr lang="en-US" baseline="0" dirty="0" smtClean="0"/>
+              <a:t> support is easy (serial connection).</a:t>
             </a:r>
             <a:endParaRPr lang="en-US" dirty="0"/>
           </a:p>
@@ -2038,27 +2111,134 @@
           <a:lstStyle/>
           <a:p>
             <a:r>
-              <a:rPr lang="de-DE" dirty="0" smtClean="0"/>
-              <a:t>Auf PC implementiert, um zu</a:t>
+              <a:rPr lang="de-DE" dirty="0" err="1" smtClean="0"/>
+              <a:t>We</a:t>
+            </a:r>
+            <a:r>
+              <a:rPr lang="de-DE" dirty="0" smtClean="0"/>
+              <a:t> </a:t>
+            </a:r>
+            <a:r>
+              <a:rPr lang="de-DE" dirty="0" err="1" smtClean="0"/>
+              <a:t>implemented</a:t>
             </a:r>
             <a:r>
               <a:rPr lang="de-DE" baseline="0" dirty="0" smtClean="0"/>
-              <a:t> debuggen und optimieren. Umsetzung auf </a:t>
+              <a:t> </a:t>
             </a:r>
             <a:r>
               <a:rPr lang="de-DE" baseline="0" dirty="0" err="1" smtClean="0"/>
-              <a:t>Arduino</a:t>
+              <a:t>the</a:t>
             </a:r>
             <a:r>
               <a:rPr lang="de-DE" baseline="0" dirty="0" smtClean="0"/>
-              <a:t> möglich.</a:t>
-            </a:r>
-          </a:p>
-          <a:p>
+              <a:t> prototype on </a:t>
+            </a:r>
+            <a:r>
+              <a:rPr lang="de-DE" baseline="0" dirty="0" err="1" smtClean="0"/>
+              <a:t>the</a:t>
+            </a:r>
             <a:r>
               <a:rPr lang="de-DE" baseline="0" dirty="0" smtClean="0"/>
-              <a:t>Erstmal darauf Konzentriert den Puls zu messen.</a:t>
-            </a:r>
+              <a:t> PC, </a:t>
+            </a:r>
+            <a:r>
+              <a:rPr lang="de-DE" baseline="0" dirty="0" err="1" smtClean="0"/>
+              <a:t>for</a:t>
+            </a:r>
+            <a:r>
+              <a:rPr lang="de-DE" baseline="0" dirty="0" smtClean="0"/>
+              <a:t> </a:t>
+            </a:r>
+            <a:r>
+              <a:rPr lang="de-DE" baseline="0" dirty="0" err="1" smtClean="0"/>
+              <a:t>easier</a:t>
+            </a:r>
+            <a:r>
+              <a:rPr lang="de-DE" baseline="0" dirty="0" smtClean="0"/>
+              <a:t> </a:t>
+            </a:r>
+            <a:r>
+              <a:rPr lang="de-DE" baseline="0" dirty="0" err="1" smtClean="0"/>
+              <a:t>debugging</a:t>
+            </a:r>
+            <a:r>
+              <a:rPr lang="de-DE" baseline="0" dirty="0" smtClean="0"/>
+              <a:t> </a:t>
+            </a:r>
+            <a:r>
+              <a:rPr lang="de-DE" baseline="0" dirty="0" err="1" smtClean="0"/>
+              <a:t>and</a:t>
+            </a:r>
+            <a:r>
+              <a:rPr lang="de-DE" baseline="0" dirty="0" smtClean="0"/>
+              <a:t> </a:t>
+            </a:r>
+            <a:r>
+              <a:rPr lang="de-DE" baseline="0" dirty="0" err="1" smtClean="0"/>
+              <a:t>optimization</a:t>
+            </a:r>
+            <a:r>
+              <a:rPr lang="de-DE" baseline="0" dirty="0" smtClean="0"/>
+              <a:t>. </a:t>
+            </a:r>
+            <a:r>
+              <a:rPr lang="de-DE" baseline="0" dirty="0" err="1" smtClean="0"/>
+              <a:t>Our</a:t>
+            </a:r>
+            <a:r>
+              <a:rPr lang="de-DE" baseline="0" dirty="0" smtClean="0"/>
+              <a:t> </a:t>
+            </a:r>
+            <a:r>
+              <a:rPr lang="de-DE" baseline="0" dirty="0" err="1" smtClean="0"/>
+              <a:t>first</a:t>
+            </a:r>
+            <a:r>
+              <a:rPr lang="de-DE" baseline="0" dirty="0" smtClean="0"/>
+              <a:t> </a:t>
+            </a:r>
+            <a:r>
+              <a:rPr lang="de-DE" baseline="0" dirty="0" err="1" smtClean="0"/>
+              <a:t>aim</a:t>
+            </a:r>
+            <a:r>
+              <a:rPr lang="de-DE" baseline="0" dirty="0" smtClean="0"/>
+              <a:t> was </a:t>
+            </a:r>
+            <a:r>
+              <a:rPr lang="de-DE" baseline="0" dirty="0" err="1" smtClean="0"/>
+              <a:t>to</a:t>
+            </a:r>
+            <a:r>
+              <a:rPr lang="de-DE" baseline="0" dirty="0" smtClean="0"/>
+              <a:t> </a:t>
+            </a:r>
+            <a:r>
+              <a:rPr lang="de-DE" baseline="0" dirty="0" err="1" smtClean="0"/>
+              <a:t>get</a:t>
+            </a:r>
+            <a:r>
+              <a:rPr lang="de-DE" baseline="0" dirty="0" smtClean="0"/>
+              <a:t> </a:t>
+            </a:r>
+            <a:r>
+              <a:rPr lang="de-DE" baseline="0" dirty="0" err="1" smtClean="0"/>
+              <a:t>the</a:t>
+            </a:r>
+            <a:r>
+              <a:rPr lang="de-DE" baseline="0" dirty="0" smtClean="0"/>
+              <a:t> </a:t>
+            </a:r>
+            <a:r>
+              <a:rPr lang="de-DE" baseline="0" dirty="0" err="1" smtClean="0"/>
+              <a:t>heart</a:t>
+            </a:r>
+            <a:r>
+              <a:rPr lang="de-DE" baseline="0" dirty="0" smtClean="0"/>
+              <a:t> rate.</a:t>
+            </a:r>
+            <a:endParaRPr lang="de-DE" baseline="0" dirty="0" smtClean="0"/>
           </a:p>
         </p:txBody>
       </p:sp>
@@ -2142,21 +2322,228 @@
           <a:bodyPr/>
           <a:lstStyle/>
           <a:p>
-            <a:r>
-              <a:rPr lang="de-DE" dirty="0" smtClean="0"/>
-              <a:t>Wie wird daraus der Puls gemessen?</a:t>
-            </a:r>
-          </a:p>
-          <a:p>
-            <a:r>
-              <a:rPr lang="de-DE" dirty="0" smtClean="0"/>
-              <a:t>Um</a:t>
+            <a:pPr marL="171450" indent="-171450">
+              <a:buFontTx/>
+              <a:buChar char="-"/>
+            </a:pPr>
+            <a:r>
+              <a:rPr lang="de-DE" dirty="0" smtClean="0"/>
+              <a:t>Output</a:t>
             </a:r>
             <a:r>
               <a:rPr lang="de-DE" baseline="0" dirty="0" smtClean="0"/>
-              <a:t> den Puls nun zu messen müssen die Minima bestimmt werden.</a:t>
-            </a:r>
-            <a:endParaRPr lang="de-DE" dirty="0"/>
+              <a:t> </a:t>
+            </a:r>
+            <a:r>
+              <a:rPr lang="de-DE" baseline="0" dirty="0" err="1" smtClean="0"/>
+              <a:t>signal</a:t>
+            </a:r>
+            <a:r>
+              <a:rPr lang="de-DE" baseline="0" dirty="0" smtClean="0"/>
+              <a:t> </a:t>
+            </a:r>
+            <a:r>
+              <a:rPr lang="de-DE" baseline="0" dirty="0" err="1" smtClean="0"/>
+              <a:t>from</a:t>
+            </a:r>
+            <a:r>
+              <a:rPr lang="de-DE" baseline="0" dirty="0" smtClean="0"/>
+              <a:t> light </a:t>
+            </a:r>
+            <a:r>
+              <a:rPr lang="de-DE" baseline="0" dirty="0" err="1" smtClean="0"/>
+              <a:t>sensor</a:t>
+            </a:r>
+            <a:r>
+              <a:rPr lang="de-DE" baseline="0" dirty="0" smtClean="0"/>
+              <a:t> (</a:t>
+            </a:r>
+            <a:r>
+              <a:rPr lang="de-DE" baseline="0" dirty="0" err="1" smtClean="0"/>
+              <a:t>broadband</a:t>
+            </a:r>
+            <a:r>
+              <a:rPr lang="de-DE" baseline="0" dirty="0" smtClean="0"/>
+              <a:t> </a:t>
+            </a:r>
+            <a:r>
+              <a:rPr lang="de-DE" baseline="0" dirty="0" err="1" smtClean="0"/>
+              <a:t>photodiode</a:t>
+            </a:r>
+            <a:r>
+              <a:rPr lang="de-DE" baseline="0" dirty="0" smtClean="0"/>
+              <a:t>)</a:t>
+            </a:r>
+          </a:p>
+          <a:p>
+            <a:pPr marL="171450" indent="-171450">
+              <a:buFontTx/>
+              <a:buChar char="-"/>
+            </a:pPr>
+            <a:r>
+              <a:rPr lang="de-DE" baseline="0" dirty="0" err="1" smtClean="0"/>
+              <a:t>Visualized</a:t>
+            </a:r>
+            <a:r>
+              <a:rPr lang="de-DE" baseline="0" dirty="0" smtClean="0"/>
+              <a:t> on PC</a:t>
+            </a:r>
+          </a:p>
+          <a:p>
+            <a:pPr marL="0" indent="0">
+              <a:buFontTx/>
+              <a:buNone/>
+            </a:pPr>
+            <a:endParaRPr lang="de-DE" dirty="0" smtClean="0"/>
+          </a:p>
+          <a:p>
+            <a:r>
+              <a:rPr lang="de-DE" dirty="0" err="1" smtClean="0"/>
+              <a:t>Now</a:t>
+            </a:r>
+            <a:r>
+              <a:rPr lang="de-DE" dirty="0" smtClean="0"/>
+              <a:t> </a:t>
+            </a:r>
+            <a:r>
+              <a:rPr lang="de-DE" dirty="0" err="1" smtClean="0"/>
+              <a:t>how</a:t>
+            </a:r>
+            <a:r>
+              <a:rPr lang="de-DE" dirty="0" smtClean="0"/>
+              <a:t> </a:t>
+            </a:r>
+            <a:r>
+              <a:rPr lang="de-DE" dirty="0" err="1" smtClean="0"/>
+              <a:t>to</a:t>
+            </a:r>
+            <a:r>
+              <a:rPr lang="de-DE" dirty="0" smtClean="0"/>
+              <a:t> </a:t>
+            </a:r>
+            <a:r>
+              <a:rPr lang="de-DE" dirty="0" err="1" smtClean="0"/>
+              <a:t>get</a:t>
+            </a:r>
+            <a:r>
+              <a:rPr lang="de-DE" dirty="0" smtClean="0"/>
+              <a:t> </a:t>
+            </a:r>
+            <a:r>
+              <a:rPr lang="de-DE" dirty="0" err="1" smtClean="0"/>
+              <a:t>the</a:t>
+            </a:r>
+            <a:r>
+              <a:rPr lang="de-DE" dirty="0" smtClean="0"/>
+              <a:t> pulse</a:t>
+            </a:r>
+            <a:r>
+              <a:rPr lang="de-DE" baseline="0" dirty="0" smtClean="0"/>
+              <a:t> </a:t>
+            </a:r>
+            <a:r>
+              <a:rPr lang="de-DE" baseline="0" dirty="0" err="1" smtClean="0"/>
+              <a:t>from</a:t>
+            </a:r>
+            <a:r>
+              <a:rPr lang="de-DE" baseline="0" dirty="0" smtClean="0"/>
+              <a:t> </a:t>
+            </a:r>
+            <a:r>
+              <a:rPr lang="de-DE" baseline="0" dirty="0" err="1" smtClean="0"/>
+              <a:t>this</a:t>
+            </a:r>
+            <a:r>
+              <a:rPr lang="de-DE" baseline="0" dirty="0" smtClean="0"/>
+              <a:t> </a:t>
+            </a:r>
+            <a:r>
+              <a:rPr lang="de-DE" baseline="0" dirty="0" err="1" smtClean="0"/>
+              <a:t>data</a:t>
+            </a:r>
+            <a:r>
+              <a:rPr lang="de-DE" baseline="0" dirty="0" smtClean="0"/>
+              <a:t>?</a:t>
+            </a:r>
+          </a:p>
+          <a:p>
+            <a:r>
+              <a:rPr lang="de-DE" baseline="0" dirty="0" smtClean="0"/>
+              <a:t>Minima </a:t>
+            </a:r>
+            <a:r>
+              <a:rPr lang="de-DE" baseline="0" dirty="0" err="1" smtClean="0"/>
+              <a:t>need</a:t>
+            </a:r>
+            <a:r>
+              <a:rPr lang="de-DE" baseline="0" dirty="0" smtClean="0"/>
+              <a:t> </a:t>
+            </a:r>
+            <a:r>
+              <a:rPr lang="de-DE" baseline="0" dirty="0" err="1" smtClean="0"/>
+              <a:t>to</a:t>
+            </a:r>
+            <a:r>
+              <a:rPr lang="de-DE" baseline="0" dirty="0" smtClean="0"/>
+              <a:t> </a:t>
+            </a:r>
+            <a:r>
+              <a:rPr lang="de-DE" baseline="0" dirty="0" err="1" smtClean="0"/>
+              <a:t>be</a:t>
+            </a:r>
+            <a:r>
+              <a:rPr lang="de-DE" baseline="0" dirty="0" smtClean="0"/>
+              <a:t> </a:t>
+            </a:r>
+            <a:r>
+              <a:rPr lang="de-DE" baseline="0" dirty="0" err="1" smtClean="0"/>
+              <a:t>determined</a:t>
+            </a:r>
+            <a:r>
+              <a:rPr lang="de-DE" baseline="0" dirty="0" smtClean="0"/>
+              <a:t>.</a:t>
+            </a:r>
+          </a:p>
+          <a:p>
+            <a:endParaRPr lang="de-DE" baseline="0" dirty="0" smtClean="0"/>
+          </a:p>
+          <a:p>
+            <a:r>
+              <a:rPr lang="de-DE" baseline="0" dirty="0" smtClean="0"/>
+              <a:t>Noise: Not </a:t>
+            </a:r>
+            <a:r>
+              <a:rPr lang="de-DE" baseline="0" dirty="0" err="1" smtClean="0"/>
+              <a:t>clear</a:t>
+            </a:r>
+            <a:r>
+              <a:rPr lang="de-DE" baseline="0" dirty="0" smtClean="0"/>
+              <a:t> </a:t>
+            </a:r>
+            <a:r>
+              <a:rPr lang="de-DE" baseline="0" dirty="0" err="1" smtClean="0"/>
+              <a:t>curves</a:t>
+            </a:r>
+            <a:r>
+              <a:rPr lang="de-DE" baseline="0" dirty="0" smtClean="0"/>
+              <a:t>, Y-</a:t>
+            </a:r>
+            <a:r>
+              <a:rPr lang="de-DE" baseline="0" dirty="0" err="1" smtClean="0"/>
+              <a:t>axis</a:t>
+            </a:r>
+            <a:r>
+              <a:rPr lang="de-DE" baseline="0" dirty="0" smtClean="0"/>
+              <a:t> </a:t>
+            </a:r>
+            <a:r>
+              <a:rPr lang="de-DE" baseline="0" dirty="0" err="1" smtClean="0"/>
+              <a:t>shift</a:t>
+            </a:r>
+            <a:r>
+              <a:rPr lang="de-DE" baseline="0" dirty="0" smtClean="0"/>
+              <a:t>.</a:t>
+            </a:r>
           </a:p>
         </p:txBody>
       </p:sp>
@@ -2337,12 +2724,52 @@
           <a:lstStyle/>
           <a:p>
             <a:r>
-              <a:rPr lang="de-DE" dirty="0" smtClean="0"/>
-              <a:t>Besserer</a:t>
-            </a:r>
-            <a:r>
               <a:rPr lang="de-DE" baseline="0" dirty="0" smtClean="0"/>
-              <a:t> und eleganterer Ansatz. Nach vielem Bücherlesen</a:t>
+              <a:t>Beter </a:t>
+            </a:r>
+            <a:r>
+              <a:rPr lang="de-DE" baseline="0" dirty="0" err="1" smtClean="0"/>
+              <a:t>and</a:t>
+            </a:r>
+            <a:r>
+              <a:rPr lang="de-DE" baseline="0" dirty="0" smtClean="0"/>
+              <a:t> </a:t>
+            </a:r>
+            <a:r>
+              <a:rPr lang="de-DE" baseline="0" dirty="0" err="1" smtClean="0"/>
+              <a:t>more</a:t>
+            </a:r>
+            <a:r>
+              <a:rPr lang="de-DE" baseline="0" dirty="0" smtClean="0"/>
+              <a:t> elegant. After </a:t>
+            </a:r>
+            <a:r>
+              <a:rPr lang="de-DE" baseline="0" dirty="0" err="1" smtClean="0"/>
+              <a:t>reading</a:t>
+            </a:r>
+            <a:r>
+              <a:rPr lang="de-DE" baseline="0" dirty="0" smtClean="0"/>
+              <a:t> </a:t>
+            </a:r>
+            <a:r>
+              <a:rPr lang="de-DE" baseline="0" dirty="0" err="1" smtClean="0"/>
+              <a:t>tons</a:t>
+            </a:r>
+            <a:r>
+              <a:rPr lang="de-DE" baseline="0" dirty="0" smtClean="0"/>
+              <a:t> </a:t>
+            </a:r>
+            <a:r>
+              <a:rPr lang="de-DE" baseline="0" dirty="0" err="1" smtClean="0"/>
+              <a:t>of</a:t>
+            </a:r>
+            <a:r>
+              <a:rPr lang="de-DE" baseline="0" dirty="0" smtClean="0"/>
+              <a:t> </a:t>
+            </a:r>
+            <a:r>
+              <a:rPr lang="de-DE" baseline="0" dirty="0" err="1" smtClean="0"/>
+              <a:t>books</a:t>
             </a:r>
             <a:r>
               <a:rPr lang="de-DE" baseline="0" dirty="0" smtClean="0"/>
@@ -2351,25 +2778,181 @@
           </a:p>
           <a:p>
             <a:r>
+              <a:rPr lang="de-DE" baseline="0" dirty="0" err="1" smtClean="0"/>
+              <a:t>We</a:t>
+            </a:r>
+            <a:r>
               <a:rPr lang="de-DE" baseline="0" dirty="0" smtClean="0"/>
-              <a:t>Die Frequenz herausfinden, mit dem </a:t>
+              <a:t> </a:t>
             </a:r>
             <a:r>
               <a:rPr lang="de-DE" baseline="0" dirty="0" err="1" smtClean="0"/>
-              <a:t>hächsten</a:t>
+              <a:t>want</a:t>
             </a:r>
             <a:r>
               <a:rPr lang="de-DE" baseline="0" dirty="0" smtClean="0"/>
-              <a:t> amplituden-anteil (Am meisten vertretene </a:t>
+              <a:t> </a:t>
             </a:r>
             <a:r>
               <a:rPr lang="de-DE" baseline="0" dirty="0" err="1" smtClean="0"/>
+              <a:t>to</a:t>
+            </a:r>
+            <a:r>
+              <a:rPr lang="de-DE" baseline="0" dirty="0" smtClean="0"/>
+              <a:t> find </a:t>
+            </a:r>
+            <a:r>
+              <a:rPr lang="de-DE" baseline="0" dirty="0" err="1" smtClean="0"/>
+              <a:t>the</a:t>
+            </a:r>
+            <a:r>
+              <a:rPr lang="de-DE" baseline="0" dirty="0" smtClean="0"/>
+              <a:t> </a:t>
+            </a:r>
+            <a:r>
+              <a:rPr lang="de-DE" baseline="0" dirty="0" err="1" smtClean="0"/>
+              <a:t>frequency</a:t>
+            </a:r>
+            <a:r>
+              <a:rPr lang="de-DE" baseline="0" dirty="0" smtClean="0"/>
+              <a:t> </a:t>
+            </a:r>
+            <a:r>
+              <a:rPr lang="de-DE" baseline="0" dirty="0" err="1" smtClean="0"/>
+              <a:t>of</a:t>
+            </a:r>
+            <a:r>
+              <a:rPr lang="de-DE" baseline="0" dirty="0" smtClean="0"/>
+              <a:t> </a:t>
+            </a:r>
+            <a:r>
+              <a:rPr lang="de-DE" baseline="0" dirty="0" err="1" smtClean="0"/>
+              <a:t>the</a:t>
+            </a:r>
+            <a:r>
+              <a:rPr lang="de-DE" baseline="0" dirty="0" smtClean="0"/>
+              <a:t> pulse.</a:t>
+            </a:r>
+          </a:p>
+          <a:p>
+            <a:endParaRPr lang="de-DE" baseline="0" dirty="0" smtClean="0"/>
+          </a:p>
+          <a:p>
+            <a:r>
+              <a:rPr lang="de-DE" baseline="0" dirty="0" smtClean="0">
+                <a:sym typeface="Wingdings" panose="05000000000000000000" pitchFamily="2" charset="2"/>
+              </a:rPr>
+              <a:t> The </a:t>
+            </a:r>
+            <a:r>
+              <a:rPr lang="de-DE" baseline="0" dirty="0" err="1" smtClean="0">
+                <a:sym typeface="Wingdings" panose="05000000000000000000" pitchFamily="2" charset="2"/>
+              </a:rPr>
+              <a:t>frequency</a:t>
+            </a:r>
+            <a:r>
+              <a:rPr lang="de-DE" baseline="0" dirty="0" smtClean="0">
+                <a:sym typeface="Wingdings" panose="05000000000000000000" pitchFamily="2" charset="2"/>
+              </a:rPr>
+              <a:t> </a:t>
+            </a:r>
+            <a:r>
+              <a:rPr lang="de-DE" baseline="0" dirty="0" err="1" smtClean="0">
+                <a:sym typeface="Wingdings" panose="05000000000000000000" pitchFamily="2" charset="2"/>
+              </a:rPr>
+              <a:t>with</a:t>
+            </a:r>
+            <a:r>
+              <a:rPr lang="de-DE" baseline="0" dirty="0" smtClean="0">
+                <a:sym typeface="Wingdings" panose="05000000000000000000" pitchFamily="2" charset="2"/>
+              </a:rPr>
+              <a:t> </a:t>
+            </a:r>
+            <a:r>
+              <a:rPr lang="de-DE" baseline="0" dirty="0" err="1" smtClean="0">
+                <a:sym typeface="Wingdings" panose="05000000000000000000" pitchFamily="2" charset="2"/>
+              </a:rPr>
+              <a:t>the</a:t>
+            </a:r>
+            <a:r>
+              <a:rPr lang="de-DE" baseline="0" dirty="0" smtClean="0">
+                <a:sym typeface="Wingdings" panose="05000000000000000000" pitchFamily="2" charset="2"/>
+              </a:rPr>
+              <a:t> </a:t>
+            </a:r>
+            <a:r>
+              <a:rPr lang="de-DE" baseline="0" dirty="0" err="1" smtClean="0">
+                <a:sym typeface="Wingdings" panose="05000000000000000000" pitchFamily="2" charset="2"/>
+              </a:rPr>
+              <a:t>highes</a:t>
+            </a:r>
+            <a:r>
+              <a:rPr lang="de-DE" baseline="0" dirty="0" smtClean="0">
+                <a:sym typeface="Wingdings" panose="05000000000000000000" pitchFamily="2" charset="2"/>
+              </a:rPr>
+              <a:t> </a:t>
+            </a:r>
+            <a:r>
+              <a:rPr lang="de-DE" baseline="0" dirty="0" err="1" smtClean="0">
+                <a:sym typeface="Wingdings" panose="05000000000000000000" pitchFamily="2" charset="2"/>
+              </a:rPr>
+              <a:t>amplitude</a:t>
+            </a:r>
+            <a:r>
+              <a:rPr lang="de-DE" baseline="0" dirty="0" smtClean="0">
+                <a:sym typeface="Wingdings" panose="05000000000000000000" pitchFamily="2" charset="2"/>
+              </a:rPr>
+              <a:t> </a:t>
+            </a:r>
+            <a:r>
+              <a:rPr lang="de-DE" baseline="0" dirty="0" err="1" smtClean="0">
+                <a:sym typeface="Wingdings" panose="05000000000000000000" pitchFamily="2" charset="2"/>
+              </a:rPr>
+              <a:t>is</a:t>
+            </a:r>
+            <a:r>
+              <a:rPr lang="de-DE" baseline="0" dirty="0" smtClean="0">
+                <a:sym typeface="Wingdings" panose="05000000000000000000" pitchFamily="2" charset="2"/>
+              </a:rPr>
+              <a:t> </a:t>
+            </a:r>
+            <a:r>
+              <a:rPr lang="de-DE" baseline="0" dirty="0" err="1" smtClean="0">
+                <a:sym typeface="Wingdings" panose="05000000000000000000" pitchFamily="2" charset="2"/>
+              </a:rPr>
+              <a:t>the</a:t>
+            </a:r>
+            <a:r>
+              <a:rPr lang="de-DE" baseline="0" dirty="0" smtClean="0">
+                <a:sym typeface="Wingdings" panose="05000000000000000000" pitchFamily="2" charset="2"/>
+              </a:rPr>
+              <a:t> pulse (</a:t>
+            </a:r>
+            <a:r>
+              <a:rPr lang="de-DE" baseline="0" dirty="0" err="1" smtClean="0">
+                <a:sym typeface="Wingdings" panose="05000000000000000000" pitchFamily="2" charset="2"/>
+              </a:rPr>
               <a:t>sinus</a:t>
             </a:r>
             <a:r>
-              <a:rPr lang="de-DE" baseline="0" dirty="0" smtClean="0"/>
-              <a:t> Frequenz im Spektrum).</a:t>
-            </a:r>
+              <a:rPr lang="de-DE" baseline="0" dirty="0" smtClean="0">
+                <a:sym typeface="Wingdings" panose="05000000000000000000" pitchFamily="2" charset="2"/>
+              </a:rPr>
+              <a:t> </a:t>
+            </a:r>
+            <a:r>
+              <a:rPr lang="de-DE" baseline="0" dirty="0" err="1" smtClean="0">
+                <a:sym typeface="Wingdings" panose="05000000000000000000" pitchFamily="2" charset="2"/>
+              </a:rPr>
+              <a:t>frequency</a:t>
+            </a:r>
+            <a:r>
+              <a:rPr lang="de-DE" baseline="0" dirty="0" smtClean="0">
+                <a:sym typeface="Wingdings" panose="05000000000000000000" pitchFamily="2" charset="2"/>
+              </a:rPr>
+              <a:t>)</a:t>
+            </a:r>
+            <a:endParaRPr lang="de-DE" baseline="0" dirty="0" smtClean="0"/>
           </a:p>
         </p:txBody>
       </p:sp>
@@ -7335,16 +7918,7 @@
                 </a:solidFill>
                 <a:sym typeface="Wingdings" panose="05000000000000000000" pitchFamily="2" charset="2"/>
               </a:rPr>
-              <a:t> Fourier Transform (</a:t>
-            </a:r>
-            <a:r>
-              <a:rPr lang="de-DE" dirty="0" smtClean="0">
-                <a:solidFill>
-                  <a:srgbClr val="FF0000"/>
-                </a:solidFill>
-                <a:sym typeface="Wingdings" panose="05000000000000000000" pitchFamily="2" charset="2"/>
-              </a:rPr>
-              <a:t>DFT) - Forward </a:t>
+              <a:t> Fourier Transform (DFT) - Forward </a:t>
             </a:r>
             <a:r>
               <a:rPr lang="de-DE" dirty="0" err="1" smtClean="0">
@@ -8471,7 +9045,6 @@
               <a:rPr lang="de-DE" dirty="0" smtClean="0"/>
               <a:t>/</a:t>
             </a:r>
-            <a:endParaRPr lang="de-DE" dirty="0" smtClean="0"/>
           </a:p>
           <a:p>
             <a:pPr algn="ctr"/>
@@ -9058,9 +9631,6 @@
               </a:rPr>
               <a:t> </a:t>
             </a:r>
-            <a:endParaRPr lang="de-DE" dirty="0" smtClean="0">
-              <a:sym typeface="Wingdings" panose="05000000000000000000" pitchFamily="2" charset="2"/>
-            </a:endParaRPr>
           </a:p>
           <a:p>
             <a:r>
@@ -9073,13 +9643,7 @@
               <a:rPr lang="de-DE" dirty="0" smtClean="0">
                 <a:sym typeface="Wingdings" panose="05000000000000000000" pitchFamily="2" charset="2"/>
               </a:rPr>
-              <a:t> </a:t>
-            </a:r>
-            <a:r>
-              <a:rPr lang="de-DE" dirty="0" smtClean="0">
-                <a:sym typeface="Wingdings" panose="05000000000000000000" pitchFamily="2" charset="2"/>
-              </a:rPr>
-              <a:t>Domain</a:t>
+              <a:t> Domain</a:t>
             </a:r>
             <a:endParaRPr lang="en-US" dirty="0"/>
           </a:p>
@@ -9365,7 +9929,6 @@
               <a:rPr lang="de-DE" dirty="0" smtClean="0"/>
               <a:t>/</a:t>
             </a:r>
-            <a:endParaRPr lang="de-DE" dirty="0" smtClean="0"/>
           </a:p>
           <a:p>
             <a:pPr algn="ctr"/>
@@ -9667,13 +10230,7 @@
               <a:rPr lang="de-DE" dirty="0" smtClean="0">
                 <a:sym typeface="Wingdings" panose="05000000000000000000" pitchFamily="2" charset="2"/>
               </a:rPr>
-              <a:t>Interpolation </a:t>
-            </a:r>
-            <a:r>
-              <a:rPr lang="de-DE" dirty="0" smtClean="0">
-                <a:sym typeface="Wingdings" panose="05000000000000000000" pitchFamily="2" charset="2"/>
-              </a:rPr>
-              <a:t>(</a:t>
+              <a:t>Interpolation (</a:t>
             </a:r>
             <a:r>
               <a:rPr lang="de-DE" dirty="0" err="1" smtClean="0">
@@ -12551,7 +13108,6 @@
               <a:rPr lang="de-DE" dirty="0" smtClean="0"/>
               <a:t> time</a:t>
             </a:r>
-            <a:endParaRPr lang="de-DE" dirty="0" smtClean="0"/>
           </a:p>
           <a:p>
             <a:pPr lvl="1"/>
@@ -12958,11 +13514,7 @@
             </a:r>
             <a:r>
               <a:rPr lang="de-DE" dirty="0" smtClean="0"/>
-              <a:t> </a:t>
-            </a:r>
-            <a:r>
-              <a:rPr lang="de-DE" dirty="0" smtClean="0"/>
-              <a:t>on </a:t>
+              <a:t> on </a:t>
             </a:r>
             <a:r>
               <a:rPr lang="de-DE" dirty="0" err="1" smtClean="0"/>
@@ -12993,11 +13545,7 @@
             </a:r>
             <a:r>
               <a:rPr lang="de-DE" dirty="0" smtClean="0"/>
-              <a:t> </a:t>
-            </a:r>
-            <a:r>
-              <a:rPr lang="de-DE" dirty="0" smtClean="0"/>
-              <a:t>(</a:t>
+              <a:t> (</a:t>
             </a:r>
             <a:r>
               <a:rPr lang="de-DE" dirty="0" err="1" smtClean="0"/>
@@ -13005,11 +13553,7 @@
             </a:r>
             <a:r>
               <a:rPr lang="de-DE" dirty="0" smtClean="0"/>
-              <a:t>, </a:t>
-            </a:r>
-            <a:r>
-              <a:rPr lang="de-DE" dirty="0" smtClean="0"/>
-              <a:t>…)</a:t>
+              <a:t>, …)</a:t>
             </a:r>
             <a:endParaRPr lang="de-DE" dirty="0"/>
           </a:p>

--- a/res/HeartRateMonitor.pptx
+++ b/res/HeartRateMonitor.pptx
@@ -2007,7 +2007,6 @@
               <a:rPr lang="de-DE" baseline="0" dirty="0" smtClean="0"/>
               <a:t>).</a:t>
             </a:r>
-            <a:endParaRPr lang="de-DE" baseline="0" dirty="0" smtClean="0"/>
           </a:p>
           <a:p>
             <a:r>
@@ -2238,7 +2237,6 @@
               <a:rPr lang="de-DE" baseline="0" dirty="0" smtClean="0"/>
               <a:t> rate.</a:t>
             </a:r>
-            <a:endParaRPr lang="de-DE" baseline="0" dirty="0" smtClean="0"/>
           </a:p>
         </p:txBody>
       </p:sp>
@@ -8869,383 +8867,398 @@
           </a:p>
         </p:txBody>
       </p:sp>
-      <p:sp>
-        <p:nvSpPr>
-          <p:cNvPr id="4" name="Rechteck 3"/>
-          <p:cNvSpPr/>
+      <p:grpSp>
+        <p:nvGrpSpPr>
+          <p:cNvPr id="3" name="Gruppieren 2"/>
+          <p:cNvGrpSpPr/>
           <p:nvPr/>
-        </p:nvSpPr>
-        <p:spPr>
+        </p:nvGrpSpPr>
+        <p:grpSpPr>
           <a:xfrm>
             <a:off x="251520" y="1985525"/>
-            <a:ext cx="1584176" cy="936104"/>
+            <a:ext cx="8712968" cy="939419"/>
+            <a:chOff x="251520" y="1985525"/>
+            <a:chExt cx="8712968" cy="939419"/>
           </a:xfrm>
-          <a:prstGeom prst="rect">
-            <a:avLst/>
-          </a:prstGeom>
-        </p:spPr>
-        <p:style>
-          <a:lnRef idx="1">
-            <a:schemeClr val="accent5"/>
-          </a:lnRef>
-          <a:fillRef idx="2">
-            <a:schemeClr val="accent5"/>
-          </a:fillRef>
-          <a:effectRef idx="1">
-            <a:schemeClr val="accent5"/>
-          </a:effectRef>
-          <a:fontRef idx="minor">
-            <a:schemeClr val="dk1"/>
-          </a:fontRef>
-        </p:style>
-        <p:txBody>
-          <a:bodyPr rtlCol="0" anchor="ctr"/>
-          <a:lstStyle/>
-          <a:p>
-            <a:pPr algn="ctr"/>
-            <a:r>
-              <a:rPr lang="de-DE" dirty="0" smtClean="0"/>
-              <a:t>Filter</a:t>
-            </a:r>
-            <a:endParaRPr lang="en-US" dirty="0"/>
-          </a:p>
-        </p:txBody>
-      </p:sp>
-      <p:sp>
-        <p:nvSpPr>
-          <p:cNvPr id="5" name="Rechteck 4"/>
-          <p:cNvSpPr/>
-          <p:nvPr/>
-        </p:nvSpPr>
-        <p:spPr>
-          <a:xfrm>
-            <a:off x="2033718" y="1988840"/>
-            <a:ext cx="1584176" cy="936104"/>
-          </a:xfrm>
-          <a:prstGeom prst="rect">
-            <a:avLst/>
-          </a:prstGeom>
-        </p:spPr>
-        <p:style>
-          <a:lnRef idx="1">
-            <a:schemeClr val="accent5"/>
-          </a:lnRef>
-          <a:fillRef idx="2">
-            <a:schemeClr val="accent5"/>
-          </a:fillRef>
-          <a:effectRef idx="1">
-            <a:schemeClr val="accent5"/>
-          </a:effectRef>
-          <a:fontRef idx="minor">
-            <a:schemeClr val="dk1"/>
-          </a:fontRef>
-        </p:style>
-        <p:txBody>
-          <a:bodyPr rtlCol="0" anchor="ctr"/>
-          <a:lstStyle/>
-          <a:p>
-            <a:pPr algn="ctr"/>
-            <a:r>
-              <a:rPr lang="de-DE" dirty="0" err="1" smtClean="0"/>
-              <a:t>Window</a:t>
-            </a:r>
-            <a:r>
-              <a:rPr lang="de-DE" dirty="0" smtClean="0"/>
-              <a:t> </a:t>
-            </a:r>
-            <a:r>
-              <a:rPr lang="de-DE" dirty="0" err="1" smtClean="0"/>
-              <a:t>Function</a:t>
-            </a:r>
-            <a:endParaRPr lang="en-US" dirty="0"/>
-          </a:p>
-        </p:txBody>
-      </p:sp>
-      <p:sp>
-        <p:nvSpPr>
-          <p:cNvPr id="6" name="Rechteck 5"/>
-          <p:cNvSpPr/>
-          <p:nvPr/>
-        </p:nvSpPr>
-        <p:spPr>
-          <a:xfrm>
-            <a:off x="5598114" y="1988840"/>
-            <a:ext cx="1584176" cy="936104"/>
-          </a:xfrm>
-          <a:prstGeom prst="rect">
-            <a:avLst/>
-          </a:prstGeom>
-        </p:spPr>
-        <p:style>
-          <a:lnRef idx="1">
-            <a:schemeClr val="accent5"/>
-          </a:lnRef>
-          <a:fillRef idx="2">
-            <a:schemeClr val="accent5"/>
-          </a:fillRef>
-          <a:effectRef idx="1">
-            <a:schemeClr val="accent5"/>
-          </a:effectRef>
-          <a:fontRef idx="minor">
-            <a:schemeClr val="dk1"/>
-          </a:fontRef>
-        </p:style>
-        <p:txBody>
-          <a:bodyPr rtlCol="0" anchor="ctr"/>
-          <a:lstStyle/>
-          <a:p>
-            <a:pPr algn="ctr"/>
-            <a:r>
-              <a:rPr lang="de-DE" dirty="0" smtClean="0"/>
-              <a:t>FFT</a:t>
-            </a:r>
-            <a:endParaRPr lang="en-US" dirty="0"/>
-          </a:p>
-        </p:txBody>
-      </p:sp>
-      <p:sp>
-        <p:nvSpPr>
-          <p:cNvPr id="7" name="Rechteck 6"/>
-          <p:cNvSpPr/>
-          <p:nvPr/>
-        </p:nvSpPr>
-        <p:spPr>
-          <a:xfrm>
-            <a:off x="7380312" y="1988840"/>
-            <a:ext cx="1584176" cy="936104"/>
-          </a:xfrm>
-          <a:prstGeom prst="rect">
-            <a:avLst/>
-          </a:prstGeom>
-        </p:spPr>
-        <p:style>
-          <a:lnRef idx="1">
-            <a:schemeClr val="accent5"/>
-          </a:lnRef>
-          <a:fillRef idx="2">
-            <a:schemeClr val="accent5"/>
-          </a:fillRef>
-          <a:effectRef idx="1">
-            <a:schemeClr val="accent5"/>
-          </a:effectRef>
-          <a:fontRef idx="minor">
-            <a:schemeClr val="dk1"/>
-          </a:fontRef>
-        </p:style>
-        <p:txBody>
-          <a:bodyPr rtlCol="0" anchor="ctr"/>
-          <a:lstStyle/>
-          <a:p>
-            <a:pPr algn="ctr"/>
-            <a:r>
-              <a:rPr lang="de-DE" dirty="0" err="1" smtClean="0"/>
-              <a:t>Converting</a:t>
-            </a:r>
-            <a:r>
-              <a:rPr lang="de-DE" dirty="0" smtClean="0"/>
-              <a:t>/</a:t>
-            </a:r>
-          </a:p>
-          <a:p>
-            <a:pPr algn="ctr"/>
-            <a:r>
-              <a:rPr lang="de-DE" dirty="0" err="1" smtClean="0"/>
-              <a:t>Scaling</a:t>
-            </a:r>
-            <a:endParaRPr lang="en-US" dirty="0"/>
-          </a:p>
-        </p:txBody>
-      </p:sp>
-      <p:cxnSp>
-        <p:nvCxnSpPr>
-          <p:cNvPr id="9" name="Gerade Verbindung mit Pfeil 8"/>
-          <p:cNvCxnSpPr>
-            <a:stCxn id="4" idx="3"/>
-            <a:endCxn id="5" idx="1"/>
-          </p:cNvCxnSpPr>
-          <p:nvPr/>
-        </p:nvCxnSpPr>
-        <p:spPr>
-          <a:xfrm>
-            <a:off x="1835696" y="2453577"/>
-            <a:ext cx="198022" cy="3315"/>
-          </a:xfrm>
-          <a:prstGeom prst="straightConnector1">
-            <a:avLst/>
-          </a:prstGeom>
-          <a:ln>
-            <a:tailEnd type="arrow"/>
-          </a:ln>
-        </p:spPr>
-        <p:style>
-          <a:lnRef idx="2">
-            <a:schemeClr val="accent1"/>
-          </a:lnRef>
-          <a:fillRef idx="0">
-            <a:schemeClr val="accent1"/>
-          </a:fillRef>
-          <a:effectRef idx="1">
-            <a:schemeClr val="accent1"/>
-          </a:effectRef>
-          <a:fontRef idx="minor">
-            <a:schemeClr val="tx1"/>
-          </a:fontRef>
-        </p:style>
-      </p:cxnSp>
-      <p:cxnSp>
-        <p:nvCxnSpPr>
-          <p:cNvPr id="11" name="Gerade Verbindung mit Pfeil 10"/>
-          <p:cNvCxnSpPr>
-            <a:stCxn id="5" idx="3"/>
-            <a:endCxn id="10" idx="1"/>
-          </p:cNvCxnSpPr>
-          <p:nvPr/>
-        </p:nvCxnSpPr>
-        <p:spPr>
-          <a:xfrm>
-            <a:off x="3617894" y="2456892"/>
-            <a:ext cx="198022" cy="0"/>
-          </a:xfrm>
-          <a:prstGeom prst="straightConnector1">
-            <a:avLst/>
-          </a:prstGeom>
-          <a:ln>
-            <a:tailEnd type="arrow"/>
-          </a:ln>
-        </p:spPr>
-        <p:style>
-          <a:lnRef idx="2">
-            <a:schemeClr val="accent1"/>
-          </a:lnRef>
-          <a:fillRef idx="0">
-            <a:schemeClr val="accent1"/>
-          </a:fillRef>
-          <a:effectRef idx="1">
-            <a:schemeClr val="accent1"/>
-          </a:effectRef>
-          <a:fontRef idx="minor">
-            <a:schemeClr val="tx1"/>
-          </a:fontRef>
-        </p:style>
-      </p:cxnSp>
-      <p:cxnSp>
-        <p:nvCxnSpPr>
-          <p:cNvPr id="13" name="Gerade Verbindung mit Pfeil 12"/>
-          <p:cNvCxnSpPr>
-            <a:stCxn id="6" idx="3"/>
-            <a:endCxn id="7" idx="1"/>
-          </p:cNvCxnSpPr>
-          <p:nvPr/>
-        </p:nvCxnSpPr>
-        <p:spPr>
-          <a:xfrm>
-            <a:off x="7182290" y="2456892"/>
-            <a:ext cx="198022" cy="0"/>
-          </a:xfrm>
-          <a:prstGeom prst="straightConnector1">
-            <a:avLst/>
-          </a:prstGeom>
-          <a:ln>
-            <a:tailEnd type="arrow"/>
-          </a:ln>
-        </p:spPr>
-        <p:style>
-          <a:lnRef idx="2">
-            <a:schemeClr val="accent1"/>
-          </a:lnRef>
-          <a:fillRef idx="0">
-            <a:schemeClr val="accent1"/>
-          </a:fillRef>
-          <a:effectRef idx="1">
-            <a:schemeClr val="accent1"/>
-          </a:effectRef>
-          <a:fontRef idx="minor">
-            <a:schemeClr val="tx1"/>
-          </a:fontRef>
-        </p:style>
-      </p:cxnSp>
-      <p:sp>
-        <p:nvSpPr>
-          <p:cNvPr id="10" name="Rechteck 9"/>
-          <p:cNvSpPr/>
-          <p:nvPr/>
-        </p:nvSpPr>
-        <p:spPr>
-          <a:xfrm>
-            <a:off x="3815916" y="1988840"/>
-            <a:ext cx="1584176" cy="936104"/>
-          </a:xfrm>
-          <a:prstGeom prst="rect">
-            <a:avLst/>
-          </a:prstGeom>
-        </p:spPr>
-        <p:style>
-          <a:lnRef idx="1">
-            <a:schemeClr val="accent5"/>
-          </a:lnRef>
-          <a:fillRef idx="2">
-            <a:schemeClr val="accent5"/>
-          </a:fillRef>
-          <a:effectRef idx="1">
-            <a:schemeClr val="accent5"/>
-          </a:effectRef>
-          <a:fontRef idx="minor">
-            <a:schemeClr val="dk1"/>
-          </a:fontRef>
-        </p:style>
-        <p:txBody>
-          <a:bodyPr rtlCol="0" anchor="ctr"/>
-          <a:lstStyle/>
-          <a:p>
-            <a:pPr algn="ctr"/>
-            <a:r>
-              <a:rPr lang="de-DE" dirty="0" smtClean="0"/>
-              <a:t>Zero </a:t>
-            </a:r>
-            <a:r>
-              <a:rPr lang="de-DE" dirty="0" err="1" smtClean="0"/>
-              <a:t>Padding</a:t>
-            </a:r>
-            <a:endParaRPr lang="en-US" dirty="0"/>
-          </a:p>
-        </p:txBody>
-      </p:sp>
-      <p:cxnSp>
-        <p:nvCxnSpPr>
-          <p:cNvPr id="14" name="Gerade Verbindung mit Pfeil 13"/>
-          <p:cNvCxnSpPr>
-            <a:stCxn id="10" idx="3"/>
-            <a:endCxn id="6" idx="1"/>
-          </p:cNvCxnSpPr>
-          <p:nvPr/>
-        </p:nvCxnSpPr>
-        <p:spPr>
-          <a:xfrm>
-            <a:off x="5400092" y="2456892"/>
-            <a:ext cx="198022" cy="0"/>
-          </a:xfrm>
-          <a:prstGeom prst="straightConnector1">
-            <a:avLst/>
-          </a:prstGeom>
-          <a:ln>
-            <a:tailEnd type="arrow"/>
-          </a:ln>
-        </p:spPr>
-        <p:style>
-          <a:lnRef idx="2">
-            <a:schemeClr val="accent1"/>
-          </a:lnRef>
-          <a:fillRef idx="0">
-            <a:schemeClr val="accent1"/>
-          </a:fillRef>
-          <a:effectRef idx="1">
-            <a:schemeClr val="accent1"/>
-          </a:effectRef>
-          <a:fontRef idx="minor">
-            <a:schemeClr val="tx1"/>
-          </a:fontRef>
-        </p:style>
-      </p:cxnSp>
+        </p:grpSpPr>
+        <p:sp>
+          <p:nvSpPr>
+            <p:cNvPr id="4" name="Rechteck 3"/>
+            <p:cNvSpPr/>
+            <p:nvPr/>
+          </p:nvSpPr>
+          <p:spPr>
+            <a:xfrm>
+              <a:off x="251520" y="1985525"/>
+              <a:ext cx="1584176" cy="936104"/>
+            </a:xfrm>
+            <a:prstGeom prst="rect">
+              <a:avLst/>
+            </a:prstGeom>
+          </p:spPr>
+          <p:style>
+            <a:lnRef idx="1">
+              <a:schemeClr val="accent5"/>
+            </a:lnRef>
+            <a:fillRef idx="2">
+              <a:schemeClr val="accent5"/>
+            </a:fillRef>
+            <a:effectRef idx="1">
+              <a:schemeClr val="accent5"/>
+            </a:effectRef>
+            <a:fontRef idx="minor">
+              <a:schemeClr val="dk1"/>
+            </a:fontRef>
+          </p:style>
+          <p:txBody>
+            <a:bodyPr rtlCol="0" anchor="ctr"/>
+            <a:lstStyle/>
+            <a:p>
+              <a:pPr algn="ctr"/>
+              <a:r>
+                <a:rPr lang="de-DE" dirty="0" smtClean="0"/>
+                <a:t>Filter</a:t>
+              </a:r>
+              <a:endParaRPr lang="en-US" dirty="0"/>
+            </a:p>
+          </p:txBody>
+        </p:sp>
+        <p:sp>
+          <p:nvSpPr>
+            <p:cNvPr id="5" name="Rechteck 4"/>
+            <p:cNvSpPr/>
+            <p:nvPr/>
+          </p:nvSpPr>
+          <p:spPr>
+            <a:xfrm>
+              <a:off x="2033718" y="1988840"/>
+              <a:ext cx="1584176" cy="936104"/>
+            </a:xfrm>
+            <a:prstGeom prst="rect">
+              <a:avLst/>
+            </a:prstGeom>
+          </p:spPr>
+          <p:style>
+            <a:lnRef idx="1">
+              <a:schemeClr val="accent5"/>
+            </a:lnRef>
+            <a:fillRef idx="2">
+              <a:schemeClr val="accent5"/>
+            </a:fillRef>
+            <a:effectRef idx="1">
+              <a:schemeClr val="accent5"/>
+            </a:effectRef>
+            <a:fontRef idx="minor">
+              <a:schemeClr val="dk1"/>
+            </a:fontRef>
+          </p:style>
+          <p:txBody>
+            <a:bodyPr rtlCol="0" anchor="ctr"/>
+            <a:lstStyle/>
+            <a:p>
+              <a:pPr algn="ctr"/>
+              <a:r>
+                <a:rPr lang="de-DE" dirty="0" err="1" smtClean="0"/>
+                <a:t>Window</a:t>
+              </a:r>
+              <a:r>
+                <a:rPr lang="de-DE" dirty="0" smtClean="0"/>
+                <a:t> </a:t>
+              </a:r>
+              <a:r>
+                <a:rPr lang="de-DE" dirty="0" err="1" smtClean="0"/>
+                <a:t>Function</a:t>
+              </a:r>
+              <a:endParaRPr lang="en-US" dirty="0"/>
+            </a:p>
+          </p:txBody>
+        </p:sp>
+        <p:sp>
+          <p:nvSpPr>
+            <p:cNvPr id="6" name="Rechteck 5"/>
+            <p:cNvSpPr/>
+            <p:nvPr/>
+          </p:nvSpPr>
+          <p:spPr>
+            <a:xfrm>
+              <a:off x="5598114" y="1988840"/>
+              <a:ext cx="1584176" cy="936104"/>
+            </a:xfrm>
+            <a:prstGeom prst="rect">
+              <a:avLst/>
+            </a:prstGeom>
+          </p:spPr>
+          <p:style>
+            <a:lnRef idx="1">
+              <a:schemeClr val="accent5"/>
+            </a:lnRef>
+            <a:fillRef idx="2">
+              <a:schemeClr val="accent5"/>
+            </a:fillRef>
+            <a:effectRef idx="1">
+              <a:schemeClr val="accent5"/>
+            </a:effectRef>
+            <a:fontRef idx="minor">
+              <a:schemeClr val="dk1"/>
+            </a:fontRef>
+          </p:style>
+          <p:txBody>
+            <a:bodyPr rtlCol="0" anchor="ctr"/>
+            <a:lstStyle/>
+            <a:p>
+              <a:pPr algn="ctr"/>
+              <a:r>
+                <a:rPr lang="de-DE" dirty="0" smtClean="0"/>
+                <a:t>FFT</a:t>
+              </a:r>
+              <a:endParaRPr lang="en-US" dirty="0"/>
+            </a:p>
+          </p:txBody>
+        </p:sp>
+        <p:sp>
+          <p:nvSpPr>
+            <p:cNvPr id="7" name="Rechteck 6"/>
+            <p:cNvSpPr/>
+            <p:nvPr/>
+          </p:nvSpPr>
+          <p:spPr>
+            <a:xfrm>
+              <a:off x="7380312" y="1988840"/>
+              <a:ext cx="1584176" cy="936104"/>
+            </a:xfrm>
+            <a:prstGeom prst="rect">
+              <a:avLst/>
+            </a:prstGeom>
+          </p:spPr>
+          <p:style>
+            <a:lnRef idx="1">
+              <a:schemeClr val="accent5"/>
+            </a:lnRef>
+            <a:fillRef idx="2">
+              <a:schemeClr val="accent5"/>
+            </a:fillRef>
+            <a:effectRef idx="1">
+              <a:schemeClr val="accent5"/>
+            </a:effectRef>
+            <a:fontRef idx="minor">
+              <a:schemeClr val="dk1"/>
+            </a:fontRef>
+          </p:style>
+          <p:txBody>
+            <a:bodyPr rtlCol="0" anchor="ctr"/>
+            <a:lstStyle/>
+            <a:p>
+              <a:pPr algn="ctr"/>
+              <a:r>
+                <a:rPr lang="de-DE" dirty="0" err="1" smtClean="0"/>
+                <a:t>Converting</a:t>
+              </a:r>
+              <a:r>
+                <a:rPr lang="de-DE" dirty="0" smtClean="0"/>
+                <a:t>/</a:t>
+              </a:r>
+            </a:p>
+            <a:p>
+              <a:pPr algn="ctr"/>
+              <a:r>
+                <a:rPr lang="de-DE" dirty="0" err="1" smtClean="0"/>
+                <a:t>Scaling</a:t>
+              </a:r>
+              <a:endParaRPr lang="en-US" dirty="0"/>
+            </a:p>
+          </p:txBody>
+        </p:sp>
+        <p:cxnSp>
+          <p:nvCxnSpPr>
+            <p:cNvPr id="9" name="Gerade Verbindung mit Pfeil 8"/>
+            <p:cNvCxnSpPr>
+              <a:stCxn id="4" idx="3"/>
+              <a:endCxn id="5" idx="1"/>
+            </p:cNvCxnSpPr>
+            <p:nvPr/>
+          </p:nvCxnSpPr>
+          <p:spPr>
+            <a:xfrm>
+              <a:off x="1835696" y="2453577"/>
+              <a:ext cx="198022" cy="3315"/>
+            </a:xfrm>
+            <a:prstGeom prst="straightConnector1">
+              <a:avLst/>
+            </a:prstGeom>
+            <a:ln>
+              <a:tailEnd type="arrow"/>
+            </a:ln>
+          </p:spPr>
+          <p:style>
+            <a:lnRef idx="2">
+              <a:schemeClr val="accent1"/>
+            </a:lnRef>
+            <a:fillRef idx="0">
+              <a:schemeClr val="accent1"/>
+            </a:fillRef>
+            <a:effectRef idx="1">
+              <a:schemeClr val="accent1"/>
+            </a:effectRef>
+            <a:fontRef idx="minor">
+              <a:schemeClr val="tx1"/>
+            </a:fontRef>
+          </p:style>
+        </p:cxnSp>
+        <p:cxnSp>
+          <p:nvCxnSpPr>
+            <p:cNvPr id="11" name="Gerade Verbindung mit Pfeil 10"/>
+            <p:cNvCxnSpPr>
+              <a:stCxn id="5" idx="3"/>
+              <a:endCxn id="10" idx="1"/>
+            </p:cNvCxnSpPr>
+            <p:nvPr/>
+          </p:nvCxnSpPr>
+          <p:spPr>
+            <a:xfrm>
+              <a:off x="3617894" y="2456892"/>
+              <a:ext cx="198022" cy="0"/>
+            </a:xfrm>
+            <a:prstGeom prst="straightConnector1">
+              <a:avLst/>
+            </a:prstGeom>
+            <a:ln>
+              <a:tailEnd type="arrow"/>
+            </a:ln>
+          </p:spPr>
+          <p:style>
+            <a:lnRef idx="2">
+              <a:schemeClr val="accent1"/>
+            </a:lnRef>
+            <a:fillRef idx="0">
+              <a:schemeClr val="accent1"/>
+            </a:fillRef>
+            <a:effectRef idx="1">
+              <a:schemeClr val="accent1"/>
+            </a:effectRef>
+            <a:fontRef idx="minor">
+              <a:schemeClr val="tx1"/>
+            </a:fontRef>
+          </p:style>
+        </p:cxnSp>
+        <p:cxnSp>
+          <p:nvCxnSpPr>
+            <p:cNvPr id="13" name="Gerade Verbindung mit Pfeil 12"/>
+            <p:cNvCxnSpPr>
+              <a:stCxn id="6" idx="3"/>
+              <a:endCxn id="7" idx="1"/>
+            </p:cNvCxnSpPr>
+            <p:nvPr/>
+          </p:nvCxnSpPr>
+          <p:spPr>
+            <a:xfrm>
+              <a:off x="7182290" y="2456892"/>
+              <a:ext cx="198022" cy="0"/>
+            </a:xfrm>
+            <a:prstGeom prst="straightConnector1">
+              <a:avLst/>
+            </a:prstGeom>
+            <a:ln>
+              <a:tailEnd type="arrow"/>
+            </a:ln>
+          </p:spPr>
+          <p:style>
+            <a:lnRef idx="2">
+              <a:schemeClr val="accent1"/>
+            </a:lnRef>
+            <a:fillRef idx="0">
+              <a:schemeClr val="accent1"/>
+            </a:fillRef>
+            <a:effectRef idx="1">
+              <a:schemeClr val="accent1"/>
+            </a:effectRef>
+            <a:fontRef idx="minor">
+              <a:schemeClr val="tx1"/>
+            </a:fontRef>
+          </p:style>
+        </p:cxnSp>
+        <p:sp>
+          <p:nvSpPr>
+            <p:cNvPr id="10" name="Rechteck 9"/>
+            <p:cNvSpPr/>
+            <p:nvPr/>
+          </p:nvSpPr>
+          <p:spPr>
+            <a:xfrm>
+              <a:off x="3815916" y="1988840"/>
+              <a:ext cx="1584176" cy="936104"/>
+            </a:xfrm>
+            <a:prstGeom prst="rect">
+              <a:avLst/>
+            </a:prstGeom>
+          </p:spPr>
+          <p:style>
+            <a:lnRef idx="1">
+              <a:schemeClr val="accent5"/>
+            </a:lnRef>
+            <a:fillRef idx="2">
+              <a:schemeClr val="accent5"/>
+            </a:fillRef>
+            <a:effectRef idx="1">
+              <a:schemeClr val="accent5"/>
+            </a:effectRef>
+            <a:fontRef idx="minor">
+              <a:schemeClr val="dk1"/>
+            </a:fontRef>
+          </p:style>
+          <p:txBody>
+            <a:bodyPr rtlCol="0" anchor="ctr"/>
+            <a:lstStyle/>
+            <a:p>
+              <a:pPr algn="ctr"/>
+              <a:r>
+                <a:rPr lang="de-DE" dirty="0" smtClean="0"/>
+                <a:t>Zero </a:t>
+              </a:r>
+              <a:r>
+                <a:rPr lang="de-DE" dirty="0" err="1" smtClean="0"/>
+                <a:t>Padding</a:t>
+              </a:r>
+              <a:endParaRPr lang="en-US" dirty="0"/>
+            </a:p>
+          </p:txBody>
+        </p:sp>
+        <p:cxnSp>
+          <p:nvCxnSpPr>
+            <p:cNvPr id="14" name="Gerade Verbindung mit Pfeil 13"/>
+            <p:cNvCxnSpPr>
+              <a:stCxn id="10" idx="3"/>
+              <a:endCxn id="6" idx="1"/>
+            </p:cNvCxnSpPr>
+            <p:nvPr/>
+          </p:nvCxnSpPr>
+          <p:spPr>
+            <a:xfrm>
+              <a:off x="5400092" y="2456892"/>
+              <a:ext cx="198022" cy="0"/>
+            </a:xfrm>
+            <a:prstGeom prst="straightConnector1">
+              <a:avLst/>
+            </a:prstGeom>
+            <a:ln>
+              <a:tailEnd type="arrow"/>
+            </a:ln>
+          </p:spPr>
+          <p:style>
+            <a:lnRef idx="2">
+              <a:schemeClr val="accent1"/>
+            </a:lnRef>
+            <a:fillRef idx="0">
+              <a:schemeClr val="accent1"/>
+            </a:fillRef>
+            <a:effectRef idx="1">
+              <a:schemeClr val="accent1"/>
+            </a:effectRef>
+            <a:fontRef idx="minor">
+              <a:schemeClr val="tx1"/>
+            </a:fontRef>
+          </p:style>
+        </p:cxnSp>
+      </p:grpSp>
     </p:spTree>
     <p:extLst>
       <p:ext uri="{BB962C8B-B14F-4D97-AF65-F5344CB8AC3E}">

--- a/res/HeartRateMonitor.pptx
+++ b/res/HeartRateMonitor.pptx
@@ -16134,8 +16134,8 @@
         </p:nvSpPr>
         <p:spPr>
           <a:xfrm>
-            <a:off x="457200" y="1600201"/>
-            <a:ext cx="8229600" cy="1324744"/>
+            <a:off x="457200" y="1600200"/>
+            <a:ext cx="8229600" cy="3196951"/>
           </a:xfrm>
         </p:spPr>
         <p:txBody>
@@ -16150,21 +16150,39 @@
             </a:r>
             <a:r>
               <a:rPr lang="de-DE" dirty="0" smtClean="0"/>
-              <a:t> LED (960nm)</a:t>
-            </a:r>
-          </a:p>
-          <a:p>
-            <a:r>
-              <a:rPr lang="de-DE" dirty="0" smtClean="0"/>
-              <a:t>IR LED (</a:t>
-            </a:r>
-            <a:r>
-              <a:rPr lang="de-DE" dirty="0" smtClean="0">
-                <a:solidFill>
-                  <a:srgbClr val="FF0000"/>
-                </a:solidFill>
-              </a:rPr>
-              <a:t>TODO</a:t>
+              <a:t> LED </a:t>
+            </a:r>
+            <a:r>
+              <a:rPr lang="de-DE" dirty="0" smtClean="0"/>
+              <a:t>(660nm</a:t>
+            </a:r>
+            <a:r>
+              <a:rPr lang="de-DE" dirty="0" smtClean="0"/>
+              <a:t>)</a:t>
+            </a:r>
+          </a:p>
+          <a:p>
+            <a:r>
+              <a:rPr lang="de-DE" dirty="0" smtClean="0"/>
+              <a:t>IR LED </a:t>
+            </a:r>
+            <a:r>
+              <a:rPr lang="de-DE" dirty="0" smtClean="0"/>
+              <a:t>(940nm</a:t>
+            </a:r>
+            <a:r>
+              <a:rPr lang="de-DE" dirty="0" smtClean="0"/>
+              <a:t>)</a:t>
+            </a:r>
+          </a:p>
+          <a:p>
+            <a:r>
+              <a:rPr lang="de-DE" dirty="0" smtClean="0"/>
+              <a:t>Rate: time </a:t>
+            </a:r>
+            <a:r>
+              <a:rPr lang="de-DE" dirty="0" err="1" smtClean="0"/>
+              <a:t>between</a:t>
             </a:r>
             <a:r>
               <a:rPr lang="de-DE" dirty="0" smtClean="0"/>
@@ -16172,12 +16190,68 @@
             </a:r>
             <a:r>
               <a:rPr lang="de-DE" dirty="0" err="1" smtClean="0"/>
-              <a:t>nm</a:t>
-            </a:r>
-            <a:r>
-              <a:rPr lang="de-DE" dirty="0" smtClean="0"/>
-              <a:t>)</a:t>
-            </a:r>
+              <a:t>two</a:t>
+            </a:r>
+            <a:r>
+              <a:rPr lang="de-DE" dirty="0" smtClean="0"/>
+              <a:t> </a:t>
+            </a:r>
+            <a:r>
+              <a:rPr lang="de-DE" dirty="0" err="1" smtClean="0"/>
+              <a:t>peaks</a:t>
+            </a:r>
+            <a:endParaRPr lang="de-DE" dirty="0" smtClean="0"/>
+          </a:p>
+          <a:p>
+            <a:r>
+              <a:rPr lang="de-DE" dirty="0" smtClean="0"/>
+              <a:t>Saturation: </a:t>
+            </a:r>
+            <a:r>
+              <a:rPr lang="de-DE" dirty="0" err="1" smtClean="0"/>
+              <a:t>difference</a:t>
+            </a:r>
+            <a:r>
+              <a:rPr lang="de-DE" dirty="0" smtClean="0"/>
+              <a:t> </a:t>
+            </a:r>
+            <a:r>
+              <a:rPr lang="de-DE" dirty="0" err="1" smtClean="0"/>
+              <a:t>between</a:t>
+            </a:r>
+            <a:r>
+              <a:rPr lang="de-DE" dirty="0" smtClean="0"/>
+              <a:t> </a:t>
+            </a:r>
+            <a:r>
+              <a:rPr lang="de-DE" dirty="0" err="1" smtClean="0"/>
+              <a:t>red</a:t>
+            </a:r>
+            <a:r>
+              <a:rPr lang="de-DE" dirty="0" smtClean="0"/>
+              <a:t> </a:t>
+            </a:r>
+            <a:r>
+              <a:rPr lang="de-DE" dirty="0" err="1" smtClean="0"/>
+              <a:t>and</a:t>
+            </a:r>
+            <a:r>
+              <a:rPr lang="de-DE" dirty="0" smtClean="0"/>
+              <a:t> </a:t>
+            </a:r>
+            <a:r>
+              <a:rPr lang="de-DE" dirty="0" err="1" smtClean="0"/>
+              <a:t>infrared</a:t>
+            </a:r>
+            <a:r>
+              <a:rPr lang="de-DE" dirty="0" smtClean="0"/>
+              <a:t> light </a:t>
+            </a:r>
+            <a:r>
+              <a:rPr lang="de-DE" dirty="0" err="1" smtClean="0"/>
+              <a:t>intensity</a:t>
+            </a:r>
+            <a:endParaRPr lang="de-DE" dirty="0" smtClean="0"/>
           </a:p>
         </p:txBody>
       </p:sp>
@@ -16229,54 +16303,6 @@
               <a:t>difference.</a:t>
             </a:r>
             <a:endParaRPr lang="en-US" sz="2800" dirty="0"/>
-          </a:p>
-        </p:txBody>
-      </p:sp>
-      <p:sp>
-        <p:nvSpPr>
-          <p:cNvPr id="5" name="Textfeld 4"/>
-          <p:cNvSpPr txBox="1"/>
-          <p:nvPr/>
-        </p:nvSpPr>
-        <p:spPr>
-          <a:xfrm>
-            <a:off x="5436096" y="2895835"/>
-            <a:ext cx="2564485" cy="1323439"/>
-          </a:xfrm>
-          <a:prstGeom prst="rect">
-            <a:avLst/>
-          </a:prstGeom>
-          <a:noFill/>
-        </p:spPr>
-        <p:txBody>
-          <a:bodyPr wrap="none" rtlCol="0">
-            <a:spAutoFit/>
-          </a:bodyPr>
-          <a:lstStyle/>
-          <a:p>
-            <a:r>
-              <a:rPr lang="de-DE" sz="4000" dirty="0" smtClean="0">
-                <a:solidFill>
-                  <a:srgbClr val="FF0000"/>
-                </a:solidFill>
-              </a:rPr>
-              <a:t>TODO:</a:t>
-            </a:r>
-          </a:p>
-          <a:p>
-            <a:r>
-              <a:rPr lang="de-DE" sz="4000" dirty="0" smtClean="0">
-                <a:solidFill>
-                  <a:srgbClr val="FF0000"/>
-                </a:solidFill>
-              </a:rPr>
-              <a:t>Description</a:t>
-            </a:r>
-            <a:endParaRPr lang="en-US" sz="4000" dirty="0">
-              <a:solidFill>
-                <a:srgbClr val="FF0000"/>
-              </a:solidFill>
-            </a:endParaRPr>
           </a:p>
         </p:txBody>
       </p:sp>
@@ -16934,54 +16960,36 @@
           </a:p>
         </p:txBody>
       </p:sp>
-      <p:sp>
-        <p:nvSpPr>
-          <p:cNvPr id="8" name="Textfeld 7"/>
-          <p:cNvSpPr txBox="1"/>
+      <p:pic>
+        <p:nvPicPr>
+          <p:cNvPr id="4" name="Grafik 3"/>
+          <p:cNvPicPr>
+            <a:picLocks noChangeAspect="1"/>
+          </p:cNvPicPr>
           <p:nvPr/>
-        </p:nvSpPr>
+        </p:nvPicPr>
+        <p:blipFill>
+          <a:blip r:embed="rId3" cstate="print">
+            <a:extLst>
+              <a:ext uri="{28A0092B-C50C-407E-A947-70E740481C1C}">
+                <a14:useLocalDpi xmlns:a14="http://schemas.microsoft.com/office/drawing/2010/main" val="0"/>
+              </a:ext>
+            </a:extLst>
+          </a:blip>
+          <a:stretch>
+            <a:fillRect/>
+          </a:stretch>
+        </p:blipFill>
         <p:spPr>
           <a:xfrm>
-            <a:off x="5436096" y="2895835"/>
-            <a:ext cx="2193934" cy="1323439"/>
+            <a:off x="5246185" y="1556791"/>
+            <a:ext cx="3223335" cy="2419163"/>
           </a:xfrm>
           <a:prstGeom prst="rect">
             <a:avLst/>
           </a:prstGeom>
-          <a:noFill/>
         </p:spPr>
-        <p:txBody>
-          <a:bodyPr wrap="none" rtlCol="0">
-            <a:spAutoFit/>
-          </a:bodyPr>
-          <a:lstStyle/>
-          <a:p>
-            <a:r>
-              <a:rPr lang="de-DE" sz="4000" dirty="0" smtClean="0">
-                <a:solidFill>
-                  <a:srgbClr val="FF0000"/>
-                </a:solidFill>
-              </a:rPr>
-              <a:t>TODO:</a:t>
-            </a:r>
-          </a:p>
-          <a:p>
-            <a:r>
-              <a:rPr lang="de-DE" sz="4000" dirty="0" smtClean="0">
-                <a:solidFill>
-                  <a:srgbClr val="FF0000"/>
-                </a:solidFill>
-              </a:rPr>
-              <a:t>PICTURES</a:t>
-            </a:r>
-            <a:endParaRPr lang="en-US" sz="4000" dirty="0">
-              <a:solidFill>
-                <a:srgbClr val="FF0000"/>
-              </a:solidFill>
-            </a:endParaRPr>
-          </a:p>
-        </p:txBody>
-      </p:sp>
+      </p:pic>
     </p:spTree>
     <p:extLst>
       <p:ext uri="{BB962C8B-B14F-4D97-AF65-F5344CB8AC3E}">

--- a/res/HeartRateMonitor.pptx
+++ b/res/HeartRateMonitor.pptx
@@ -16198,7 +16198,15 @@
             </a:r>
             <a:r>
               <a:rPr lang="de-DE" dirty="0" err="1" smtClean="0"/>
-              <a:t>peaks</a:t>
+              <a:t>maxima</a:t>
+            </a:r>
+            <a:r>
+              <a:rPr lang="de-DE" dirty="0" smtClean="0"/>
+              <a:t> / </a:t>
+            </a:r>
+            <a:r>
+              <a:rPr lang="de-DE" dirty="0" err="1" smtClean="0"/>
+              <a:t>minima</a:t>
             </a:r>
             <a:endParaRPr lang="de-DE" dirty="0" smtClean="0"/>
           </a:p>
@@ -16263,8 +16271,8 @@
         </p:nvSpPr>
         <p:spPr>
           <a:xfrm>
-            <a:off x="971600" y="6021288"/>
-            <a:ext cx="7200800" cy="523220"/>
+            <a:off x="431540" y="6021288"/>
+            <a:ext cx="8280920" cy="523220"/>
           </a:xfrm>
           <a:prstGeom prst="rect">
             <a:avLst/>
@@ -16292,7 +16300,11 @@
           <a:p>
             <a:r>
               <a:rPr lang="en-US" sz="2800" dirty="0" smtClean="0"/>
-              <a:t>Detect minima </a:t>
+              <a:t>Detect </a:t>
+            </a:r>
+            <a:r>
+              <a:rPr lang="en-US" sz="2800" dirty="0" smtClean="0"/>
+              <a:t>maxima / minima </a:t>
             </a:r>
             <a:r>
               <a:rPr lang="en-US" sz="2800" dirty="0"/>
@@ -16378,8 +16390,8 @@
         </p:nvSpPr>
         <p:spPr>
           <a:xfrm>
-            <a:off x="457200" y="1484784"/>
-            <a:ext cx="6347048" cy="836512"/>
+            <a:off x="457200" y="1484783"/>
+            <a:ext cx="6347048" cy="1872209"/>
           </a:xfrm>
         </p:spPr>
         <p:txBody>
@@ -16414,6 +16426,32 @@
             <a:r>
               <a:rPr lang="de-DE" sz="2000" dirty="0" err="1" smtClean="0"/>
               <a:t>Photodiode</a:t>
+            </a:r>
+            <a:endParaRPr lang="de-DE" sz="2000" dirty="0" smtClean="0"/>
+          </a:p>
+          <a:p>
+            <a:pPr lvl="1"/>
+            <a:r>
+              <a:rPr lang="en-US" sz="2000" dirty="0" smtClean="0"/>
+              <a:t>Different integration times</a:t>
+            </a:r>
+          </a:p>
+          <a:p>
+            <a:pPr lvl="1"/>
+            <a:r>
+              <a:rPr lang="en-US" sz="2000" dirty="0" smtClean="0"/>
+              <a:t>Different </a:t>
+            </a:r>
+            <a:r>
+              <a:rPr lang="en-US" sz="2000" dirty="0" smtClean="0"/>
+              <a:t>sensitivity</a:t>
+            </a:r>
+          </a:p>
+          <a:p>
+            <a:pPr lvl="1"/>
+            <a:r>
+              <a:rPr lang="en-US" sz="2000" dirty="0" smtClean="0"/>
+              <a:t>I2C interface</a:t>
             </a:r>
             <a:endParaRPr lang="en-US" sz="2000" dirty="0"/>
           </a:p>
@@ -16429,7 +16467,7 @@
         </p:nvSpPr>
         <p:spPr>
           <a:xfrm>
-            <a:off x="457200" y="2593503"/>
+            <a:off x="457200" y="3491474"/>
             <a:ext cx="6347048" cy="604664"/>
           </a:xfrm>
           <a:prstGeom prst="rect">
@@ -16608,7 +16646,7 @@
         </p:nvSpPr>
         <p:spPr>
           <a:xfrm>
-            <a:off x="457200" y="3673623"/>
+            <a:off x="457200" y="4230620"/>
             <a:ext cx="6347048" cy="604664"/>
           </a:xfrm>
           <a:prstGeom prst="rect">

--- a/res/HeartRateMonitor.pptx
+++ b/res/HeartRateMonitor.pptx
@@ -9577,7 +9577,7 @@
           <a:p>
             <a:r>
               <a:rPr lang="de-DE" dirty="0" err="1" smtClean="0"/>
-              <a:t>Hanning-Window</a:t>
+              <a:t>Hamming-Window</a:t>
             </a:r>
             <a:endParaRPr lang="de-DE" dirty="0" smtClean="0"/>
           </a:p>
@@ -16150,29 +16150,13 @@
             </a:r>
             <a:r>
               <a:rPr lang="de-DE" dirty="0" smtClean="0"/>
-              <a:t> LED </a:t>
-            </a:r>
-            <a:r>
-              <a:rPr lang="de-DE" dirty="0" smtClean="0"/>
-              <a:t>(660nm</a:t>
-            </a:r>
-            <a:r>
-              <a:rPr lang="de-DE" dirty="0" smtClean="0"/>
-              <a:t>)</a:t>
-            </a:r>
-          </a:p>
-          <a:p>
-            <a:r>
-              <a:rPr lang="de-DE" dirty="0" smtClean="0"/>
-              <a:t>IR LED </a:t>
-            </a:r>
-            <a:r>
-              <a:rPr lang="de-DE" dirty="0" smtClean="0"/>
-              <a:t>(940nm</a:t>
-            </a:r>
-            <a:r>
-              <a:rPr lang="de-DE" dirty="0" smtClean="0"/>
-              <a:t>)</a:t>
+              <a:t> LED (660nm)</a:t>
+            </a:r>
+          </a:p>
+          <a:p>
+            <a:r>
+              <a:rPr lang="de-DE" dirty="0" smtClean="0"/>
+              <a:t>IR LED (940nm)</a:t>
             </a:r>
           </a:p>
           <a:p>
@@ -16300,11 +16284,7 @@
           <a:p>
             <a:r>
               <a:rPr lang="en-US" sz="2800" dirty="0" smtClean="0"/>
-              <a:t>Detect </a:t>
-            </a:r>
-            <a:r>
-              <a:rPr lang="en-US" sz="2800" dirty="0" smtClean="0"/>
-              <a:t>maxima / minima </a:t>
+              <a:t>Detect maxima / minima </a:t>
             </a:r>
             <a:r>
               <a:rPr lang="en-US" sz="2800" dirty="0"/>
@@ -16440,11 +16420,7 @@
             <a:pPr lvl="1"/>
             <a:r>
               <a:rPr lang="en-US" sz="2000" dirty="0" smtClean="0"/>
-              <a:t>Different </a:t>
-            </a:r>
-            <a:r>
-              <a:rPr lang="en-US" sz="2000" dirty="0" smtClean="0"/>
-              <a:t>sensitivity</a:t>
+              <a:t>Different sensitivity</a:t>
             </a:r>
           </a:p>
           <a:p>

--- a/res/HeartRateMonitor.pptx
+++ b/res/HeartRateMonitor.pptx
@@ -217,7 +217,7 @@
           <a:p>
             <a:fld id="{A6ECA08F-F96F-4BD4-A634-E90DA7FFA32E}" type="datetimeFigureOut">
               <a:rPr lang="en-US" smtClean="0"/>
-              <a:t>7/2/2014</a:t>
+              <a:t>7/15/2014</a:t>
             </a:fld>
             <a:endParaRPr lang="en-US"/>
           </a:p>
@@ -3339,7 +3339,7 @@
           <a:p>
             <a:fld id="{1867D673-17F2-4AAF-8773-56A9AD33FE77}" type="datetimeFigureOut">
               <a:rPr lang="de-DE" smtClean="0"/>
-              <a:t>02.07.2014</a:t>
+              <a:t>15.07.2014</a:t>
             </a:fld>
             <a:endParaRPr lang="de-DE"/>
           </a:p>
@@ -3509,7 +3509,7 @@
           <a:p>
             <a:fld id="{1867D673-17F2-4AAF-8773-56A9AD33FE77}" type="datetimeFigureOut">
               <a:rPr lang="de-DE" smtClean="0"/>
-              <a:t>02.07.2014</a:t>
+              <a:t>15.07.2014</a:t>
             </a:fld>
             <a:endParaRPr lang="de-DE"/>
           </a:p>
@@ -3689,7 +3689,7 @@
           <a:p>
             <a:fld id="{1867D673-17F2-4AAF-8773-56A9AD33FE77}" type="datetimeFigureOut">
               <a:rPr lang="de-DE" smtClean="0"/>
-              <a:t>02.07.2014</a:t>
+              <a:t>15.07.2014</a:t>
             </a:fld>
             <a:endParaRPr lang="de-DE"/>
           </a:p>
@@ -3859,7 +3859,7 @@
           <a:p>
             <a:fld id="{1867D673-17F2-4AAF-8773-56A9AD33FE77}" type="datetimeFigureOut">
               <a:rPr lang="de-DE" smtClean="0"/>
-              <a:t>02.07.2014</a:t>
+              <a:t>15.07.2014</a:t>
             </a:fld>
             <a:endParaRPr lang="de-DE"/>
           </a:p>
@@ -4105,7 +4105,7 @@
           <a:p>
             <a:fld id="{1867D673-17F2-4AAF-8773-56A9AD33FE77}" type="datetimeFigureOut">
               <a:rPr lang="de-DE" smtClean="0"/>
-              <a:t>02.07.2014</a:t>
+              <a:t>15.07.2014</a:t>
             </a:fld>
             <a:endParaRPr lang="de-DE"/>
           </a:p>
@@ -4393,7 +4393,7 @@
           <a:p>
             <a:fld id="{1867D673-17F2-4AAF-8773-56A9AD33FE77}" type="datetimeFigureOut">
               <a:rPr lang="de-DE" smtClean="0"/>
-              <a:t>02.07.2014</a:t>
+              <a:t>15.07.2014</a:t>
             </a:fld>
             <a:endParaRPr lang="de-DE"/>
           </a:p>
@@ -4815,7 +4815,7 @@
           <a:p>
             <a:fld id="{1867D673-17F2-4AAF-8773-56A9AD33FE77}" type="datetimeFigureOut">
               <a:rPr lang="de-DE" smtClean="0"/>
-              <a:t>02.07.2014</a:t>
+              <a:t>15.07.2014</a:t>
             </a:fld>
             <a:endParaRPr lang="de-DE"/>
           </a:p>
@@ -4933,7 +4933,7 @@
           <a:p>
             <a:fld id="{1867D673-17F2-4AAF-8773-56A9AD33FE77}" type="datetimeFigureOut">
               <a:rPr lang="de-DE" smtClean="0"/>
-              <a:t>02.07.2014</a:t>
+              <a:t>15.07.2014</a:t>
             </a:fld>
             <a:endParaRPr lang="de-DE"/>
           </a:p>
@@ -5028,7 +5028,7 @@
           <a:p>
             <a:fld id="{1867D673-17F2-4AAF-8773-56A9AD33FE77}" type="datetimeFigureOut">
               <a:rPr lang="de-DE" smtClean="0"/>
-              <a:t>02.07.2014</a:t>
+              <a:t>15.07.2014</a:t>
             </a:fld>
             <a:endParaRPr lang="de-DE"/>
           </a:p>
@@ -5305,7 +5305,7 @@
           <a:p>
             <a:fld id="{1867D673-17F2-4AAF-8773-56A9AD33FE77}" type="datetimeFigureOut">
               <a:rPr lang="de-DE" smtClean="0"/>
-              <a:t>02.07.2014</a:t>
+              <a:t>15.07.2014</a:t>
             </a:fld>
             <a:endParaRPr lang="de-DE"/>
           </a:p>
@@ -5558,7 +5558,7 @@
           <a:p>
             <a:fld id="{1867D673-17F2-4AAF-8773-56A9AD33FE77}" type="datetimeFigureOut">
               <a:rPr lang="de-DE" smtClean="0"/>
-              <a:t>02.07.2014</a:t>
+              <a:t>15.07.2014</a:t>
             </a:fld>
             <a:endParaRPr lang="de-DE"/>
           </a:p>
@@ -5771,7 +5771,7 @@
           <a:p>
             <a:fld id="{1867D673-17F2-4AAF-8773-56A9AD33FE77}" type="datetimeFigureOut">
               <a:rPr lang="de-DE" smtClean="0"/>
-              <a:t>02.07.2014</a:t>
+              <a:t>15.07.2014</a:t>
             </a:fld>
             <a:endParaRPr lang="de-DE"/>
           </a:p>
@@ -15153,141 +15153,52 @@
           </a:fontRef>
         </p:style>
       </p:cxnSp>
-      <p:sp>
-        <p:nvSpPr>
-          <p:cNvPr id="35" name="Sonne 34"/>
-          <p:cNvSpPr/>
-          <p:nvPr/>
-        </p:nvSpPr>
-        <p:spPr>
-          <a:xfrm>
-            <a:off x="2411760" y="2065203"/>
-            <a:ext cx="648072" cy="648072"/>
-          </a:xfrm>
-          <a:prstGeom prst="sun">
-            <a:avLst/>
-          </a:prstGeom>
-          <a:solidFill>
-            <a:srgbClr val="FF0000"/>
-          </a:solidFill>
-          <a:ln>
-            <a:noFill/>
-          </a:ln>
-        </p:spPr>
-        <p:style>
-          <a:lnRef idx="2">
-            <a:schemeClr val="accent2">
-              <a:shade val="50000"/>
-            </a:schemeClr>
-          </a:lnRef>
-          <a:fillRef idx="1">
-            <a:schemeClr val="accent2"/>
-          </a:fillRef>
-          <a:effectRef idx="0">
-            <a:schemeClr val="accent2"/>
-          </a:effectRef>
-          <a:fontRef idx="minor">
-            <a:schemeClr val="lt1"/>
-          </a:fontRef>
-        </p:style>
-        <p:txBody>
-          <a:bodyPr rtlCol="0" anchor="ctr"/>
-          <a:lstStyle/>
-          <a:p>
-            <a:pPr algn="ctr"/>
-            <a:endParaRPr lang="en-US"/>
-          </a:p>
-        </p:txBody>
-      </p:sp>
-      <p:sp>
-        <p:nvSpPr>
-          <p:cNvPr id="36" name="Sonne 35"/>
-          <p:cNvSpPr/>
-          <p:nvPr/>
-        </p:nvSpPr>
-        <p:spPr>
-          <a:xfrm>
-            <a:off x="5653243" y="2051847"/>
-            <a:ext cx="648072" cy="648072"/>
-          </a:xfrm>
-          <a:prstGeom prst="sun">
-            <a:avLst/>
-          </a:prstGeom>
-          <a:solidFill>
-            <a:srgbClr val="FF0000"/>
-          </a:solidFill>
-          <a:ln>
-            <a:noFill/>
-          </a:ln>
-        </p:spPr>
-        <p:style>
-          <a:lnRef idx="2">
-            <a:schemeClr val="accent2">
-              <a:shade val="50000"/>
-            </a:schemeClr>
-          </a:lnRef>
-          <a:fillRef idx="1">
-            <a:schemeClr val="accent2"/>
-          </a:fillRef>
-          <a:effectRef idx="0">
-            <a:schemeClr val="accent2"/>
-          </a:effectRef>
-          <a:fontRef idx="minor">
-            <a:schemeClr val="lt1"/>
-          </a:fontRef>
-        </p:style>
-        <p:txBody>
-          <a:bodyPr rtlCol="0" anchor="ctr"/>
-          <a:lstStyle/>
-          <a:p>
-            <a:pPr algn="ctr"/>
-            <a:endParaRPr lang="en-US"/>
-          </a:p>
-        </p:txBody>
-      </p:sp>
       <p:grpSp>
         <p:nvGrpSpPr>
-          <p:cNvPr id="40" name="Gruppieren 39"/>
+          <p:cNvPr id="5" name="Gruppieren 4"/>
           <p:cNvGrpSpPr/>
           <p:nvPr/>
         </p:nvGrpSpPr>
         <p:grpSpPr>
           <a:xfrm>
-            <a:off x="6937900" y="2267871"/>
-            <a:ext cx="818976" cy="270030"/>
-            <a:chOff x="7080793" y="2060848"/>
-            <a:chExt cx="818976" cy="270030"/>
+            <a:off x="504056" y="2065203"/>
+            <a:ext cx="3347864" cy="2371909"/>
+            <a:chOff x="504056" y="2065203"/>
+            <a:chExt cx="3347864" cy="2371909"/>
           </a:xfrm>
         </p:grpSpPr>
         <p:sp>
           <p:nvSpPr>
-            <p:cNvPr id="38" name="Rechteck 37"/>
+            <p:cNvPr id="35" name="Sonne 34"/>
             <p:cNvSpPr/>
             <p:nvPr/>
           </p:nvSpPr>
           <p:spPr>
             <a:xfrm>
-              <a:off x="7080793" y="2060848"/>
-              <a:ext cx="818976" cy="216024"/>
+              <a:off x="2411760" y="2065203"/>
+              <a:ext cx="648072" cy="648072"/>
             </a:xfrm>
-            <a:prstGeom prst="rect">
+            <a:prstGeom prst="sun">
               <a:avLst/>
             </a:prstGeom>
             <a:solidFill>
-              <a:srgbClr val="00B050"/>
+              <a:srgbClr val="FF0000"/>
             </a:solidFill>
+            <a:ln>
+              <a:noFill/>
+            </a:ln>
           </p:spPr>
           <p:style>
             <a:lnRef idx="2">
-              <a:schemeClr val="accent1">
+              <a:schemeClr val="accent2">
                 <a:shade val="50000"/>
               </a:schemeClr>
             </a:lnRef>
             <a:fillRef idx="1">
-              <a:schemeClr val="accent1"/>
+              <a:schemeClr val="accent2"/>
             </a:fillRef>
             <a:effectRef idx="0">
-              <a:schemeClr val="accent1"/>
+              <a:schemeClr val="accent2"/>
             </a:effectRef>
             <a:fontRef idx="minor">
               <a:schemeClr val="lt1"/>
@@ -15302,22 +15213,131 @@
             </a:p>
           </p:txBody>
         </p:sp>
+        <p:grpSp>
+          <p:nvGrpSpPr>
+            <p:cNvPr id="41" name="Gruppieren 40"/>
+            <p:cNvGrpSpPr/>
+            <p:nvPr/>
+          </p:nvGrpSpPr>
+          <p:grpSpPr>
+            <a:xfrm rot="10800000">
+              <a:off x="2326307" y="4090428"/>
+              <a:ext cx="818976" cy="270030"/>
+              <a:chOff x="7080793" y="2060848"/>
+              <a:chExt cx="818976" cy="270030"/>
+            </a:xfrm>
+          </p:grpSpPr>
+          <p:sp>
+            <p:nvSpPr>
+              <p:cNvPr id="42" name="Rechteck 41"/>
+              <p:cNvSpPr/>
+              <p:nvPr/>
+            </p:nvSpPr>
+            <p:spPr>
+              <a:xfrm>
+                <a:off x="7080793" y="2060848"/>
+                <a:ext cx="818976" cy="216024"/>
+              </a:xfrm>
+              <a:prstGeom prst="rect">
+                <a:avLst/>
+              </a:prstGeom>
+              <a:solidFill>
+                <a:srgbClr val="00B050"/>
+              </a:solidFill>
+            </p:spPr>
+            <p:style>
+              <a:lnRef idx="2">
+                <a:schemeClr val="accent1">
+                  <a:shade val="50000"/>
+                </a:schemeClr>
+              </a:lnRef>
+              <a:fillRef idx="1">
+                <a:schemeClr val="accent1"/>
+              </a:fillRef>
+              <a:effectRef idx="0">
+                <a:schemeClr val="accent1"/>
+              </a:effectRef>
+              <a:fontRef idx="minor">
+                <a:schemeClr val="lt1"/>
+              </a:fontRef>
+            </p:style>
+            <p:txBody>
+              <a:bodyPr rtlCol="0" anchor="ctr"/>
+              <a:lstStyle/>
+              <a:p>
+                <a:pPr algn="ctr"/>
+                <a:endParaRPr lang="en-US"/>
+              </a:p>
+            </p:txBody>
+          </p:sp>
+          <p:sp>
+            <p:nvSpPr>
+              <p:cNvPr id="43" name="Rechteck 42"/>
+              <p:cNvSpPr/>
+              <p:nvPr/>
+            </p:nvSpPr>
+            <p:spPr>
+              <a:xfrm>
+                <a:off x="7321747" y="2222866"/>
+                <a:ext cx="337067" cy="108012"/>
+              </a:xfrm>
+              <a:prstGeom prst="rect">
+                <a:avLst/>
+              </a:prstGeom>
+              <a:solidFill>
+                <a:schemeClr val="tx1"/>
+              </a:solidFill>
+              <a:ln>
+                <a:solidFill>
+                  <a:schemeClr val="tx1"/>
+                </a:solidFill>
+              </a:ln>
+            </p:spPr>
+            <p:style>
+              <a:lnRef idx="2">
+                <a:schemeClr val="accent1">
+                  <a:shade val="50000"/>
+                </a:schemeClr>
+              </a:lnRef>
+              <a:fillRef idx="1">
+                <a:schemeClr val="accent1"/>
+              </a:fillRef>
+              <a:effectRef idx="0">
+                <a:schemeClr val="accent1"/>
+              </a:effectRef>
+              <a:fontRef idx="minor">
+                <a:schemeClr val="lt1"/>
+              </a:fontRef>
+            </p:style>
+            <p:txBody>
+              <a:bodyPr rtlCol="0" anchor="ctr"/>
+              <a:lstStyle/>
+              <a:p>
+                <a:pPr algn="ctr"/>
+                <a:endParaRPr lang="en-US"/>
+              </a:p>
+            </p:txBody>
+          </p:sp>
+        </p:grpSp>
         <p:sp>
           <p:nvSpPr>
-            <p:cNvPr id="39" name="Rechteck 38"/>
+            <p:cNvPr id="46" name="Abgerundetes Rechteck 45"/>
             <p:cNvSpPr/>
             <p:nvPr/>
           </p:nvSpPr>
           <p:spPr>
             <a:xfrm>
-              <a:off x="7321747" y="2222866"/>
-              <a:ext cx="337067" cy="108012"/>
+              <a:off x="1619672" y="2946684"/>
+              <a:ext cx="2232248" cy="864096"/>
             </a:xfrm>
-            <a:prstGeom prst="rect">
+            <a:prstGeom prst="roundRect">
               <a:avLst/>
             </a:prstGeom>
             <a:solidFill>
-              <a:schemeClr val="tx1"/>
+              <a:schemeClr val="accent6">
+                <a:lumMod val="40000"/>
+                <a:lumOff val="60000"/>
+              </a:schemeClr>
             </a:solidFill>
             <a:ln>
               <a:solidFill>
@@ -15350,50 +15370,402 @@
             </a:p>
           </p:txBody>
         </p:sp>
-      </p:grpSp>
-      <p:grpSp>
-        <p:nvGrpSpPr>
-          <p:cNvPr id="41" name="Gruppieren 40"/>
-          <p:cNvGrpSpPr/>
-          <p:nvPr/>
-        </p:nvGrpSpPr>
-        <p:grpSpPr>
-          <a:xfrm rot="10800000">
-            <a:off x="2326307" y="4090428"/>
-            <a:ext cx="818976" cy="270030"/>
-            <a:chOff x="7080793" y="2060848"/>
-            <a:chExt cx="818976" cy="270030"/>
-          </a:xfrm>
-        </p:grpSpPr>
+        <p:cxnSp>
+          <p:nvCxnSpPr>
+            <p:cNvPr id="48" name="Gerade Verbindung mit Pfeil 47"/>
+            <p:cNvCxnSpPr/>
+            <p:nvPr/>
+          </p:nvCxnSpPr>
+          <p:spPr>
+            <a:xfrm>
+              <a:off x="2735796" y="2857291"/>
+              <a:ext cx="0" cy="1152000"/>
+            </a:xfrm>
+            <a:prstGeom prst="straightConnector1">
+              <a:avLst/>
+            </a:prstGeom>
+            <a:ln w="19050">
+              <a:solidFill>
+                <a:srgbClr val="FF0000"/>
+              </a:solidFill>
+              <a:tailEnd type="arrow"/>
+            </a:ln>
+          </p:spPr>
+          <p:style>
+            <a:lnRef idx="1">
+              <a:schemeClr val="accent1"/>
+            </a:lnRef>
+            <a:fillRef idx="0">
+              <a:schemeClr val="accent1"/>
+            </a:fillRef>
+            <a:effectRef idx="0">
+              <a:schemeClr val="accent1"/>
+            </a:effectRef>
+            <a:fontRef idx="minor">
+              <a:schemeClr val="tx1"/>
+            </a:fontRef>
+          </p:style>
+        </p:cxnSp>
+        <p:cxnSp>
+          <p:nvCxnSpPr>
+            <p:cNvPr id="49" name="Gerade Verbindung mit Pfeil 48"/>
+            <p:cNvCxnSpPr/>
+            <p:nvPr/>
+          </p:nvCxnSpPr>
+          <p:spPr>
+            <a:xfrm>
+              <a:off x="2567261" y="2857291"/>
+              <a:ext cx="0" cy="1152000"/>
+            </a:xfrm>
+            <a:prstGeom prst="straightConnector1">
+              <a:avLst/>
+            </a:prstGeom>
+            <a:ln w="19050">
+              <a:solidFill>
+                <a:srgbClr val="FF0000"/>
+              </a:solidFill>
+              <a:tailEnd type="arrow"/>
+            </a:ln>
+          </p:spPr>
+          <p:style>
+            <a:lnRef idx="1">
+              <a:schemeClr val="accent1"/>
+            </a:lnRef>
+            <a:fillRef idx="0">
+              <a:schemeClr val="accent1"/>
+            </a:fillRef>
+            <a:effectRef idx="0">
+              <a:schemeClr val="accent1"/>
+            </a:effectRef>
+            <a:fontRef idx="minor">
+              <a:schemeClr val="tx1"/>
+            </a:fontRef>
+          </p:style>
+        </p:cxnSp>
+        <p:cxnSp>
+          <p:nvCxnSpPr>
+            <p:cNvPr id="50" name="Gerade Verbindung mit Pfeil 49"/>
+            <p:cNvCxnSpPr/>
+            <p:nvPr/>
+          </p:nvCxnSpPr>
+          <p:spPr>
+            <a:xfrm>
+              <a:off x="2910918" y="2865394"/>
+              <a:ext cx="0" cy="1152000"/>
+            </a:xfrm>
+            <a:prstGeom prst="straightConnector1">
+              <a:avLst/>
+            </a:prstGeom>
+            <a:ln w="19050">
+              <a:solidFill>
+                <a:srgbClr val="FF0000"/>
+              </a:solidFill>
+              <a:tailEnd type="arrow"/>
+            </a:ln>
+          </p:spPr>
+          <p:style>
+            <a:lnRef idx="1">
+              <a:schemeClr val="accent1"/>
+            </a:lnRef>
+            <a:fillRef idx="0">
+              <a:schemeClr val="accent1"/>
+            </a:fillRef>
+            <a:effectRef idx="0">
+              <a:schemeClr val="accent1"/>
+            </a:effectRef>
+            <a:fontRef idx="minor">
+              <a:schemeClr val="tx1"/>
+            </a:fontRef>
+          </p:style>
+        </p:cxnSp>
         <p:sp>
           <p:nvSpPr>
-            <p:cNvPr id="42" name="Rechteck 41"/>
+            <p:cNvPr id="57" name="Textfeld 56"/>
+            <p:cNvSpPr txBox="1"/>
+            <p:nvPr/>
+          </p:nvSpPr>
+          <p:spPr>
+            <a:xfrm>
+              <a:off x="504056" y="2204573"/>
+              <a:ext cx="1362040" cy="369332"/>
+            </a:xfrm>
+            <a:prstGeom prst="rect">
+              <a:avLst/>
+            </a:prstGeom>
+            <a:noFill/>
+          </p:spPr>
+          <p:txBody>
+            <a:bodyPr wrap="none" rtlCol="0">
+              <a:spAutoFit/>
+            </a:bodyPr>
+            <a:lstStyle/>
+            <a:p>
+              <a:r>
+                <a:rPr lang="de-DE" dirty="0" smtClean="0"/>
+                <a:t>LED (</a:t>
+              </a:r>
+              <a:r>
+                <a:rPr lang="de-DE" dirty="0" err="1" smtClean="0"/>
+                <a:t>Red</a:t>
+              </a:r>
+              <a:r>
+                <a:rPr lang="de-DE" dirty="0" smtClean="0"/>
+                <a:t>/IR)</a:t>
+              </a:r>
+              <a:endParaRPr lang="en-US" dirty="0"/>
+            </a:p>
+          </p:txBody>
+        </p:sp>
+        <p:sp>
+          <p:nvSpPr>
+            <p:cNvPr id="58" name="Textfeld 57"/>
+            <p:cNvSpPr txBox="1"/>
+            <p:nvPr/>
+          </p:nvSpPr>
+          <p:spPr>
+            <a:xfrm>
+              <a:off x="615689" y="4067780"/>
+              <a:ext cx="1277273" cy="369332"/>
+            </a:xfrm>
+            <a:prstGeom prst="rect">
+              <a:avLst/>
+            </a:prstGeom>
+            <a:noFill/>
+          </p:spPr>
+          <p:txBody>
+            <a:bodyPr wrap="none" rtlCol="0">
+              <a:spAutoFit/>
+            </a:bodyPr>
+            <a:lstStyle/>
+            <a:p>
+              <a:r>
+                <a:rPr lang="de-DE" dirty="0" err="1" smtClean="0"/>
+                <a:t>Photodiode</a:t>
+              </a:r>
+              <a:endParaRPr lang="en-US" dirty="0"/>
+            </a:p>
+          </p:txBody>
+        </p:sp>
+        <p:sp>
+          <p:nvSpPr>
+            <p:cNvPr id="59" name="Textfeld 58"/>
+            <p:cNvSpPr txBox="1"/>
+            <p:nvPr/>
+          </p:nvSpPr>
+          <p:spPr>
+            <a:xfrm>
+              <a:off x="610267" y="3194066"/>
+              <a:ext cx="569387" cy="369332"/>
+            </a:xfrm>
+            <a:prstGeom prst="rect">
+              <a:avLst/>
+            </a:prstGeom>
+            <a:noFill/>
+          </p:spPr>
+          <p:txBody>
+            <a:bodyPr wrap="none" rtlCol="0">
+              <a:spAutoFit/>
+            </a:bodyPr>
+            <a:lstStyle/>
+            <a:p>
+              <a:r>
+                <a:rPr lang="de-DE" dirty="0" smtClean="0"/>
+                <a:t>Skin</a:t>
+              </a:r>
+              <a:endParaRPr lang="en-US" dirty="0"/>
+            </a:p>
+          </p:txBody>
+        </p:sp>
+        <p:cxnSp>
+          <p:nvCxnSpPr>
+            <p:cNvPr id="61" name="Gerade Verbindung 60"/>
+            <p:cNvCxnSpPr>
+              <a:stCxn id="57" idx="3"/>
+              <a:endCxn id="35" idx="1"/>
+            </p:cNvCxnSpPr>
+            <p:nvPr/>
+          </p:nvCxnSpPr>
+          <p:spPr>
+            <a:xfrm>
+              <a:off x="1866096" y="2389239"/>
+              <a:ext cx="545664" cy="0"/>
+            </a:xfrm>
+            <a:prstGeom prst="line">
+              <a:avLst/>
+            </a:prstGeom>
+          </p:spPr>
+          <p:style>
+            <a:lnRef idx="1">
+              <a:schemeClr val="dk1"/>
+            </a:lnRef>
+            <a:fillRef idx="0">
+              <a:schemeClr val="dk1"/>
+            </a:fillRef>
+            <a:effectRef idx="0">
+              <a:schemeClr val="dk1"/>
+            </a:effectRef>
+            <a:fontRef idx="minor">
+              <a:schemeClr val="tx1"/>
+            </a:fontRef>
+          </p:style>
+        </p:cxnSp>
+        <p:cxnSp>
+          <p:nvCxnSpPr>
+            <p:cNvPr id="63" name="Gerade Verbindung 62"/>
+            <p:cNvCxnSpPr>
+              <a:stCxn id="59" idx="3"/>
+              <a:endCxn id="46" idx="1"/>
+            </p:cNvCxnSpPr>
+            <p:nvPr/>
+          </p:nvCxnSpPr>
+          <p:spPr>
+            <a:xfrm>
+              <a:off x="1179654" y="3378732"/>
+              <a:ext cx="440018" cy="0"/>
+            </a:xfrm>
+            <a:prstGeom prst="line">
+              <a:avLst/>
+            </a:prstGeom>
+          </p:spPr>
+          <p:style>
+            <a:lnRef idx="1">
+              <a:schemeClr val="dk1"/>
+            </a:lnRef>
+            <a:fillRef idx="0">
+              <a:schemeClr val="dk1"/>
+            </a:fillRef>
+            <a:effectRef idx="0">
+              <a:schemeClr val="dk1"/>
+            </a:effectRef>
+            <a:fontRef idx="minor">
+              <a:schemeClr val="tx1"/>
+            </a:fontRef>
+          </p:style>
+        </p:cxnSp>
+        <p:cxnSp>
+          <p:nvCxnSpPr>
+            <p:cNvPr id="67" name="Gerade Verbindung 66"/>
+            <p:cNvCxnSpPr>
+              <a:stCxn id="58" idx="3"/>
+              <a:endCxn id="42" idx="3"/>
+            </p:cNvCxnSpPr>
+            <p:nvPr/>
+          </p:nvCxnSpPr>
+          <p:spPr>
+            <a:xfrm>
+              <a:off x="1892962" y="4252446"/>
+              <a:ext cx="433345" cy="0"/>
+            </a:xfrm>
+            <a:prstGeom prst="line">
+              <a:avLst/>
+            </a:prstGeom>
+          </p:spPr>
+          <p:style>
+            <a:lnRef idx="1">
+              <a:schemeClr val="dk1"/>
+            </a:lnRef>
+            <a:fillRef idx="0">
+              <a:schemeClr val="dk1"/>
+            </a:fillRef>
+            <a:effectRef idx="0">
+              <a:schemeClr val="dk1"/>
+            </a:effectRef>
+            <a:fontRef idx="minor">
+              <a:schemeClr val="tx1"/>
+            </a:fontRef>
+          </p:style>
+        </p:cxnSp>
+        <p:sp>
+          <p:nvSpPr>
+            <p:cNvPr id="74" name="Rechteck 73"/>
             <p:cNvSpPr/>
             <p:nvPr/>
           </p:nvSpPr>
           <p:spPr>
             <a:xfrm>
-              <a:off x="7080793" y="2060848"/>
-              <a:ext cx="818976" cy="216024"/>
+              <a:off x="1702441" y="3289339"/>
+              <a:ext cx="2066710" cy="216024"/>
             </a:xfrm>
             <a:prstGeom prst="rect">
               <a:avLst/>
             </a:prstGeom>
-            <a:solidFill>
-              <a:srgbClr val="00B050"/>
-            </a:solidFill>
           </p:spPr>
           <p:style>
             <a:lnRef idx="2">
-              <a:schemeClr val="accent1">
+              <a:schemeClr val="accent2">
                 <a:shade val="50000"/>
               </a:schemeClr>
             </a:lnRef>
             <a:fillRef idx="1">
-              <a:schemeClr val="accent1"/>
+              <a:schemeClr val="accent2"/>
             </a:fillRef>
             <a:effectRef idx="0">
-              <a:schemeClr val="accent1"/>
+              <a:schemeClr val="accent2"/>
+            </a:effectRef>
+            <a:fontRef idx="minor">
+              <a:schemeClr val="lt1"/>
+            </a:fontRef>
+          </p:style>
+          <p:txBody>
+            <a:bodyPr rtlCol="0" anchor="ctr"/>
+            <a:lstStyle/>
+            <a:p>
+              <a:pPr algn="ctr"/>
+              <a:r>
+                <a:rPr lang="de-DE" dirty="0" smtClean="0"/>
+                <a:t>Blood</a:t>
+              </a:r>
+              <a:endParaRPr lang="en-US" dirty="0"/>
+            </a:p>
+          </p:txBody>
+        </p:sp>
+      </p:grpSp>
+      <p:grpSp>
+        <p:nvGrpSpPr>
+          <p:cNvPr id="4" name="Gruppieren 3"/>
+          <p:cNvGrpSpPr/>
+          <p:nvPr/>
+        </p:nvGrpSpPr>
+        <p:grpSpPr>
+          <a:xfrm>
+            <a:off x="5653243" y="1844824"/>
+            <a:ext cx="2232248" cy="2664296"/>
+            <a:chOff x="5653243" y="1844824"/>
+            <a:chExt cx="2232248" cy="2664296"/>
+          </a:xfrm>
+        </p:grpSpPr>
+        <p:sp>
+          <p:nvSpPr>
+            <p:cNvPr id="36" name="Sonne 35"/>
+            <p:cNvSpPr/>
+            <p:nvPr/>
+          </p:nvSpPr>
+          <p:spPr>
+            <a:xfrm>
+              <a:off x="5653243" y="2051847"/>
+              <a:ext cx="648072" cy="648072"/>
+            </a:xfrm>
+            <a:prstGeom prst="sun">
+              <a:avLst/>
+            </a:prstGeom>
+            <a:solidFill>
+              <a:srgbClr val="FF0000"/>
+            </a:solidFill>
+            <a:ln>
+              <a:noFill/>
+            </a:ln>
+          </p:spPr>
+          <p:style>
+            <a:lnRef idx="2">
+              <a:schemeClr val="accent2">
+                <a:shade val="50000"/>
+              </a:schemeClr>
+            </a:lnRef>
+            <a:fillRef idx="1">
+              <a:schemeClr val="accent2"/>
+            </a:fillRef>
+            <a:effectRef idx="0">
+              <a:schemeClr val="accent2"/>
             </a:effectRef>
             <a:fontRef idx="minor">
               <a:schemeClr val="lt1"/>
@@ -15408,22 +15780,131 @@
             </a:p>
           </p:txBody>
         </p:sp>
+        <p:grpSp>
+          <p:nvGrpSpPr>
+            <p:cNvPr id="40" name="Gruppieren 39"/>
+            <p:cNvGrpSpPr/>
+            <p:nvPr/>
+          </p:nvGrpSpPr>
+          <p:grpSpPr>
+            <a:xfrm>
+              <a:off x="6937900" y="2267871"/>
+              <a:ext cx="818976" cy="270030"/>
+              <a:chOff x="7080793" y="2060848"/>
+              <a:chExt cx="818976" cy="270030"/>
+            </a:xfrm>
+          </p:grpSpPr>
+          <p:sp>
+            <p:nvSpPr>
+              <p:cNvPr id="38" name="Rechteck 37"/>
+              <p:cNvSpPr/>
+              <p:nvPr/>
+            </p:nvSpPr>
+            <p:spPr>
+              <a:xfrm>
+                <a:off x="7080793" y="2060848"/>
+                <a:ext cx="818976" cy="216024"/>
+              </a:xfrm>
+              <a:prstGeom prst="rect">
+                <a:avLst/>
+              </a:prstGeom>
+              <a:solidFill>
+                <a:srgbClr val="00B050"/>
+              </a:solidFill>
+            </p:spPr>
+            <p:style>
+              <a:lnRef idx="2">
+                <a:schemeClr val="accent1">
+                  <a:shade val="50000"/>
+                </a:schemeClr>
+              </a:lnRef>
+              <a:fillRef idx="1">
+                <a:schemeClr val="accent1"/>
+              </a:fillRef>
+              <a:effectRef idx="0">
+                <a:schemeClr val="accent1"/>
+              </a:effectRef>
+              <a:fontRef idx="minor">
+                <a:schemeClr val="lt1"/>
+              </a:fontRef>
+            </p:style>
+            <p:txBody>
+              <a:bodyPr rtlCol="0" anchor="ctr"/>
+              <a:lstStyle/>
+              <a:p>
+                <a:pPr algn="ctr"/>
+                <a:endParaRPr lang="en-US"/>
+              </a:p>
+            </p:txBody>
+          </p:sp>
+          <p:sp>
+            <p:nvSpPr>
+              <p:cNvPr id="39" name="Rechteck 38"/>
+              <p:cNvSpPr/>
+              <p:nvPr/>
+            </p:nvSpPr>
+            <p:spPr>
+              <a:xfrm>
+                <a:off x="7321747" y="2222866"/>
+                <a:ext cx="337067" cy="108012"/>
+              </a:xfrm>
+              <a:prstGeom prst="rect">
+                <a:avLst/>
+              </a:prstGeom>
+              <a:solidFill>
+                <a:schemeClr val="tx1"/>
+              </a:solidFill>
+              <a:ln>
+                <a:solidFill>
+                  <a:schemeClr val="tx1"/>
+                </a:solidFill>
+              </a:ln>
+            </p:spPr>
+            <p:style>
+              <a:lnRef idx="2">
+                <a:schemeClr val="accent1">
+                  <a:shade val="50000"/>
+                </a:schemeClr>
+              </a:lnRef>
+              <a:fillRef idx="1">
+                <a:schemeClr val="accent1"/>
+              </a:fillRef>
+              <a:effectRef idx="0">
+                <a:schemeClr val="accent1"/>
+              </a:effectRef>
+              <a:fontRef idx="minor">
+                <a:schemeClr val="lt1"/>
+              </a:fontRef>
+            </p:style>
+            <p:txBody>
+              <a:bodyPr rtlCol="0" anchor="ctr"/>
+              <a:lstStyle/>
+              <a:p>
+                <a:pPr algn="ctr"/>
+                <a:endParaRPr lang="en-US"/>
+              </a:p>
+            </p:txBody>
+          </p:sp>
+        </p:grpSp>
         <p:sp>
           <p:nvSpPr>
-            <p:cNvPr id="43" name="Rechteck 42"/>
+            <p:cNvPr id="45" name="Abgerundetes Rechteck 44"/>
             <p:cNvSpPr/>
             <p:nvPr/>
           </p:nvSpPr>
           <p:spPr>
             <a:xfrm>
-              <a:off x="7321747" y="2222866"/>
-              <a:ext cx="337067" cy="108012"/>
+              <a:off x="5653243" y="3645024"/>
+              <a:ext cx="2232248" cy="864096"/>
             </a:xfrm>
-            <a:prstGeom prst="rect">
+            <a:prstGeom prst="roundRect">
               <a:avLst/>
             </a:prstGeom>
             <a:solidFill>
-              <a:schemeClr val="tx1"/>
+              <a:schemeClr val="accent6">
+                <a:lumMod val="40000"/>
+                <a:lumOff val="60000"/>
+              </a:schemeClr>
             </a:solidFill>
             <a:ln>
               <a:solidFill>
@@ -15456,604 +15937,153 @@
             </a:p>
           </p:txBody>
         </p:sp>
+        <p:cxnSp>
+          <p:nvCxnSpPr>
+            <p:cNvPr id="51" name="Gerade Verbindung mit Pfeil 50"/>
+            <p:cNvCxnSpPr/>
+            <p:nvPr/>
+          </p:nvCxnSpPr>
+          <p:spPr>
+            <a:xfrm>
+              <a:off x="6204789" y="2857291"/>
+              <a:ext cx="456566" cy="1066764"/>
+            </a:xfrm>
+            <a:prstGeom prst="straightConnector1">
+              <a:avLst/>
+            </a:prstGeom>
+            <a:ln w="19050">
+              <a:solidFill>
+                <a:srgbClr val="FF0000"/>
+              </a:solidFill>
+              <a:tailEnd type="arrow"/>
+            </a:ln>
+          </p:spPr>
+          <p:style>
+            <a:lnRef idx="1">
+              <a:schemeClr val="accent1"/>
+            </a:lnRef>
+            <a:fillRef idx="0">
+              <a:schemeClr val="accent1"/>
+            </a:fillRef>
+            <a:effectRef idx="0">
+              <a:schemeClr val="accent1"/>
+            </a:effectRef>
+            <a:fontRef idx="minor">
+              <a:schemeClr val="tx1"/>
+            </a:fontRef>
+          </p:style>
+        </p:cxnSp>
+        <p:cxnSp>
+          <p:nvCxnSpPr>
+            <p:cNvPr id="53" name="Gerade Verbindung mit Pfeil 52"/>
+            <p:cNvCxnSpPr/>
+            <p:nvPr/>
+          </p:nvCxnSpPr>
+          <p:spPr>
+            <a:xfrm flipV="1">
+              <a:off x="6937900" y="2717304"/>
+              <a:ext cx="396044" cy="1206751"/>
+            </a:xfrm>
+            <a:prstGeom prst="straightConnector1">
+              <a:avLst/>
+            </a:prstGeom>
+            <a:ln w="19050">
+              <a:solidFill>
+                <a:srgbClr val="FF0000"/>
+              </a:solidFill>
+              <a:tailEnd type="arrow"/>
+            </a:ln>
+          </p:spPr>
+          <p:style>
+            <a:lnRef idx="1">
+              <a:schemeClr val="accent1"/>
+            </a:lnRef>
+            <a:fillRef idx="0">
+              <a:schemeClr val="accent1"/>
+            </a:fillRef>
+            <a:effectRef idx="0">
+              <a:schemeClr val="accent1"/>
+            </a:effectRef>
+            <a:fontRef idx="minor">
+              <a:schemeClr val="tx1"/>
+            </a:fontRef>
+          </p:style>
+        </p:cxnSp>
+        <p:cxnSp>
+          <p:nvCxnSpPr>
+            <p:cNvPr id="71" name="Gerade Verbindung 70"/>
+            <p:cNvCxnSpPr/>
+            <p:nvPr/>
+          </p:nvCxnSpPr>
+          <p:spPr>
+            <a:xfrm>
+              <a:off x="6660232" y="1844824"/>
+              <a:ext cx="0" cy="872480"/>
+            </a:xfrm>
+            <a:prstGeom prst="line">
+              <a:avLst/>
+            </a:prstGeom>
+          </p:spPr>
+          <p:style>
+            <a:lnRef idx="2">
+              <a:schemeClr val="dk1"/>
+            </a:lnRef>
+            <a:fillRef idx="0">
+              <a:schemeClr val="dk1"/>
+            </a:fillRef>
+            <a:effectRef idx="1">
+              <a:schemeClr val="dk1"/>
+            </a:effectRef>
+            <a:fontRef idx="minor">
+              <a:schemeClr val="tx1"/>
+            </a:fontRef>
+          </p:style>
+        </p:cxnSp>
+        <p:sp>
+          <p:nvSpPr>
+            <p:cNvPr id="75" name="Rechteck 74"/>
+            <p:cNvSpPr/>
+            <p:nvPr/>
+          </p:nvSpPr>
+          <p:spPr>
+            <a:xfrm>
+              <a:off x="5736012" y="3969060"/>
+              <a:ext cx="2066710" cy="216024"/>
+            </a:xfrm>
+            <a:prstGeom prst="rect">
+              <a:avLst/>
+            </a:prstGeom>
+          </p:spPr>
+          <p:style>
+            <a:lnRef idx="2">
+              <a:schemeClr val="accent2">
+                <a:shade val="50000"/>
+              </a:schemeClr>
+            </a:lnRef>
+            <a:fillRef idx="1">
+              <a:schemeClr val="accent2"/>
+            </a:fillRef>
+            <a:effectRef idx="0">
+              <a:schemeClr val="accent2"/>
+            </a:effectRef>
+            <a:fontRef idx="minor">
+              <a:schemeClr val="lt1"/>
+            </a:fontRef>
+          </p:style>
+          <p:txBody>
+            <a:bodyPr rtlCol="0" anchor="ctr"/>
+            <a:lstStyle/>
+            <a:p>
+              <a:pPr algn="ctr"/>
+              <a:r>
+                <a:rPr lang="de-DE" dirty="0" smtClean="0"/>
+                <a:t>Blood</a:t>
+              </a:r>
+              <a:endParaRPr lang="en-US" dirty="0"/>
+            </a:p>
+          </p:txBody>
+        </p:sp>
       </p:grpSp>
-      <p:sp>
-        <p:nvSpPr>
-          <p:cNvPr id="45" name="Abgerundetes Rechteck 44"/>
-          <p:cNvSpPr/>
-          <p:nvPr/>
-        </p:nvSpPr>
-        <p:spPr>
-          <a:xfrm>
-            <a:off x="5653243" y="3645024"/>
-            <a:ext cx="2232248" cy="864096"/>
-          </a:xfrm>
-          <a:prstGeom prst="roundRect">
-            <a:avLst/>
-          </a:prstGeom>
-          <a:solidFill>
-            <a:schemeClr val="accent6">
-              <a:lumMod val="40000"/>
-              <a:lumOff val="60000"/>
-            </a:schemeClr>
-          </a:solidFill>
-          <a:ln>
-            <a:solidFill>
-              <a:schemeClr val="tx1"/>
-            </a:solidFill>
-          </a:ln>
-        </p:spPr>
-        <p:style>
-          <a:lnRef idx="2">
-            <a:schemeClr val="accent1">
-              <a:shade val="50000"/>
-            </a:schemeClr>
-          </a:lnRef>
-          <a:fillRef idx="1">
-            <a:schemeClr val="accent1"/>
-          </a:fillRef>
-          <a:effectRef idx="0">
-            <a:schemeClr val="accent1"/>
-          </a:effectRef>
-          <a:fontRef idx="minor">
-            <a:schemeClr val="lt1"/>
-          </a:fontRef>
-        </p:style>
-        <p:txBody>
-          <a:bodyPr rtlCol="0" anchor="ctr"/>
-          <a:lstStyle/>
-          <a:p>
-            <a:pPr algn="ctr"/>
-            <a:endParaRPr lang="en-US"/>
-          </a:p>
-        </p:txBody>
-      </p:sp>
-      <p:sp>
-        <p:nvSpPr>
-          <p:cNvPr id="46" name="Abgerundetes Rechteck 45"/>
-          <p:cNvSpPr/>
-          <p:nvPr/>
-        </p:nvSpPr>
-        <p:spPr>
-          <a:xfrm>
-            <a:off x="1619672" y="2946684"/>
-            <a:ext cx="2232248" cy="864096"/>
-          </a:xfrm>
-          <a:prstGeom prst="roundRect">
-            <a:avLst/>
-          </a:prstGeom>
-          <a:solidFill>
-            <a:schemeClr val="accent6">
-              <a:lumMod val="40000"/>
-              <a:lumOff val="60000"/>
-            </a:schemeClr>
-          </a:solidFill>
-          <a:ln>
-            <a:solidFill>
-              <a:schemeClr val="tx1"/>
-            </a:solidFill>
-          </a:ln>
-        </p:spPr>
-        <p:style>
-          <a:lnRef idx="2">
-            <a:schemeClr val="accent1">
-              <a:shade val="50000"/>
-            </a:schemeClr>
-          </a:lnRef>
-          <a:fillRef idx="1">
-            <a:schemeClr val="accent1"/>
-          </a:fillRef>
-          <a:effectRef idx="0">
-            <a:schemeClr val="accent1"/>
-          </a:effectRef>
-          <a:fontRef idx="minor">
-            <a:schemeClr val="lt1"/>
-          </a:fontRef>
-        </p:style>
-        <p:txBody>
-          <a:bodyPr rtlCol="0" anchor="ctr"/>
-          <a:lstStyle/>
-          <a:p>
-            <a:pPr algn="ctr"/>
-            <a:endParaRPr lang="en-US"/>
-          </a:p>
-        </p:txBody>
-      </p:sp>
-      <p:cxnSp>
-        <p:nvCxnSpPr>
-          <p:cNvPr id="48" name="Gerade Verbindung mit Pfeil 47"/>
-          <p:cNvCxnSpPr/>
-          <p:nvPr/>
-        </p:nvCxnSpPr>
-        <p:spPr>
-          <a:xfrm>
-            <a:off x="2735796" y="2857291"/>
-            <a:ext cx="0" cy="1152000"/>
-          </a:xfrm>
-          <a:prstGeom prst="straightConnector1">
-            <a:avLst/>
-          </a:prstGeom>
-          <a:ln w="19050">
-            <a:solidFill>
-              <a:srgbClr val="FF0000"/>
-            </a:solidFill>
-            <a:tailEnd type="arrow"/>
-          </a:ln>
-        </p:spPr>
-        <p:style>
-          <a:lnRef idx="1">
-            <a:schemeClr val="accent1"/>
-          </a:lnRef>
-          <a:fillRef idx="0">
-            <a:schemeClr val="accent1"/>
-          </a:fillRef>
-          <a:effectRef idx="0">
-            <a:schemeClr val="accent1"/>
-          </a:effectRef>
-          <a:fontRef idx="minor">
-            <a:schemeClr val="tx1"/>
-          </a:fontRef>
-        </p:style>
-      </p:cxnSp>
-      <p:cxnSp>
-        <p:nvCxnSpPr>
-          <p:cNvPr id="49" name="Gerade Verbindung mit Pfeil 48"/>
-          <p:cNvCxnSpPr/>
-          <p:nvPr/>
-        </p:nvCxnSpPr>
-        <p:spPr>
-          <a:xfrm>
-            <a:off x="2567261" y="2857291"/>
-            <a:ext cx="0" cy="1152000"/>
-          </a:xfrm>
-          <a:prstGeom prst="straightConnector1">
-            <a:avLst/>
-          </a:prstGeom>
-          <a:ln w="19050">
-            <a:solidFill>
-              <a:srgbClr val="FF0000"/>
-            </a:solidFill>
-            <a:tailEnd type="arrow"/>
-          </a:ln>
-        </p:spPr>
-        <p:style>
-          <a:lnRef idx="1">
-            <a:schemeClr val="accent1"/>
-          </a:lnRef>
-          <a:fillRef idx="0">
-            <a:schemeClr val="accent1"/>
-          </a:fillRef>
-          <a:effectRef idx="0">
-            <a:schemeClr val="accent1"/>
-          </a:effectRef>
-          <a:fontRef idx="minor">
-            <a:schemeClr val="tx1"/>
-          </a:fontRef>
-        </p:style>
-      </p:cxnSp>
-      <p:cxnSp>
-        <p:nvCxnSpPr>
-          <p:cNvPr id="50" name="Gerade Verbindung mit Pfeil 49"/>
-          <p:cNvCxnSpPr/>
-          <p:nvPr/>
-        </p:nvCxnSpPr>
-        <p:spPr>
-          <a:xfrm>
-            <a:off x="2910918" y="2865394"/>
-            <a:ext cx="0" cy="1152000"/>
-          </a:xfrm>
-          <a:prstGeom prst="straightConnector1">
-            <a:avLst/>
-          </a:prstGeom>
-          <a:ln w="19050">
-            <a:solidFill>
-              <a:srgbClr val="FF0000"/>
-            </a:solidFill>
-            <a:tailEnd type="arrow"/>
-          </a:ln>
-        </p:spPr>
-        <p:style>
-          <a:lnRef idx="1">
-            <a:schemeClr val="accent1"/>
-          </a:lnRef>
-          <a:fillRef idx="0">
-            <a:schemeClr val="accent1"/>
-          </a:fillRef>
-          <a:effectRef idx="0">
-            <a:schemeClr val="accent1"/>
-          </a:effectRef>
-          <a:fontRef idx="minor">
-            <a:schemeClr val="tx1"/>
-          </a:fontRef>
-        </p:style>
-      </p:cxnSp>
-      <p:cxnSp>
-        <p:nvCxnSpPr>
-          <p:cNvPr id="51" name="Gerade Verbindung mit Pfeil 50"/>
-          <p:cNvCxnSpPr/>
-          <p:nvPr/>
-        </p:nvCxnSpPr>
-        <p:spPr>
-          <a:xfrm>
-            <a:off x="6204789" y="2857291"/>
-            <a:ext cx="456566" cy="1066764"/>
-          </a:xfrm>
-          <a:prstGeom prst="straightConnector1">
-            <a:avLst/>
-          </a:prstGeom>
-          <a:ln w="19050">
-            <a:solidFill>
-              <a:srgbClr val="FF0000"/>
-            </a:solidFill>
-            <a:tailEnd type="arrow"/>
-          </a:ln>
-        </p:spPr>
-        <p:style>
-          <a:lnRef idx="1">
-            <a:schemeClr val="accent1"/>
-          </a:lnRef>
-          <a:fillRef idx="0">
-            <a:schemeClr val="accent1"/>
-          </a:fillRef>
-          <a:effectRef idx="0">
-            <a:schemeClr val="accent1"/>
-          </a:effectRef>
-          <a:fontRef idx="minor">
-            <a:schemeClr val="tx1"/>
-          </a:fontRef>
-        </p:style>
-      </p:cxnSp>
-      <p:cxnSp>
-        <p:nvCxnSpPr>
-          <p:cNvPr id="53" name="Gerade Verbindung mit Pfeil 52"/>
-          <p:cNvCxnSpPr/>
-          <p:nvPr/>
-        </p:nvCxnSpPr>
-        <p:spPr>
-          <a:xfrm flipV="1">
-            <a:off x="6937900" y="2717304"/>
-            <a:ext cx="396044" cy="1206751"/>
-          </a:xfrm>
-          <a:prstGeom prst="straightConnector1">
-            <a:avLst/>
-          </a:prstGeom>
-          <a:ln w="19050">
-            <a:solidFill>
-              <a:srgbClr val="FF0000"/>
-            </a:solidFill>
-            <a:tailEnd type="arrow"/>
-          </a:ln>
-        </p:spPr>
-        <p:style>
-          <a:lnRef idx="1">
-            <a:schemeClr val="accent1"/>
-          </a:lnRef>
-          <a:fillRef idx="0">
-            <a:schemeClr val="accent1"/>
-          </a:fillRef>
-          <a:effectRef idx="0">
-            <a:schemeClr val="accent1"/>
-          </a:effectRef>
-          <a:fontRef idx="minor">
-            <a:schemeClr val="tx1"/>
-          </a:fontRef>
-        </p:style>
-      </p:cxnSp>
-      <p:sp>
-        <p:nvSpPr>
-          <p:cNvPr id="57" name="Textfeld 56"/>
-          <p:cNvSpPr txBox="1"/>
-          <p:nvPr/>
-        </p:nvSpPr>
-        <p:spPr>
-          <a:xfrm>
-            <a:off x="504056" y="2204573"/>
-            <a:ext cx="1362040" cy="369332"/>
-          </a:xfrm>
-          <a:prstGeom prst="rect">
-            <a:avLst/>
-          </a:prstGeom>
-          <a:noFill/>
-        </p:spPr>
-        <p:txBody>
-          <a:bodyPr wrap="none" rtlCol="0">
-            <a:spAutoFit/>
-          </a:bodyPr>
-          <a:lstStyle/>
-          <a:p>
-            <a:r>
-              <a:rPr lang="de-DE" dirty="0" smtClean="0"/>
-              <a:t>LED (</a:t>
-            </a:r>
-            <a:r>
-              <a:rPr lang="de-DE" dirty="0" err="1" smtClean="0"/>
-              <a:t>Red</a:t>
-            </a:r>
-            <a:r>
-              <a:rPr lang="de-DE" dirty="0" smtClean="0"/>
-              <a:t>/IR)</a:t>
-            </a:r>
-            <a:endParaRPr lang="en-US" dirty="0"/>
-          </a:p>
-        </p:txBody>
-      </p:sp>
-      <p:sp>
-        <p:nvSpPr>
-          <p:cNvPr id="58" name="Textfeld 57"/>
-          <p:cNvSpPr txBox="1"/>
-          <p:nvPr/>
-        </p:nvSpPr>
-        <p:spPr>
-          <a:xfrm>
-            <a:off x="615689" y="4067780"/>
-            <a:ext cx="1277273" cy="369332"/>
-          </a:xfrm>
-          <a:prstGeom prst="rect">
-            <a:avLst/>
-          </a:prstGeom>
-          <a:noFill/>
-        </p:spPr>
-        <p:txBody>
-          <a:bodyPr wrap="none" rtlCol="0">
-            <a:spAutoFit/>
-          </a:bodyPr>
-          <a:lstStyle/>
-          <a:p>
-            <a:r>
-              <a:rPr lang="de-DE" dirty="0" err="1" smtClean="0"/>
-              <a:t>Photodiode</a:t>
-            </a:r>
-            <a:endParaRPr lang="en-US" dirty="0"/>
-          </a:p>
-        </p:txBody>
-      </p:sp>
-      <p:sp>
-        <p:nvSpPr>
-          <p:cNvPr id="59" name="Textfeld 58"/>
-          <p:cNvSpPr txBox="1"/>
-          <p:nvPr/>
-        </p:nvSpPr>
-        <p:spPr>
-          <a:xfrm>
-            <a:off x="610267" y="3194066"/>
-            <a:ext cx="569387" cy="369332"/>
-          </a:xfrm>
-          <a:prstGeom prst="rect">
-            <a:avLst/>
-          </a:prstGeom>
-          <a:noFill/>
-        </p:spPr>
-        <p:txBody>
-          <a:bodyPr wrap="none" rtlCol="0">
-            <a:spAutoFit/>
-          </a:bodyPr>
-          <a:lstStyle/>
-          <a:p>
-            <a:r>
-              <a:rPr lang="de-DE" dirty="0" smtClean="0"/>
-              <a:t>Skin</a:t>
-            </a:r>
-            <a:endParaRPr lang="en-US" dirty="0"/>
-          </a:p>
-        </p:txBody>
-      </p:sp>
-      <p:cxnSp>
-        <p:nvCxnSpPr>
-          <p:cNvPr id="61" name="Gerade Verbindung 60"/>
-          <p:cNvCxnSpPr>
-            <a:stCxn id="57" idx="3"/>
-            <a:endCxn id="35" idx="1"/>
-          </p:cNvCxnSpPr>
-          <p:nvPr/>
-        </p:nvCxnSpPr>
-        <p:spPr>
-          <a:xfrm>
-            <a:off x="1866096" y="2389239"/>
-            <a:ext cx="545664" cy="0"/>
-          </a:xfrm>
-          <a:prstGeom prst="line">
-            <a:avLst/>
-          </a:prstGeom>
-        </p:spPr>
-        <p:style>
-          <a:lnRef idx="1">
-            <a:schemeClr val="dk1"/>
-          </a:lnRef>
-          <a:fillRef idx="0">
-            <a:schemeClr val="dk1"/>
-          </a:fillRef>
-          <a:effectRef idx="0">
-            <a:schemeClr val="dk1"/>
-          </a:effectRef>
-          <a:fontRef idx="minor">
-            <a:schemeClr val="tx1"/>
-          </a:fontRef>
-        </p:style>
-      </p:cxnSp>
-      <p:cxnSp>
-        <p:nvCxnSpPr>
-          <p:cNvPr id="63" name="Gerade Verbindung 62"/>
-          <p:cNvCxnSpPr>
-            <a:stCxn id="59" idx="3"/>
-            <a:endCxn id="46" idx="1"/>
-          </p:cNvCxnSpPr>
-          <p:nvPr/>
-        </p:nvCxnSpPr>
-        <p:spPr>
-          <a:xfrm>
-            <a:off x="1179654" y="3378732"/>
-            <a:ext cx="440018" cy="0"/>
-          </a:xfrm>
-          <a:prstGeom prst="line">
-            <a:avLst/>
-          </a:prstGeom>
-        </p:spPr>
-        <p:style>
-          <a:lnRef idx="1">
-            <a:schemeClr val="dk1"/>
-          </a:lnRef>
-          <a:fillRef idx="0">
-            <a:schemeClr val="dk1"/>
-          </a:fillRef>
-          <a:effectRef idx="0">
-            <a:schemeClr val="dk1"/>
-          </a:effectRef>
-          <a:fontRef idx="minor">
-            <a:schemeClr val="tx1"/>
-          </a:fontRef>
-        </p:style>
-      </p:cxnSp>
-      <p:cxnSp>
-        <p:nvCxnSpPr>
-          <p:cNvPr id="67" name="Gerade Verbindung 66"/>
-          <p:cNvCxnSpPr>
-            <a:stCxn id="58" idx="3"/>
-            <a:endCxn id="42" idx="3"/>
-          </p:cNvCxnSpPr>
-          <p:nvPr/>
-        </p:nvCxnSpPr>
-        <p:spPr>
-          <a:xfrm>
-            <a:off x="1892962" y="4252446"/>
-            <a:ext cx="433345" cy="0"/>
-          </a:xfrm>
-          <a:prstGeom prst="line">
-            <a:avLst/>
-          </a:prstGeom>
-        </p:spPr>
-        <p:style>
-          <a:lnRef idx="1">
-            <a:schemeClr val="dk1"/>
-          </a:lnRef>
-          <a:fillRef idx="0">
-            <a:schemeClr val="dk1"/>
-          </a:fillRef>
-          <a:effectRef idx="0">
-            <a:schemeClr val="dk1"/>
-          </a:effectRef>
-          <a:fontRef idx="minor">
-            <a:schemeClr val="tx1"/>
-          </a:fontRef>
-        </p:style>
-      </p:cxnSp>
-      <p:cxnSp>
-        <p:nvCxnSpPr>
-          <p:cNvPr id="71" name="Gerade Verbindung 70"/>
-          <p:cNvCxnSpPr/>
-          <p:nvPr/>
-        </p:nvCxnSpPr>
-        <p:spPr>
-          <a:xfrm>
-            <a:off x="6660232" y="1844824"/>
-            <a:ext cx="0" cy="872480"/>
-          </a:xfrm>
-          <a:prstGeom prst="line">
-            <a:avLst/>
-          </a:prstGeom>
-        </p:spPr>
-        <p:style>
-          <a:lnRef idx="2">
-            <a:schemeClr val="dk1"/>
-          </a:lnRef>
-          <a:fillRef idx="0">
-            <a:schemeClr val="dk1"/>
-          </a:fillRef>
-          <a:effectRef idx="1">
-            <a:schemeClr val="dk1"/>
-          </a:effectRef>
-          <a:fontRef idx="minor">
-            <a:schemeClr val="tx1"/>
-          </a:fontRef>
-        </p:style>
-      </p:cxnSp>
-      <p:sp>
-        <p:nvSpPr>
-          <p:cNvPr id="74" name="Rechteck 73"/>
-          <p:cNvSpPr/>
-          <p:nvPr/>
-        </p:nvSpPr>
-        <p:spPr>
-          <a:xfrm>
-            <a:off x="1702441" y="3289339"/>
-            <a:ext cx="2066710" cy="216024"/>
-          </a:xfrm>
-          <a:prstGeom prst="rect">
-            <a:avLst/>
-          </a:prstGeom>
-        </p:spPr>
-        <p:style>
-          <a:lnRef idx="2">
-            <a:schemeClr val="accent2">
-              <a:shade val="50000"/>
-            </a:schemeClr>
-          </a:lnRef>
-          <a:fillRef idx="1">
-            <a:schemeClr val="accent2"/>
-          </a:fillRef>
-          <a:effectRef idx="0">
-            <a:schemeClr val="accent2"/>
-          </a:effectRef>
-          <a:fontRef idx="minor">
-            <a:schemeClr val="lt1"/>
-          </a:fontRef>
-        </p:style>
-        <p:txBody>
-          <a:bodyPr rtlCol="0" anchor="ctr"/>
-          <a:lstStyle/>
-          <a:p>
-            <a:pPr algn="ctr"/>
-            <a:r>
-              <a:rPr lang="de-DE" dirty="0" smtClean="0"/>
-              <a:t>Blood</a:t>
-            </a:r>
-            <a:endParaRPr lang="en-US" dirty="0"/>
-          </a:p>
-        </p:txBody>
-      </p:sp>
-      <p:sp>
-        <p:nvSpPr>
-          <p:cNvPr id="75" name="Rechteck 74"/>
-          <p:cNvSpPr/>
-          <p:nvPr/>
-        </p:nvSpPr>
-        <p:spPr>
-          <a:xfrm>
-            <a:off x="5736012" y="3969060"/>
-            <a:ext cx="2066710" cy="216024"/>
-          </a:xfrm>
-          <a:prstGeom prst="rect">
-            <a:avLst/>
-          </a:prstGeom>
-        </p:spPr>
-        <p:style>
-          <a:lnRef idx="2">
-            <a:schemeClr val="accent2">
-              <a:shade val="50000"/>
-            </a:schemeClr>
-          </a:lnRef>
-          <a:fillRef idx="1">
-            <a:schemeClr val="accent2"/>
-          </a:fillRef>
-          <a:effectRef idx="0">
-            <a:schemeClr val="accent2"/>
-          </a:effectRef>
-          <a:fontRef idx="minor">
-            <a:schemeClr val="lt1"/>
-          </a:fontRef>
-        </p:style>
-        <p:txBody>
-          <a:bodyPr rtlCol="0" anchor="ctr"/>
-          <a:lstStyle/>
-          <a:p>
-            <a:pPr algn="ctr"/>
-            <a:r>
-              <a:rPr lang="de-DE" dirty="0" smtClean="0"/>
-              <a:t>Blood</a:t>
-            </a:r>
-            <a:endParaRPr lang="en-US" dirty="0"/>
-          </a:p>
-        </p:txBody>
-      </p:sp>
     </p:spTree>
     <p:extLst>
       <p:ext uri="{BB962C8B-B14F-4D97-AF65-F5344CB8AC3E}">
@@ -17061,6 +17091,107 @@
               <a:t>Data Flow</a:t>
             </a:r>
             <a:endParaRPr lang="en-US" dirty="0"/>
+          </a:p>
+        </p:txBody>
+      </p:sp>
+      <p:sp>
+        <p:nvSpPr>
+          <p:cNvPr id="4" name="Rechteck 3"/>
+          <p:cNvSpPr/>
+          <p:nvPr/>
+        </p:nvSpPr>
+        <p:spPr>
+          <a:xfrm>
+            <a:off x="2195736" y="1772816"/>
+            <a:ext cx="2112930" cy="1584176"/>
+          </a:xfrm>
+          <a:prstGeom prst="rect">
+            <a:avLst/>
+          </a:prstGeom>
+          <a:noFill/>
+          <a:ln w="28575">
+            <a:solidFill>
+              <a:schemeClr val="tx1"/>
+            </a:solidFill>
+            <a:prstDash val="dash"/>
+          </a:ln>
+        </p:spPr>
+        <p:style>
+          <a:lnRef idx="2">
+            <a:schemeClr val="accent1">
+              <a:shade val="50000"/>
+            </a:schemeClr>
+          </a:lnRef>
+          <a:fillRef idx="1">
+            <a:schemeClr val="accent1"/>
+          </a:fillRef>
+          <a:effectRef idx="0">
+            <a:schemeClr val="accent1"/>
+          </a:effectRef>
+          <a:fontRef idx="minor">
+            <a:schemeClr val="lt1"/>
+          </a:fontRef>
+        </p:style>
+        <p:txBody>
+          <a:bodyPr rtlCol="0" anchor="ctr"/>
+          <a:lstStyle/>
+          <a:p>
+            <a:pPr algn="ctr"/>
+            <a:endParaRPr lang="en-US"/>
+          </a:p>
+        </p:txBody>
+      </p:sp>
+      <p:sp>
+        <p:nvSpPr>
+          <p:cNvPr id="45" name="Textfeld 44"/>
+          <p:cNvSpPr txBox="1"/>
+          <p:nvPr/>
+        </p:nvSpPr>
+        <p:spPr>
+          <a:xfrm>
+            <a:off x="179512" y="3645024"/>
+            <a:ext cx="2592288" cy="369332"/>
+          </a:xfrm>
+          <a:prstGeom prst="rect">
+            <a:avLst/>
+          </a:prstGeom>
+          <a:noFill/>
+        </p:spPr>
+        <p:txBody>
+          <a:bodyPr wrap="square" rtlCol="0">
+            <a:spAutoFit/>
+          </a:bodyPr>
+          <a:lstStyle/>
+          <a:p>
+            <a:r>
+              <a:rPr lang="de-DE" dirty="0" smtClean="0">
+                <a:solidFill>
+                  <a:srgbClr val="FF0000"/>
+                </a:solidFill>
+              </a:rPr>
+              <a:t>Heart rate </a:t>
+            </a:r>
+            <a:r>
+              <a:rPr lang="de-DE" dirty="0" err="1">
+                <a:solidFill>
+                  <a:srgbClr val="FF0000"/>
+                </a:solidFill>
+              </a:rPr>
+              <a:t>c</a:t>
+            </a:r>
+            <a:r>
+              <a:rPr lang="de-DE" dirty="0" err="1" smtClean="0">
+                <a:solidFill>
+                  <a:srgbClr val="FF0000"/>
+                </a:solidFill>
+              </a:rPr>
+              <a:t>alculation</a:t>
+            </a:r>
+            <a:endParaRPr lang="en-US" dirty="0">
+              <a:solidFill>
+                <a:srgbClr val="FF0000"/>
+              </a:solidFill>
+            </a:endParaRPr>
           </a:p>
         </p:txBody>
       </p:sp>
@@ -17538,53 +17669,6 @@
           </p:txBody>
         </p:sp>
       </p:grpSp>
-      <p:sp>
-        <p:nvSpPr>
-          <p:cNvPr id="4" name="Rechteck 3"/>
-          <p:cNvSpPr/>
-          <p:nvPr/>
-        </p:nvSpPr>
-        <p:spPr>
-          <a:xfrm>
-            <a:off x="2195736" y="1772816"/>
-            <a:ext cx="2112930" cy="1584176"/>
-          </a:xfrm>
-          <a:prstGeom prst="rect">
-            <a:avLst/>
-          </a:prstGeom>
-          <a:noFill/>
-          <a:ln w="28575">
-            <a:solidFill>
-              <a:schemeClr val="tx1"/>
-            </a:solidFill>
-            <a:prstDash val="dash"/>
-          </a:ln>
-        </p:spPr>
-        <p:style>
-          <a:lnRef idx="2">
-            <a:schemeClr val="accent1">
-              <a:shade val="50000"/>
-            </a:schemeClr>
-          </a:lnRef>
-          <a:fillRef idx="1">
-            <a:schemeClr val="accent1"/>
-          </a:fillRef>
-          <a:effectRef idx="0">
-            <a:schemeClr val="accent1"/>
-          </a:effectRef>
-          <a:fontRef idx="minor">
-            <a:schemeClr val="lt1"/>
-          </a:fontRef>
-        </p:style>
-        <p:txBody>
-          <a:bodyPr rtlCol="0" anchor="ctr"/>
-          <a:lstStyle/>
-          <a:p>
-            <a:pPr algn="ctr"/>
-            <a:endParaRPr lang="en-US"/>
-          </a:p>
-        </p:txBody>
-      </p:sp>
       <p:grpSp>
         <p:nvGrpSpPr>
           <p:cNvPr id="18" name="Gruppieren 17"/>
@@ -18104,60 +18188,6 @@
           </a:p>
         </p:txBody>
       </p:sp>
-      <p:sp>
-        <p:nvSpPr>
-          <p:cNvPr id="45" name="Textfeld 44"/>
-          <p:cNvSpPr txBox="1"/>
-          <p:nvPr/>
-        </p:nvSpPr>
-        <p:spPr>
-          <a:xfrm>
-            <a:off x="179512" y="3645024"/>
-            <a:ext cx="2592288" cy="369332"/>
-          </a:xfrm>
-          <a:prstGeom prst="rect">
-            <a:avLst/>
-          </a:prstGeom>
-          <a:noFill/>
-        </p:spPr>
-        <p:txBody>
-          <a:bodyPr wrap="square" rtlCol="0">
-            <a:spAutoFit/>
-          </a:bodyPr>
-          <a:lstStyle/>
-          <a:p>
-            <a:r>
-              <a:rPr lang="de-DE" dirty="0" smtClean="0">
-                <a:solidFill>
-                  <a:srgbClr val="FF0000"/>
-                </a:solidFill>
-              </a:rPr>
-              <a:t>Heart rate </a:t>
-            </a:r>
-            <a:r>
-              <a:rPr lang="de-DE" dirty="0" err="1">
-                <a:solidFill>
-                  <a:srgbClr val="FF0000"/>
-                </a:solidFill>
-              </a:rPr>
-              <a:t>c</a:t>
-            </a:r>
-            <a:r>
-              <a:rPr lang="de-DE" dirty="0" err="1" smtClean="0">
-                <a:solidFill>
-                  <a:srgbClr val="FF0000"/>
-                </a:solidFill>
-              </a:rPr>
-              <a:t>alculation</a:t>
-            </a:r>
-            <a:endParaRPr lang="en-US" dirty="0">
-              <a:solidFill>
-                <a:srgbClr val="FF0000"/>
-              </a:solidFill>
-            </a:endParaRPr>
-          </a:p>
-        </p:txBody>
-      </p:sp>
       <p:cxnSp>
         <p:nvCxnSpPr>
           <p:cNvPr id="46" name="Gerade Verbindung mit Pfeil 45"/>
@@ -18294,148 +18324,230 @@
       </p:sp>
       <p:grpSp>
         <p:nvGrpSpPr>
-          <p:cNvPr id="19" name="Gruppieren 18"/>
+          <p:cNvPr id="4" name="Gruppieren 3"/>
           <p:cNvGrpSpPr/>
           <p:nvPr/>
         </p:nvGrpSpPr>
         <p:grpSpPr>
           <a:xfrm>
-            <a:off x="2451428" y="3543917"/>
-            <a:ext cx="4397667" cy="2305127"/>
-            <a:chOff x="1331640" y="3194103"/>
-            <a:chExt cx="4397667" cy="2305127"/>
+            <a:off x="2451428" y="3068960"/>
+            <a:ext cx="6873100" cy="2780084"/>
+            <a:chOff x="2451428" y="3068960"/>
+            <a:chExt cx="6873100" cy="2780084"/>
           </a:xfrm>
         </p:grpSpPr>
         <p:grpSp>
           <p:nvGrpSpPr>
-            <p:cNvPr id="20" name="Gruppieren 19"/>
+            <p:cNvPr id="19" name="Gruppieren 18"/>
             <p:cNvGrpSpPr/>
             <p:nvPr/>
           </p:nvGrpSpPr>
           <p:grpSpPr>
             <a:xfrm>
-              <a:off x="1331640" y="3194974"/>
-              <a:ext cx="1296144" cy="2304256"/>
-              <a:chOff x="2451230" y="3555014"/>
-              <a:chExt cx="1296144" cy="2304256"/>
+              <a:off x="2451428" y="3543917"/>
+              <a:ext cx="4397667" cy="2305127"/>
+              <a:chOff x="1331640" y="3194103"/>
+              <a:chExt cx="4397667" cy="2305127"/>
             </a:xfrm>
           </p:grpSpPr>
-          <p:sp>
-            <p:nvSpPr>
-              <p:cNvPr id="26" name="Rechteck 25"/>
-              <p:cNvSpPr/>
+          <p:grpSp>
+            <p:nvGrpSpPr>
+              <p:cNvPr id="20" name="Gruppieren 19"/>
+              <p:cNvGrpSpPr/>
               <p:nvPr/>
-            </p:nvSpPr>
-            <p:spPr>
+            </p:nvGrpSpPr>
+            <p:grpSpPr>
               <a:xfrm>
-                <a:off x="2451230" y="3555014"/>
-                <a:ext cx="1296144" cy="792088"/>
+                <a:off x="1331640" y="3194974"/>
+                <a:ext cx="1296144" cy="2304256"/>
+                <a:chOff x="2451230" y="3555014"/>
+                <a:chExt cx="1296144" cy="2304256"/>
               </a:xfrm>
-              <a:prstGeom prst="rect">
-                <a:avLst/>
-              </a:prstGeom>
-              <a:solidFill>
-                <a:srgbClr val="00878F"/>
-              </a:solidFill>
-              <a:ln>
+            </p:grpSpPr>
+            <p:sp>
+              <p:nvSpPr>
+                <p:cNvPr id="26" name="Rechteck 25"/>
+                <p:cNvSpPr/>
+                <p:nvPr/>
+              </p:nvSpPr>
+              <p:spPr>
+                <a:xfrm>
+                  <a:off x="2451230" y="3555014"/>
+                  <a:ext cx="1296144" cy="792088"/>
+                </a:xfrm>
+                <a:prstGeom prst="rect">
+                  <a:avLst/>
+                </a:prstGeom>
                 <a:solidFill>
-                  <a:srgbClr val="62AEB2"/>
+                  <a:srgbClr val="00878F"/>
                 </a:solidFill>
-              </a:ln>
-            </p:spPr>
-            <p:style>
-              <a:lnRef idx="2">
-                <a:schemeClr val="accent1">
-                  <a:shade val="50000"/>
-                </a:schemeClr>
-              </a:lnRef>
-              <a:fillRef idx="1">
-                <a:schemeClr val="accent1"/>
-              </a:fillRef>
-              <a:effectRef idx="0">
-                <a:schemeClr val="accent1"/>
-              </a:effectRef>
-              <a:fontRef idx="minor">
-                <a:schemeClr val="lt1"/>
-              </a:fontRef>
-            </p:style>
-            <p:txBody>
-              <a:bodyPr rtlCol="0" anchor="ctr"/>
-              <a:lstStyle/>
-              <a:p>
-                <a:pPr algn="ctr"/>
-                <a:r>
-                  <a:rPr lang="de-DE" dirty="0" err="1" smtClean="0"/>
-                  <a:t>Arduino</a:t>
-                </a:r>
-                <a:endParaRPr lang="de-DE" dirty="0"/>
-              </a:p>
-            </p:txBody>
-          </p:sp>
-          <p:sp>
-            <p:nvSpPr>
-              <p:cNvPr id="27" name="Abgerundetes Rechteck 26"/>
-              <p:cNvSpPr/>
-              <p:nvPr/>
-            </p:nvSpPr>
-            <p:spPr>
-              <a:xfrm>
-                <a:off x="2502607" y="5139190"/>
-                <a:ext cx="1193387" cy="720080"/>
-              </a:xfrm>
-              <a:prstGeom prst="roundRect">
-                <a:avLst/>
-              </a:prstGeom>
-              <a:solidFill>
-                <a:srgbClr val="E47128"/>
-              </a:solidFill>
-            </p:spPr>
-            <p:style>
-              <a:lnRef idx="2">
-                <a:schemeClr val="accent1">
-                  <a:shade val="50000"/>
-                </a:schemeClr>
-              </a:lnRef>
-              <a:fillRef idx="1">
-                <a:schemeClr val="accent1"/>
-              </a:fillRef>
-              <a:effectRef idx="0">
-                <a:schemeClr val="accent1"/>
-              </a:effectRef>
-              <a:fontRef idx="minor">
-                <a:schemeClr val="lt1"/>
-              </a:fontRef>
-            </p:style>
-            <p:txBody>
-              <a:bodyPr rtlCol="0" anchor="ctr"/>
-              <a:lstStyle/>
-              <a:p>
-                <a:pPr algn="ctr"/>
-                <a:r>
-                  <a:rPr lang="de-DE" dirty="0" smtClean="0"/>
-                  <a:t>Light </a:t>
-                </a:r>
-                <a:r>
-                  <a:rPr lang="de-DE" dirty="0" err="1" smtClean="0"/>
-                  <a:t>sensor</a:t>
-                </a:r>
-                <a:endParaRPr lang="de-DE" dirty="0"/>
-              </a:p>
-            </p:txBody>
-          </p:sp>
+                <a:ln>
+                  <a:solidFill>
+                    <a:srgbClr val="62AEB2"/>
+                  </a:solidFill>
+                </a:ln>
+              </p:spPr>
+              <p:style>
+                <a:lnRef idx="2">
+                  <a:schemeClr val="accent1">
+                    <a:shade val="50000"/>
+                  </a:schemeClr>
+                </a:lnRef>
+                <a:fillRef idx="1">
+                  <a:schemeClr val="accent1"/>
+                </a:fillRef>
+                <a:effectRef idx="0">
+                  <a:schemeClr val="accent1"/>
+                </a:effectRef>
+                <a:fontRef idx="minor">
+                  <a:schemeClr val="lt1"/>
+                </a:fontRef>
+              </p:style>
+              <p:txBody>
+                <a:bodyPr rtlCol="0" anchor="ctr"/>
+                <a:lstStyle/>
+                <a:p>
+                  <a:pPr algn="ctr"/>
+                  <a:r>
+                    <a:rPr lang="de-DE" dirty="0" err="1" smtClean="0"/>
+                    <a:t>Arduino</a:t>
+                  </a:r>
+                  <a:endParaRPr lang="de-DE" dirty="0"/>
+                </a:p>
+              </p:txBody>
+            </p:sp>
+            <p:sp>
+              <p:nvSpPr>
+                <p:cNvPr id="27" name="Abgerundetes Rechteck 26"/>
+                <p:cNvSpPr/>
+                <p:nvPr/>
+              </p:nvSpPr>
+              <p:spPr>
+                <a:xfrm>
+                  <a:off x="2502607" y="5139190"/>
+                  <a:ext cx="1193387" cy="720080"/>
+                </a:xfrm>
+                <a:prstGeom prst="roundRect">
+                  <a:avLst/>
+                </a:prstGeom>
+                <a:solidFill>
+                  <a:srgbClr val="E47128"/>
+                </a:solidFill>
+              </p:spPr>
+              <p:style>
+                <a:lnRef idx="2">
+                  <a:schemeClr val="accent1">
+                    <a:shade val="50000"/>
+                  </a:schemeClr>
+                </a:lnRef>
+                <a:fillRef idx="1">
+                  <a:schemeClr val="accent1"/>
+                </a:fillRef>
+                <a:effectRef idx="0">
+                  <a:schemeClr val="accent1"/>
+                </a:effectRef>
+                <a:fontRef idx="minor">
+                  <a:schemeClr val="lt1"/>
+                </a:fontRef>
+              </p:style>
+              <p:txBody>
+                <a:bodyPr rtlCol="0" anchor="ctr"/>
+                <a:lstStyle/>
+                <a:p>
+                  <a:pPr algn="ctr"/>
+                  <a:r>
+                    <a:rPr lang="de-DE" dirty="0" smtClean="0"/>
+                    <a:t>Light </a:t>
+                  </a:r>
+                  <a:r>
+                    <a:rPr lang="de-DE" dirty="0" err="1" smtClean="0"/>
+                    <a:t>sensor</a:t>
+                  </a:r>
+                  <a:endParaRPr lang="de-DE" dirty="0"/>
+                </a:p>
+              </p:txBody>
+            </p:sp>
+            <p:cxnSp>
+              <p:nvCxnSpPr>
+                <p:cNvPr id="28" name="Gerade Verbindung mit Pfeil 27"/>
+                <p:cNvCxnSpPr>
+                  <a:stCxn id="26" idx="2"/>
+                  <a:endCxn id="27" idx="0"/>
+                </p:cNvCxnSpPr>
+                <p:nvPr/>
+              </p:nvCxnSpPr>
+              <p:spPr>
+                <a:xfrm flipH="1">
+                  <a:off x="3099301" y="4347102"/>
+                  <a:ext cx="1" cy="792088"/>
+                </a:xfrm>
+                <a:prstGeom prst="straightConnector1">
+                  <a:avLst/>
+                </a:prstGeom>
+                <a:ln>
+                  <a:headEnd type="arrow"/>
+                  <a:tailEnd type="arrow"/>
+                </a:ln>
+              </p:spPr>
+              <p:style>
+                <a:lnRef idx="2">
+                  <a:schemeClr val="dk1"/>
+                </a:lnRef>
+                <a:fillRef idx="0">
+                  <a:schemeClr val="dk1"/>
+                </a:fillRef>
+                <a:effectRef idx="1">
+                  <a:schemeClr val="dk1"/>
+                </a:effectRef>
+                <a:fontRef idx="minor">
+                  <a:schemeClr val="tx1"/>
+                </a:fontRef>
+              </p:style>
+            </p:cxnSp>
+            <p:sp>
+              <p:nvSpPr>
+                <p:cNvPr id="29" name="Textfeld 28"/>
+                <p:cNvSpPr txBox="1"/>
+                <p:nvPr/>
+              </p:nvSpPr>
+              <p:spPr>
+                <a:xfrm>
+                  <a:off x="3069758" y="4563126"/>
+                  <a:ext cx="482824" cy="369332"/>
+                </a:xfrm>
+                <a:prstGeom prst="rect">
+                  <a:avLst/>
+                </a:prstGeom>
+                <a:noFill/>
+              </p:spPr>
+              <p:txBody>
+                <a:bodyPr wrap="none" rtlCol="0">
+                  <a:spAutoFit/>
+                </a:bodyPr>
+                <a:lstStyle/>
+                <a:p>
+                  <a:r>
+                    <a:rPr lang="de-DE" dirty="0" smtClean="0"/>
+                    <a:t>I2C</a:t>
+                  </a:r>
+                  <a:endParaRPr lang="de-DE" dirty="0"/>
+                </a:p>
+              </p:txBody>
+            </p:sp>
+          </p:grpSp>
           <p:cxnSp>
             <p:nvCxnSpPr>
-              <p:cNvPr id="28" name="Gerade Verbindung mit Pfeil 27"/>
+              <p:cNvPr id="21" name="Gerade Verbindung mit Pfeil 20"/>
               <p:cNvCxnSpPr>
-                <a:stCxn id="26" idx="2"/>
-                <a:endCxn id="27" idx="0"/>
+                <a:stCxn id="26" idx="3"/>
+                <a:endCxn id="23" idx="1"/>
               </p:cNvCxnSpPr>
               <p:nvPr/>
             </p:nvCxnSpPr>
             <p:spPr>
-              <a:xfrm flipH="1">
-                <a:off x="3099301" y="4347102"/>
-                <a:ext cx="1" cy="792088"/>
+              <a:xfrm flipV="1">
+                <a:off x="2627784" y="3590147"/>
+                <a:ext cx="1488385" cy="871"/>
               </a:xfrm>
               <a:prstGeom prst="straightConnector1">
                 <a:avLst/>
@@ -18462,14 +18574,14 @@
           </p:cxnSp>
           <p:sp>
             <p:nvSpPr>
-              <p:cNvPr id="29" name="Textfeld 28"/>
+              <p:cNvPr id="22" name="Textfeld 21"/>
               <p:cNvSpPr txBox="1"/>
               <p:nvPr/>
             </p:nvSpPr>
             <p:spPr>
               <a:xfrm>
-                <a:off x="3069758" y="4563126"/>
-                <a:ext cx="482824" cy="369332"/>
+                <a:off x="3024412" y="3275692"/>
+                <a:ext cx="695127" cy="369332"/>
               </a:xfrm>
               <a:prstGeom prst="rect">
                 <a:avLst/>
@@ -18484,60 +18596,134 @@
               <a:p>
                 <a:r>
                   <a:rPr lang="de-DE" dirty="0" smtClean="0"/>
-                  <a:t>I2C</a:t>
+                  <a:t>UART</a:t>
                 </a:r>
                 <a:endParaRPr lang="de-DE" dirty="0"/>
               </a:p>
             </p:txBody>
           </p:sp>
+          <p:sp>
+            <p:nvSpPr>
+              <p:cNvPr id="23" name="Rechteck 22"/>
+              <p:cNvSpPr/>
+              <p:nvPr/>
+            </p:nvSpPr>
+            <p:spPr>
+              <a:xfrm>
+                <a:off x="4116169" y="3194103"/>
+                <a:ext cx="1512168" cy="792088"/>
+              </a:xfrm>
+              <a:prstGeom prst="rect">
+                <a:avLst/>
+              </a:prstGeom>
+            </p:spPr>
+            <p:style>
+              <a:lnRef idx="2">
+                <a:schemeClr val="accent1">
+                  <a:shade val="50000"/>
+                </a:schemeClr>
+              </a:lnRef>
+              <a:fillRef idx="1">
+                <a:schemeClr val="accent1"/>
+              </a:fillRef>
+              <a:effectRef idx="0">
+                <a:schemeClr val="accent1"/>
+              </a:effectRef>
+              <a:fontRef idx="minor">
+                <a:schemeClr val="lt1"/>
+              </a:fontRef>
+            </p:style>
+            <p:txBody>
+              <a:bodyPr rtlCol="0" anchor="ctr"/>
+              <a:lstStyle/>
+              <a:p>
+                <a:pPr algn="ctr"/>
+                <a:r>
+                  <a:rPr lang="de-DE" dirty="0" smtClean="0"/>
+                  <a:t>PC</a:t>
+                </a:r>
+              </a:p>
+            </p:txBody>
+          </p:sp>
+          <p:sp>
+            <p:nvSpPr>
+              <p:cNvPr id="24" name="Textfeld 23"/>
+              <p:cNvSpPr txBox="1"/>
+              <p:nvPr/>
+            </p:nvSpPr>
+            <p:spPr>
+              <a:xfrm>
+                <a:off x="4302898" y="4454243"/>
+                <a:ext cx="1138709" cy="369332"/>
+              </a:xfrm>
+              <a:prstGeom prst="rect">
+                <a:avLst/>
+              </a:prstGeom>
+              <a:noFill/>
+            </p:spPr>
+            <p:txBody>
+              <a:bodyPr wrap="none" rtlCol="0">
+                <a:spAutoFit/>
+              </a:bodyPr>
+              <a:lstStyle/>
+              <a:p>
+                <a:pPr algn="ctr"/>
+                <a:r>
+                  <a:rPr lang="de-DE" dirty="0" smtClean="0"/>
+                  <a:t>Heart rate</a:t>
+                </a:r>
+              </a:p>
+            </p:txBody>
+          </p:sp>
+          <p:sp>
+            <p:nvSpPr>
+              <p:cNvPr id="25" name="Geschweifte Klammer links 24"/>
+              <p:cNvSpPr/>
+              <p:nvPr/>
+            </p:nvSpPr>
+            <p:spPr>
+              <a:xfrm rot="5400000">
+                <a:off x="4620224" y="3561184"/>
+                <a:ext cx="504056" cy="1714110"/>
+              </a:xfrm>
+              <a:prstGeom prst="leftBrace">
+                <a:avLst/>
+              </a:prstGeom>
+            </p:spPr>
+            <p:style>
+              <a:lnRef idx="2">
+                <a:schemeClr val="dk1"/>
+              </a:lnRef>
+              <a:fillRef idx="0">
+                <a:schemeClr val="dk1"/>
+              </a:fillRef>
+              <a:effectRef idx="1">
+                <a:schemeClr val="dk1"/>
+              </a:effectRef>
+              <a:fontRef idx="minor">
+                <a:schemeClr val="tx1"/>
+              </a:fontRef>
+            </p:style>
+            <p:txBody>
+              <a:bodyPr rtlCol="0" anchor="ctr"/>
+              <a:lstStyle/>
+              <a:p>
+                <a:pPr algn="ctr"/>
+                <a:endParaRPr lang="de-DE"/>
+              </a:p>
+            </p:txBody>
+          </p:sp>
         </p:grpSp>
-        <p:cxnSp>
-          <p:nvCxnSpPr>
-            <p:cNvPr id="21" name="Gerade Verbindung mit Pfeil 20"/>
-            <p:cNvCxnSpPr>
-              <a:stCxn id="26" idx="3"/>
-              <a:endCxn id="23" idx="1"/>
-            </p:cNvCxnSpPr>
-            <p:nvPr/>
-          </p:nvCxnSpPr>
-          <p:spPr>
-            <a:xfrm flipV="1">
-              <a:off x="2627784" y="3590147"/>
-              <a:ext cx="1488385" cy="871"/>
-            </a:xfrm>
-            <a:prstGeom prst="straightConnector1">
-              <a:avLst/>
-            </a:prstGeom>
-            <a:ln>
-              <a:headEnd type="arrow"/>
-              <a:tailEnd type="arrow"/>
-            </a:ln>
-          </p:spPr>
-          <p:style>
-            <a:lnRef idx="2">
-              <a:schemeClr val="dk1"/>
-            </a:lnRef>
-            <a:fillRef idx="0">
-              <a:schemeClr val="dk1"/>
-            </a:fillRef>
-            <a:effectRef idx="1">
-              <a:schemeClr val="dk1"/>
-            </a:effectRef>
-            <a:fontRef idx="minor">
-              <a:schemeClr val="tx1"/>
-            </a:fontRef>
-          </p:style>
-        </p:cxnSp>
         <p:sp>
           <p:nvSpPr>
-            <p:cNvPr id="22" name="Textfeld 21"/>
+            <p:cNvPr id="30" name="Textfeld 29"/>
             <p:cNvSpPr txBox="1"/>
             <p:nvPr/>
           </p:nvSpPr>
           <p:spPr>
             <a:xfrm>
-              <a:off x="3024412" y="3275692"/>
-              <a:ext cx="695127" cy="369332"/>
+              <a:off x="3563888" y="3068960"/>
+              <a:ext cx="1872208" cy="369332"/>
             </a:xfrm>
             <a:prstGeom prst="rect">
               <a:avLst/>
@@ -18545,72 +18731,502 @@
             <a:noFill/>
           </p:spPr>
           <p:txBody>
-            <a:bodyPr wrap="none" rtlCol="0">
+            <a:bodyPr wrap="square" rtlCol="0">
               <a:spAutoFit/>
             </a:bodyPr>
             <a:lstStyle/>
             <a:p>
               <a:r>
-                <a:rPr lang="de-DE" dirty="0" smtClean="0"/>
-                <a:t>UART</a:t>
+                <a:rPr lang="de-DE" dirty="0" smtClean="0">
+                  <a:solidFill>
+                    <a:srgbClr val="FF0000"/>
+                  </a:solidFill>
+                </a:rPr>
+                <a:t>Light Sensor Data</a:t>
               </a:r>
-              <a:endParaRPr lang="de-DE" dirty="0"/>
+              <a:endParaRPr lang="en-US" dirty="0">
+                <a:solidFill>
+                  <a:srgbClr val="FF0000"/>
+                </a:solidFill>
+              </a:endParaRPr>
             </a:p>
           </p:txBody>
         </p:sp>
+        <p:grpSp>
+          <p:nvGrpSpPr>
+            <p:cNvPr id="31" name="Gruppieren 30"/>
+            <p:cNvGrpSpPr/>
+            <p:nvPr/>
+          </p:nvGrpSpPr>
+          <p:grpSpPr>
+            <a:xfrm>
+              <a:off x="5574476" y="5158187"/>
+              <a:ext cx="835130" cy="273199"/>
+              <a:chOff x="6012160" y="5362582"/>
+              <a:chExt cx="2894338" cy="1306778"/>
+            </a:xfrm>
+          </p:grpSpPr>
+          <p:grpSp>
+            <p:nvGrpSpPr>
+              <p:cNvPr id="32" name="Gruppieren 31"/>
+              <p:cNvGrpSpPr/>
+              <p:nvPr/>
+            </p:nvGrpSpPr>
+            <p:grpSpPr>
+              <a:xfrm>
+                <a:off x="6012160" y="5362582"/>
+                <a:ext cx="1584176" cy="1306778"/>
+                <a:chOff x="6012160" y="5362582"/>
+                <a:chExt cx="1584176" cy="1306778"/>
+              </a:xfrm>
+            </p:grpSpPr>
+            <p:cxnSp>
+              <p:nvCxnSpPr>
+                <p:cNvPr id="40" name="Gerade Verbindung 39"/>
+                <p:cNvCxnSpPr/>
+                <p:nvPr/>
+              </p:nvCxnSpPr>
+              <p:spPr>
+                <a:xfrm>
+                  <a:off x="6012160" y="6237312"/>
+                  <a:ext cx="648072" cy="0"/>
+                </a:xfrm>
+                <a:prstGeom prst="line">
+                  <a:avLst/>
+                </a:prstGeom>
+                <a:ln w="6350">
+                  <a:solidFill>
+                    <a:srgbClr val="FF0000"/>
+                  </a:solidFill>
+                </a:ln>
+              </p:spPr>
+              <p:style>
+                <a:lnRef idx="1">
+                  <a:schemeClr val="accent1"/>
+                </a:lnRef>
+                <a:fillRef idx="0">
+                  <a:schemeClr val="accent1"/>
+                </a:fillRef>
+                <a:effectRef idx="0">
+                  <a:schemeClr val="accent1"/>
+                </a:effectRef>
+                <a:fontRef idx="minor">
+                  <a:schemeClr val="tx1"/>
+                </a:fontRef>
+              </p:style>
+            </p:cxnSp>
+            <p:cxnSp>
+              <p:nvCxnSpPr>
+                <p:cNvPr id="41" name="Gerade Verbindung 40"/>
+                <p:cNvCxnSpPr/>
+                <p:nvPr/>
+              </p:nvCxnSpPr>
+              <p:spPr>
+                <a:xfrm flipH="1">
+                  <a:off x="6660232" y="5373216"/>
+                  <a:ext cx="144016" cy="864096"/>
+                </a:xfrm>
+                <a:prstGeom prst="line">
+                  <a:avLst/>
+                </a:prstGeom>
+                <a:ln w="6350">
+                  <a:solidFill>
+                    <a:srgbClr val="FF0000"/>
+                  </a:solidFill>
+                </a:ln>
+              </p:spPr>
+              <p:style>
+                <a:lnRef idx="1">
+                  <a:schemeClr val="accent1"/>
+                </a:lnRef>
+                <a:fillRef idx="0">
+                  <a:schemeClr val="accent1"/>
+                </a:fillRef>
+                <a:effectRef idx="0">
+                  <a:schemeClr val="accent1"/>
+                </a:effectRef>
+                <a:fontRef idx="minor">
+                  <a:schemeClr val="tx1"/>
+                </a:fontRef>
+              </p:style>
+            </p:cxnSp>
+            <p:cxnSp>
+              <p:nvCxnSpPr>
+                <p:cNvPr id="42" name="Gerade Verbindung 41"/>
+                <p:cNvCxnSpPr/>
+                <p:nvPr/>
+              </p:nvCxnSpPr>
+              <p:spPr>
+                <a:xfrm flipH="1" flipV="1">
+                  <a:off x="6821873" y="5362582"/>
+                  <a:ext cx="144016" cy="1306778"/>
+                </a:xfrm>
+                <a:prstGeom prst="line">
+                  <a:avLst/>
+                </a:prstGeom>
+                <a:ln w="6350">
+                  <a:solidFill>
+                    <a:srgbClr val="FF0000"/>
+                  </a:solidFill>
+                </a:ln>
+              </p:spPr>
+              <p:style>
+                <a:lnRef idx="1">
+                  <a:schemeClr val="accent1"/>
+                </a:lnRef>
+                <a:fillRef idx="0">
+                  <a:schemeClr val="accent1"/>
+                </a:fillRef>
+                <a:effectRef idx="0">
+                  <a:schemeClr val="accent1"/>
+                </a:effectRef>
+                <a:fontRef idx="minor">
+                  <a:schemeClr val="tx1"/>
+                </a:fontRef>
+              </p:style>
+            </p:cxnSp>
+            <p:cxnSp>
+              <p:nvCxnSpPr>
+                <p:cNvPr id="43" name="Gerade Verbindung 42"/>
+                <p:cNvCxnSpPr/>
+                <p:nvPr/>
+              </p:nvCxnSpPr>
+              <p:spPr>
+                <a:xfrm flipH="1">
+                  <a:off x="6965890" y="6016239"/>
+                  <a:ext cx="152757" cy="653121"/>
+                </a:xfrm>
+                <a:prstGeom prst="line">
+                  <a:avLst/>
+                </a:prstGeom>
+                <a:ln w="6350">
+                  <a:solidFill>
+                    <a:srgbClr val="FF0000"/>
+                  </a:solidFill>
+                </a:ln>
+              </p:spPr>
+              <p:style>
+                <a:lnRef idx="1">
+                  <a:schemeClr val="accent1"/>
+                </a:lnRef>
+                <a:fillRef idx="0">
+                  <a:schemeClr val="accent1"/>
+                </a:fillRef>
+                <a:effectRef idx="0">
+                  <a:schemeClr val="accent1"/>
+                </a:effectRef>
+                <a:fontRef idx="minor">
+                  <a:schemeClr val="tx1"/>
+                </a:fontRef>
+              </p:style>
+            </p:cxnSp>
+            <p:cxnSp>
+              <p:nvCxnSpPr>
+                <p:cNvPr id="44" name="Gerade Verbindung 43"/>
+                <p:cNvCxnSpPr/>
+                <p:nvPr/>
+              </p:nvCxnSpPr>
+              <p:spPr>
+                <a:xfrm flipH="1" flipV="1">
+                  <a:off x="7118648" y="6016240"/>
+                  <a:ext cx="102548" cy="205098"/>
+                </a:xfrm>
+                <a:prstGeom prst="line">
+                  <a:avLst/>
+                </a:prstGeom>
+                <a:ln w="6350">
+                  <a:solidFill>
+                    <a:srgbClr val="FF0000"/>
+                  </a:solidFill>
+                </a:ln>
+              </p:spPr>
+              <p:style>
+                <a:lnRef idx="1">
+                  <a:schemeClr val="accent1"/>
+                </a:lnRef>
+                <a:fillRef idx="0">
+                  <a:schemeClr val="accent1"/>
+                </a:fillRef>
+                <a:effectRef idx="0">
+                  <a:schemeClr val="accent1"/>
+                </a:effectRef>
+                <a:fontRef idx="minor">
+                  <a:schemeClr val="tx1"/>
+                </a:fontRef>
+              </p:style>
+            </p:cxnSp>
+            <p:cxnSp>
+              <p:nvCxnSpPr>
+                <p:cNvPr id="45" name="Gerade Verbindung 44"/>
+                <p:cNvCxnSpPr/>
+                <p:nvPr/>
+              </p:nvCxnSpPr>
+              <p:spPr>
+                <a:xfrm flipH="1">
+                  <a:off x="7221196" y="6237312"/>
+                  <a:ext cx="375140" cy="0"/>
+                </a:xfrm>
+                <a:prstGeom prst="line">
+                  <a:avLst/>
+                </a:prstGeom>
+                <a:ln w="6350">
+                  <a:solidFill>
+                    <a:srgbClr val="FF0000"/>
+                  </a:solidFill>
+                </a:ln>
+              </p:spPr>
+              <p:style>
+                <a:lnRef idx="1">
+                  <a:schemeClr val="accent1"/>
+                </a:lnRef>
+                <a:fillRef idx="0">
+                  <a:schemeClr val="accent1"/>
+                </a:fillRef>
+                <a:effectRef idx="0">
+                  <a:schemeClr val="accent1"/>
+                </a:effectRef>
+                <a:fontRef idx="minor">
+                  <a:schemeClr val="tx1"/>
+                </a:fontRef>
+              </p:style>
+            </p:cxnSp>
+          </p:grpSp>
+          <p:grpSp>
+            <p:nvGrpSpPr>
+              <p:cNvPr id="33" name="Gruppieren 32"/>
+              <p:cNvGrpSpPr/>
+              <p:nvPr/>
+            </p:nvGrpSpPr>
+            <p:grpSpPr>
+              <a:xfrm>
+                <a:off x="7322322" y="5362582"/>
+                <a:ext cx="1584176" cy="1306778"/>
+                <a:chOff x="6012160" y="5362582"/>
+                <a:chExt cx="1584176" cy="1306778"/>
+              </a:xfrm>
+            </p:grpSpPr>
+            <p:cxnSp>
+              <p:nvCxnSpPr>
+                <p:cNvPr id="34" name="Gerade Verbindung 33"/>
+                <p:cNvCxnSpPr/>
+                <p:nvPr/>
+              </p:nvCxnSpPr>
+              <p:spPr>
+                <a:xfrm>
+                  <a:off x="6012160" y="6237312"/>
+                  <a:ext cx="648072" cy="0"/>
+                </a:xfrm>
+                <a:prstGeom prst="line">
+                  <a:avLst/>
+                </a:prstGeom>
+                <a:ln w="6350">
+                  <a:solidFill>
+                    <a:srgbClr val="FF0000"/>
+                  </a:solidFill>
+                </a:ln>
+              </p:spPr>
+              <p:style>
+                <a:lnRef idx="1">
+                  <a:schemeClr val="accent1"/>
+                </a:lnRef>
+                <a:fillRef idx="0">
+                  <a:schemeClr val="accent1"/>
+                </a:fillRef>
+                <a:effectRef idx="0">
+                  <a:schemeClr val="accent1"/>
+                </a:effectRef>
+                <a:fontRef idx="minor">
+                  <a:schemeClr val="tx1"/>
+                </a:fontRef>
+              </p:style>
+            </p:cxnSp>
+            <p:cxnSp>
+              <p:nvCxnSpPr>
+                <p:cNvPr id="35" name="Gerade Verbindung 34"/>
+                <p:cNvCxnSpPr/>
+                <p:nvPr/>
+              </p:nvCxnSpPr>
+              <p:spPr>
+                <a:xfrm flipH="1">
+                  <a:off x="6660232" y="5373216"/>
+                  <a:ext cx="144016" cy="864096"/>
+                </a:xfrm>
+                <a:prstGeom prst="line">
+                  <a:avLst/>
+                </a:prstGeom>
+                <a:ln w="6350">
+                  <a:solidFill>
+                    <a:srgbClr val="FF0000"/>
+                  </a:solidFill>
+                </a:ln>
+              </p:spPr>
+              <p:style>
+                <a:lnRef idx="1">
+                  <a:schemeClr val="accent1"/>
+                </a:lnRef>
+                <a:fillRef idx="0">
+                  <a:schemeClr val="accent1"/>
+                </a:fillRef>
+                <a:effectRef idx="0">
+                  <a:schemeClr val="accent1"/>
+                </a:effectRef>
+                <a:fontRef idx="minor">
+                  <a:schemeClr val="tx1"/>
+                </a:fontRef>
+              </p:style>
+            </p:cxnSp>
+            <p:cxnSp>
+              <p:nvCxnSpPr>
+                <p:cNvPr id="36" name="Gerade Verbindung 35"/>
+                <p:cNvCxnSpPr/>
+                <p:nvPr/>
+              </p:nvCxnSpPr>
+              <p:spPr>
+                <a:xfrm flipH="1" flipV="1">
+                  <a:off x="6821873" y="5362582"/>
+                  <a:ext cx="144016" cy="1306778"/>
+                </a:xfrm>
+                <a:prstGeom prst="line">
+                  <a:avLst/>
+                </a:prstGeom>
+                <a:ln w="6350">
+                  <a:solidFill>
+                    <a:srgbClr val="FF0000"/>
+                  </a:solidFill>
+                </a:ln>
+              </p:spPr>
+              <p:style>
+                <a:lnRef idx="1">
+                  <a:schemeClr val="accent1"/>
+                </a:lnRef>
+                <a:fillRef idx="0">
+                  <a:schemeClr val="accent1"/>
+                </a:fillRef>
+                <a:effectRef idx="0">
+                  <a:schemeClr val="accent1"/>
+                </a:effectRef>
+                <a:fontRef idx="minor">
+                  <a:schemeClr val="tx1"/>
+                </a:fontRef>
+              </p:style>
+            </p:cxnSp>
+            <p:cxnSp>
+              <p:nvCxnSpPr>
+                <p:cNvPr id="37" name="Gerade Verbindung 36"/>
+                <p:cNvCxnSpPr/>
+                <p:nvPr/>
+              </p:nvCxnSpPr>
+              <p:spPr>
+                <a:xfrm flipH="1">
+                  <a:off x="6965890" y="6016239"/>
+                  <a:ext cx="152757" cy="653121"/>
+                </a:xfrm>
+                <a:prstGeom prst="line">
+                  <a:avLst/>
+                </a:prstGeom>
+                <a:ln w="6350">
+                  <a:solidFill>
+                    <a:srgbClr val="FF0000"/>
+                  </a:solidFill>
+                </a:ln>
+              </p:spPr>
+              <p:style>
+                <a:lnRef idx="1">
+                  <a:schemeClr val="accent1"/>
+                </a:lnRef>
+                <a:fillRef idx="0">
+                  <a:schemeClr val="accent1"/>
+                </a:fillRef>
+                <a:effectRef idx="0">
+                  <a:schemeClr val="accent1"/>
+                </a:effectRef>
+                <a:fontRef idx="minor">
+                  <a:schemeClr val="tx1"/>
+                </a:fontRef>
+              </p:style>
+            </p:cxnSp>
+            <p:cxnSp>
+              <p:nvCxnSpPr>
+                <p:cNvPr id="38" name="Gerade Verbindung 37"/>
+                <p:cNvCxnSpPr/>
+                <p:nvPr/>
+              </p:nvCxnSpPr>
+              <p:spPr>
+                <a:xfrm flipH="1" flipV="1">
+                  <a:off x="7118648" y="6016240"/>
+                  <a:ext cx="102548" cy="205098"/>
+                </a:xfrm>
+                <a:prstGeom prst="line">
+                  <a:avLst/>
+                </a:prstGeom>
+                <a:ln w="6350">
+                  <a:solidFill>
+                    <a:srgbClr val="FF0000"/>
+                  </a:solidFill>
+                </a:ln>
+              </p:spPr>
+              <p:style>
+                <a:lnRef idx="1">
+                  <a:schemeClr val="accent1"/>
+                </a:lnRef>
+                <a:fillRef idx="0">
+                  <a:schemeClr val="accent1"/>
+                </a:fillRef>
+                <a:effectRef idx="0">
+                  <a:schemeClr val="accent1"/>
+                </a:effectRef>
+                <a:fontRef idx="minor">
+                  <a:schemeClr val="tx1"/>
+                </a:fontRef>
+              </p:style>
+            </p:cxnSp>
+            <p:cxnSp>
+              <p:nvCxnSpPr>
+                <p:cNvPr id="39" name="Gerade Verbindung 38"/>
+                <p:cNvCxnSpPr/>
+                <p:nvPr/>
+              </p:nvCxnSpPr>
+              <p:spPr>
+                <a:xfrm flipH="1">
+                  <a:off x="7221196" y="6237312"/>
+                  <a:ext cx="375140" cy="0"/>
+                </a:xfrm>
+                <a:prstGeom prst="line">
+                  <a:avLst/>
+                </a:prstGeom>
+                <a:ln w="6350">
+                  <a:solidFill>
+                    <a:srgbClr val="FF0000"/>
+                  </a:solidFill>
+                </a:ln>
+              </p:spPr>
+              <p:style>
+                <a:lnRef idx="1">
+                  <a:schemeClr val="accent1"/>
+                </a:lnRef>
+                <a:fillRef idx="0">
+                  <a:schemeClr val="accent1"/>
+                </a:fillRef>
+                <a:effectRef idx="0">
+                  <a:schemeClr val="accent1"/>
+                </a:effectRef>
+                <a:fontRef idx="minor">
+                  <a:schemeClr val="tx1"/>
+                </a:fontRef>
+              </p:style>
+            </p:cxnSp>
+          </p:grpSp>
+        </p:grpSp>
         <p:sp>
           <p:nvSpPr>
-            <p:cNvPr id="23" name="Rechteck 22"/>
-            <p:cNvSpPr/>
-            <p:nvPr/>
-          </p:nvSpPr>
-          <p:spPr>
-            <a:xfrm>
-              <a:off x="4116169" y="3194103"/>
-              <a:ext cx="1512168" cy="792088"/>
-            </a:xfrm>
-            <a:prstGeom prst="rect">
-              <a:avLst/>
-            </a:prstGeom>
-          </p:spPr>
-          <p:style>
-            <a:lnRef idx="2">
-              <a:schemeClr val="accent1">
-                <a:shade val="50000"/>
-              </a:schemeClr>
-            </a:lnRef>
-            <a:fillRef idx="1">
-              <a:schemeClr val="accent1"/>
-            </a:fillRef>
-            <a:effectRef idx="0">
-              <a:schemeClr val="accent1"/>
-            </a:effectRef>
-            <a:fontRef idx="minor">
-              <a:schemeClr val="lt1"/>
-            </a:fontRef>
-          </p:style>
-          <p:txBody>
-            <a:bodyPr rtlCol="0" anchor="ctr"/>
-            <a:lstStyle/>
-            <a:p>
-              <a:pPr algn="ctr"/>
-              <a:r>
-                <a:rPr lang="de-DE" dirty="0" smtClean="0"/>
-                <a:t>PC</a:t>
-              </a:r>
-            </a:p>
-          </p:txBody>
-        </p:sp>
-        <p:sp>
-          <p:nvSpPr>
-            <p:cNvPr id="24" name="Textfeld 23"/>
+            <p:cNvPr id="46" name="Textfeld 45"/>
             <p:cNvSpPr txBox="1"/>
             <p:nvPr/>
           </p:nvSpPr>
           <p:spPr>
             <a:xfrm>
-              <a:off x="4302898" y="4454243"/>
-              <a:ext cx="1138709" cy="369332"/>
+              <a:off x="6732240" y="3573016"/>
+              <a:ext cx="2592288" cy="369332"/>
             </a:xfrm>
             <a:prstGeom prst="rect">
               <a:avLst/>
@@ -18618,651 +19234,80 @@
             <a:noFill/>
           </p:spPr>
           <p:txBody>
-            <a:bodyPr wrap="none" rtlCol="0">
+            <a:bodyPr wrap="square" rtlCol="0">
               <a:spAutoFit/>
             </a:bodyPr>
             <a:lstStyle/>
             <a:p>
-              <a:pPr algn="ctr"/>
               <a:r>
-                <a:rPr lang="de-DE" dirty="0" smtClean="0"/>
-                <a:t>Heart rate</a:t>
+                <a:rPr lang="de-DE" dirty="0" smtClean="0">
+                  <a:solidFill>
+                    <a:srgbClr val="FF0000"/>
+                  </a:solidFill>
+                </a:rPr>
+                <a:t>Heart rate </a:t>
               </a:r>
+              <a:r>
+                <a:rPr lang="de-DE" dirty="0" err="1">
+                  <a:solidFill>
+                    <a:srgbClr val="FF0000"/>
+                  </a:solidFill>
+                </a:rPr>
+                <a:t>c</a:t>
+              </a:r>
+              <a:r>
+                <a:rPr lang="de-DE" dirty="0" err="1" smtClean="0">
+                  <a:solidFill>
+                    <a:srgbClr val="FF0000"/>
+                  </a:solidFill>
+                </a:rPr>
+                <a:t>alculation</a:t>
+              </a:r>
+              <a:endParaRPr lang="en-US" dirty="0">
+                <a:solidFill>
+                  <a:srgbClr val="FF0000"/>
+                </a:solidFill>
+              </a:endParaRPr>
             </a:p>
           </p:txBody>
         </p:sp>
-        <p:sp>
-          <p:nvSpPr>
-            <p:cNvPr id="25" name="Geschweifte Klammer links 24"/>
-            <p:cNvSpPr/>
+        <p:cxnSp>
+          <p:nvCxnSpPr>
+            <p:cNvPr id="48" name="Gerade Verbindung mit Pfeil 47"/>
+            <p:cNvCxnSpPr/>
             <p:nvPr/>
-          </p:nvSpPr>
+          </p:nvCxnSpPr>
           <p:spPr>
-            <a:xfrm rot="5400000">
-              <a:off x="4620224" y="3561184"/>
-              <a:ext cx="504056" cy="1714110"/>
+            <a:xfrm flipH="1">
+              <a:off x="6804248" y="3933056"/>
+              <a:ext cx="2115392" cy="0"/>
             </a:xfrm>
-            <a:prstGeom prst="leftBrace">
+            <a:prstGeom prst="straightConnector1">
               <a:avLst/>
             </a:prstGeom>
+            <a:ln w="19050">
+              <a:solidFill>
+                <a:srgbClr val="FF0000"/>
+              </a:solidFill>
+              <a:tailEnd type="arrow"/>
+            </a:ln>
           </p:spPr>
           <p:style>
-            <a:lnRef idx="2">
-              <a:schemeClr val="dk1"/>
+            <a:lnRef idx="1">
+              <a:schemeClr val="accent1"/>
             </a:lnRef>
             <a:fillRef idx="0">
-              <a:schemeClr val="dk1"/>
+              <a:schemeClr val="accent1"/>
             </a:fillRef>
-            <a:effectRef idx="1">
-              <a:schemeClr val="dk1"/>
+            <a:effectRef idx="0">
+              <a:schemeClr val="accent1"/>
             </a:effectRef>
             <a:fontRef idx="minor">
               <a:schemeClr val="tx1"/>
             </a:fontRef>
           </p:style>
-          <p:txBody>
-            <a:bodyPr rtlCol="0" anchor="ctr"/>
-            <a:lstStyle/>
-            <a:p>
-              <a:pPr algn="ctr"/>
-              <a:endParaRPr lang="de-DE"/>
-            </a:p>
-          </p:txBody>
-        </p:sp>
+        </p:cxnSp>
       </p:grpSp>
-      <p:sp>
-        <p:nvSpPr>
-          <p:cNvPr id="30" name="Textfeld 29"/>
-          <p:cNvSpPr txBox="1"/>
-          <p:nvPr/>
-        </p:nvSpPr>
-        <p:spPr>
-          <a:xfrm>
-            <a:off x="3563888" y="3068960"/>
-            <a:ext cx="1872208" cy="369332"/>
-          </a:xfrm>
-          <a:prstGeom prst="rect">
-            <a:avLst/>
-          </a:prstGeom>
-          <a:noFill/>
-        </p:spPr>
-        <p:txBody>
-          <a:bodyPr wrap="square" rtlCol="0">
-            <a:spAutoFit/>
-          </a:bodyPr>
-          <a:lstStyle/>
-          <a:p>
-            <a:r>
-              <a:rPr lang="de-DE" dirty="0" smtClean="0">
-                <a:solidFill>
-                  <a:srgbClr val="FF0000"/>
-                </a:solidFill>
-              </a:rPr>
-              <a:t>Light Sensor Data</a:t>
-            </a:r>
-            <a:endParaRPr lang="en-US" dirty="0">
-              <a:solidFill>
-                <a:srgbClr val="FF0000"/>
-              </a:solidFill>
-            </a:endParaRPr>
-          </a:p>
-        </p:txBody>
-      </p:sp>
-      <p:grpSp>
-        <p:nvGrpSpPr>
-          <p:cNvPr id="31" name="Gruppieren 30"/>
-          <p:cNvGrpSpPr/>
-          <p:nvPr/>
-        </p:nvGrpSpPr>
-        <p:grpSpPr>
-          <a:xfrm>
-            <a:off x="5574476" y="5158187"/>
-            <a:ext cx="835130" cy="273199"/>
-            <a:chOff x="6012160" y="5362582"/>
-            <a:chExt cx="2894338" cy="1306778"/>
-          </a:xfrm>
-        </p:grpSpPr>
-        <p:grpSp>
-          <p:nvGrpSpPr>
-            <p:cNvPr id="32" name="Gruppieren 31"/>
-            <p:cNvGrpSpPr/>
-            <p:nvPr/>
-          </p:nvGrpSpPr>
-          <p:grpSpPr>
-            <a:xfrm>
-              <a:off x="6012160" y="5362582"/>
-              <a:ext cx="1584176" cy="1306778"/>
-              <a:chOff x="6012160" y="5362582"/>
-              <a:chExt cx="1584176" cy="1306778"/>
-            </a:xfrm>
-          </p:grpSpPr>
-          <p:cxnSp>
-            <p:nvCxnSpPr>
-              <p:cNvPr id="40" name="Gerade Verbindung 39"/>
-              <p:cNvCxnSpPr/>
-              <p:nvPr/>
-            </p:nvCxnSpPr>
-            <p:spPr>
-              <a:xfrm>
-                <a:off x="6012160" y="6237312"/>
-                <a:ext cx="648072" cy="0"/>
-              </a:xfrm>
-              <a:prstGeom prst="line">
-                <a:avLst/>
-              </a:prstGeom>
-              <a:ln w="6350">
-                <a:solidFill>
-                  <a:srgbClr val="FF0000"/>
-                </a:solidFill>
-              </a:ln>
-            </p:spPr>
-            <p:style>
-              <a:lnRef idx="1">
-                <a:schemeClr val="accent1"/>
-              </a:lnRef>
-              <a:fillRef idx="0">
-                <a:schemeClr val="accent1"/>
-              </a:fillRef>
-              <a:effectRef idx="0">
-                <a:schemeClr val="accent1"/>
-              </a:effectRef>
-              <a:fontRef idx="minor">
-                <a:schemeClr val="tx1"/>
-              </a:fontRef>
-            </p:style>
-          </p:cxnSp>
-          <p:cxnSp>
-            <p:nvCxnSpPr>
-              <p:cNvPr id="41" name="Gerade Verbindung 40"/>
-              <p:cNvCxnSpPr/>
-              <p:nvPr/>
-            </p:nvCxnSpPr>
-            <p:spPr>
-              <a:xfrm flipH="1">
-                <a:off x="6660232" y="5373216"/>
-                <a:ext cx="144016" cy="864096"/>
-              </a:xfrm>
-              <a:prstGeom prst="line">
-                <a:avLst/>
-              </a:prstGeom>
-              <a:ln w="6350">
-                <a:solidFill>
-                  <a:srgbClr val="FF0000"/>
-                </a:solidFill>
-              </a:ln>
-            </p:spPr>
-            <p:style>
-              <a:lnRef idx="1">
-                <a:schemeClr val="accent1"/>
-              </a:lnRef>
-              <a:fillRef idx="0">
-                <a:schemeClr val="accent1"/>
-              </a:fillRef>
-              <a:effectRef idx="0">
-                <a:schemeClr val="accent1"/>
-              </a:effectRef>
-              <a:fontRef idx="minor">
-                <a:schemeClr val="tx1"/>
-              </a:fontRef>
-            </p:style>
-          </p:cxnSp>
-          <p:cxnSp>
-            <p:nvCxnSpPr>
-              <p:cNvPr id="42" name="Gerade Verbindung 41"/>
-              <p:cNvCxnSpPr/>
-              <p:nvPr/>
-            </p:nvCxnSpPr>
-            <p:spPr>
-              <a:xfrm flipH="1" flipV="1">
-                <a:off x="6821873" y="5362582"/>
-                <a:ext cx="144016" cy="1306778"/>
-              </a:xfrm>
-              <a:prstGeom prst="line">
-                <a:avLst/>
-              </a:prstGeom>
-              <a:ln w="6350">
-                <a:solidFill>
-                  <a:srgbClr val="FF0000"/>
-                </a:solidFill>
-              </a:ln>
-            </p:spPr>
-            <p:style>
-              <a:lnRef idx="1">
-                <a:schemeClr val="accent1"/>
-              </a:lnRef>
-              <a:fillRef idx="0">
-                <a:schemeClr val="accent1"/>
-              </a:fillRef>
-              <a:effectRef idx="0">
-                <a:schemeClr val="accent1"/>
-              </a:effectRef>
-              <a:fontRef idx="minor">
-                <a:schemeClr val="tx1"/>
-              </a:fontRef>
-            </p:style>
-          </p:cxnSp>
-          <p:cxnSp>
-            <p:nvCxnSpPr>
-              <p:cNvPr id="43" name="Gerade Verbindung 42"/>
-              <p:cNvCxnSpPr/>
-              <p:nvPr/>
-            </p:nvCxnSpPr>
-            <p:spPr>
-              <a:xfrm flipH="1">
-                <a:off x="6965890" y="6016239"/>
-                <a:ext cx="152757" cy="653121"/>
-              </a:xfrm>
-              <a:prstGeom prst="line">
-                <a:avLst/>
-              </a:prstGeom>
-              <a:ln w="6350">
-                <a:solidFill>
-                  <a:srgbClr val="FF0000"/>
-                </a:solidFill>
-              </a:ln>
-            </p:spPr>
-            <p:style>
-              <a:lnRef idx="1">
-                <a:schemeClr val="accent1"/>
-              </a:lnRef>
-              <a:fillRef idx="0">
-                <a:schemeClr val="accent1"/>
-              </a:fillRef>
-              <a:effectRef idx="0">
-                <a:schemeClr val="accent1"/>
-              </a:effectRef>
-              <a:fontRef idx="minor">
-                <a:schemeClr val="tx1"/>
-              </a:fontRef>
-            </p:style>
-          </p:cxnSp>
-          <p:cxnSp>
-            <p:nvCxnSpPr>
-              <p:cNvPr id="44" name="Gerade Verbindung 43"/>
-              <p:cNvCxnSpPr/>
-              <p:nvPr/>
-            </p:nvCxnSpPr>
-            <p:spPr>
-              <a:xfrm flipH="1" flipV="1">
-                <a:off x="7118648" y="6016240"/>
-                <a:ext cx="102548" cy="205098"/>
-              </a:xfrm>
-              <a:prstGeom prst="line">
-                <a:avLst/>
-              </a:prstGeom>
-              <a:ln w="6350">
-                <a:solidFill>
-                  <a:srgbClr val="FF0000"/>
-                </a:solidFill>
-              </a:ln>
-            </p:spPr>
-            <p:style>
-              <a:lnRef idx="1">
-                <a:schemeClr val="accent1"/>
-              </a:lnRef>
-              <a:fillRef idx="0">
-                <a:schemeClr val="accent1"/>
-              </a:fillRef>
-              <a:effectRef idx="0">
-                <a:schemeClr val="accent1"/>
-              </a:effectRef>
-              <a:fontRef idx="minor">
-                <a:schemeClr val="tx1"/>
-              </a:fontRef>
-            </p:style>
-          </p:cxnSp>
-          <p:cxnSp>
-            <p:nvCxnSpPr>
-              <p:cNvPr id="45" name="Gerade Verbindung 44"/>
-              <p:cNvCxnSpPr/>
-              <p:nvPr/>
-            </p:nvCxnSpPr>
-            <p:spPr>
-              <a:xfrm flipH="1">
-                <a:off x="7221196" y="6237312"/>
-                <a:ext cx="375140" cy="0"/>
-              </a:xfrm>
-              <a:prstGeom prst="line">
-                <a:avLst/>
-              </a:prstGeom>
-              <a:ln w="6350">
-                <a:solidFill>
-                  <a:srgbClr val="FF0000"/>
-                </a:solidFill>
-              </a:ln>
-            </p:spPr>
-            <p:style>
-              <a:lnRef idx="1">
-                <a:schemeClr val="accent1"/>
-              </a:lnRef>
-              <a:fillRef idx="0">
-                <a:schemeClr val="accent1"/>
-              </a:fillRef>
-              <a:effectRef idx="0">
-                <a:schemeClr val="accent1"/>
-              </a:effectRef>
-              <a:fontRef idx="minor">
-                <a:schemeClr val="tx1"/>
-              </a:fontRef>
-            </p:style>
-          </p:cxnSp>
-        </p:grpSp>
-        <p:grpSp>
-          <p:nvGrpSpPr>
-            <p:cNvPr id="33" name="Gruppieren 32"/>
-            <p:cNvGrpSpPr/>
-            <p:nvPr/>
-          </p:nvGrpSpPr>
-          <p:grpSpPr>
-            <a:xfrm>
-              <a:off x="7322322" y="5362582"/>
-              <a:ext cx="1584176" cy="1306778"/>
-              <a:chOff x="6012160" y="5362582"/>
-              <a:chExt cx="1584176" cy="1306778"/>
-            </a:xfrm>
-          </p:grpSpPr>
-          <p:cxnSp>
-            <p:nvCxnSpPr>
-              <p:cNvPr id="34" name="Gerade Verbindung 33"/>
-              <p:cNvCxnSpPr/>
-              <p:nvPr/>
-            </p:nvCxnSpPr>
-            <p:spPr>
-              <a:xfrm>
-                <a:off x="6012160" y="6237312"/>
-                <a:ext cx="648072" cy="0"/>
-              </a:xfrm>
-              <a:prstGeom prst="line">
-                <a:avLst/>
-              </a:prstGeom>
-              <a:ln w="6350">
-                <a:solidFill>
-                  <a:srgbClr val="FF0000"/>
-                </a:solidFill>
-              </a:ln>
-            </p:spPr>
-            <p:style>
-              <a:lnRef idx="1">
-                <a:schemeClr val="accent1"/>
-              </a:lnRef>
-              <a:fillRef idx="0">
-                <a:schemeClr val="accent1"/>
-              </a:fillRef>
-              <a:effectRef idx="0">
-                <a:schemeClr val="accent1"/>
-              </a:effectRef>
-              <a:fontRef idx="minor">
-                <a:schemeClr val="tx1"/>
-              </a:fontRef>
-            </p:style>
-          </p:cxnSp>
-          <p:cxnSp>
-            <p:nvCxnSpPr>
-              <p:cNvPr id="35" name="Gerade Verbindung 34"/>
-              <p:cNvCxnSpPr/>
-              <p:nvPr/>
-            </p:nvCxnSpPr>
-            <p:spPr>
-              <a:xfrm flipH="1">
-                <a:off x="6660232" y="5373216"/>
-                <a:ext cx="144016" cy="864096"/>
-              </a:xfrm>
-              <a:prstGeom prst="line">
-                <a:avLst/>
-              </a:prstGeom>
-              <a:ln w="6350">
-                <a:solidFill>
-                  <a:srgbClr val="FF0000"/>
-                </a:solidFill>
-              </a:ln>
-            </p:spPr>
-            <p:style>
-              <a:lnRef idx="1">
-                <a:schemeClr val="accent1"/>
-              </a:lnRef>
-              <a:fillRef idx="0">
-                <a:schemeClr val="accent1"/>
-              </a:fillRef>
-              <a:effectRef idx="0">
-                <a:schemeClr val="accent1"/>
-              </a:effectRef>
-              <a:fontRef idx="minor">
-                <a:schemeClr val="tx1"/>
-              </a:fontRef>
-            </p:style>
-          </p:cxnSp>
-          <p:cxnSp>
-            <p:nvCxnSpPr>
-              <p:cNvPr id="36" name="Gerade Verbindung 35"/>
-              <p:cNvCxnSpPr/>
-              <p:nvPr/>
-            </p:nvCxnSpPr>
-            <p:spPr>
-              <a:xfrm flipH="1" flipV="1">
-                <a:off x="6821873" y="5362582"/>
-                <a:ext cx="144016" cy="1306778"/>
-              </a:xfrm>
-              <a:prstGeom prst="line">
-                <a:avLst/>
-              </a:prstGeom>
-              <a:ln w="6350">
-                <a:solidFill>
-                  <a:srgbClr val="FF0000"/>
-                </a:solidFill>
-              </a:ln>
-            </p:spPr>
-            <p:style>
-              <a:lnRef idx="1">
-                <a:schemeClr val="accent1"/>
-              </a:lnRef>
-              <a:fillRef idx="0">
-                <a:schemeClr val="accent1"/>
-              </a:fillRef>
-              <a:effectRef idx="0">
-                <a:schemeClr val="accent1"/>
-              </a:effectRef>
-              <a:fontRef idx="minor">
-                <a:schemeClr val="tx1"/>
-              </a:fontRef>
-            </p:style>
-          </p:cxnSp>
-          <p:cxnSp>
-            <p:nvCxnSpPr>
-              <p:cNvPr id="37" name="Gerade Verbindung 36"/>
-              <p:cNvCxnSpPr/>
-              <p:nvPr/>
-            </p:nvCxnSpPr>
-            <p:spPr>
-              <a:xfrm flipH="1">
-                <a:off x="6965890" y="6016239"/>
-                <a:ext cx="152757" cy="653121"/>
-              </a:xfrm>
-              <a:prstGeom prst="line">
-                <a:avLst/>
-              </a:prstGeom>
-              <a:ln w="6350">
-                <a:solidFill>
-                  <a:srgbClr val="FF0000"/>
-                </a:solidFill>
-              </a:ln>
-            </p:spPr>
-            <p:style>
-              <a:lnRef idx="1">
-                <a:schemeClr val="accent1"/>
-              </a:lnRef>
-              <a:fillRef idx="0">
-                <a:schemeClr val="accent1"/>
-              </a:fillRef>
-              <a:effectRef idx="0">
-                <a:schemeClr val="accent1"/>
-              </a:effectRef>
-              <a:fontRef idx="minor">
-                <a:schemeClr val="tx1"/>
-              </a:fontRef>
-            </p:style>
-          </p:cxnSp>
-          <p:cxnSp>
-            <p:nvCxnSpPr>
-              <p:cNvPr id="38" name="Gerade Verbindung 37"/>
-              <p:cNvCxnSpPr/>
-              <p:nvPr/>
-            </p:nvCxnSpPr>
-            <p:spPr>
-              <a:xfrm flipH="1" flipV="1">
-                <a:off x="7118648" y="6016240"/>
-                <a:ext cx="102548" cy="205098"/>
-              </a:xfrm>
-              <a:prstGeom prst="line">
-                <a:avLst/>
-              </a:prstGeom>
-              <a:ln w="6350">
-                <a:solidFill>
-                  <a:srgbClr val="FF0000"/>
-                </a:solidFill>
-              </a:ln>
-            </p:spPr>
-            <p:style>
-              <a:lnRef idx="1">
-                <a:schemeClr val="accent1"/>
-              </a:lnRef>
-              <a:fillRef idx="0">
-                <a:schemeClr val="accent1"/>
-              </a:fillRef>
-              <a:effectRef idx="0">
-                <a:schemeClr val="accent1"/>
-              </a:effectRef>
-              <a:fontRef idx="minor">
-                <a:schemeClr val="tx1"/>
-              </a:fontRef>
-            </p:style>
-          </p:cxnSp>
-          <p:cxnSp>
-            <p:nvCxnSpPr>
-              <p:cNvPr id="39" name="Gerade Verbindung 38"/>
-              <p:cNvCxnSpPr/>
-              <p:nvPr/>
-            </p:nvCxnSpPr>
-            <p:spPr>
-              <a:xfrm flipH="1">
-                <a:off x="7221196" y="6237312"/>
-                <a:ext cx="375140" cy="0"/>
-              </a:xfrm>
-              <a:prstGeom prst="line">
-                <a:avLst/>
-              </a:prstGeom>
-              <a:ln w="6350">
-                <a:solidFill>
-                  <a:srgbClr val="FF0000"/>
-                </a:solidFill>
-              </a:ln>
-            </p:spPr>
-            <p:style>
-              <a:lnRef idx="1">
-                <a:schemeClr val="accent1"/>
-              </a:lnRef>
-              <a:fillRef idx="0">
-                <a:schemeClr val="accent1"/>
-              </a:fillRef>
-              <a:effectRef idx="0">
-                <a:schemeClr val="accent1"/>
-              </a:effectRef>
-              <a:fontRef idx="minor">
-                <a:schemeClr val="tx1"/>
-              </a:fontRef>
-            </p:style>
-          </p:cxnSp>
-        </p:grpSp>
-      </p:grpSp>
-      <p:sp>
-        <p:nvSpPr>
-          <p:cNvPr id="46" name="Textfeld 45"/>
-          <p:cNvSpPr txBox="1"/>
-          <p:nvPr/>
-        </p:nvSpPr>
-        <p:spPr>
-          <a:xfrm>
-            <a:off x="6732240" y="3573016"/>
-            <a:ext cx="2592288" cy="369332"/>
-          </a:xfrm>
-          <a:prstGeom prst="rect">
-            <a:avLst/>
-          </a:prstGeom>
-          <a:noFill/>
-        </p:spPr>
-        <p:txBody>
-          <a:bodyPr wrap="square" rtlCol="0">
-            <a:spAutoFit/>
-          </a:bodyPr>
-          <a:lstStyle/>
-          <a:p>
-            <a:r>
-              <a:rPr lang="de-DE" dirty="0" smtClean="0">
-                <a:solidFill>
-                  <a:srgbClr val="FF0000"/>
-                </a:solidFill>
-              </a:rPr>
-              <a:t>Heart rate </a:t>
-            </a:r>
-            <a:r>
-              <a:rPr lang="de-DE" dirty="0" err="1">
-                <a:solidFill>
-                  <a:srgbClr val="FF0000"/>
-                </a:solidFill>
-              </a:rPr>
-              <a:t>c</a:t>
-            </a:r>
-            <a:r>
-              <a:rPr lang="de-DE" dirty="0" err="1" smtClean="0">
-                <a:solidFill>
-                  <a:srgbClr val="FF0000"/>
-                </a:solidFill>
-              </a:rPr>
-              <a:t>alculation</a:t>
-            </a:r>
-            <a:endParaRPr lang="en-US" dirty="0">
-              <a:solidFill>
-                <a:srgbClr val="FF0000"/>
-              </a:solidFill>
-            </a:endParaRPr>
-          </a:p>
-        </p:txBody>
-      </p:sp>
-      <p:cxnSp>
-        <p:nvCxnSpPr>
-          <p:cNvPr id="48" name="Gerade Verbindung mit Pfeil 47"/>
-          <p:cNvCxnSpPr/>
-          <p:nvPr/>
-        </p:nvCxnSpPr>
-        <p:spPr>
-          <a:xfrm flipH="1">
-            <a:off x="6804248" y="3933056"/>
-            <a:ext cx="2115392" cy="0"/>
-          </a:xfrm>
-          <a:prstGeom prst="straightConnector1">
-            <a:avLst/>
-          </a:prstGeom>
-          <a:ln w="19050">
-            <a:solidFill>
-              <a:srgbClr val="FF0000"/>
-            </a:solidFill>
-            <a:tailEnd type="arrow"/>
-          </a:ln>
-        </p:spPr>
-        <p:style>
-          <a:lnRef idx="1">
-            <a:schemeClr val="accent1"/>
-          </a:lnRef>
-          <a:fillRef idx="0">
-            <a:schemeClr val="accent1"/>
-          </a:fillRef>
-          <a:effectRef idx="0">
-            <a:schemeClr val="accent1"/>
-          </a:effectRef>
-          <a:fontRef idx="minor">
-            <a:schemeClr val="tx1"/>
-          </a:fontRef>
-        </p:style>
-      </p:cxnSp>
     </p:spTree>
     <p:extLst>
       <p:ext uri="{BB962C8B-B14F-4D97-AF65-F5344CB8AC3E}">

--- a/res/HeartRateMonitor.pptx
+++ b/res/HeartRateMonitor.pptx
@@ -5,7 +5,7 @@
     <p:sldMasterId id="2147483648" r:id="rId1"/>
   </p:sldMasterIdLst>
   <p:notesMasterIdLst>
-    <p:notesMasterId r:id="rId28"/>
+    <p:notesMasterId r:id="rId32"/>
   </p:notesMasterIdLst>
   <p:sldIdLst>
     <p:sldId id="256" r:id="rId2"/>
@@ -34,6 +34,10 @@
     <p:sldId id="264" r:id="rId25"/>
     <p:sldId id="265" r:id="rId26"/>
     <p:sldId id="274" r:id="rId27"/>
+    <p:sldId id="283" r:id="rId28"/>
+    <p:sldId id="284" r:id="rId29"/>
+    <p:sldId id="285" r:id="rId30"/>
+    <p:sldId id="286" r:id="rId31"/>
   </p:sldIdLst>
   <p:sldSz cx="9144000" cy="6858000" type="screen4x3"/>
   <p:notesSz cx="6858000" cy="9144000"/>
@@ -217,7 +221,7 @@
           <a:p>
             <a:fld id="{A6ECA08F-F96F-4BD4-A634-E90DA7FFA32E}" type="datetimeFigureOut">
               <a:rPr lang="en-US" smtClean="0"/>
-              <a:t>7/15/2014</a:t>
+              <a:t>7/20/2014</a:t>
             </a:fld>
             <a:endParaRPr lang="en-US"/>
           </a:p>
@@ -3339,7 +3343,7 @@
           <a:p>
             <a:fld id="{1867D673-17F2-4AAF-8773-56A9AD33FE77}" type="datetimeFigureOut">
               <a:rPr lang="de-DE" smtClean="0"/>
-              <a:t>15.07.2014</a:t>
+              <a:t>20.07.2014</a:t>
             </a:fld>
             <a:endParaRPr lang="de-DE"/>
           </a:p>
@@ -3509,7 +3513,7 @@
           <a:p>
             <a:fld id="{1867D673-17F2-4AAF-8773-56A9AD33FE77}" type="datetimeFigureOut">
               <a:rPr lang="de-DE" smtClean="0"/>
-              <a:t>15.07.2014</a:t>
+              <a:t>20.07.2014</a:t>
             </a:fld>
             <a:endParaRPr lang="de-DE"/>
           </a:p>
@@ -3689,7 +3693,7 @@
           <a:p>
             <a:fld id="{1867D673-17F2-4AAF-8773-56A9AD33FE77}" type="datetimeFigureOut">
               <a:rPr lang="de-DE" smtClean="0"/>
-              <a:t>15.07.2014</a:t>
+              <a:t>20.07.2014</a:t>
             </a:fld>
             <a:endParaRPr lang="de-DE"/>
           </a:p>
@@ -3859,7 +3863,7 @@
           <a:p>
             <a:fld id="{1867D673-17F2-4AAF-8773-56A9AD33FE77}" type="datetimeFigureOut">
               <a:rPr lang="de-DE" smtClean="0"/>
-              <a:t>15.07.2014</a:t>
+              <a:t>20.07.2014</a:t>
             </a:fld>
             <a:endParaRPr lang="de-DE"/>
           </a:p>
@@ -4105,7 +4109,7 @@
           <a:p>
             <a:fld id="{1867D673-17F2-4AAF-8773-56A9AD33FE77}" type="datetimeFigureOut">
               <a:rPr lang="de-DE" smtClean="0"/>
-              <a:t>15.07.2014</a:t>
+              <a:t>20.07.2014</a:t>
             </a:fld>
             <a:endParaRPr lang="de-DE"/>
           </a:p>
@@ -4393,7 +4397,7 @@
           <a:p>
             <a:fld id="{1867D673-17F2-4AAF-8773-56A9AD33FE77}" type="datetimeFigureOut">
               <a:rPr lang="de-DE" smtClean="0"/>
-              <a:t>15.07.2014</a:t>
+              <a:t>20.07.2014</a:t>
             </a:fld>
             <a:endParaRPr lang="de-DE"/>
           </a:p>
@@ -4815,7 +4819,7 @@
           <a:p>
             <a:fld id="{1867D673-17F2-4AAF-8773-56A9AD33FE77}" type="datetimeFigureOut">
               <a:rPr lang="de-DE" smtClean="0"/>
-              <a:t>15.07.2014</a:t>
+              <a:t>20.07.2014</a:t>
             </a:fld>
             <a:endParaRPr lang="de-DE"/>
           </a:p>
@@ -4933,7 +4937,7 @@
           <a:p>
             <a:fld id="{1867D673-17F2-4AAF-8773-56A9AD33FE77}" type="datetimeFigureOut">
               <a:rPr lang="de-DE" smtClean="0"/>
-              <a:t>15.07.2014</a:t>
+              <a:t>20.07.2014</a:t>
             </a:fld>
             <a:endParaRPr lang="de-DE"/>
           </a:p>
@@ -5028,7 +5032,7 @@
           <a:p>
             <a:fld id="{1867D673-17F2-4AAF-8773-56A9AD33FE77}" type="datetimeFigureOut">
               <a:rPr lang="de-DE" smtClean="0"/>
-              <a:t>15.07.2014</a:t>
+              <a:t>20.07.2014</a:t>
             </a:fld>
             <a:endParaRPr lang="de-DE"/>
           </a:p>
@@ -5305,7 +5309,7 @@
           <a:p>
             <a:fld id="{1867D673-17F2-4AAF-8773-56A9AD33FE77}" type="datetimeFigureOut">
               <a:rPr lang="de-DE" smtClean="0"/>
-              <a:t>15.07.2014</a:t>
+              <a:t>20.07.2014</a:t>
             </a:fld>
             <a:endParaRPr lang="de-DE"/>
           </a:p>
@@ -5558,7 +5562,7 @@
           <a:p>
             <a:fld id="{1867D673-17F2-4AAF-8773-56A9AD33FE77}" type="datetimeFigureOut">
               <a:rPr lang="de-DE" smtClean="0"/>
-              <a:t>15.07.2014</a:t>
+              <a:t>20.07.2014</a:t>
             </a:fld>
             <a:endParaRPr lang="de-DE"/>
           </a:p>
@@ -5771,7 +5775,7 @@
           <a:p>
             <a:fld id="{1867D673-17F2-4AAF-8773-56A9AD33FE77}" type="datetimeFigureOut">
               <a:rPr lang="de-DE" smtClean="0"/>
-              <a:t>15.07.2014</a:t>
+              <a:t>20.07.2014</a:t>
             </a:fld>
             <a:endParaRPr lang="de-DE"/>
           </a:p>
@@ -8151,11 +8155,18 @@
           </a:p>
           <a:p>
             <a:r>
+              <a:rPr lang="en-US" smtClean="0">
+                <a:latin typeface="Courier New" panose="02070309020205020404" pitchFamily="49" charset="0"/>
+                <a:cs typeface="Courier New" panose="02070309020205020404" pitchFamily="49" charset="0"/>
+              </a:rPr>
+              <a:t>X[k] </a:t>
+            </a:r>
+            <a:r>
               <a:rPr lang="en-US" dirty="0" smtClean="0">
                 <a:latin typeface="Courier New" panose="02070309020205020404" pitchFamily="49" charset="0"/>
                 <a:cs typeface="Courier New" panose="02070309020205020404" pitchFamily="49" charset="0"/>
               </a:rPr>
-              <a:t>X[n] discrete output values</a:t>
+              <a:t>discrete output values</a:t>
             </a:r>
           </a:p>
           <a:p>
@@ -14999,6 +15010,1045 @@
 </p:sld>
 </file>
 
+<file path=ppt/slides/slide27.xml><?xml version="1.0" encoding="utf-8"?>
+<p:sld xmlns:a="http://schemas.openxmlformats.org/drawingml/2006/main" xmlns:r="http://schemas.openxmlformats.org/officeDocument/2006/relationships" xmlns:p="http://schemas.openxmlformats.org/presentationml/2006/main">
+  <p:cSld>
+    <p:spTree>
+      <p:nvGrpSpPr>
+        <p:cNvPr id="1" name=""/>
+        <p:cNvGrpSpPr/>
+        <p:nvPr/>
+      </p:nvGrpSpPr>
+      <p:grpSpPr>
+        <a:xfrm>
+          <a:off x="0" y="0"/>
+          <a:ext cx="0" cy="0"/>
+          <a:chOff x="0" y="0"/>
+          <a:chExt cx="0" cy="0"/>
+        </a:xfrm>
+      </p:grpSpPr>
+      <p:sp>
+        <p:nvSpPr>
+          <p:cNvPr id="2" name="Titel 1"/>
+          <p:cNvSpPr>
+            <a:spLocks noGrp="1"/>
+          </p:cNvSpPr>
+          <p:nvPr>
+            <p:ph type="title"/>
+          </p:nvPr>
+        </p:nvSpPr>
+        <p:spPr/>
+        <p:txBody>
+          <a:bodyPr/>
+          <a:lstStyle/>
+          <a:p>
+            <a:endParaRPr lang="en-US"/>
+          </a:p>
+        </p:txBody>
+      </p:sp>
+      <p:sp>
+        <p:nvSpPr>
+          <p:cNvPr id="3" name="Inhaltsplatzhalter 2"/>
+          <p:cNvSpPr>
+            <a:spLocks noGrp="1"/>
+          </p:cNvSpPr>
+          <p:nvPr>
+            <p:ph idx="1"/>
+          </p:nvPr>
+        </p:nvSpPr>
+        <p:spPr/>
+        <p:txBody>
+          <a:bodyPr/>
+          <a:lstStyle/>
+          <a:p>
+            <a:endParaRPr lang="en-US"/>
+          </a:p>
+        </p:txBody>
+      </p:sp>
+    </p:spTree>
+    <p:extLst>
+      <p:ext uri="{BB962C8B-B14F-4D97-AF65-F5344CB8AC3E}">
+        <p14:creationId xmlns:p14="http://schemas.microsoft.com/office/powerpoint/2010/main" val="780808932"/>
+      </p:ext>
+    </p:extLst>
+  </p:cSld>
+  <p:clrMapOvr>
+    <a:masterClrMapping/>
+  </p:clrMapOvr>
+</p:sld>
+</file>
+
+<file path=ppt/slides/slide28.xml><?xml version="1.0" encoding="utf-8"?>
+<p:sld xmlns:a="http://schemas.openxmlformats.org/drawingml/2006/main" xmlns:r="http://schemas.openxmlformats.org/officeDocument/2006/relationships" xmlns:p="http://schemas.openxmlformats.org/presentationml/2006/main">
+  <p:cSld>
+    <p:spTree>
+      <p:nvGrpSpPr>
+        <p:cNvPr id="1" name=""/>
+        <p:cNvGrpSpPr/>
+        <p:nvPr/>
+      </p:nvGrpSpPr>
+      <p:grpSpPr>
+        <a:xfrm>
+          <a:off x="0" y="0"/>
+          <a:ext cx="0" cy="0"/>
+          <a:chOff x="0" y="0"/>
+          <a:chExt cx="0" cy="0"/>
+        </a:xfrm>
+      </p:grpSpPr>
+      <p:sp>
+        <p:nvSpPr>
+          <p:cNvPr id="4" name="Pfeil nach rechts 3"/>
+          <p:cNvSpPr/>
+          <p:nvPr/>
+        </p:nvSpPr>
+        <p:spPr>
+          <a:xfrm>
+            <a:off x="3563888" y="2940385"/>
+            <a:ext cx="1944216" cy="504056"/>
+          </a:xfrm>
+          <a:prstGeom prst="rightArrow">
+            <a:avLst/>
+          </a:prstGeom>
+        </p:spPr>
+        <p:style>
+          <a:lnRef idx="2">
+            <a:schemeClr val="accent1">
+              <a:shade val="50000"/>
+            </a:schemeClr>
+          </a:lnRef>
+          <a:fillRef idx="1">
+            <a:schemeClr val="accent1"/>
+          </a:fillRef>
+          <a:effectRef idx="0">
+            <a:schemeClr val="accent1"/>
+          </a:effectRef>
+          <a:fontRef idx="minor">
+            <a:schemeClr val="lt1"/>
+          </a:fontRef>
+        </p:style>
+        <p:txBody>
+          <a:bodyPr rtlCol="0" anchor="ctr"/>
+          <a:lstStyle/>
+          <a:p>
+            <a:pPr algn="ctr"/>
+            <a:r>
+              <a:rPr lang="de-DE" dirty="0" smtClean="0"/>
+              <a:t>Forward DFT</a:t>
+            </a:r>
+            <a:endParaRPr lang="en-US" dirty="0"/>
+          </a:p>
+        </p:txBody>
+      </p:sp>
+      <p:sp>
+        <p:nvSpPr>
+          <p:cNvPr id="6" name="Pfeil nach links 5"/>
+          <p:cNvSpPr/>
+          <p:nvPr/>
+        </p:nvSpPr>
+        <p:spPr>
+          <a:xfrm>
+            <a:off x="3563888" y="3573016"/>
+            <a:ext cx="1944216" cy="504056"/>
+          </a:xfrm>
+          <a:prstGeom prst="leftArrow">
+            <a:avLst/>
+          </a:prstGeom>
+        </p:spPr>
+        <p:style>
+          <a:lnRef idx="2">
+            <a:schemeClr val="accent1">
+              <a:shade val="50000"/>
+            </a:schemeClr>
+          </a:lnRef>
+          <a:fillRef idx="1">
+            <a:schemeClr val="accent1"/>
+          </a:fillRef>
+          <a:effectRef idx="0">
+            <a:schemeClr val="accent1"/>
+          </a:effectRef>
+          <a:fontRef idx="minor">
+            <a:schemeClr val="lt1"/>
+          </a:fontRef>
+        </p:style>
+        <p:txBody>
+          <a:bodyPr rtlCol="0" anchor="ctr"/>
+          <a:lstStyle/>
+          <a:p>
+            <a:pPr algn="ctr"/>
+            <a:r>
+              <a:rPr lang="de-DE" dirty="0" smtClean="0"/>
+              <a:t>Inverse DFT</a:t>
+            </a:r>
+            <a:endParaRPr lang="en-US" dirty="0"/>
+          </a:p>
+        </p:txBody>
+      </p:sp>
+      <p:sp>
+        <p:nvSpPr>
+          <p:cNvPr id="7" name="Abgerundetes Rechteck 6"/>
+          <p:cNvSpPr/>
+          <p:nvPr/>
+        </p:nvSpPr>
+        <p:spPr>
+          <a:xfrm>
+            <a:off x="2051720" y="2940385"/>
+            <a:ext cx="1296144" cy="1136687"/>
+          </a:xfrm>
+          <a:prstGeom prst="roundRect">
+            <a:avLst/>
+          </a:prstGeom>
+        </p:spPr>
+        <p:style>
+          <a:lnRef idx="2">
+            <a:schemeClr val="accent3">
+              <a:shade val="50000"/>
+            </a:schemeClr>
+          </a:lnRef>
+          <a:fillRef idx="1">
+            <a:schemeClr val="accent3"/>
+          </a:fillRef>
+          <a:effectRef idx="0">
+            <a:schemeClr val="accent3"/>
+          </a:effectRef>
+          <a:fontRef idx="minor">
+            <a:schemeClr val="lt1"/>
+          </a:fontRef>
+        </p:style>
+        <p:txBody>
+          <a:bodyPr rtlCol="0" anchor="ctr"/>
+          <a:lstStyle/>
+          <a:p>
+            <a:pPr algn="ctr"/>
+            <a:r>
+              <a:rPr lang="de-DE" dirty="0" smtClean="0"/>
+              <a:t>Time</a:t>
+            </a:r>
+          </a:p>
+          <a:p>
+            <a:pPr algn="ctr"/>
+            <a:r>
+              <a:rPr lang="de-DE" dirty="0" smtClean="0"/>
+              <a:t>Domain</a:t>
+            </a:r>
+            <a:endParaRPr lang="en-US" dirty="0"/>
+          </a:p>
+        </p:txBody>
+      </p:sp>
+      <p:sp>
+        <p:nvSpPr>
+          <p:cNvPr id="8" name="Abgerundetes Rechteck 7"/>
+          <p:cNvSpPr/>
+          <p:nvPr/>
+        </p:nvSpPr>
+        <p:spPr>
+          <a:xfrm>
+            <a:off x="5724128" y="2940385"/>
+            <a:ext cx="1296144" cy="1136687"/>
+          </a:xfrm>
+          <a:prstGeom prst="roundRect">
+            <a:avLst/>
+          </a:prstGeom>
+        </p:spPr>
+        <p:style>
+          <a:lnRef idx="2">
+            <a:schemeClr val="accent3">
+              <a:shade val="50000"/>
+            </a:schemeClr>
+          </a:lnRef>
+          <a:fillRef idx="1">
+            <a:schemeClr val="accent3"/>
+          </a:fillRef>
+          <a:effectRef idx="0">
+            <a:schemeClr val="accent3"/>
+          </a:effectRef>
+          <a:fontRef idx="minor">
+            <a:schemeClr val="lt1"/>
+          </a:fontRef>
+        </p:style>
+        <p:txBody>
+          <a:bodyPr rtlCol="0" anchor="ctr"/>
+          <a:lstStyle/>
+          <a:p>
+            <a:pPr algn="ctr"/>
+            <a:r>
+              <a:rPr lang="de-DE" dirty="0" err="1" smtClean="0"/>
+              <a:t>Frequency</a:t>
+            </a:r>
+            <a:r>
+              <a:rPr lang="de-DE" dirty="0" smtClean="0"/>
+              <a:t> Domain</a:t>
+            </a:r>
+            <a:endParaRPr lang="en-US" dirty="0"/>
+          </a:p>
+        </p:txBody>
+      </p:sp>
+    </p:spTree>
+    <p:extLst>
+      <p:ext uri="{BB962C8B-B14F-4D97-AF65-F5344CB8AC3E}">
+        <p14:creationId xmlns:p14="http://schemas.microsoft.com/office/powerpoint/2010/main" val="290433931"/>
+      </p:ext>
+    </p:extLst>
+  </p:cSld>
+  <p:clrMapOvr>
+    <a:masterClrMapping/>
+  </p:clrMapOvr>
+</p:sld>
+</file>
+
+<file path=ppt/slides/slide29.xml><?xml version="1.0" encoding="utf-8"?>
+<p:sld xmlns:a="http://schemas.openxmlformats.org/drawingml/2006/main" xmlns:r="http://schemas.openxmlformats.org/officeDocument/2006/relationships" xmlns:p="http://schemas.openxmlformats.org/presentationml/2006/main">
+  <p:cSld>
+    <p:spTree>
+      <p:nvGrpSpPr>
+        <p:cNvPr id="1" name=""/>
+        <p:cNvGrpSpPr/>
+        <p:nvPr/>
+      </p:nvGrpSpPr>
+      <p:grpSpPr>
+        <a:xfrm>
+          <a:off x="0" y="0"/>
+          <a:ext cx="0" cy="0"/>
+          <a:chOff x="0" y="0"/>
+          <a:chExt cx="0" cy="0"/>
+        </a:xfrm>
+      </p:grpSpPr>
+      <p:sp>
+        <p:nvSpPr>
+          <p:cNvPr id="4" name="Rechteck 3"/>
+          <p:cNvSpPr/>
+          <p:nvPr/>
+        </p:nvSpPr>
+        <p:spPr>
+          <a:xfrm>
+            <a:off x="1712608" y="2097901"/>
+            <a:ext cx="4220093" cy="467003"/>
+          </a:xfrm>
+          <a:prstGeom prst="rect">
+            <a:avLst/>
+          </a:prstGeom>
+        </p:spPr>
+        <p:style>
+          <a:lnRef idx="2">
+            <a:schemeClr val="accent1">
+              <a:shade val="50000"/>
+            </a:schemeClr>
+          </a:lnRef>
+          <a:fillRef idx="1">
+            <a:schemeClr val="accent1"/>
+          </a:fillRef>
+          <a:effectRef idx="0">
+            <a:schemeClr val="accent1"/>
+          </a:effectRef>
+          <a:fontRef idx="minor">
+            <a:schemeClr val="lt1"/>
+          </a:fontRef>
+        </p:style>
+        <p:txBody>
+          <a:bodyPr rtlCol="0" anchor="ctr"/>
+          <a:lstStyle/>
+          <a:p>
+            <a:pPr algn="ctr"/>
+            <a:r>
+              <a:rPr lang="de-DE" dirty="0"/>
+              <a:t>r</a:t>
+            </a:r>
+            <a:r>
+              <a:rPr lang="de-DE" dirty="0" smtClean="0"/>
+              <a:t>eal </a:t>
+            </a:r>
+            <a:r>
+              <a:rPr lang="de-DE" dirty="0" err="1" smtClean="0"/>
+              <a:t>data</a:t>
+            </a:r>
+            <a:endParaRPr lang="en-US" dirty="0"/>
+          </a:p>
+        </p:txBody>
+      </p:sp>
+      <p:sp>
+        <p:nvSpPr>
+          <p:cNvPr id="5" name="Textfeld 4"/>
+          <p:cNvSpPr txBox="1"/>
+          <p:nvPr/>
+        </p:nvSpPr>
+        <p:spPr>
+          <a:xfrm>
+            <a:off x="1711492" y="1700077"/>
+            <a:ext cx="2034724" cy="369332"/>
+          </a:xfrm>
+          <a:prstGeom prst="rect">
+            <a:avLst/>
+          </a:prstGeom>
+          <a:noFill/>
+        </p:spPr>
+        <p:txBody>
+          <a:bodyPr wrap="none" rtlCol="0">
+            <a:spAutoFit/>
+          </a:bodyPr>
+          <a:lstStyle/>
+          <a:p>
+            <a:r>
+              <a:rPr lang="de-DE" dirty="0" err="1"/>
+              <a:t>d</a:t>
+            </a:r>
+            <a:r>
+              <a:rPr lang="de-DE" dirty="0" err="1" smtClean="0"/>
+              <a:t>ata</a:t>
+            </a:r>
+            <a:r>
+              <a:rPr lang="de-DE" dirty="0" smtClean="0"/>
+              <a:t> </a:t>
+            </a:r>
+            <a:r>
+              <a:rPr lang="de-DE" dirty="0" err="1" smtClean="0"/>
+              <a:t>vector</a:t>
+            </a:r>
+            <a:r>
+              <a:rPr lang="de-DE" dirty="0" smtClean="0"/>
+              <a:t> (</a:t>
+            </a:r>
+            <a:r>
+              <a:rPr lang="de-DE" dirty="0" err="1" smtClean="0"/>
+              <a:t>queue</a:t>
+            </a:r>
+            <a:r>
+              <a:rPr lang="de-DE" dirty="0" smtClean="0"/>
+              <a:t>)</a:t>
+            </a:r>
+            <a:endParaRPr lang="en-US" dirty="0"/>
+          </a:p>
+        </p:txBody>
+      </p:sp>
+      <p:sp>
+        <p:nvSpPr>
+          <p:cNvPr id="6" name="Textfeld 5"/>
+          <p:cNvSpPr txBox="1"/>
+          <p:nvPr/>
+        </p:nvSpPr>
+        <p:spPr>
+          <a:xfrm>
+            <a:off x="6574090" y="2924944"/>
+            <a:ext cx="2390398" cy="369332"/>
+          </a:xfrm>
+          <a:prstGeom prst="rect">
+            <a:avLst/>
+          </a:prstGeom>
+          <a:noFill/>
+        </p:spPr>
+        <p:txBody>
+          <a:bodyPr wrap="none" rtlCol="0">
+            <a:spAutoFit/>
+          </a:bodyPr>
+          <a:lstStyle/>
+          <a:p>
+            <a:r>
+              <a:rPr lang="de-DE" dirty="0" err="1">
+                <a:latin typeface="Courier New" panose="02070309020205020404" pitchFamily="49" charset="0"/>
+                <a:cs typeface="Courier New" panose="02070309020205020404" pitchFamily="49" charset="0"/>
+              </a:rPr>
+              <a:t>p</a:t>
+            </a:r>
+            <a:r>
+              <a:rPr lang="de-DE" dirty="0" err="1" smtClean="0">
+                <a:latin typeface="Courier New" panose="02070309020205020404" pitchFamily="49" charset="0"/>
+                <a:cs typeface="Courier New" panose="02070309020205020404" pitchFamily="49" charset="0"/>
+              </a:rPr>
+              <a:t>tr</a:t>
+            </a:r>
+            <a:r>
+              <a:rPr lang="de-DE" dirty="0" smtClean="0">
+                <a:latin typeface="Courier New" panose="02070309020205020404" pitchFamily="49" charset="0"/>
+                <a:cs typeface="Courier New" panose="02070309020205020404" pitchFamily="49" charset="0"/>
+              </a:rPr>
+              <a:t> = </a:t>
+            </a:r>
+            <a:r>
+              <a:rPr lang="de-DE" dirty="0" err="1" smtClean="0">
+                <a:latin typeface="Courier New" panose="02070309020205020404" pitchFamily="49" charset="0"/>
+                <a:cs typeface="Courier New" panose="02070309020205020404" pitchFamily="49" charset="0"/>
+              </a:rPr>
+              <a:t>add</a:t>
+            </a:r>
+            <a:r>
+              <a:rPr lang="de-DE" dirty="0" smtClean="0">
+                <a:latin typeface="Courier New" panose="02070309020205020404" pitchFamily="49" charset="0"/>
+                <a:cs typeface="Courier New" panose="02070309020205020404" pitchFamily="49" charset="0"/>
+              </a:rPr>
+              <a:t>(</a:t>
+            </a:r>
+            <a:r>
+              <a:rPr lang="de-DE" dirty="0" err="1" smtClean="0">
+                <a:latin typeface="Courier New" panose="02070309020205020404" pitchFamily="49" charset="0"/>
+                <a:cs typeface="Courier New" panose="02070309020205020404" pitchFamily="49" charset="0"/>
+              </a:rPr>
+              <a:t>value</a:t>
+            </a:r>
+            <a:r>
+              <a:rPr lang="de-DE" dirty="0" smtClean="0">
+                <a:latin typeface="Courier New" panose="02070309020205020404" pitchFamily="49" charset="0"/>
+                <a:cs typeface="Courier New" panose="02070309020205020404" pitchFamily="49" charset="0"/>
+              </a:rPr>
+              <a:t>)</a:t>
+            </a:r>
+            <a:endParaRPr lang="en-US" dirty="0">
+              <a:latin typeface="Courier New" panose="02070309020205020404" pitchFamily="49" charset="0"/>
+              <a:cs typeface="Courier New" panose="02070309020205020404" pitchFamily="49" charset="0"/>
+            </a:endParaRPr>
+          </a:p>
+        </p:txBody>
+      </p:sp>
+      <p:sp>
+        <p:nvSpPr>
+          <p:cNvPr id="9" name="Geschweifte Klammer links 8"/>
+          <p:cNvSpPr/>
+          <p:nvPr/>
+        </p:nvSpPr>
+        <p:spPr>
+          <a:xfrm rot="16200000">
+            <a:off x="3570627" y="829569"/>
+            <a:ext cx="504056" cy="4220093"/>
+          </a:xfrm>
+          <a:prstGeom prst="leftBrace">
+            <a:avLst/>
+          </a:prstGeom>
+        </p:spPr>
+        <p:style>
+          <a:lnRef idx="1">
+            <a:schemeClr val="dk1"/>
+          </a:lnRef>
+          <a:fillRef idx="0">
+            <a:schemeClr val="dk1"/>
+          </a:fillRef>
+          <a:effectRef idx="0">
+            <a:schemeClr val="dk1"/>
+          </a:effectRef>
+          <a:fontRef idx="minor">
+            <a:schemeClr val="tx1"/>
+          </a:fontRef>
+        </p:style>
+        <p:txBody>
+          <a:bodyPr rtlCol="0" anchor="ctr"/>
+          <a:lstStyle/>
+          <a:p>
+            <a:pPr algn="ctr"/>
+            <a:endParaRPr lang="en-US"/>
+          </a:p>
+        </p:txBody>
+      </p:sp>
+      <p:sp>
+        <p:nvSpPr>
+          <p:cNvPr id="10" name="Textfeld 9"/>
+          <p:cNvSpPr txBox="1"/>
+          <p:nvPr/>
+        </p:nvSpPr>
+        <p:spPr>
+          <a:xfrm>
+            <a:off x="2834243" y="3191644"/>
+            <a:ext cx="1976823" cy="369332"/>
+          </a:xfrm>
+          <a:prstGeom prst="rect">
+            <a:avLst/>
+          </a:prstGeom>
+          <a:noFill/>
+        </p:spPr>
+        <p:txBody>
+          <a:bodyPr wrap="none" rtlCol="0">
+            <a:spAutoFit/>
+          </a:bodyPr>
+          <a:lstStyle/>
+          <a:p>
+            <a:r>
+              <a:rPr lang="de-DE" dirty="0" err="1" smtClean="0">
+                <a:latin typeface="Courier New" panose="02070309020205020404" pitchFamily="49" charset="0"/>
+                <a:cs typeface="Courier New" panose="02070309020205020404" pitchFamily="49" charset="0"/>
+              </a:rPr>
+              <a:t>effectiveSize</a:t>
+            </a:r>
+            <a:endParaRPr lang="en-US" dirty="0">
+              <a:latin typeface="Courier New" panose="02070309020205020404" pitchFamily="49" charset="0"/>
+              <a:cs typeface="Courier New" panose="02070309020205020404" pitchFamily="49" charset="0"/>
+            </a:endParaRPr>
+          </a:p>
+        </p:txBody>
+      </p:sp>
+      <p:sp>
+        <p:nvSpPr>
+          <p:cNvPr id="13" name="Textfeld 12"/>
+          <p:cNvSpPr txBox="1"/>
+          <p:nvPr/>
+        </p:nvSpPr>
+        <p:spPr>
+          <a:xfrm>
+            <a:off x="1711492" y="4268186"/>
+            <a:ext cx="1998624" cy="369332"/>
+          </a:xfrm>
+          <a:prstGeom prst="rect">
+            <a:avLst/>
+          </a:prstGeom>
+          <a:noFill/>
+        </p:spPr>
+        <p:txBody>
+          <a:bodyPr wrap="none" rtlCol="0">
+            <a:spAutoFit/>
+          </a:bodyPr>
+          <a:lstStyle/>
+          <a:p>
+            <a:r>
+              <a:rPr lang="de-DE" dirty="0" err="1" smtClean="0"/>
+              <a:t>fftw_complex</a:t>
+            </a:r>
+            <a:r>
+              <a:rPr lang="de-DE" dirty="0" smtClean="0"/>
+              <a:t> </a:t>
+            </a:r>
+            <a:r>
+              <a:rPr lang="de-DE" dirty="0" err="1" smtClean="0"/>
+              <a:t>array</a:t>
+            </a:r>
+            <a:endParaRPr lang="en-US" dirty="0"/>
+          </a:p>
+        </p:txBody>
+      </p:sp>
+      <p:sp>
+        <p:nvSpPr>
+          <p:cNvPr id="16" name="Rechteck 15"/>
+          <p:cNvSpPr/>
+          <p:nvPr/>
+        </p:nvSpPr>
+        <p:spPr>
+          <a:xfrm>
+            <a:off x="1712609" y="4657873"/>
+            <a:ext cx="4220093" cy="467003"/>
+          </a:xfrm>
+          <a:prstGeom prst="rect">
+            <a:avLst/>
+          </a:prstGeom>
+        </p:spPr>
+        <p:style>
+          <a:lnRef idx="2">
+            <a:schemeClr val="accent6">
+              <a:shade val="50000"/>
+            </a:schemeClr>
+          </a:lnRef>
+          <a:fillRef idx="1">
+            <a:schemeClr val="accent6"/>
+          </a:fillRef>
+          <a:effectRef idx="0">
+            <a:schemeClr val="accent6"/>
+          </a:effectRef>
+          <a:fontRef idx="minor">
+            <a:schemeClr val="lt1"/>
+          </a:fontRef>
+        </p:style>
+        <p:txBody>
+          <a:bodyPr rtlCol="0" anchor="ctr"/>
+          <a:lstStyle/>
+          <a:p>
+            <a:pPr algn="ctr"/>
+            <a:r>
+              <a:rPr lang="de-DE" dirty="0" err="1"/>
+              <a:t>c</a:t>
+            </a:r>
+            <a:r>
+              <a:rPr lang="de-DE" dirty="0" err="1" smtClean="0"/>
+              <a:t>omplex</a:t>
+            </a:r>
+            <a:r>
+              <a:rPr lang="de-DE" dirty="0" smtClean="0"/>
+              <a:t> </a:t>
+            </a:r>
+            <a:r>
+              <a:rPr lang="de-DE" dirty="0" err="1" smtClean="0"/>
+              <a:t>data</a:t>
+            </a:r>
+            <a:endParaRPr lang="en-US" dirty="0"/>
+          </a:p>
+        </p:txBody>
+      </p:sp>
+      <p:sp>
+        <p:nvSpPr>
+          <p:cNvPr id="17" name="Rechteck 16"/>
+          <p:cNvSpPr/>
+          <p:nvPr/>
+        </p:nvSpPr>
+        <p:spPr>
+          <a:xfrm>
+            <a:off x="5932701" y="4657873"/>
+            <a:ext cx="2110046" cy="467003"/>
+          </a:xfrm>
+          <a:prstGeom prst="rect">
+            <a:avLst/>
+          </a:prstGeom>
+          <a:solidFill>
+            <a:schemeClr val="accent6">
+              <a:lumMod val="60000"/>
+              <a:lumOff val="40000"/>
+            </a:schemeClr>
+          </a:solidFill>
+        </p:spPr>
+        <p:style>
+          <a:lnRef idx="2">
+            <a:schemeClr val="accent6">
+              <a:shade val="50000"/>
+            </a:schemeClr>
+          </a:lnRef>
+          <a:fillRef idx="1">
+            <a:schemeClr val="accent6"/>
+          </a:fillRef>
+          <a:effectRef idx="0">
+            <a:schemeClr val="accent6"/>
+          </a:effectRef>
+          <a:fontRef idx="minor">
+            <a:schemeClr val="lt1"/>
+          </a:fontRef>
+        </p:style>
+        <p:txBody>
+          <a:bodyPr rtlCol="0" anchor="ctr"/>
+          <a:lstStyle/>
+          <a:p>
+            <a:pPr algn="ctr"/>
+            <a:r>
+              <a:rPr lang="de-DE" dirty="0" err="1" smtClean="0"/>
+              <a:t>zeroPadding</a:t>
+            </a:r>
+            <a:r>
+              <a:rPr lang="de-DE" dirty="0" smtClean="0"/>
+              <a:t> . . .</a:t>
+            </a:r>
+            <a:endParaRPr lang="en-US" dirty="0"/>
+          </a:p>
+        </p:txBody>
+      </p:sp>
+      <p:sp>
+        <p:nvSpPr>
+          <p:cNvPr id="18" name="Geschweifte Klammer links 17"/>
+          <p:cNvSpPr/>
+          <p:nvPr/>
+        </p:nvSpPr>
+        <p:spPr>
+          <a:xfrm rot="16200000">
+            <a:off x="4625651" y="2316158"/>
+            <a:ext cx="504056" cy="6330140"/>
+          </a:xfrm>
+          <a:prstGeom prst="leftBrace">
+            <a:avLst/>
+          </a:prstGeom>
+        </p:spPr>
+        <p:style>
+          <a:lnRef idx="1">
+            <a:schemeClr val="dk1"/>
+          </a:lnRef>
+          <a:fillRef idx="0">
+            <a:schemeClr val="dk1"/>
+          </a:fillRef>
+          <a:effectRef idx="0">
+            <a:schemeClr val="dk1"/>
+          </a:effectRef>
+          <a:fontRef idx="minor">
+            <a:schemeClr val="tx1"/>
+          </a:fontRef>
+        </p:style>
+        <p:txBody>
+          <a:bodyPr rtlCol="0" anchor="ctr"/>
+          <a:lstStyle/>
+          <a:p>
+            <a:pPr algn="ctr"/>
+            <a:endParaRPr lang="en-US"/>
+          </a:p>
+        </p:txBody>
+      </p:sp>
+      <p:sp>
+        <p:nvSpPr>
+          <p:cNvPr id="19" name="Textfeld 18"/>
+          <p:cNvSpPr txBox="1"/>
+          <p:nvPr/>
+        </p:nvSpPr>
+        <p:spPr>
+          <a:xfrm>
+            <a:off x="2924259" y="5733256"/>
+            <a:ext cx="3906839" cy="369332"/>
+          </a:xfrm>
+          <a:prstGeom prst="rect">
+            <a:avLst/>
+          </a:prstGeom>
+          <a:noFill/>
+        </p:spPr>
+        <p:txBody>
+          <a:bodyPr wrap="none" rtlCol="0">
+            <a:spAutoFit/>
+          </a:bodyPr>
+          <a:lstStyle/>
+          <a:p>
+            <a:r>
+              <a:rPr lang="de-DE" dirty="0" err="1" smtClean="0">
+                <a:latin typeface="Courier New" panose="02070309020205020404" pitchFamily="49" charset="0"/>
+                <a:cs typeface="Courier New" panose="02070309020205020404" pitchFamily="49" charset="0"/>
+              </a:rPr>
+              <a:t>effectiveSize</a:t>
+            </a:r>
+            <a:r>
+              <a:rPr lang="de-DE" dirty="0" smtClean="0">
+                <a:latin typeface="Courier New" panose="02070309020205020404" pitchFamily="49" charset="0"/>
+                <a:cs typeface="Courier New" panose="02070309020205020404" pitchFamily="49" charset="0"/>
+              </a:rPr>
+              <a:t> + </a:t>
+            </a:r>
+            <a:r>
+              <a:rPr lang="de-DE" dirty="0" err="1" smtClean="0">
+                <a:latin typeface="Courier New" panose="02070309020205020404" pitchFamily="49" charset="0"/>
+                <a:cs typeface="Courier New" panose="02070309020205020404" pitchFamily="49" charset="0"/>
+              </a:rPr>
+              <a:t>zeroPadSize</a:t>
+            </a:r>
+            <a:endParaRPr lang="en-US" dirty="0">
+              <a:latin typeface="Courier New" panose="02070309020205020404" pitchFamily="49" charset="0"/>
+              <a:cs typeface="Courier New" panose="02070309020205020404" pitchFamily="49" charset="0"/>
+            </a:endParaRPr>
+          </a:p>
+        </p:txBody>
+      </p:sp>
+      <p:sp>
+        <p:nvSpPr>
+          <p:cNvPr id="20" name="Nach rechts gekrümmter Pfeil 19"/>
+          <p:cNvSpPr/>
+          <p:nvPr/>
+        </p:nvSpPr>
+        <p:spPr>
+          <a:xfrm>
+            <a:off x="611560" y="2196063"/>
+            <a:ext cx="850553" cy="2960637"/>
+          </a:xfrm>
+          <a:prstGeom prst="curvedRightArrow">
+            <a:avLst>
+              <a:gd name="adj1" fmla="val 15897"/>
+              <a:gd name="adj2" fmla="val 51129"/>
+              <a:gd name="adj3" fmla="val 23880"/>
+            </a:avLst>
+          </a:prstGeom>
+        </p:spPr>
+        <p:style>
+          <a:lnRef idx="2">
+            <a:schemeClr val="accent1">
+              <a:shade val="50000"/>
+            </a:schemeClr>
+          </a:lnRef>
+          <a:fillRef idx="1">
+            <a:schemeClr val="accent1"/>
+          </a:fillRef>
+          <a:effectRef idx="0">
+            <a:schemeClr val="accent1"/>
+          </a:effectRef>
+          <a:fontRef idx="minor">
+            <a:schemeClr val="lt1"/>
+          </a:fontRef>
+        </p:style>
+        <p:txBody>
+          <a:bodyPr rtlCol="0" anchor="ctr"/>
+          <a:lstStyle/>
+          <a:p>
+            <a:pPr algn="ctr"/>
+            <a:endParaRPr lang="en-US">
+              <a:solidFill>
+                <a:schemeClr val="tx1"/>
+              </a:solidFill>
+            </a:endParaRPr>
+          </a:p>
+        </p:txBody>
+      </p:sp>
+      <p:sp>
+        <p:nvSpPr>
+          <p:cNvPr id="11" name="Textfeld 10"/>
+          <p:cNvSpPr txBox="1"/>
+          <p:nvPr/>
+        </p:nvSpPr>
+        <p:spPr>
+          <a:xfrm>
+            <a:off x="62581" y="3501008"/>
+            <a:ext cx="2252540" cy="369332"/>
+          </a:xfrm>
+          <a:prstGeom prst="rect">
+            <a:avLst/>
+          </a:prstGeom>
+          <a:solidFill>
+            <a:schemeClr val="bg1"/>
+          </a:solidFill>
+          <a:ln>
+            <a:solidFill>
+              <a:schemeClr val="tx1"/>
+            </a:solidFill>
+          </a:ln>
+        </p:spPr>
+        <p:txBody>
+          <a:bodyPr wrap="none" rtlCol="0">
+            <a:spAutoFit/>
+          </a:bodyPr>
+          <a:lstStyle/>
+          <a:p>
+            <a:r>
+              <a:rPr lang="de-DE" dirty="0" err="1">
+                <a:latin typeface="Courier New" panose="02070309020205020404" pitchFamily="49" charset="0"/>
+                <a:cs typeface="Courier New" panose="02070309020205020404" pitchFamily="49" charset="0"/>
+              </a:rPr>
+              <a:t>copyToDataOut</a:t>
+            </a:r>
+            <a:r>
+              <a:rPr lang="de-DE" dirty="0">
+                <a:latin typeface="Courier New" panose="02070309020205020404" pitchFamily="49" charset="0"/>
+                <a:cs typeface="Courier New" panose="02070309020205020404" pitchFamily="49" charset="0"/>
+              </a:rPr>
+              <a:t>()</a:t>
+            </a:r>
+            <a:endParaRPr lang="en-US" dirty="0">
+              <a:latin typeface="Courier New" panose="02070309020205020404" pitchFamily="49" charset="0"/>
+              <a:cs typeface="Courier New" panose="02070309020205020404" pitchFamily="49" charset="0"/>
+            </a:endParaRPr>
+          </a:p>
+        </p:txBody>
+      </p:sp>
+      <p:cxnSp>
+        <p:nvCxnSpPr>
+          <p:cNvPr id="22" name="Gewinkelte Verbindung 21"/>
+          <p:cNvCxnSpPr>
+            <a:endCxn id="4" idx="3"/>
+          </p:cNvCxnSpPr>
+          <p:nvPr/>
+        </p:nvCxnSpPr>
+        <p:spPr>
+          <a:xfrm rot="10800000">
+            <a:off x="5932702" y="2331403"/>
+            <a:ext cx="2420103" cy="593542"/>
+          </a:xfrm>
+          <a:prstGeom prst="bentConnector3">
+            <a:avLst>
+              <a:gd name="adj1" fmla="val 16"/>
+            </a:avLst>
+          </a:prstGeom>
+          <a:ln>
+            <a:tailEnd type="arrow"/>
+          </a:ln>
+        </p:spPr>
+        <p:style>
+          <a:lnRef idx="1">
+            <a:schemeClr val="dk1"/>
+          </a:lnRef>
+          <a:fillRef idx="0">
+            <a:schemeClr val="dk1"/>
+          </a:fillRef>
+          <a:effectRef idx="0">
+            <a:schemeClr val="dk1"/>
+          </a:effectRef>
+          <a:fontRef idx="minor">
+            <a:schemeClr val="tx1"/>
+          </a:fontRef>
+        </p:style>
+      </p:cxnSp>
+      <p:cxnSp>
+        <p:nvCxnSpPr>
+          <p:cNvPr id="53" name="Gerade Verbindung mit Pfeil 52"/>
+          <p:cNvCxnSpPr/>
+          <p:nvPr/>
+        </p:nvCxnSpPr>
+        <p:spPr>
+          <a:xfrm flipV="1">
+            <a:off x="6831098" y="3294276"/>
+            <a:ext cx="0" cy="710788"/>
+          </a:xfrm>
+          <a:prstGeom prst="straightConnector1">
+            <a:avLst/>
+          </a:prstGeom>
+          <a:ln>
+            <a:tailEnd type="arrow"/>
+          </a:ln>
+        </p:spPr>
+        <p:style>
+          <a:lnRef idx="1">
+            <a:schemeClr val="dk1"/>
+          </a:lnRef>
+          <a:fillRef idx="0">
+            <a:schemeClr val="dk1"/>
+          </a:fillRef>
+          <a:effectRef idx="0">
+            <a:schemeClr val="dk1"/>
+          </a:effectRef>
+          <a:fontRef idx="minor">
+            <a:schemeClr val="tx1"/>
+          </a:fontRef>
+        </p:style>
+      </p:cxnSp>
+      <p:cxnSp>
+        <p:nvCxnSpPr>
+          <p:cNvPr id="59" name="Gerade Verbindung 58"/>
+          <p:cNvCxnSpPr>
+            <a:stCxn id="16" idx="0"/>
+          </p:cNvCxnSpPr>
+          <p:nvPr/>
+        </p:nvCxnSpPr>
+        <p:spPr>
+          <a:xfrm flipH="1" flipV="1">
+            <a:off x="3822655" y="4005064"/>
+            <a:ext cx="1" cy="652809"/>
+          </a:xfrm>
+          <a:prstGeom prst="line">
+            <a:avLst/>
+          </a:prstGeom>
+        </p:spPr>
+        <p:style>
+          <a:lnRef idx="1">
+            <a:schemeClr val="dk1"/>
+          </a:lnRef>
+          <a:fillRef idx="0">
+            <a:schemeClr val="dk1"/>
+          </a:fillRef>
+          <a:effectRef idx="0">
+            <a:schemeClr val="dk1"/>
+          </a:effectRef>
+          <a:fontRef idx="minor">
+            <a:schemeClr val="tx1"/>
+          </a:fontRef>
+        </p:style>
+      </p:cxnSp>
+      <p:cxnSp>
+        <p:nvCxnSpPr>
+          <p:cNvPr id="60" name="Gerade Verbindung 59"/>
+          <p:cNvCxnSpPr/>
+          <p:nvPr/>
+        </p:nvCxnSpPr>
+        <p:spPr>
+          <a:xfrm flipH="1">
+            <a:off x="3822657" y="4005064"/>
+            <a:ext cx="3008441" cy="0"/>
+          </a:xfrm>
+          <a:prstGeom prst="line">
+            <a:avLst/>
+          </a:prstGeom>
+        </p:spPr>
+        <p:style>
+          <a:lnRef idx="1">
+            <a:schemeClr val="dk1"/>
+          </a:lnRef>
+          <a:fillRef idx="0">
+            <a:schemeClr val="dk1"/>
+          </a:fillRef>
+          <a:effectRef idx="0">
+            <a:schemeClr val="dk1"/>
+          </a:effectRef>
+          <a:fontRef idx="minor">
+            <a:schemeClr val="tx1"/>
+          </a:fontRef>
+        </p:style>
+      </p:cxnSp>
+    </p:spTree>
+    <p:extLst>
+      <p:ext uri="{BB962C8B-B14F-4D97-AF65-F5344CB8AC3E}">
+        <p14:creationId xmlns:p14="http://schemas.microsoft.com/office/powerpoint/2010/main" val="3990679673"/>
+      </p:ext>
+    </p:extLst>
+  </p:cSld>
+  <p:clrMapOvr>
+    <a:masterClrMapping/>
+  </p:clrMapOvr>
+</p:sld>
+</file>
+
 <file path=ppt/slides/slide3.xml><?xml version="1.0" encoding="utf-8"?>
 <p:sld xmlns:a="http://schemas.openxmlformats.org/drawingml/2006/main" xmlns:r="http://schemas.openxmlformats.org/officeDocument/2006/relationships" xmlns:p="http://schemas.openxmlformats.org/presentationml/2006/main">
   <p:cSld>
@@ -16101,6 +17151,745 @@
       </p:par>
     </p:tnLst>
   </p:timing>
+</p:sld>
+</file>
+
+<file path=ppt/slides/slide30.xml><?xml version="1.0" encoding="utf-8"?>
+<p:sld xmlns:a="http://schemas.openxmlformats.org/drawingml/2006/main" xmlns:r="http://schemas.openxmlformats.org/officeDocument/2006/relationships" xmlns:p="http://schemas.openxmlformats.org/presentationml/2006/main">
+  <p:cSld>
+    <p:spTree>
+      <p:nvGrpSpPr>
+        <p:cNvPr id="1" name=""/>
+        <p:cNvGrpSpPr/>
+        <p:nvPr/>
+      </p:nvGrpSpPr>
+      <p:grpSpPr>
+        <a:xfrm>
+          <a:off x="0" y="0"/>
+          <a:ext cx="0" cy="0"/>
+          <a:chOff x="0" y="0"/>
+          <a:chExt cx="0" cy="0"/>
+        </a:xfrm>
+      </p:grpSpPr>
+      <p:grpSp>
+        <p:nvGrpSpPr>
+          <p:cNvPr id="19" name="Gruppieren 18"/>
+          <p:cNvGrpSpPr/>
+          <p:nvPr/>
+        </p:nvGrpSpPr>
+        <p:grpSpPr>
+          <a:xfrm>
+            <a:off x="2110045" y="2114172"/>
+            <a:ext cx="4248472" cy="719292"/>
+            <a:chOff x="1547664" y="1323964"/>
+            <a:chExt cx="4248472" cy="719292"/>
+          </a:xfrm>
+        </p:grpSpPr>
+        <p:sp>
+          <p:nvSpPr>
+            <p:cNvPr id="6" name="Rechteck 5"/>
+            <p:cNvSpPr/>
+            <p:nvPr/>
+          </p:nvSpPr>
+          <p:spPr>
+            <a:xfrm>
+              <a:off x="1656023" y="1503610"/>
+              <a:ext cx="4140113" cy="360000"/>
+            </a:xfrm>
+            <a:prstGeom prst="rect">
+              <a:avLst/>
+            </a:prstGeom>
+          </p:spPr>
+          <p:style>
+            <a:lnRef idx="2">
+              <a:schemeClr val="accent1">
+                <a:shade val="50000"/>
+              </a:schemeClr>
+            </a:lnRef>
+            <a:fillRef idx="1">
+              <a:schemeClr val="accent1"/>
+            </a:fillRef>
+            <a:effectRef idx="0">
+              <a:schemeClr val="accent1"/>
+            </a:effectRef>
+            <a:fontRef idx="minor">
+              <a:schemeClr val="lt1"/>
+            </a:fontRef>
+          </p:style>
+          <p:txBody>
+            <a:bodyPr rtlCol="0" anchor="ctr"/>
+            <a:lstStyle/>
+            <a:p>
+              <a:pPr algn="ctr"/>
+              <a:endParaRPr lang="en-US" dirty="0"/>
+            </a:p>
+          </p:txBody>
+        </p:sp>
+        <p:sp>
+          <p:nvSpPr>
+            <p:cNvPr id="10" name="Rechteck 9"/>
+            <p:cNvSpPr/>
+            <p:nvPr/>
+          </p:nvSpPr>
+          <p:spPr>
+            <a:xfrm>
+              <a:off x="1547664" y="1323964"/>
+              <a:ext cx="1512168" cy="719292"/>
+            </a:xfrm>
+            <a:prstGeom prst="rect">
+              <a:avLst/>
+            </a:prstGeom>
+            <a:noFill/>
+            <a:ln>
+              <a:solidFill>
+                <a:srgbClr val="92D050"/>
+              </a:solidFill>
+            </a:ln>
+          </p:spPr>
+          <p:style>
+            <a:lnRef idx="2">
+              <a:schemeClr val="accent1">
+                <a:shade val="50000"/>
+              </a:schemeClr>
+            </a:lnRef>
+            <a:fillRef idx="1">
+              <a:schemeClr val="accent1"/>
+            </a:fillRef>
+            <a:effectRef idx="0">
+              <a:schemeClr val="accent1"/>
+            </a:effectRef>
+            <a:fontRef idx="minor">
+              <a:schemeClr val="lt1"/>
+            </a:fontRef>
+          </p:style>
+          <p:txBody>
+            <a:bodyPr rtlCol="0" anchor="ctr"/>
+            <a:lstStyle/>
+            <a:p>
+              <a:pPr algn="ctr"/>
+              <a:endParaRPr lang="en-US"/>
+            </a:p>
+          </p:txBody>
+        </p:sp>
+      </p:grpSp>
+      <p:grpSp>
+        <p:nvGrpSpPr>
+          <p:cNvPr id="20" name="Gruppieren 19"/>
+          <p:cNvGrpSpPr/>
+          <p:nvPr/>
+        </p:nvGrpSpPr>
+        <p:grpSpPr>
+          <a:xfrm>
+            <a:off x="2218404" y="2986670"/>
+            <a:ext cx="4140113" cy="719292"/>
+            <a:chOff x="1656023" y="1323964"/>
+            <a:chExt cx="4140113" cy="719292"/>
+          </a:xfrm>
+        </p:grpSpPr>
+        <p:sp>
+          <p:nvSpPr>
+            <p:cNvPr id="21" name="Rechteck 20"/>
+            <p:cNvSpPr/>
+            <p:nvPr/>
+          </p:nvSpPr>
+          <p:spPr>
+            <a:xfrm>
+              <a:off x="1656023" y="1503610"/>
+              <a:ext cx="4140113" cy="360000"/>
+            </a:xfrm>
+            <a:prstGeom prst="rect">
+              <a:avLst/>
+            </a:prstGeom>
+          </p:spPr>
+          <p:style>
+            <a:lnRef idx="2">
+              <a:schemeClr val="accent1">
+                <a:shade val="50000"/>
+              </a:schemeClr>
+            </a:lnRef>
+            <a:fillRef idx="1">
+              <a:schemeClr val="accent1"/>
+            </a:fillRef>
+            <a:effectRef idx="0">
+              <a:schemeClr val="accent1"/>
+            </a:effectRef>
+            <a:fontRef idx="minor">
+              <a:schemeClr val="lt1"/>
+            </a:fontRef>
+          </p:style>
+          <p:txBody>
+            <a:bodyPr rtlCol="0" anchor="ctr"/>
+            <a:lstStyle/>
+            <a:p>
+              <a:pPr algn="ctr"/>
+              <a:endParaRPr lang="en-US" dirty="0"/>
+            </a:p>
+          </p:txBody>
+        </p:sp>
+        <p:sp>
+          <p:nvSpPr>
+            <p:cNvPr id="22" name="Rechteck 21"/>
+            <p:cNvSpPr/>
+            <p:nvPr/>
+          </p:nvSpPr>
+          <p:spPr>
+            <a:xfrm>
+              <a:off x="2303748" y="1323964"/>
+              <a:ext cx="1512168" cy="719292"/>
+            </a:xfrm>
+            <a:prstGeom prst="rect">
+              <a:avLst/>
+            </a:prstGeom>
+            <a:noFill/>
+            <a:ln>
+              <a:solidFill>
+                <a:srgbClr val="92D050"/>
+              </a:solidFill>
+            </a:ln>
+          </p:spPr>
+          <p:style>
+            <a:lnRef idx="2">
+              <a:schemeClr val="accent1">
+                <a:shade val="50000"/>
+              </a:schemeClr>
+            </a:lnRef>
+            <a:fillRef idx="1">
+              <a:schemeClr val="accent1"/>
+            </a:fillRef>
+            <a:effectRef idx="0">
+              <a:schemeClr val="accent1"/>
+            </a:effectRef>
+            <a:fontRef idx="minor">
+              <a:schemeClr val="lt1"/>
+            </a:fontRef>
+          </p:style>
+          <p:txBody>
+            <a:bodyPr rtlCol="0" anchor="ctr"/>
+            <a:lstStyle/>
+            <a:p>
+              <a:pPr algn="ctr"/>
+              <a:endParaRPr lang="en-US"/>
+            </a:p>
+          </p:txBody>
+        </p:sp>
+      </p:grpSp>
+      <p:grpSp>
+        <p:nvGrpSpPr>
+          <p:cNvPr id="23" name="Gruppieren 22"/>
+          <p:cNvGrpSpPr/>
+          <p:nvPr/>
+        </p:nvGrpSpPr>
+        <p:grpSpPr>
+          <a:xfrm>
+            <a:off x="2218404" y="3859168"/>
+            <a:ext cx="4140113" cy="719292"/>
+            <a:chOff x="1656023" y="1323964"/>
+            <a:chExt cx="4140113" cy="719292"/>
+          </a:xfrm>
+        </p:grpSpPr>
+        <p:sp>
+          <p:nvSpPr>
+            <p:cNvPr id="24" name="Rechteck 23"/>
+            <p:cNvSpPr/>
+            <p:nvPr/>
+          </p:nvSpPr>
+          <p:spPr>
+            <a:xfrm>
+              <a:off x="1656023" y="1503610"/>
+              <a:ext cx="4140113" cy="360000"/>
+            </a:xfrm>
+            <a:prstGeom prst="rect">
+              <a:avLst/>
+            </a:prstGeom>
+          </p:spPr>
+          <p:style>
+            <a:lnRef idx="2">
+              <a:schemeClr val="accent1">
+                <a:shade val="50000"/>
+              </a:schemeClr>
+            </a:lnRef>
+            <a:fillRef idx="1">
+              <a:schemeClr val="accent1"/>
+            </a:fillRef>
+            <a:effectRef idx="0">
+              <a:schemeClr val="accent1"/>
+            </a:effectRef>
+            <a:fontRef idx="minor">
+              <a:schemeClr val="lt1"/>
+            </a:fontRef>
+          </p:style>
+          <p:txBody>
+            <a:bodyPr rtlCol="0" anchor="ctr"/>
+            <a:lstStyle/>
+            <a:p>
+              <a:pPr algn="ctr"/>
+              <a:endParaRPr lang="en-US" dirty="0"/>
+            </a:p>
+          </p:txBody>
+        </p:sp>
+        <p:sp>
+          <p:nvSpPr>
+            <p:cNvPr id="25" name="Rechteck 24"/>
+            <p:cNvSpPr/>
+            <p:nvPr/>
+          </p:nvSpPr>
+          <p:spPr>
+            <a:xfrm>
+              <a:off x="3059832" y="1323964"/>
+              <a:ext cx="1512168" cy="719292"/>
+            </a:xfrm>
+            <a:prstGeom prst="rect">
+              <a:avLst/>
+            </a:prstGeom>
+            <a:noFill/>
+            <a:ln>
+              <a:solidFill>
+                <a:srgbClr val="92D050"/>
+              </a:solidFill>
+            </a:ln>
+          </p:spPr>
+          <p:style>
+            <a:lnRef idx="2">
+              <a:schemeClr val="accent1">
+                <a:shade val="50000"/>
+              </a:schemeClr>
+            </a:lnRef>
+            <a:fillRef idx="1">
+              <a:schemeClr val="accent1"/>
+            </a:fillRef>
+            <a:effectRef idx="0">
+              <a:schemeClr val="accent1"/>
+            </a:effectRef>
+            <a:fontRef idx="minor">
+              <a:schemeClr val="lt1"/>
+            </a:fontRef>
+          </p:style>
+          <p:txBody>
+            <a:bodyPr rtlCol="0" anchor="ctr"/>
+            <a:lstStyle/>
+            <a:p>
+              <a:pPr algn="ctr"/>
+              <a:endParaRPr lang="en-US"/>
+            </a:p>
+          </p:txBody>
+        </p:sp>
+      </p:grpSp>
+      <p:sp>
+        <p:nvSpPr>
+          <p:cNvPr id="26" name="Pfeil nach links 25"/>
+          <p:cNvSpPr/>
+          <p:nvPr/>
+        </p:nvSpPr>
+        <p:spPr>
+          <a:xfrm>
+            <a:off x="4118698" y="1727344"/>
+            <a:ext cx="2095803" cy="386828"/>
+          </a:xfrm>
+          <a:prstGeom prst="leftArrow">
+            <a:avLst/>
+          </a:prstGeom>
+        </p:spPr>
+        <p:style>
+          <a:lnRef idx="2">
+            <a:schemeClr val="accent6">
+              <a:shade val="50000"/>
+            </a:schemeClr>
+          </a:lnRef>
+          <a:fillRef idx="1">
+            <a:schemeClr val="accent6"/>
+          </a:fillRef>
+          <a:effectRef idx="0">
+            <a:schemeClr val="accent6"/>
+          </a:effectRef>
+          <a:fontRef idx="minor">
+            <a:schemeClr val="lt1"/>
+          </a:fontRef>
+        </p:style>
+        <p:txBody>
+          <a:bodyPr rtlCol="0" anchor="ctr"/>
+          <a:lstStyle/>
+          <a:p>
+            <a:pPr algn="ctr"/>
+            <a:endParaRPr lang="en-US"/>
+          </a:p>
+        </p:txBody>
+      </p:sp>
+      <p:sp>
+        <p:nvSpPr>
+          <p:cNvPr id="27" name="Textfeld 26"/>
+          <p:cNvSpPr txBox="1"/>
+          <p:nvPr/>
+        </p:nvSpPr>
+        <p:spPr>
+          <a:xfrm>
+            <a:off x="4702333" y="1482904"/>
+            <a:ext cx="1029321" cy="369332"/>
+          </a:xfrm>
+          <a:prstGeom prst="rect">
+            <a:avLst/>
+          </a:prstGeom>
+          <a:noFill/>
+        </p:spPr>
+        <p:txBody>
+          <a:bodyPr wrap="none" rtlCol="0">
+            <a:spAutoFit/>
+          </a:bodyPr>
+          <a:lstStyle/>
+          <a:p>
+            <a:r>
+              <a:rPr lang="de-DE" dirty="0" smtClean="0"/>
+              <a:t>Add </a:t>
+            </a:r>
+            <a:r>
+              <a:rPr lang="de-DE" dirty="0" err="1" smtClean="0"/>
+              <a:t>data</a:t>
+            </a:r>
+            <a:endParaRPr lang="en-US" dirty="0"/>
+          </a:p>
+        </p:txBody>
+      </p:sp>
+      <p:cxnSp>
+        <p:nvCxnSpPr>
+          <p:cNvPr id="35" name="Gerade Verbindung 34"/>
+          <p:cNvCxnSpPr/>
+          <p:nvPr/>
+        </p:nvCxnSpPr>
+        <p:spPr>
+          <a:xfrm flipH="1">
+            <a:off x="1894021" y="2779048"/>
+            <a:ext cx="216024" cy="0"/>
+          </a:xfrm>
+          <a:prstGeom prst="line">
+            <a:avLst/>
+          </a:prstGeom>
+        </p:spPr>
+        <p:style>
+          <a:lnRef idx="1">
+            <a:schemeClr val="dk1"/>
+          </a:lnRef>
+          <a:fillRef idx="0">
+            <a:schemeClr val="dk1"/>
+          </a:fillRef>
+          <a:effectRef idx="0">
+            <a:schemeClr val="dk1"/>
+          </a:effectRef>
+          <a:fontRef idx="minor">
+            <a:schemeClr val="tx1"/>
+          </a:fontRef>
+        </p:style>
+      </p:cxnSp>
+      <p:cxnSp>
+        <p:nvCxnSpPr>
+          <p:cNvPr id="37" name="Gerade Verbindung 36"/>
+          <p:cNvCxnSpPr/>
+          <p:nvPr/>
+        </p:nvCxnSpPr>
+        <p:spPr>
+          <a:xfrm flipH="1">
+            <a:off x="1894021" y="3643144"/>
+            <a:ext cx="972108" cy="0"/>
+          </a:xfrm>
+          <a:prstGeom prst="line">
+            <a:avLst/>
+          </a:prstGeom>
+        </p:spPr>
+        <p:style>
+          <a:lnRef idx="1">
+            <a:schemeClr val="dk1"/>
+          </a:lnRef>
+          <a:fillRef idx="0">
+            <a:schemeClr val="dk1"/>
+          </a:fillRef>
+          <a:effectRef idx="0">
+            <a:schemeClr val="dk1"/>
+          </a:effectRef>
+          <a:fontRef idx="minor">
+            <a:schemeClr val="tx1"/>
+          </a:fontRef>
+        </p:style>
+      </p:cxnSp>
+      <p:cxnSp>
+        <p:nvCxnSpPr>
+          <p:cNvPr id="39" name="Gerade Verbindung 38"/>
+          <p:cNvCxnSpPr/>
+          <p:nvPr/>
+        </p:nvCxnSpPr>
+        <p:spPr>
+          <a:xfrm flipH="1">
+            <a:off x="1894021" y="4507240"/>
+            <a:ext cx="1728192" cy="0"/>
+          </a:xfrm>
+          <a:prstGeom prst="line">
+            <a:avLst/>
+          </a:prstGeom>
+        </p:spPr>
+        <p:style>
+          <a:lnRef idx="1">
+            <a:schemeClr val="dk1"/>
+          </a:lnRef>
+          <a:fillRef idx="0">
+            <a:schemeClr val="dk1"/>
+          </a:fillRef>
+          <a:effectRef idx="0">
+            <a:schemeClr val="dk1"/>
+          </a:effectRef>
+          <a:fontRef idx="minor">
+            <a:schemeClr val="tx1"/>
+          </a:fontRef>
+        </p:style>
+      </p:cxnSp>
+      <p:cxnSp>
+        <p:nvCxnSpPr>
+          <p:cNvPr id="41" name="Gerade Verbindung mit Pfeil 40"/>
+          <p:cNvCxnSpPr/>
+          <p:nvPr/>
+        </p:nvCxnSpPr>
+        <p:spPr>
+          <a:xfrm>
+            <a:off x="1894021" y="2780950"/>
+            <a:ext cx="0" cy="2520280"/>
+          </a:xfrm>
+          <a:prstGeom prst="straightConnector1">
+            <a:avLst/>
+          </a:prstGeom>
+          <a:ln>
+            <a:tailEnd type="arrow"/>
+          </a:ln>
+        </p:spPr>
+        <p:style>
+          <a:lnRef idx="1">
+            <a:schemeClr val="dk1"/>
+          </a:lnRef>
+          <a:fillRef idx="0">
+            <a:schemeClr val="dk1"/>
+          </a:fillRef>
+          <a:effectRef idx="0">
+            <a:schemeClr val="dk1"/>
+          </a:effectRef>
+          <a:fontRef idx="minor">
+            <a:schemeClr val="tx1"/>
+          </a:fontRef>
+        </p:style>
+      </p:cxnSp>
+      <p:sp>
+        <p:nvSpPr>
+          <p:cNvPr id="45" name="Textfeld 44"/>
+          <p:cNvSpPr txBox="1"/>
+          <p:nvPr/>
+        </p:nvSpPr>
+        <p:spPr>
+          <a:xfrm>
+            <a:off x="1843002" y="4795272"/>
+            <a:ext cx="1419171" cy="369332"/>
+          </a:xfrm>
+          <a:prstGeom prst="rect">
+            <a:avLst/>
+          </a:prstGeom>
+          <a:noFill/>
+        </p:spPr>
+        <p:txBody>
+          <a:bodyPr wrap="none" rtlCol="0">
+            <a:spAutoFit/>
+          </a:bodyPr>
+          <a:lstStyle/>
+          <a:p>
+            <a:r>
+              <a:rPr lang="de-DE" dirty="0" err="1" smtClean="0"/>
+              <a:t>Calculate</a:t>
+            </a:r>
+            <a:r>
+              <a:rPr lang="de-DE" dirty="0" smtClean="0"/>
+              <a:t> FFT</a:t>
+            </a:r>
+            <a:endParaRPr lang="en-US" dirty="0"/>
+          </a:p>
+        </p:txBody>
+      </p:sp>
+      <p:cxnSp>
+        <p:nvCxnSpPr>
+          <p:cNvPr id="47" name="Gerade Verbindung mit Pfeil 46"/>
+          <p:cNvCxnSpPr>
+            <a:stCxn id="48" idx="0"/>
+          </p:cNvCxnSpPr>
+          <p:nvPr/>
+        </p:nvCxnSpPr>
+        <p:spPr>
+          <a:xfrm flipH="1" flipV="1">
+            <a:off x="5062373" y="4578460"/>
+            <a:ext cx="137175" cy="401478"/>
+          </a:xfrm>
+          <a:prstGeom prst="straightConnector1">
+            <a:avLst/>
+          </a:prstGeom>
+          <a:ln>
+            <a:tailEnd type="arrow"/>
+          </a:ln>
+        </p:spPr>
+        <p:style>
+          <a:lnRef idx="1">
+            <a:schemeClr val="accent3"/>
+          </a:lnRef>
+          <a:fillRef idx="0">
+            <a:schemeClr val="accent3"/>
+          </a:fillRef>
+          <a:effectRef idx="0">
+            <a:schemeClr val="accent3"/>
+          </a:effectRef>
+          <a:fontRef idx="minor">
+            <a:schemeClr val="tx1"/>
+          </a:fontRef>
+        </p:style>
+      </p:cxnSp>
+      <p:sp>
+        <p:nvSpPr>
+          <p:cNvPr id="48" name="Textfeld 47"/>
+          <p:cNvSpPr txBox="1"/>
+          <p:nvPr/>
+        </p:nvSpPr>
+        <p:spPr>
+          <a:xfrm>
+            <a:off x="4378297" y="4979938"/>
+            <a:ext cx="1642501" cy="369332"/>
+          </a:xfrm>
+          <a:prstGeom prst="rect">
+            <a:avLst/>
+          </a:prstGeom>
+          <a:noFill/>
+        </p:spPr>
+        <p:txBody>
+          <a:bodyPr wrap="none" rtlCol="0">
+            <a:spAutoFit/>
+          </a:bodyPr>
+          <a:lstStyle/>
+          <a:p>
+            <a:r>
+              <a:rPr lang="de-DE" dirty="0" err="1" smtClean="0"/>
+              <a:t>Sliding</a:t>
+            </a:r>
+            <a:r>
+              <a:rPr lang="de-DE" dirty="0" smtClean="0"/>
+              <a:t> </a:t>
+            </a:r>
+            <a:r>
+              <a:rPr lang="de-DE" dirty="0" err="1" smtClean="0"/>
+              <a:t>Window</a:t>
+            </a:r>
+            <a:endParaRPr lang="en-US" dirty="0"/>
+          </a:p>
+        </p:txBody>
+      </p:sp>
+      <p:sp>
+        <p:nvSpPr>
+          <p:cNvPr id="50" name="Textfeld 49"/>
+          <p:cNvSpPr txBox="1"/>
+          <p:nvPr/>
+        </p:nvSpPr>
+        <p:spPr>
+          <a:xfrm>
+            <a:off x="6358517" y="2256988"/>
+            <a:ext cx="494046" cy="369332"/>
+          </a:xfrm>
+          <a:prstGeom prst="rect">
+            <a:avLst/>
+          </a:prstGeom>
+          <a:noFill/>
+        </p:spPr>
+        <p:txBody>
+          <a:bodyPr wrap="none" rtlCol="0">
+            <a:spAutoFit/>
+          </a:bodyPr>
+          <a:lstStyle/>
+          <a:p>
+            <a:r>
+              <a:rPr lang="de-DE" dirty="0"/>
+              <a:t>t</a:t>
+            </a:r>
+            <a:r>
+              <a:rPr lang="de-DE" dirty="0" smtClean="0"/>
+              <a:t>_1</a:t>
+            </a:r>
+            <a:endParaRPr lang="en-US" dirty="0"/>
+          </a:p>
+        </p:txBody>
+      </p:sp>
+      <p:sp>
+        <p:nvSpPr>
+          <p:cNvPr id="51" name="Textfeld 50"/>
+          <p:cNvSpPr txBox="1"/>
+          <p:nvPr/>
+        </p:nvSpPr>
+        <p:spPr>
+          <a:xfrm>
+            <a:off x="6343116" y="3156984"/>
+            <a:ext cx="494046" cy="369332"/>
+          </a:xfrm>
+          <a:prstGeom prst="rect">
+            <a:avLst/>
+          </a:prstGeom>
+          <a:noFill/>
+        </p:spPr>
+        <p:txBody>
+          <a:bodyPr wrap="none" rtlCol="0">
+            <a:spAutoFit/>
+          </a:bodyPr>
+          <a:lstStyle/>
+          <a:p>
+            <a:r>
+              <a:rPr lang="de-DE" dirty="0"/>
+              <a:t>t</a:t>
+            </a:r>
+            <a:r>
+              <a:rPr lang="de-DE" dirty="0" smtClean="0"/>
+              <a:t>_2</a:t>
+            </a:r>
+            <a:endParaRPr lang="en-US" dirty="0"/>
+          </a:p>
+        </p:txBody>
+      </p:sp>
+      <p:sp>
+        <p:nvSpPr>
+          <p:cNvPr id="52" name="Textfeld 51"/>
+          <p:cNvSpPr txBox="1"/>
+          <p:nvPr/>
+        </p:nvSpPr>
+        <p:spPr>
+          <a:xfrm>
+            <a:off x="6358517" y="4029482"/>
+            <a:ext cx="494046" cy="369332"/>
+          </a:xfrm>
+          <a:prstGeom prst="rect">
+            <a:avLst/>
+          </a:prstGeom>
+          <a:noFill/>
+        </p:spPr>
+        <p:txBody>
+          <a:bodyPr wrap="none" rtlCol="0">
+            <a:spAutoFit/>
+          </a:bodyPr>
+          <a:lstStyle/>
+          <a:p>
+            <a:r>
+              <a:rPr lang="de-DE" dirty="0"/>
+              <a:t>t</a:t>
+            </a:r>
+            <a:r>
+              <a:rPr lang="de-DE" dirty="0" smtClean="0"/>
+              <a:t>_3</a:t>
+            </a:r>
+            <a:endParaRPr lang="en-US" dirty="0"/>
+          </a:p>
+        </p:txBody>
+      </p:sp>
+    </p:spTree>
+    <p:extLst>
+      <p:ext uri="{BB962C8B-B14F-4D97-AF65-F5344CB8AC3E}">
+        <p14:creationId xmlns:p14="http://schemas.microsoft.com/office/powerpoint/2010/main" val="2864356141"/>
+      </p:ext>
+    </p:extLst>
+  </p:cSld>
+  <p:clrMapOvr>
+    <a:masterClrMapping/>
+  </p:clrMapOvr>
 </p:sld>
 </file>
 
@@ -19417,14 +21206,17 @@
               </a:rPr>
               <a:t>QSerialPort</a:t>
             </a:r>
-            <a:endParaRPr lang="de-DE" dirty="0" smtClean="0">
+            <a:endParaRPr lang="de-DE" dirty="0">
               <a:solidFill>
                 <a:schemeClr val="tx2"/>
               </a:solidFill>
             </a:endParaRPr>
           </a:p>
           <a:p>
-            <a:pPr lvl="1"/>
+            <a:pPr lvl="1">
+              <a:buFont typeface="Arial" panose="020B0604020202020204" pitchFamily="34" charset="0"/>
+              <a:buChar char="•"/>
+            </a:pPr>
             <a:r>
               <a:rPr lang="de-DE" dirty="0" smtClean="0"/>
               <a:t>Serial </a:t>
@@ -19454,7 +21246,10 @@
             </a:r>
           </a:p>
           <a:p>
-            <a:pPr lvl="1"/>
+            <a:pPr lvl="1">
+              <a:buFont typeface="Arial" panose="020B0604020202020204" pitchFamily="34" charset="0"/>
+              <a:buChar char="•"/>
+            </a:pPr>
             <a:r>
               <a:rPr lang="de-DE" dirty="0" err="1" smtClean="0"/>
               <a:t>Calculation</a:t>
@@ -19496,7 +21291,10 @@
             </a:endParaRPr>
           </a:p>
           <a:p>
-            <a:pPr lvl="1"/>
+            <a:pPr lvl="1">
+              <a:buFont typeface="Arial" panose="020B0604020202020204" pitchFamily="34" charset="0"/>
+              <a:buChar char="•"/>
+            </a:pPr>
             <a:r>
               <a:rPr lang="de-DE" dirty="0" err="1" smtClean="0"/>
               <a:t>Graphical</a:t>
@@ -19522,7 +21320,10 @@
             </a:endParaRPr>
           </a:p>
           <a:p>
-            <a:pPr lvl="1"/>
+            <a:pPr lvl="1">
+              <a:buFont typeface="Arial" panose="020B0604020202020204" pitchFamily="34" charset="0"/>
+              <a:buChar char="•"/>
+            </a:pPr>
             <a:r>
               <a:rPr lang="de-DE" dirty="0" smtClean="0"/>
               <a:t>Graphs</a:t>
@@ -19587,12 +21388,8 @@
               <a:buChar char="•"/>
             </a:pPr>
             <a:r>
-              <a:rPr lang="de-DE" sz="2600" dirty="0"/>
-              <a:t>D</a:t>
-            </a:r>
-            <a:r>
               <a:rPr lang="de-DE" sz="2600" dirty="0" smtClean="0"/>
-              <a:t>ebugging </a:t>
+              <a:t>Debugging </a:t>
             </a:r>
             <a:r>
               <a:rPr lang="de-DE" sz="2600" dirty="0" err="1" smtClean="0"/>

--- a/res/HeartRateMonitor.pptx
+++ b/res/HeartRateMonitor.pptx
@@ -221,7 +221,7 @@
           <a:p>
             <a:fld id="{A6ECA08F-F96F-4BD4-A634-E90DA7FFA32E}" type="datetimeFigureOut">
               <a:rPr lang="en-US" smtClean="0"/>
-              <a:t>7/20/2014</a:t>
+              <a:t>7/21/2014</a:t>
             </a:fld>
             <a:endParaRPr lang="en-US"/>
           </a:p>
@@ -3343,7 +3343,7 @@
           <a:p>
             <a:fld id="{1867D673-17F2-4AAF-8773-56A9AD33FE77}" type="datetimeFigureOut">
               <a:rPr lang="de-DE" smtClean="0"/>
-              <a:t>20.07.2014</a:t>
+              <a:t>21.07.2014</a:t>
             </a:fld>
             <a:endParaRPr lang="de-DE"/>
           </a:p>
@@ -3513,7 +3513,7 @@
           <a:p>
             <a:fld id="{1867D673-17F2-4AAF-8773-56A9AD33FE77}" type="datetimeFigureOut">
               <a:rPr lang="de-DE" smtClean="0"/>
-              <a:t>20.07.2014</a:t>
+              <a:t>21.07.2014</a:t>
             </a:fld>
             <a:endParaRPr lang="de-DE"/>
           </a:p>
@@ -3693,7 +3693,7 @@
           <a:p>
             <a:fld id="{1867D673-17F2-4AAF-8773-56A9AD33FE77}" type="datetimeFigureOut">
               <a:rPr lang="de-DE" smtClean="0"/>
-              <a:t>20.07.2014</a:t>
+              <a:t>21.07.2014</a:t>
             </a:fld>
             <a:endParaRPr lang="de-DE"/>
           </a:p>
@@ -3863,7 +3863,7 @@
           <a:p>
             <a:fld id="{1867D673-17F2-4AAF-8773-56A9AD33FE77}" type="datetimeFigureOut">
               <a:rPr lang="de-DE" smtClean="0"/>
-              <a:t>20.07.2014</a:t>
+              <a:t>21.07.2014</a:t>
             </a:fld>
             <a:endParaRPr lang="de-DE"/>
           </a:p>
@@ -4109,7 +4109,7 @@
           <a:p>
             <a:fld id="{1867D673-17F2-4AAF-8773-56A9AD33FE77}" type="datetimeFigureOut">
               <a:rPr lang="de-DE" smtClean="0"/>
-              <a:t>20.07.2014</a:t>
+              <a:t>21.07.2014</a:t>
             </a:fld>
             <a:endParaRPr lang="de-DE"/>
           </a:p>
@@ -4397,7 +4397,7 @@
           <a:p>
             <a:fld id="{1867D673-17F2-4AAF-8773-56A9AD33FE77}" type="datetimeFigureOut">
               <a:rPr lang="de-DE" smtClean="0"/>
-              <a:t>20.07.2014</a:t>
+              <a:t>21.07.2014</a:t>
             </a:fld>
             <a:endParaRPr lang="de-DE"/>
           </a:p>
@@ -4819,7 +4819,7 @@
           <a:p>
             <a:fld id="{1867D673-17F2-4AAF-8773-56A9AD33FE77}" type="datetimeFigureOut">
               <a:rPr lang="de-DE" smtClean="0"/>
-              <a:t>20.07.2014</a:t>
+              <a:t>21.07.2014</a:t>
             </a:fld>
             <a:endParaRPr lang="de-DE"/>
           </a:p>
@@ -4937,7 +4937,7 @@
           <a:p>
             <a:fld id="{1867D673-17F2-4AAF-8773-56A9AD33FE77}" type="datetimeFigureOut">
               <a:rPr lang="de-DE" smtClean="0"/>
-              <a:t>20.07.2014</a:t>
+              <a:t>21.07.2014</a:t>
             </a:fld>
             <a:endParaRPr lang="de-DE"/>
           </a:p>
@@ -5032,7 +5032,7 @@
           <a:p>
             <a:fld id="{1867D673-17F2-4AAF-8773-56A9AD33FE77}" type="datetimeFigureOut">
               <a:rPr lang="de-DE" smtClean="0"/>
-              <a:t>20.07.2014</a:t>
+              <a:t>21.07.2014</a:t>
             </a:fld>
             <a:endParaRPr lang="de-DE"/>
           </a:p>
@@ -5309,7 +5309,7 @@
           <a:p>
             <a:fld id="{1867D673-17F2-4AAF-8773-56A9AD33FE77}" type="datetimeFigureOut">
               <a:rPr lang="de-DE" smtClean="0"/>
-              <a:t>20.07.2014</a:t>
+              <a:t>21.07.2014</a:t>
             </a:fld>
             <a:endParaRPr lang="de-DE"/>
           </a:p>
@@ -5562,7 +5562,7 @@
           <a:p>
             <a:fld id="{1867D673-17F2-4AAF-8773-56A9AD33FE77}" type="datetimeFigureOut">
               <a:rPr lang="de-DE" smtClean="0"/>
-              <a:t>20.07.2014</a:t>
+              <a:t>21.07.2014</a:t>
             </a:fld>
             <a:endParaRPr lang="de-DE"/>
           </a:p>
@@ -5775,7 +5775,7 @@
           <a:p>
             <a:fld id="{1867D673-17F2-4AAF-8773-56A9AD33FE77}" type="datetimeFigureOut">
               <a:rPr lang="de-DE" smtClean="0"/>
-              <a:t>20.07.2014</a:t>
+              <a:t>21.07.2014</a:t>
             </a:fld>
             <a:endParaRPr lang="de-DE"/>
           </a:p>
@@ -15133,7 +15133,11 @@
             <a:pPr algn="ctr"/>
             <a:r>
               <a:rPr lang="de-DE" dirty="0" smtClean="0"/>
-              <a:t>Forward DFT</a:t>
+              <a:t>Forward </a:t>
+            </a:r>
+            <a:r>
+              <a:rPr lang="de-DE" dirty="0" smtClean="0"/>
+              <a:t>FT</a:t>
             </a:r>
             <a:endParaRPr lang="en-US" dirty="0"/>
           </a:p>
@@ -15177,7 +15181,11 @@
             <a:pPr algn="ctr"/>
             <a:r>
               <a:rPr lang="de-DE" dirty="0" smtClean="0"/>
-              <a:t>Inverse DFT</a:t>
+              <a:t>Inverse </a:t>
+            </a:r>
+            <a:r>
+              <a:rPr lang="de-DE" dirty="0" smtClean="0"/>
+              <a:t>FT</a:t>
             </a:r>
             <a:endParaRPr lang="en-US" dirty="0"/>
           </a:p>

--- a/res/HeartRateMonitor.pptx
+++ b/res/HeartRateMonitor.pptx
@@ -5,7 +5,7 @@
     <p:sldMasterId id="2147483648" r:id="rId1"/>
   </p:sldMasterIdLst>
   <p:notesMasterIdLst>
-    <p:notesMasterId r:id="rId32"/>
+    <p:notesMasterId r:id="rId33"/>
   </p:notesMasterIdLst>
   <p:sldIdLst>
     <p:sldId id="256" r:id="rId2"/>
@@ -38,6 +38,7 @@
     <p:sldId id="284" r:id="rId29"/>
     <p:sldId id="285" r:id="rId30"/>
     <p:sldId id="286" r:id="rId31"/>
+    <p:sldId id="287" r:id="rId32"/>
   </p:sldIdLst>
   <p:sldSz cx="9144000" cy="6858000" type="screen4x3"/>
   <p:notesSz cx="6858000" cy="9144000"/>
@@ -221,7 +222,7 @@
           <a:p>
             <a:fld id="{A6ECA08F-F96F-4BD4-A634-E90DA7FFA32E}" type="datetimeFigureOut">
               <a:rPr lang="en-US" smtClean="0"/>
-              <a:t>7/21/2014</a:t>
+              <a:t>7/22/2014</a:t>
             </a:fld>
             <a:endParaRPr lang="en-US"/>
           </a:p>
@@ -3343,7 +3344,7 @@
           <a:p>
             <a:fld id="{1867D673-17F2-4AAF-8773-56A9AD33FE77}" type="datetimeFigureOut">
               <a:rPr lang="de-DE" smtClean="0"/>
-              <a:t>21.07.2014</a:t>
+              <a:t>22.07.2014</a:t>
             </a:fld>
             <a:endParaRPr lang="de-DE"/>
           </a:p>
@@ -3513,7 +3514,7 @@
           <a:p>
             <a:fld id="{1867D673-17F2-4AAF-8773-56A9AD33FE77}" type="datetimeFigureOut">
               <a:rPr lang="de-DE" smtClean="0"/>
-              <a:t>21.07.2014</a:t>
+              <a:t>22.07.2014</a:t>
             </a:fld>
             <a:endParaRPr lang="de-DE"/>
           </a:p>
@@ -3693,7 +3694,7 @@
           <a:p>
             <a:fld id="{1867D673-17F2-4AAF-8773-56A9AD33FE77}" type="datetimeFigureOut">
               <a:rPr lang="de-DE" smtClean="0"/>
-              <a:t>21.07.2014</a:t>
+              <a:t>22.07.2014</a:t>
             </a:fld>
             <a:endParaRPr lang="de-DE"/>
           </a:p>
@@ -3863,7 +3864,7 @@
           <a:p>
             <a:fld id="{1867D673-17F2-4AAF-8773-56A9AD33FE77}" type="datetimeFigureOut">
               <a:rPr lang="de-DE" smtClean="0"/>
-              <a:t>21.07.2014</a:t>
+              <a:t>22.07.2014</a:t>
             </a:fld>
             <a:endParaRPr lang="de-DE"/>
           </a:p>
@@ -4109,7 +4110,7 @@
           <a:p>
             <a:fld id="{1867D673-17F2-4AAF-8773-56A9AD33FE77}" type="datetimeFigureOut">
               <a:rPr lang="de-DE" smtClean="0"/>
-              <a:t>21.07.2014</a:t>
+              <a:t>22.07.2014</a:t>
             </a:fld>
             <a:endParaRPr lang="de-DE"/>
           </a:p>
@@ -4397,7 +4398,7 @@
           <a:p>
             <a:fld id="{1867D673-17F2-4AAF-8773-56A9AD33FE77}" type="datetimeFigureOut">
               <a:rPr lang="de-DE" smtClean="0"/>
-              <a:t>21.07.2014</a:t>
+              <a:t>22.07.2014</a:t>
             </a:fld>
             <a:endParaRPr lang="de-DE"/>
           </a:p>
@@ -4819,7 +4820,7 @@
           <a:p>
             <a:fld id="{1867D673-17F2-4AAF-8773-56A9AD33FE77}" type="datetimeFigureOut">
               <a:rPr lang="de-DE" smtClean="0"/>
-              <a:t>21.07.2014</a:t>
+              <a:t>22.07.2014</a:t>
             </a:fld>
             <a:endParaRPr lang="de-DE"/>
           </a:p>
@@ -4937,7 +4938,7 @@
           <a:p>
             <a:fld id="{1867D673-17F2-4AAF-8773-56A9AD33FE77}" type="datetimeFigureOut">
               <a:rPr lang="de-DE" smtClean="0"/>
-              <a:t>21.07.2014</a:t>
+              <a:t>22.07.2014</a:t>
             </a:fld>
             <a:endParaRPr lang="de-DE"/>
           </a:p>
@@ -5032,7 +5033,7 @@
           <a:p>
             <a:fld id="{1867D673-17F2-4AAF-8773-56A9AD33FE77}" type="datetimeFigureOut">
               <a:rPr lang="de-DE" smtClean="0"/>
-              <a:t>21.07.2014</a:t>
+              <a:t>22.07.2014</a:t>
             </a:fld>
             <a:endParaRPr lang="de-DE"/>
           </a:p>
@@ -5309,7 +5310,7 @@
           <a:p>
             <a:fld id="{1867D673-17F2-4AAF-8773-56A9AD33FE77}" type="datetimeFigureOut">
               <a:rPr lang="de-DE" smtClean="0"/>
-              <a:t>21.07.2014</a:t>
+              <a:t>22.07.2014</a:t>
             </a:fld>
             <a:endParaRPr lang="de-DE"/>
           </a:p>
@@ -5562,7 +5563,7 @@
           <a:p>
             <a:fld id="{1867D673-17F2-4AAF-8773-56A9AD33FE77}" type="datetimeFigureOut">
               <a:rPr lang="de-DE" smtClean="0"/>
-              <a:t>21.07.2014</a:t>
+              <a:t>22.07.2014</a:t>
             </a:fld>
             <a:endParaRPr lang="de-DE"/>
           </a:p>
@@ -5775,7 +5776,7 @@
           <a:p>
             <a:fld id="{1867D673-17F2-4AAF-8773-56A9AD33FE77}" type="datetimeFigureOut">
               <a:rPr lang="de-DE" smtClean="0"/>
-              <a:t>21.07.2014</a:t>
+              <a:t>22.07.2014</a:t>
             </a:fld>
             <a:endParaRPr lang="de-DE"/>
           </a:p>
@@ -15133,11 +15134,7 @@
             <a:pPr algn="ctr"/>
             <a:r>
               <a:rPr lang="de-DE" dirty="0" smtClean="0"/>
-              <a:t>Forward </a:t>
-            </a:r>
-            <a:r>
-              <a:rPr lang="de-DE" dirty="0" smtClean="0"/>
-              <a:t>FT</a:t>
+              <a:t>Forward FT</a:t>
             </a:r>
             <a:endParaRPr lang="en-US" dirty="0"/>
           </a:p>
@@ -15181,11 +15178,7 @@
             <a:pPr algn="ctr"/>
             <a:r>
               <a:rPr lang="de-DE" dirty="0" smtClean="0"/>
-              <a:t>Inverse </a:t>
-            </a:r>
-            <a:r>
-              <a:rPr lang="de-DE" dirty="0" smtClean="0"/>
-              <a:t>FT</a:t>
+              <a:t>Inverse FT</a:t>
             </a:r>
             <a:endParaRPr lang="en-US" dirty="0"/>
           </a:p>
@@ -17901,6 +17894,326 @@
 </p:sld>
 </file>
 
+<file path=ppt/slides/slide31.xml><?xml version="1.0" encoding="utf-8"?>
+<p:sld xmlns:a="http://schemas.openxmlformats.org/drawingml/2006/main" xmlns:r="http://schemas.openxmlformats.org/officeDocument/2006/relationships" xmlns:p="http://schemas.openxmlformats.org/presentationml/2006/main">
+  <p:cSld>
+    <p:spTree>
+      <p:nvGrpSpPr>
+        <p:cNvPr id="1" name=""/>
+        <p:cNvGrpSpPr/>
+        <p:nvPr/>
+      </p:nvGrpSpPr>
+      <p:grpSpPr>
+        <a:xfrm>
+          <a:off x="0" y="0"/>
+          <a:ext cx="0" cy="0"/>
+          <a:chOff x="0" y="0"/>
+          <a:chExt cx="0" cy="0"/>
+        </a:xfrm>
+      </p:grpSpPr>
+      <p:pic>
+        <p:nvPicPr>
+          <p:cNvPr id="1026" name="Picture 2" descr="E:\Data\HTWG\Semester 6\Ubicom\Documentation\images\prototype.jpg"/>
+          <p:cNvPicPr>
+            <a:picLocks noChangeAspect="1" noChangeArrowheads="1"/>
+          </p:cNvPicPr>
+          <p:nvPr/>
+        </p:nvPicPr>
+        <p:blipFill>
+          <a:blip r:embed="rId2" cstate="print">
+            <a:extLst>
+              <a:ext uri="{28A0092B-C50C-407E-A947-70E740481C1C}">
+                <a14:useLocalDpi xmlns:a14="http://schemas.microsoft.com/office/drawing/2010/main" val="0"/>
+              </a:ext>
+            </a:extLst>
+          </a:blip>
+          <a:srcRect/>
+          <a:stretch>
+            <a:fillRect/>
+          </a:stretch>
+        </p:blipFill>
+        <p:spPr bwMode="auto">
+          <a:xfrm>
+            <a:off x="251520" y="998730"/>
+            <a:ext cx="8640960" cy="4860541"/>
+          </a:xfrm>
+          <a:prstGeom prst="rect">
+            <a:avLst/>
+          </a:prstGeom>
+          <a:noFill/>
+          <a:extLst>
+            <a:ext uri="{909E8E84-426E-40DD-AFC4-6F175D3DCCD1}">
+              <a14:hiddenFill xmlns:a14="http://schemas.microsoft.com/office/drawing/2010/main">
+                <a:solidFill>
+                  <a:srgbClr val="FFFFFF"/>
+                </a:solidFill>
+              </a14:hiddenFill>
+            </a:ext>
+          </a:extLst>
+        </p:spPr>
+      </p:pic>
+      <p:sp>
+        <p:nvSpPr>
+          <p:cNvPr id="4" name="Textfeld 3"/>
+          <p:cNvSpPr txBox="1"/>
+          <p:nvPr/>
+        </p:nvSpPr>
+        <p:spPr>
+          <a:xfrm>
+            <a:off x="5486085" y="4066044"/>
+            <a:ext cx="948465" cy="369332"/>
+          </a:xfrm>
+          <a:prstGeom prst="rect">
+            <a:avLst/>
+          </a:prstGeom>
+        </p:spPr>
+        <p:style>
+          <a:lnRef idx="3">
+            <a:schemeClr val="lt1"/>
+          </a:lnRef>
+          <a:fillRef idx="1">
+            <a:schemeClr val="accent3"/>
+          </a:fillRef>
+          <a:effectRef idx="1">
+            <a:schemeClr val="accent3"/>
+          </a:effectRef>
+          <a:fontRef idx="minor">
+            <a:schemeClr val="lt1"/>
+          </a:fontRef>
+        </p:style>
+        <p:txBody>
+          <a:bodyPr wrap="none" rtlCol="0">
+            <a:spAutoFit/>
+          </a:bodyPr>
+          <a:lstStyle/>
+          <a:p>
+            <a:r>
+              <a:rPr lang="de-DE" dirty="0" err="1" smtClean="0"/>
+              <a:t>Red</a:t>
+            </a:r>
+            <a:r>
+              <a:rPr lang="de-DE" dirty="0" smtClean="0"/>
+              <a:t> LED</a:t>
+            </a:r>
+            <a:endParaRPr lang="en-US" dirty="0"/>
+          </a:p>
+        </p:txBody>
+      </p:sp>
+      <p:sp>
+        <p:nvSpPr>
+          <p:cNvPr id="5" name="Textfeld 4"/>
+          <p:cNvSpPr txBox="1"/>
+          <p:nvPr/>
+        </p:nvSpPr>
+        <p:spPr>
+          <a:xfrm>
+            <a:off x="755576" y="5053568"/>
+            <a:ext cx="1896673" cy="369332"/>
+          </a:xfrm>
+          <a:prstGeom prst="rect">
+            <a:avLst/>
+          </a:prstGeom>
+        </p:spPr>
+        <p:style>
+          <a:lnRef idx="3">
+            <a:schemeClr val="lt1"/>
+          </a:lnRef>
+          <a:fillRef idx="1">
+            <a:schemeClr val="accent3"/>
+          </a:fillRef>
+          <a:effectRef idx="1">
+            <a:schemeClr val="accent3"/>
+          </a:effectRef>
+          <a:fontRef idx="minor">
+            <a:schemeClr val="lt1"/>
+          </a:fontRef>
+        </p:style>
+        <p:txBody>
+          <a:bodyPr wrap="none" rtlCol="0">
+            <a:spAutoFit/>
+          </a:bodyPr>
+          <a:lstStyle/>
+          <a:p>
+            <a:r>
+              <a:rPr lang="de-DE" dirty="0" err="1" smtClean="0"/>
+              <a:t>Luminosity</a:t>
+            </a:r>
+            <a:r>
+              <a:rPr lang="de-DE" dirty="0" smtClean="0"/>
+              <a:t> Sensor</a:t>
+            </a:r>
+            <a:endParaRPr lang="en-US" dirty="0"/>
+          </a:p>
+        </p:txBody>
+      </p:sp>
+      <p:cxnSp>
+        <p:nvCxnSpPr>
+          <p:cNvPr id="7" name="Gerade Verbindung mit Pfeil 6"/>
+          <p:cNvCxnSpPr>
+            <a:stCxn id="5" idx="3"/>
+          </p:cNvCxnSpPr>
+          <p:nvPr/>
+        </p:nvCxnSpPr>
+        <p:spPr>
+          <a:xfrm flipV="1">
+            <a:off x="2652249" y="3717032"/>
+            <a:ext cx="695615" cy="1521202"/>
+          </a:xfrm>
+          <a:prstGeom prst="straightConnector1">
+            <a:avLst/>
+          </a:prstGeom>
+          <a:ln>
+            <a:tailEnd type="arrow"/>
+          </a:ln>
+        </p:spPr>
+        <p:style>
+          <a:lnRef idx="3">
+            <a:schemeClr val="accent3"/>
+          </a:lnRef>
+          <a:fillRef idx="0">
+            <a:schemeClr val="accent3"/>
+          </a:fillRef>
+          <a:effectRef idx="2">
+            <a:schemeClr val="accent3"/>
+          </a:effectRef>
+          <a:fontRef idx="minor">
+            <a:schemeClr val="tx1"/>
+          </a:fontRef>
+        </p:style>
+      </p:cxnSp>
+      <p:cxnSp>
+        <p:nvCxnSpPr>
+          <p:cNvPr id="9" name="Gerade Verbindung mit Pfeil 8"/>
+          <p:cNvCxnSpPr>
+            <a:stCxn id="4" idx="1"/>
+          </p:cNvCxnSpPr>
+          <p:nvPr/>
+        </p:nvCxnSpPr>
+        <p:spPr>
+          <a:xfrm flipH="1" flipV="1">
+            <a:off x="3347865" y="3140968"/>
+            <a:ext cx="2138220" cy="1109742"/>
+          </a:xfrm>
+          <a:prstGeom prst="straightConnector1">
+            <a:avLst/>
+          </a:prstGeom>
+          <a:ln>
+            <a:tailEnd type="arrow"/>
+          </a:ln>
+        </p:spPr>
+        <p:style>
+          <a:lnRef idx="3">
+            <a:schemeClr val="accent3"/>
+          </a:lnRef>
+          <a:fillRef idx="0">
+            <a:schemeClr val="accent3"/>
+          </a:fillRef>
+          <a:effectRef idx="2">
+            <a:schemeClr val="accent3"/>
+          </a:effectRef>
+          <a:fontRef idx="minor">
+            <a:schemeClr val="tx1"/>
+          </a:fontRef>
+        </p:style>
+      </p:cxnSp>
+      <p:sp>
+        <p:nvSpPr>
+          <p:cNvPr id="13" name="Textfeld 12"/>
+          <p:cNvSpPr txBox="1"/>
+          <p:nvPr/>
+        </p:nvSpPr>
+        <p:spPr>
+          <a:xfrm>
+            <a:off x="323528" y="1124744"/>
+            <a:ext cx="1826077" cy="923330"/>
+          </a:xfrm>
+          <a:prstGeom prst="rect">
+            <a:avLst/>
+          </a:prstGeom>
+        </p:spPr>
+        <p:style>
+          <a:lnRef idx="3">
+            <a:schemeClr val="lt1"/>
+          </a:lnRef>
+          <a:fillRef idx="1">
+            <a:schemeClr val="accent3"/>
+          </a:fillRef>
+          <a:effectRef idx="1">
+            <a:schemeClr val="accent3"/>
+          </a:effectRef>
+          <a:fontRef idx="minor">
+            <a:schemeClr val="lt1"/>
+          </a:fontRef>
+        </p:style>
+        <p:txBody>
+          <a:bodyPr wrap="none" rtlCol="0">
+            <a:spAutoFit/>
+          </a:bodyPr>
+          <a:lstStyle/>
+          <a:p>
+            <a:r>
+              <a:rPr lang="de-DE" dirty="0" smtClean="0"/>
+              <a:t>Finger </a:t>
+            </a:r>
+            <a:r>
+              <a:rPr lang="de-DE" dirty="0" err="1" smtClean="0"/>
+              <a:t>is</a:t>
+            </a:r>
+            <a:r>
+              <a:rPr lang="de-DE" dirty="0" smtClean="0"/>
+              <a:t> </a:t>
+            </a:r>
+            <a:r>
+              <a:rPr lang="de-DE" dirty="0" err="1" smtClean="0"/>
+              <a:t>placed</a:t>
+            </a:r>
+            <a:endParaRPr lang="de-DE" dirty="0" smtClean="0"/>
+          </a:p>
+          <a:p>
+            <a:r>
+              <a:rPr lang="de-DE" dirty="0" err="1"/>
+              <a:t>b</a:t>
+            </a:r>
+            <a:r>
+              <a:rPr lang="de-DE" dirty="0" err="1" smtClean="0"/>
+              <a:t>etween</a:t>
+            </a:r>
+            <a:r>
+              <a:rPr lang="de-DE" dirty="0" smtClean="0"/>
+              <a:t> LED </a:t>
+            </a:r>
+            <a:r>
+              <a:rPr lang="de-DE" dirty="0" err="1" smtClean="0"/>
+              <a:t>and</a:t>
+            </a:r>
+            <a:endParaRPr lang="de-DE" dirty="0" smtClean="0"/>
+          </a:p>
+          <a:p>
+            <a:r>
+              <a:rPr lang="de-DE" dirty="0" err="1"/>
+              <a:t>s</a:t>
+            </a:r>
+            <a:r>
+              <a:rPr lang="de-DE" dirty="0" err="1" smtClean="0"/>
+              <a:t>ensor</a:t>
+            </a:r>
+            <a:endParaRPr lang="en-US" dirty="0"/>
+          </a:p>
+        </p:txBody>
+      </p:sp>
+    </p:spTree>
+    <p:extLst>
+      <p:ext uri="{BB962C8B-B14F-4D97-AF65-F5344CB8AC3E}">
+        <p14:creationId xmlns:p14="http://schemas.microsoft.com/office/powerpoint/2010/main" val="2818344663"/>
+      </p:ext>
+    </p:extLst>
+  </p:cSld>
+  <p:clrMapOvr>
+    <a:masterClrMapping/>
+  </p:clrMapOvr>
+</p:sld>
+</file>
+
 <file path=ppt/slides/slide4.xml><?xml version="1.0" encoding="utf-8"?>
 <p:sld xmlns:a="http://schemas.openxmlformats.org/drawingml/2006/main" xmlns:r="http://schemas.openxmlformats.org/officeDocument/2006/relationships" xmlns:p="http://schemas.openxmlformats.org/presentationml/2006/main">
   <p:cSld>

--- a/res/HeartRateMonitor.pptx
+++ b/res/HeartRateMonitor.pptx
@@ -17913,7 +17913,7 @@
       </p:grpSpPr>
       <p:pic>
         <p:nvPicPr>
-          <p:cNvPr id="1026" name="Picture 2" descr="E:\Data\HTWG\Semester 6\Ubicom\Documentation\images\prototype.jpg"/>
+          <p:cNvPr id="2" name="Picture 2" descr="E:\Data\HTWG\Semester 6\Ubicom\Documentation\images\prototype.jpg"/>
           <p:cNvPicPr>
             <a:picLocks noChangeAspect="1" noChangeArrowheads="1"/>
           </p:cNvPicPr>
@@ -17934,8 +17934,8 @@
         </p:blipFill>
         <p:spPr bwMode="auto">
           <a:xfrm>
-            <a:off x="251520" y="998730"/>
-            <a:ext cx="8640960" cy="4860541"/>
+            <a:off x="647564" y="350596"/>
+            <a:ext cx="7848872" cy="6156808"/>
           </a:xfrm>
           <a:prstGeom prst="rect">
             <a:avLst/>
@@ -17960,7 +17960,7 @@
         </p:nvSpPr>
         <p:spPr>
           <a:xfrm>
-            <a:off x="5486085" y="4066044"/>
+            <a:off x="5286673" y="4581128"/>
             <a:ext cx="948465" cy="369332"/>
           </a:xfrm>
           <a:prstGeom prst="rect">
@@ -18007,7 +18007,7 @@
         </p:nvSpPr>
         <p:spPr>
           <a:xfrm>
-            <a:off x="755576" y="5053568"/>
+            <a:off x="777548" y="5998378"/>
             <a:ext cx="1896673" cy="369332"/>
           </a:xfrm>
           <a:prstGeom prst="rect">
@@ -18050,14 +18050,14 @@
         <p:nvCxnSpPr>
           <p:cNvPr id="7" name="Gerade Verbindung mit Pfeil 6"/>
           <p:cNvCxnSpPr>
-            <a:stCxn id="5" idx="3"/>
+            <a:stCxn id="5" idx="0"/>
           </p:cNvCxnSpPr>
           <p:nvPr/>
         </p:nvCxnSpPr>
         <p:spPr>
           <a:xfrm flipV="1">
-            <a:off x="2652249" y="3717032"/>
-            <a:ext cx="695615" cy="1521202"/>
+            <a:off x="1725885" y="4221088"/>
+            <a:ext cx="757883" cy="1777290"/>
           </a:xfrm>
           <a:prstGeom prst="straightConnector1">
             <a:avLst/>
@@ -18091,8 +18091,8 @@
         </p:nvCxnSpPr>
         <p:spPr>
           <a:xfrm flipH="1" flipV="1">
-            <a:off x="3347865" y="3140968"/>
-            <a:ext cx="2138220" cy="1109742"/>
+            <a:off x="2555776" y="3501008"/>
+            <a:ext cx="2730897" cy="1264786"/>
           </a:xfrm>
           <a:prstGeom prst="straightConnector1">
             <a:avLst/>
@@ -18124,7 +18124,7 @@
         </p:nvSpPr>
         <p:spPr>
           <a:xfrm>
-            <a:off x="323528" y="1124744"/>
+            <a:off x="6444208" y="5444380"/>
             <a:ext cx="1826077" cy="923330"/>
           </a:xfrm>
           <a:prstGeom prst="rect">

--- a/res/HeartRateMonitor.pptx
+++ b/res/HeartRateMonitor.pptx
@@ -222,7 +222,7 @@
           <a:p>
             <a:fld id="{A6ECA08F-F96F-4BD4-A634-E90DA7FFA32E}" type="datetimeFigureOut">
               <a:rPr lang="en-US" smtClean="0"/>
-              <a:t>7/22/2014</a:t>
+              <a:t>7/23/2014</a:t>
             </a:fld>
             <a:endParaRPr lang="en-US"/>
           </a:p>
@@ -3344,7 +3344,7 @@
           <a:p>
             <a:fld id="{1867D673-17F2-4AAF-8773-56A9AD33FE77}" type="datetimeFigureOut">
               <a:rPr lang="de-DE" smtClean="0"/>
-              <a:t>22.07.2014</a:t>
+              <a:t>23.07.2014</a:t>
             </a:fld>
             <a:endParaRPr lang="de-DE"/>
           </a:p>
@@ -3514,7 +3514,7 @@
           <a:p>
             <a:fld id="{1867D673-17F2-4AAF-8773-56A9AD33FE77}" type="datetimeFigureOut">
               <a:rPr lang="de-DE" smtClean="0"/>
-              <a:t>22.07.2014</a:t>
+              <a:t>23.07.2014</a:t>
             </a:fld>
             <a:endParaRPr lang="de-DE"/>
           </a:p>
@@ -3694,7 +3694,7 @@
           <a:p>
             <a:fld id="{1867D673-17F2-4AAF-8773-56A9AD33FE77}" type="datetimeFigureOut">
               <a:rPr lang="de-DE" smtClean="0"/>
-              <a:t>22.07.2014</a:t>
+              <a:t>23.07.2014</a:t>
             </a:fld>
             <a:endParaRPr lang="de-DE"/>
           </a:p>
@@ -3864,7 +3864,7 @@
           <a:p>
             <a:fld id="{1867D673-17F2-4AAF-8773-56A9AD33FE77}" type="datetimeFigureOut">
               <a:rPr lang="de-DE" smtClean="0"/>
-              <a:t>22.07.2014</a:t>
+              <a:t>23.07.2014</a:t>
             </a:fld>
             <a:endParaRPr lang="de-DE"/>
           </a:p>
@@ -4110,7 +4110,7 @@
           <a:p>
             <a:fld id="{1867D673-17F2-4AAF-8773-56A9AD33FE77}" type="datetimeFigureOut">
               <a:rPr lang="de-DE" smtClean="0"/>
-              <a:t>22.07.2014</a:t>
+              <a:t>23.07.2014</a:t>
             </a:fld>
             <a:endParaRPr lang="de-DE"/>
           </a:p>
@@ -4398,7 +4398,7 @@
           <a:p>
             <a:fld id="{1867D673-17F2-4AAF-8773-56A9AD33FE77}" type="datetimeFigureOut">
               <a:rPr lang="de-DE" smtClean="0"/>
-              <a:t>22.07.2014</a:t>
+              <a:t>23.07.2014</a:t>
             </a:fld>
             <a:endParaRPr lang="de-DE"/>
           </a:p>
@@ -4820,7 +4820,7 @@
           <a:p>
             <a:fld id="{1867D673-17F2-4AAF-8773-56A9AD33FE77}" type="datetimeFigureOut">
               <a:rPr lang="de-DE" smtClean="0"/>
-              <a:t>22.07.2014</a:t>
+              <a:t>23.07.2014</a:t>
             </a:fld>
             <a:endParaRPr lang="de-DE"/>
           </a:p>
@@ -4938,7 +4938,7 @@
           <a:p>
             <a:fld id="{1867D673-17F2-4AAF-8773-56A9AD33FE77}" type="datetimeFigureOut">
               <a:rPr lang="de-DE" smtClean="0"/>
-              <a:t>22.07.2014</a:t>
+              <a:t>23.07.2014</a:t>
             </a:fld>
             <a:endParaRPr lang="de-DE"/>
           </a:p>
@@ -5033,7 +5033,7 @@
           <a:p>
             <a:fld id="{1867D673-17F2-4AAF-8773-56A9AD33FE77}" type="datetimeFigureOut">
               <a:rPr lang="de-DE" smtClean="0"/>
-              <a:t>22.07.2014</a:t>
+              <a:t>23.07.2014</a:t>
             </a:fld>
             <a:endParaRPr lang="de-DE"/>
           </a:p>
@@ -5310,7 +5310,7 @@
           <a:p>
             <a:fld id="{1867D673-17F2-4AAF-8773-56A9AD33FE77}" type="datetimeFigureOut">
               <a:rPr lang="de-DE" smtClean="0"/>
-              <a:t>22.07.2014</a:t>
+              <a:t>23.07.2014</a:t>
             </a:fld>
             <a:endParaRPr lang="de-DE"/>
           </a:p>
@@ -5563,7 +5563,7 @@
           <a:p>
             <a:fld id="{1867D673-17F2-4AAF-8773-56A9AD33FE77}" type="datetimeFigureOut">
               <a:rPr lang="de-DE" smtClean="0"/>
-              <a:t>22.07.2014</a:t>
+              <a:t>23.07.2014</a:t>
             </a:fld>
             <a:endParaRPr lang="de-DE"/>
           </a:p>
@@ -5776,7 +5776,7 @@
           <a:p>
             <a:fld id="{1867D673-17F2-4AAF-8773-56A9AD33FE77}" type="datetimeFigureOut">
               <a:rPr lang="de-DE" smtClean="0"/>
-              <a:t>22.07.2014</a:t>
+              <a:t>23.07.2014</a:t>
             </a:fld>
             <a:endParaRPr lang="de-DE"/>
           </a:p>
@@ -15096,193 +15096,208 @@
           <a:chExt cx="0" cy="0"/>
         </a:xfrm>
       </p:grpSpPr>
-      <p:sp>
-        <p:nvSpPr>
-          <p:cNvPr id="4" name="Pfeil nach rechts 3"/>
-          <p:cNvSpPr/>
+      <p:grpSp>
+        <p:nvGrpSpPr>
+          <p:cNvPr id="2" name="Gruppieren 1"/>
+          <p:cNvGrpSpPr/>
           <p:nvPr/>
-        </p:nvSpPr>
-        <p:spPr>
+        </p:nvGrpSpPr>
+        <p:grpSpPr>
           <a:xfrm>
-            <a:off x="3563888" y="2940385"/>
-            <a:ext cx="1944216" cy="504056"/>
+            <a:off x="2087724" y="2860657"/>
+            <a:ext cx="4968552" cy="1136687"/>
+            <a:chOff x="2051720" y="2940385"/>
+            <a:chExt cx="4968552" cy="1136687"/>
           </a:xfrm>
-          <a:prstGeom prst="rightArrow">
-            <a:avLst/>
-          </a:prstGeom>
-        </p:spPr>
-        <p:style>
-          <a:lnRef idx="2">
-            <a:schemeClr val="accent1">
-              <a:shade val="50000"/>
-            </a:schemeClr>
-          </a:lnRef>
-          <a:fillRef idx="1">
-            <a:schemeClr val="accent1"/>
-          </a:fillRef>
-          <a:effectRef idx="0">
-            <a:schemeClr val="accent1"/>
-          </a:effectRef>
-          <a:fontRef idx="minor">
-            <a:schemeClr val="lt1"/>
-          </a:fontRef>
-        </p:style>
-        <p:txBody>
-          <a:bodyPr rtlCol="0" anchor="ctr"/>
-          <a:lstStyle/>
-          <a:p>
-            <a:pPr algn="ctr"/>
-            <a:r>
-              <a:rPr lang="de-DE" dirty="0" smtClean="0"/>
-              <a:t>Forward FT</a:t>
-            </a:r>
-            <a:endParaRPr lang="en-US" dirty="0"/>
-          </a:p>
-        </p:txBody>
-      </p:sp>
-      <p:sp>
-        <p:nvSpPr>
-          <p:cNvPr id="6" name="Pfeil nach links 5"/>
-          <p:cNvSpPr/>
-          <p:nvPr/>
-        </p:nvSpPr>
-        <p:spPr>
-          <a:xfrm>
-            <a:off x="3563888" y="3573016"/>
-            <a:ext cx="1944216" cy="504056"/>
-          </a:xfrm>
-          <a:prstGeom prst="leftArrow">
-            <a:avLst/>
-          </a:prstGeom>
-        </p:spPr>
-        <p:style>
-          <a:lnRef idx="2">
-            <a:schemeClr val="accent1">
-              <a:shade val="50000"/>
-            </a:schemeClr>
-          </a:lnRef>
-          <a:fillRef idx="1">
-            <a:schemeClr val="accent1"/>
-          </a:fillRef>
-          <a:effectRef idx="0">
-            <a:schemeClr val="accent1"/>
-          </a:effectRef>
-          <a:fontRef idx="minor">
-            <a:schemeClr val="lt1"/>
-          </a:fontRef>
-        </p:style>
-        <p:txBody>
-          <a:bodyPr rtlCol="0" anchor="ctr"/>
-          <a:lstStyle/>
-          <a:p>
-            <a:pPr algn="ctr"/>
-            <a:r>
-              <a:rPr lang="de-DE" dirty="0" smtClean="0"/>
-              <a:t>Inverse FT</a:t>
-            </a:r>
-            <a:endParaRPr lang="en-US" dirty="0"/>
-          </a:p>
-        </p:txBody>
-      </p:sp>
-      <p:sp>
-        <p:nvSpPr>
-          <p:cNvPr id="7" name="Abgerundetes Rechteck 6"/>
-          <p:cNvSpPr/>
-          <p:nvPr/>
-        </p:nvSpPr>
-        <p:spPr>
-          <a:xfrm>
-            <a:off x="2051720" y="2940385"/>
-            <a:ext cx="1296144" cy="1136687"/>
-          </a:xfrm>
-          <a:prstGeom prst="roundRect">
-            <a:avLst/>
-          </a:prstGeom>
-        </p:spPr>
-        <p:style>
-          <a:lnRef idx="2">
-            <a:schemeClr val="accent3">
-              <a:shade val="50000"/>
-            </a:schemeClr>
-          </a:lnRef>
-          <a:fillRef idx="1">
-            <a:schemeClr val="accent3"/>
-          </a:fillRef>
-          <a:effectRef idx="0">
-            <a:schemeClr val="accent3"/>
-          </a:effectRef>
-          <a:fontRef idx="minor">
-            <a:schemeClr val="lt1"/>
-          </a:fontRef>
-        </p:style>
-        <p:txBody>
-          <a:bodyPr rtlCol="0" anchor="ctr"/>
-          <a:lstStyle/>
-          <a:p>
-            <a:pPr algn="ctr"/>
-            <a:r>
-              <a:rPr lang="de-DE" dirty="0" smtClean="0"/>
-              <a:t>Time</a:t>
-            </a:r>
-          </a:p>
-          <a:p>
-            <a:pPr algn="ctr"/>
-            <a:r>
-              <a:rPr lang="de-DE" dirty="0" smtClean="0"/>
-              <a:t>Domain</a:t>
-            </a:r>
-            <a:endParaRPr lang="en-US" dirty="0"/>
-          </a:p>
-        </p:txBody>
-      </p:sp>
-      <p:sp>
-        <p:nvSpPr>
-          <p:cNvPr id="8" name="Abgerundetes Rechteck 7"/>
-          <p:cNvSpPr/>
-          <p:nvPr/>
-        </p:nvSpPr>
-        <p:spPr>
-          <a:xfrm>
-            <a:off x="5724128" y="2940385"/>
-            <a:ext cx="1296144" cy="1136687"/>
-          </a:xfrm>
-          <a:prstGeom prst="roundRect">
-            <a:avLst/>
-          </a:prstGeom>
-        </p:spPr>
-        <p:style>
-          <a:lnRef idx="2">
-            <a:schemeClr val="accent3">
-              <a:shade val="50000"/>
-            </a:schemeClr>
-          </a:lnRef>
-          <a:fillRef idx="1">
-            <a:schemeClr val="accent3"/>
-          </a:fillRef>
-          <a:effectRef idx="0">
-            <a:schemeClr val="accent3"/>
-          </a:effectRef>
-          <a:fontRef idx="minor">
-            <a:schemeClr val="lt1"/>
-          </a:fontRef>
-        </p:style>
-        <p:txBody>
-          <a:bodyPr rtlCol="0" anchor="ctr"/>
-          <a:lstStyle/>
-          <a:p>
-            <a:pPr algn="ctr"/>
-            <a:r>
-              <a:rPr lang="de-DE" dirty="0" err="1" smtClean="0"/>
-              <a:t>Frequency</a:t>
-            </a:r>
-            <a:r>
-              <a:rPr lang="de-DE" dirty="0" smtClean="0"/>
-              <a:t> Domain</a:t>
-            </a:r>
-            <a:endParaRPr lang="en-US" dirty="0"/>
-          </a:p>
-        </p:txBody>
-      </p:sp>
+        </p:grpSpPr>
+        <p:sp>
+          <p:nvSpPr>
+            <p:cNvPr id="4" name="Pfeil nach rechts 3"/>
+            <p:cNvSpPr/>
+            <p:nvPr/>
+          </p:nvSpPr>
+          <p:spPr>
+            <a:xfrm>
+              <a:off x="3563888" y="2940385"/>
+              <a:ext cx="1944216" cy="504056"/>
+            </a:xfrm>
+            <a:prstGeom prst="rightArrow">
+              <a:avLst/>
+            </a:prstGeom>
+          </p:spPr>
+          <p:style>
+            <a:lnRef idx="2">
+              <a:schemeClr val="accent1">
+                <a:shade val="50000"/>
+              </a:schemeClr>
+            </a:lnRef>
+            <a:fillRef idx="1">
+              <a:schemeClr val="accent1"/>
+            </a:fillRef>
+            <a:effectRef idx="0">
+              <a:schemeClr val="accent1"/>
+            </a:effectRef>
+            <a:fontRef idx="minor">
+              <a:schemeClr val="lt1"/>
+            </a:fontRef>
+          </p:style>
+          <p:txBody>
+            <a:bodyPr rtlCol="0" anchor="ctr"/>
+            <a:lstStyle/>
+            <a:p>
+              <a:pPr algn="ctr"/>
+              <a:r>
+                <a:rPr lang="de-DE" dirty="0" smtClean="0"/>
+                <a:t>Forward FT</a:t>
+              </a:r>
+              <a:endParaRPr lang="en-US" dirty="0"/>
+            </a:p>
+          </p:txBody>
+        </p:sp>
+        <p:sp>
+          <p:nvSpPr>
+            <p:cNvPr id="6" name="Pfeil nach links 5"/>
+            <p:cNvSpPr/>
+            <p:nvPr/>
+          </p:nvSpPr>
+          <p:spPr>
+            <a:xfrm>
+              <a:off x="3563888" y="3573016"/>
+              <a:ext cx="1944216" cy="504056"/>
+            </a:xfrm>
+            <a:prstGeom prst="leftArrow">
+              <a:avLst/>
+            </a:prstGeom>
+          </p:spPr>
+          <p:style>
+            <a:lnRef idx="2">
+              <a:schemeClr val="accent1">
+                <a:shade val="50000"/>
+              </a:schemeClr>
+            </a:lnRef>
+            <a:fillRef idx="1">
+              <a:schemeClr val="accent1"/>
+            </a:fillRef>
+            <a:effectRef idx="0">
+              <a:schemeClr val="accent1"/>
+            </a:effectRef>
+            <a:fontRef idx="minor">
+              <a:schemeClr val="lt1"/>
+            </a:fontRef>
+          </p:style>
+          <p:txBody>
+            <a:bodyPr rtlCol="0" anchor="ctr"/>
+            <a:lstStyle/>
+            <a:p>
+              <a:pPr algn="ctr"/>
+              <a:r>
+                <a:rPr lang="de-DE" dirty="0" smtClean="0"/>
+                <a:t>Inverse FT</a:t>
+              </a:r>
+              <a:endParaRPr lang="en-US" dirty="0"/>
+            </a:p>
+          </p:txBody>
+        </p:sp>
+        <p:sp>
+          <p:nvSpPr>
+            <p:cNvPr id="7" name="Abgerundetes Rechteck 6"/>
+            <p:cNvSpPr/>
+            <p:nvPr/>
+          </p:nvSpPr>
+          <p:spPr>
+            <a:xfrm>
+              <a:off x="2051720" y="2940385"/>
+              <a:ext cx="1296144" cy="1136687"/>
+            </a:xfrm>
+            <a:prstGeom prst="roundRect">
+              <a:avLst/>
+            </a:prstGeom>
+          </p:spPr>
+          <p:style>
+            <a:lnRef idx="2">
+              <a:schemeClr val="accent3">
+                <a:shade val="50000"/>
+              </a:schemeClr>
+            </a:lnRef>
+            <a:fillRef idx="1">
+              <a:schemeClr val="accent3"/>
+            </a:fillRef>
+            <a:effectRef idx="0">
+              <a:schemeClr val="accent3"/>
+            </a:effectRef>
+            <a:fontRef idx="minor">
+              <a:schemeClr val="lt1"/>
+            </a:fontRef>
+          </p:style>
+          <p:txBody>
+            <a:bodyPr rtlCol="0" anchor="ctr"/>
+            <a:lstStyle/>
+            <a:p>
+              <a:pPr algn="ctr"/>
+              <a:r>
+                <a:rPr lang="de-DE" dirty="0" smtClean="0"/>
+                <a:t>Time</a:t>
+              </a:r>
+            </a:p>
+            <a:p>
+              <a:pPr algn="ctr"/>
+              <a:r>
+                <a:rPr lang="de-DE" dirty="0" smtClean="0"/>
+                <a:t>Domain</a:t>
+              </a:r>
+              <a:endParaRPr lang="en-US" dirty="0"/>
+            </a:p>
+          </p:txBody>
+        </p:sp>
+        <p:sp>
+          <p:nvSpPr>
+            <p:cNvPr id="8" name="Abgerundetes Rechteck 7"/>
+            <p:cNvSpPr/>
+            <p:nvPr/>
+          </p:nvSpPr>
+          <p:spPr>
+            <a:xfrm>
+              <a:off x="5724128" y="2940385"/>
+              <a:ext cx="1296144" cy="1136687"/>
+            </a:xfrm>
+            <a:prstGeom prst="roundRect">
+              <a:avLst/>
+            </a:prstGeom>
+          </p:spPr>
+          <p:style>
+            <a:lnRef idx="2">
+              <a:schemeClr val="accent3">
+                <a:shade val="50000"/>
+              </a:schemeClr>
+            </a:lnRef>
+            <a:fillRef idx="1">
+              <a:schemeClr val="accent3"/>
+            </a:fillRef>
+            <a:effectRef idx="0">
+              <a:schemeClr val="accent3"/>
+            </a:effectRef>
+            <a:fontRef idx="minor">
+              <a:schemeClr val="lt1"/>
+            </a:fontRef>
+          </p:style>
+          <p:txBody>
+            <a:bodyPr rtlCol="0" anchor="ctr"/>
+            <a:lstStyle/>
+            <a:p>
+              <a:pPr algn="ctr"/>
+              <a:r>
+                <a:rPr lang="de-DE" dirty="0" err="1" smtClean="0"/>
+                <a:t>Frequency</a:t>
+              </a:r>
+              <a:r>
+                <a:rPr lang="de-DE" dirty="0" smtClean="0"/>
+                <a:t> Domain</a:t>
+              </a:r>
+              <a:endParaRPr lang="en-US" dirty="0"/>
+            </a:p>
+          </p:txBody>
+        </p:sp>
+      </p:grpSp>
     </p:spTree>
     <p:extLst>
       <p:ext uri="{BB962C8B-B14F-4D97-AF65-F5344CB8AC3E}">
@@ -15313,730 +15328,745 @@
           <a:chExt cx="0" cy="0"/>
         </a:xfrm>
       </p:grpSpPr>
-      <p:sp>
-        <p:nvSpPr>
-          <p:cNvPr id="4" name="Rechteck 3"/>
-          <p:cNvSpPr/>
+      <p:grpSp>
+        <p:nvGrpSpPr>
+          <p:cNvPr id="2" name="Gruppieren 1"/>
+          <p:cNvGrpSpPr/>
           <p:nvPr/>
-        </p:nvSpPr>
-        <p:spPr>
+        </p:nvGrpSpPr>
+        <p:grpSpPr>
           <a:xfrm>
-            <a:off x="1712608" y="2097901"/>
-            <a:ext cx="4220093" cy="467003"/>
+            <a:off x="121047" y="1227745"/>
+            <a:ext cx="8901907" cy="4402511"/>
+            <a:chOff x="62581" y="1700077"/>
+            <a:chExt cx="8901907" cy="4402511"/>
           </a:xfrm>
-          <a:prstGeom prst="rect">
-            <a:avLst/>
-          </a:prstGeom>
-        </p:spPr>
-        <p:style>
-          <a:lnRef idx="2">
-            <a:schemeClr val="accent1">
-              <a:shade val="50000"/>
-            </a:schemeClr>
-          </a:lnRef>
-          <a:fillRef idx="1">
-            <a:schemeClr val="accent1"/>
-          </a:fillRef>
-          <a:effectRef idx="0">
-            <a:schemeClr val="accent1"/>
-          </a:effectRef>
-          <a:fontRef idx="minor">
-            <a:schemeClr val="lt1"/>
-          </a:fontRef>
-        </p:style>
-        <p:txBody>
-          <a:bodyPr rtlCol="0" anchor="ctr"/>
-          <a:lstStyle/>
-          <a:p>
-            <a:pPr algn="ctr"/>
-            <a:r>
-              <a:rPr lang="de-DE" dirty="0"/>
-              <a:t>r</a:t>
-            </a:r>
-            <a:r>
-              <a:rPr lang="de-DE" dirty="0" smtClean="0"/>
-              <a:t>eal </a:t>
-            </a:r>
-            <a:r>
-              <a:rPr lang="de-DE" dirty="0" err="1" smtClean="0"/>
-              <a:t>data</a:t>
-            </a:r>
-            <a:endParaRPr lang="en-US" dirty="0"/>
-          </a:p>
-        </p:txBody>
-      </p:sp>
-      <p:sp>
-        <p:nvSpPr>
-          <p:cNvPr id="5" name="Textfeld 4"/>
-          <p:cNvSpPr txBox="1"/>
-          <p:nvPr/>
-        </p:nvSpPr>
-        <p:spPr>
-          <a:xfrm>
-            <a:off x="1711492" y="1700077"/>
-            <a:ext cx="2034724" cy="369332"/>
-          </a:xfrm>
-          <a:prstGeom prst="rect">
-            <a:avLst/>
-          </a:prstGeom>
-          <a:noFill/>
-        </p:spPr>
-        <p:txBody>
-          <a:bodyPr wrap="none" rtlCol="0">
-            <a:spAutoFit/>
-          </a:bodyPr>
-          <a:lstStyle/>
-          <a:p>
-            <a:r>
-              <a:rPr lang="de-DE" dirty="0" err="1"/>
-              <a:t>d</a:t>
-            </a:r>
-            <a:r>
-              <a:rPr lang="de-DE" dirty="0" err="1" smtClean="0"/>
-              <a:t>ata</a:t>
-            </a:r>
-            <a:r>
-              <a:rPr lang="de-DE" dirty="0" smtClean="0"/>
-              <a:t> </a:t>
-            </a:r>
-            <a:r>
-              <a:rPr lang="de-DE" dirty="0" err="1" smtClean="0"/>
-              <a:t>vector</a:t>
-            </a:r>
-            <a:r>
-              <a:rPr lang="de-DE" dirty="0" smtClean="0"/>
-              <a:t> (</a:t>
-            </a:r>
-            <a:r>
-              <a:rPr lang="de-DE" dirty="0" err="1" smtClean="0"/>
-              <a:t>queue</a:t>
-            </a:r>
-            <a:r>
-              <a:rPr lang="de-DE" dirty="0" smtClean="0"/>
-              <a:t>)</a:t>
-            </a:r>
-            <a:endParaRPr lang="en-US" dirty="0"/>
-          </a:p>
-        </p:txBody>
-      </p:sp>
-      <p:sp>
-        <p:nvSpPr>
-          <p:cNvPr id="6" name="Textfeld 5"/>
-          <p:cNvSpPr txBox="1"/>
-          <p:nvPr/>
-        </p:nvSpPr>
-        <p:spPr>
-          <a:xfrm>
-            <a:off x="6574090" y="2924944"/>
-            <a:ext cx="2390398" cy="369332"/>
-          </a:xfrm>
-          <a:prstGeom prst="rect">
-            <a:avLst/>
-          </a:prstGeom>
-          <a:noFill/>
-        </p:spPr>
-        <p:txBody>
-          <a:bodyPr wrap="none" rtlCol="0">
-            <a:spAutoFit/>
-          </a:bodyPr>
-          <a:lstStyle/>
-          <a:p>
-            <a:r>
-              <a:rPr lang="de-DE" dirty="0" err="1">
+        </p:grpSpPr>
+        <p:sp>
+          <p:nvSpPr>
+            <p:cNvPr id="4" name="Rechteck 3"/>
+            <p:cNvSpPr/>
+            <p:nvPr/>
+          </p:nvSpPr>
+          <p:spPr>
+            <a:xfrm>
+              <a:off x="1712608" y="2097901"/>
+              <a:ext cx="4220093" cy="467003"/>
+            </a:xfrm>
+            <a:prstGeom prst="rect">
+              <a:avLst/>
+            </a:prstGeom>
+          </p:spPr>
+          <p:style>
+            <a:lnRef idx="2">
+              <a:schemeClr val="accent1">
+                <a:shade val="50000"/>
+              </a:schemeClr>
+            </a:lnRef>
+            <a:fillRef idx="1">
+              <a:schemeClr val="accent1"/>
+            </a:fillRef>
+            <a:effectRef idx="0">
+              <a:schemeClr val="accent1"/>
+            </a:effectRef>
+            <a:fontRef idx="minor">
+              <a:schemeClr val="lt1"/>
+            </a:fontRef>
+          </p:style>
+          <p:txBody>
+            <a:bodyPr rtlCol="0" anchor="ctr"/>
+            <a:lstStyle/>
+            <a:p>
+              <a:pPr algn="ctr"/>
+              <a:r>
+                <a:rPr lang="de-DE" dirty="0"/>
+                <a:t>r</a:t>
+              </a:r>
+              <a:r>
+                <a:rPr lang="de-DE" dirty="0" smtClean="0"/>
+                <a:t>eal </a:t>
+              </a:r>
+              <a:r>
+                <a:rPr lang="de-DE" dirty="0" err="1" smtClean="0"/>
+                <a:t>data</a:t>
+              </a:r>
+              <a:endParaRPr lang="en-US" dirty="0"/>
+            </a:p>
+          </p:txBody>
+        </p:sp>
+        <p:sp>
+          <p:nvSpPr>
+            <p:cNvPr id="5" name="Textfeld 4"/>
+            <p:cNvSpPr txBox="1"/>
+            <p:nvPr/>
+          </p:nvSpPr>
+          <p:spPr>
+            <a:xfrm>
+              <a:off x="1711492" y="1700077"/>
+              <a:ext cx="2034724" cy="369332"/>
+            </a:xfrm>
+            <a:prstGeom prst="rect">
+              <a:avLst/>
+            </a:prstGeom>
+            <a:noFill/>
+          </p:spPr>
+          <p:txBody>
+            <a:bodyPr wrap="none" rtlCol="0">
+              <a:spAutoFit/>
+            </a:bodyPr>
+            <a:lstStyle/>
+            <a:p>
+              <a:r>
+                <a:rPr lang="de-DE" dirty="0" err="1"/>
+                <a:t>d</a:t>
+              </a:r>
+              <a:r>
+                <a:rPr lang="de-DE" dirty="0" err="1" smtClean="0"/>
+                <a:t>ata</a:t>
+              </a:r>
+              <a:r>
+                <a:rPr lang="de-DE" dirty="0" smtClean="0"/>
+                <a:t> </a:t>
+              </a:r>
+              <a:r>
+                <a:rPr lang="de-DE" dirty="0" err="1" smtClean="0"/>
+                <a:t>vector</a:t>
+              </a:r>
+              <a:r>
+                <a:rPr lang="de-DE" dirty="0" smtClean="0"/>
+                <a:t> (</a:t>
+              </a:r>
+              <a:r>
+                <a:rPr lang="de-DE" dirty="0" err="1" smtClean="0"/>
+                <a:t>queue</a:t>
+              </a:r>
+              <a:r>
+                <a:rPr lang="de-DE" dirty="0" smtClean="0"/>
+                <a:t>)</a:t>
+              </a:r>
+              <a:endParaRPr lang="en-US" dirty="0"/>
+            </a:p>
+          </p:txBody>
+        </p:sp>
+        <p:sp>
+          <p:nvSpPr>
+            <p:cNvPr id="6" name="Textfeld 5"/>
+            <p:cNvSpPr txBox="1"/>
+            <p:nvPr/>
+          </p:nvSpPr>
+          <p:spPr>
+            <a:xfrm>
+              <a:off x="6574090" y="2924944"/>
+              <a:ext cx="2390398" cy="369332"/>
+            </a:xfrm>
+            <a:prstGeom prst="rect">
+              <a:avLst/>
+            </a:prstGeom>
+            <a:noFill/>
+          </p:spPr>
+          <p:txBody>
+            <a:bodyPr wrap="none" rtlCol="0">
+              <a:spAutoFit/>
+            </a:bodyPr>
+            <a:lstStyle/>
+            <a:p>
+              <a:r>
+                <a:rPr lang="de-DE" dirty="0" err="1">
+                  <a:latin typeface="Courier New" panose="02070309020205020404" pitchFamily="49" charset="0"/>
+                  <a:cs typeface="Courier New" panose="02070309020205020404" pitchFamily="49" charset="0"/>
+                </a:rPr>
+                <a:t>p</a:t>
+              </a:r>
+              <a:r>
+                <a:rPr lang="de-DE" dirty="0" err="1" smtClean="0">
+                  <a:latin typeface="Courier New" panose="02070309020205020404" pitchFamily="49" charset="0"/>
+                  <a:cs typeface="Courier New" panose="02070309020205020404" pitchFamily="49" charset="0"/>
+                </a:rPr>
+                <a:t>tr</a:t>
+              </a:r>
+              <a:r>
+                <a:rPr lang="de-DE" dirty="0" smtClean="0">
+                  <a:latin typeface="Courier New" panose="02070309020205020404" pitchFamily="49" charset="0"/>
+                  <a:cs typeface="Courier New" panose="02070309020205020404" pitchFamily="49" charset="0"/>
+                </a:rPr>
+                <a:t> = </a:t>
+              </a:r>
+              <a:r>
+                <a:rPr lang="de-DE" dirty="0" err="1" smtClean="0">
+                  <a:latin typeface="Courier New" panose="02070309020205020404" pitchFamily="49" charset="0"/>
+                  <a:cs typeface="Courier New" panose="02070309020205020404" pitchFamily="49" charset="0"/>
+                </a:rPr>
+                <a:t>add</a:t>
+              </a:r>
+              <a:r>
+                <a:rPr lang="de-DE" dirty="0" smtClean="0">
+                  <a:latin typeface="Courier New" panose="02070309020205020404" pitchFamily="49" charset="0"/>
+                  <a:cs typeface="Courier New" panose="02070309020205020404" pitchFamily="49" charset="0"/>
+                </a:rPr>
+                <a:t>(</a:t>
+              </a:r>
+              <a:r>
+                <a:rPr lang="de-DE" dirty="0" err="1" smtClean="0">
+                  <a:latin typeface="Courier New" panose="02070309020205020404" pitchFamily="49" charset="0"/>
+                  <a:cs typeface="Courier New" panose="02070309020205020404" pitchFamily="49" charset="0"/>
+                </a:rPr>
+                <a:t>value</a:t>
+              </a:r>
+              <a:r>
+                <a:rPr lang="de-DE" dirty="0" smtClean="0">
+                  <a:latin typeface="Courier New" panose="02070309020205020404" pitchFamily="49" charset="0"/>
+                  <a:cs typeface="Courier New" panose="02070309020205020404" pitchFamily="49" charset="0"/>
+                </a:rPr>
+                <a:t>)</a:t>
+              </a:r>
+              <a:endParaRPr lang="en-US" dirty="0">
                 <a:latin typeface="Courier New" panose="02070309020205020404" pitchFamily="49" charset="0"/>
                 <a:cs typeface="Courier New" panose="02070309020205020404" pitchFamily="49" charset="0"/>
-              </a:rPr>
-              <a:t>p</a:t>
-            </a:r>
-            <a:r>
-              <a:rPr lang="de-DE" dirty="0" err="1" smtClean="0">
+              </a:endParaRPr>
+            </a:p>
+          </p:txBody>
+        </p:sp>
+        <p:sp>
+          <p:nvSpPr>
+            <p:cNvPr id="9" name="Geschweifte Klammer links 8"/>
+            <p:cNvSpPr/>
+            <p:nvPr/>
+          </p:nvSpPr>
+          <p:spPr>
+            <a:xfrm rot="16200000">
+              <a:off x="3570627" y="829569"/>
+              <a:ext cx="504056" cy="4220093"/>
+            </a:xfrm>
+            <a:prstGeom prst="leftBrace">
+              <a:avLst/>
+            </a:prstGeom>
+          </p:spPr>
+          <p:style>
+            <a:lnRef idx="1">
+              <a:schemeClr val="dk1"/>
+            </a:lnRef>
+            <a:fillRef idx="0">
+              <a:schemeClr val="dk1"/>
+            </a:fillRef>
+            <a:effectRef idx="0">
+              <a:schemeClr val="dk1"/>
+            </a:effectRef>
+            <a:fontRef idx="minor">
+              <a:schemeClr val="tx1"/>
+            </a:fontRef>
+          </p:style>
+          <p:txBody>
+            <a:bodyPr rtlCol="0" anchor="ctr"/>
+            <a:lstStyle/>
+            <a:p>
+              <a:pPr algn="ctr"/>
+              <a:endParaRPr lang="en-US"/>
+            </a:p>
+          </p:txBody>
+        </p:sp>
+        <p:sp>
+          <p:nvSpPr>
+            <p:cNvPr id="10" name="Textfeld 9"/>
+            <p:cNvSpPr txBox="1"/>
+            <p:nvPr/>
+          </p:nvSpPr>
+          <p:spPr>
+            <a:xfrm>
+              <a:off x="2834243" y="3191644"/>
+              <a:ext cx="1976823" cy="369332"/>
+            </a:xfrm>
+            <a:prstGeom prst="rect">
+              <a:avLst/>
+            </a:prstGeom>
+            <a:noFill/>
+          </p:spPr>
+          <p:txBody>
+            <a:bodyPr wrap="none" rtlCol="0">
+              <a:spAutoFit/>
+            </a:bodyPr>
+            <a:lstStyle/>
+            <a:p>
+              <a:r>
+                <a:rPr lang="de-DE" dirty="0" err="1" smtClean="0">
+                  <a:latin typeface="Courier New" panose="02070309020205020404" pitchFamily="49" charset="0"/>
+                  <a:cs typeface="Courier New" panose="02070309020205020404" pitchFamily="49" charset="0"/>
+                </a:rPr>
+                <a:t>effectiveSize</a:t>
+              </a:r>
+              <a:endParaRPr lang="en-US" dirty="0">
                 <a:latin typeface="Courier New" panose="02070309020205020404" pitchFamily="49" charset="0"/>
                 <a:cs typeface="Courier New" panose="02070309020205020404" pitchFamily="49" charset="0"/>
-              </a:rPr>
-              <a:t>tr</a:t>
-            </a:r>
-            <a:r>
-              <a:rPr lang="de-DE" dirty="0" smtClean="0">
+              </a:endParaRPr>
+            </a:p>
+          </p:txBody>
+        </p:sp>
+        <p:sp>
+          <p:nvSpPr>
+            <p:cNvPr id="13" name="Textfeld 12"/>
+            <p:cNvSpPr txBox="1"/>
+            <p:nvPr/>
+          </p:nvSpPr>
+          <p:spPr>
+            <a:xfrm>
+              <a:off x="1711492" y="4268186"/>
+              <a:ext cx="1998624" cy="369332"/>
+            </a:xfrm>
+            <a:prstGeom prst="rect">
+              <a:avLst/>
+            </a:prstGeom>
+            <a:noFill/>
+          </p:spPr>
+          <p:txBody>
+            <a:bodyPr wrap="none" rtlCol="0">
+              <a:spAutoFit/>
+            </a:bodyPr>
+            <a:lstStyle/>
+            <a:p>
+              <a:r>
+                <a:rPr lang="de-DE" dirty="0" err="1" smtClean="0"/>
+                <a:t>fftw_complex</a:t>
+              </a:r>
+              <a:r>
+                <a:rPr lang="de-DE" dirty="0" smtClean="0"/>
+                <a:t> </a:t>
+              </a:r>
+              <a:r>
+                <a:rPr lang="de-DE" dirty="0" err="1" smtClean="0"/>
+                <a:t>array</a:t>
+              </a:r>
+              <a:endParaRPr lang="en-US" dirty="0"/>
+            </a:p>
+          </p:txBody>
+        </p:sp>
+        <p:sp>
+          <p:nvSpPr>
+            <p:cNvPr id="16" name="Rechteck 15"/>
+            <p:cNvSpPr/>
+            <p:nvPr/>
+          </p:nvSpPr>
+          <p:spPr>
+            <a:xfrm>
+              <a:off x="1712609" y="4657873"/>
+              <a:ext cx="4220093" cy="467003"/>
+            </a:xfrm>
+            <a:prstGeom prst="rect">
+              <a:avLst/>
+            </a:prstGeom>
+          </p:spPr>
+          <p:style>
+            <a:lnRef idx="2">
+              <a:schemeClr val="accent6">
+                <a:shade val="50000"/>
+              </a:schemeClr>
+            </a:lnRef>
+            <a:fillRef idx="1">
+              <a:schemeClr val="accent6"/>
+            </a:fillRef>
+            <a:effectRef idx="0">
+              <a:schemeClr val="accent6"/>
+            </a:effectRef>
+            <a:fontRef idx="minor">
+              <a:schemeClr val="lt1"/>
+            </a:fontRef>
+          </p:style>
+          <p:txBody>
+            <a:bodyPr rtlCol="0" anchor="ctr"/>
+            <a:lstStyle/>
+            <a:p>
+              <a:pPr algn="ctr"/>
+              <a:r>
+                <a:rPr lang="de-DE" dirty="0" err="1"/>
+                <a:t>c</a:t>
+              </a:r>
+              <a:r>
+                <a:rPr lang="de-DE" dirty="0" err="1" smtClean="0"/>
+                <a:t>omplex</a:t>
+              </a:r>
+              <a:r>
+                <a:rPr lang="de-DE" dirty="0" smtClean="0"/>
+                <a:t> </a:t>
+              </a:r>
+              <a:r>
+                <a:rPr lang="de-DE" dirty="0" err="1" smtClean="0"/>
+                <a:t>data</a:t>
+              </a:r>
+              <a:endParaRPr lang="en-US" dirty="0"/>
+            </a:p>
+          </p:txBody>
+        </p:sp>
+        <p:sp>
+          <p:nvSpPr>
+            <p:cNvPr id="17" name="Rechteck 16"/>
+            <p:cNvSpPr/>
+            <p:nvPr/>
+          </p:nvSpPr>
+          <p:spPr>
+            <a:xfrm>
+              <a:off x="5932701" y="4657873"/>
+              <a:ext cx="2110046" cy="467003"/>
+            </a:xfrm>
+            <a:prstGeom prst="rect">
+              <a:avLst/>
+            </a:prstGeom>
+            <a:solidFill>
+              <a:schemeClr val="accent6">
+                <a:lumMod val="60000"/>
+                <a:lumOff val="40000"/>
+              </a:schemeClr>
+            </a:solidFill>
+          </p:spPr>
+          <p:style>
+            <a:lnRef idx="2">
+              <a:schemeClr val="accent6">
+                <a:shade val="50000"/>
+              </a:schemeClr>
+            </a:lnRef>
+            <a:fillRef idx="1">
+              <a:schemeClr val="accent6"/>
+            </a:fillRef>
+            <a:effectRef idx="0">
+              <a:schemeClr val="accent6"/>
+            </a:effectRef>
+            <a:fontRef idx="minor">
+              <a:schemeClr val="lt1"/>
+            </a:fontRef>
+          </p:style>
+          <p:txBody>
+            <a:bodyPr rtlCol="0" anchor="ctr"/>
+            <a:lstStyle/>
+            <a:p>
+              <a:pPr algn="ctr"/>
+              <a:r>
+                <a:rPr lang="de-DE" dirty="0" err="1" smtClean="0"/>
+                <a:t>zeroPadding</a:t>
+              </a:r>
+              <a:r>
+                <a:rPr lang="de-DE" dirty="0" smtClean="0"/>
+                <a:t> . . .</a:t>
+              </a:r>
+              <a:endParaRPr lang="en-US" dirty="0"/>
+            </a:p>
+          </p:txBody>
+        </p:sp>
+        <p:sp>
+          <p:nvSpPr>
+            <p:cNvPr id="18" name="Geschweifte Klammer links 17"/>
+            <p:cNvSpPr/>
+            <p:nvPr/>
+          </p:nvSpPr>
+          <p:spPr>
+            <a:xfrm rot="16200000">
+              <a:off x="4625651" y="2316158"/>
+              <a:ext cx="504056" cy="6330140"/>
+            </a:xfrm>
+            <a:prstGeom prst="leftBrace">
+              <a:avLst/>
+            </a:prstGeom>
+          </p:spPr>
+          <p:style>
+            <a:lnRef idx="1">
+              <a:schemeClr val="dk1"/>
+            </a:lnRef>
+            <a:fillRef idx="0">
+              <a:schemeClr val="dk1"/>
+            </a:fillRef>
+            <a:effectRef idx="0">
+              <a:schemeClr val="dk1"/>
+            </a:effectRef>
+            <a:fontRef idx="minor">
+              <a:schemeClr val="tx1"/>
+            </a:fontRef>
+          </p:style>
+          <p:txBody>
+            <a:bodyPr rtlCol="0" anchor="ctr"/>
+            <a:lstStyle/>
+            <a:p>
+              <a:pPr algn="ctr"/>
+              <a:endParaRPr lang="en-US"/>
+            </a:p>
+          </p:txBody>
+        </p:sp>
+        <p:sp>
+          <p:nvSpPr>
+            <p:cNvPr id="19" name="Textfeld 18"/>
+            <p:cNvSpPr txBox="1"/>
+            <p:nvPr/>
+          </p:nvSpPr>
+          <p:spPr>
+            <a:xfrm>
+              <a:off x="2924259" y="5733256"/>
+              <a:ext cx="3906839" cy="369332"/>
+            </a:xfrm>
+            <a:prstGeom prst="rect">
+              <a:avLst/>
+            </a:prstGeom>
+            <a:noFill/>
+          </p:spPr>
+          <p:txBody>
+            <a:bodyPr wrap="none" rtlCol="0">
+              <a:spAutoFit/>
+            </a:bodyPr>
+            <a:lstStyle/>
+            <a:p>
+              <a:r>
+                <a:rPr lang="de-DE" dirty="0" err="1" smtClean="0">
+                  <a:latin typeface="Courier New" panose="02070309020205020404" pitchFamily="49" charset="0"/>
+                  <a:cs typeface="Courier New" panose="02070309020205020404" pitchFamily="49" charset="0"/>
+                </a:rPr>
+                <a:t>effectiveSize</a:t>
+              </a:r>
+              <a:r>
+                <a:rPr lang="de-DE" dirty="0" smtClean="0">
+                  <a:latin typeface="Courier New" panose="02070309020205020404" pitchFamily="49" charset="0"/>
+                  <a:cs typeface="Courier New" panose="02070309020205020404" pitchFamily="49" charset="0"/>
+                </a:rPr>
+                <a:t> + </a:t>
+              </a:r>
+              <a:r>
+                <a:rPr lang="de-DE" dirty="0" err="1" smtClean="0">
+                  <a:latin typeface="Courier New" panose="02070309020205020404" pitchFamily="49" charset="0"/>
+                  <a:cs typeface="Courier New" panose="02070309020205020404" pitchFamily="49" charset="0"/>
+                </a:rPr>
+                <a:t>zeroPadSize</a:t>
+              </a:r>
+              <a:endParaRPr lang="en-US" dirty="0">
                 <a:latin typeface="Courier New" panose="02070309020205020404" pitchFamily="49" charset="0"/>
                 <a:cs typeface="Courier New" panose="02070309020205020404" pitchFamily="49" charset="0"/>
-              </a:rPr>
-              <a:t> = </a:t>
-            </a:r>
-            <a:r>
-              <a:rPr lang="de-DE" dirty="0" err="1" smtClean="0">
-                <a:latin typeface="Courier New" panose="02070309020205020404" pitchFamily="49" charset="0"/>
-                <a:cs typeface="Courier New" panose="02070309020205020404" pitchFamily="49" charset="0"/>
-              </a:rPr>
-              <a:t>add</a:t>
-            </a:r>
-            <a:r>
-              <a:rPr lang="de-DE" dirty="0" smtClean="0">
-                <a:latin typeface="Courier New" panose="02070309020205020404" pitchFamily="49" charset="0"/>
-                <a:cs typeface="Courier New" panose="02070309020205020404" pitchFamily="49" charset="0"/>
-              </a:rPr>
-              <a:t>(</a:t>
-            </a:r>
-            <a:r>
-              <a:rPr lang="de-DE" dirty="0" err="1" smtClean="0">
-                <a:latin typeface="Courier New" panose="02070309020205020404" pitchFamily="49" charset="0"/>
-                <a:cs typeface="Courier New" panose="02070309020205020404" pitchFamily="49" charset="0"/>
-              </a:rPr>
-              <a:t>value</a:t>
-            </a:r>
-            <a:r>
-              <a:rPr lang="de-DE" dirty="0" smtClean="0">
-                <a:latin typeface="Courier New" panose="02070309020205020404" pitchFamily="49" charset="0"/>
-                <a:cs typeface="Courier New" panose="02070309020205020404" pitchFamily="49" charset="0"/>
-              </a:rPr>
-              <a:t>)</a:t>
-            </a:r>
-            <a:endParaRPr lang="en-US" dirty="0">
-              <a:latin typeface="Courier New" panose="02070309020205020404" pitchFamily="49" charset="0"/>
-              <a:cs typeface="Courier New" panose="02070309020205020404" pitchFamily="49" charset="0"/>
-            </a:endParaRPr>
-          </a:p>
-        </p:txBody>
-      </p:sp>
-      <p:sp>
-        <p:nvSpPr>
-          <p:cNvPr id="9" name="Geschweifte Klammer links 8"/>
-          <p:cNvSpPr/>
-          <p:nvPr/>
-        </p:nvSpPr>
-        <p:spPr>
-          <a:xfrm rot="16200000">
-            <a:off x="3570627" y="829569"/>
-            <a:ext cx="504056" cy="4220093"/>
-          </a:xfrm>
-          <a:prstGeom prst="leftBrace">
-            <a:avLst/>
-          </a:prstGeom>
-        </p:spPr>
-        <p:style>
-          <a:lnRef idx="1">
-            <a:schemeClr val="dk1"/>
-          </a:lnRef>
-          <a:fillRef idx="0">
-            <a:schemeClr val="dk1"/>
-          </a:fillRef>
-          <a:effectRef idx="0">
-            <a:schemeClr val="dk1"/>
-          </a:effectRef>
-          <a:fontRef idx="minor">
-            <a:schemeClr val="tx1"/>
-          </a:fontRef>
-        </p:style>
-        <p:txBody>
-          <a:bodyPr rtlCol="0" anchor="ctr"/>
-          <a:lstStyle/>
-          <a:p>
-            <a:pPr algn="ctr"/>
-            <a:endParaRPr lang="en-US"/>
-          </a:p>
-        </p:txBody>
-      </p:sp>
-      <p:sp>
-        <p:nvSpPr>
-          <p:cNvPr id="10" name="Textfeld 9"/>
-          <p:cNvSpPr txBox="1"/>
-          <p:nvPr/>
-        </p:nvSpPr>
-        <p:spPr>
-          <a:xfrm>
-            <a:off x="2834243" y="3191644"/>
-            <a:ext cx="1976823" cy="369332"/>
-          </a:xfrm>
-          <a:prstGeom prst="rect">
-            <a:avLst/>
-          </a:prstGeom>
-          <a:noFill/>
-        </p:spPr>
-        <p:txBody>
-          <a:bodyPr wrap="none" rtlCol="0">
-            <a:spAutoFit/>
-          </a:bodyPr>
-          <a:lstStyle/>
-          <a:p>
-            <a:r>
-              <a:rPr lang="de-DE" dirty="0" err="1" smtClean="0">
-                <a:latin typeface="Courier New" panose="02070309020205020404" pitchFamily="49" charset="0"/>
-                <a:cs typeface="Courier New" panose="02070309020205020404" pitchFamily="49" charset="0"/>
-              </a:rPr>
-              <a:t>effectiveSize</a:t>
-            </a:r>
-            <a:endParaRPr lang="en-US" dirty="0">
-              <a:latin typeface="Courier New" panose="02070309020205020404" pitchFamily="49" charset="0"/>
-              <a:cs typeface="Courier New" panose="02070309020205020404" pitchFamily="49" charset="0"/>
-            </a:endParaRPr>
-          </a:p>
-        </p:txBody>
-      </p:sp>
-      <p:sp>
-        <p:nvSpPr>
-          <p:cNvPr id="13" name="Textfeld 12"/>
-          <p:cNvSpPr txBox="1"/>
-          <p:nvPr/>
-        </p:nvSpPr>
-        <p:spPr>
-          <a:xfrm>
-            <a:off x="1711492" y="4268186"/>
-            <a:ext cx="1998624" cy="369332"/>
-          </a:xfrm>
-          <a:prstGeom prst="rect">
-            <a:avLst/>
-          </a:prstGeom>
-          <a:noFill/>
-        </p:spPr>
-        <p:txBody>
-          <a:bodyPr wrap="none" rtlCol="0">
-            <a:spAutoFit/>
-          </a:bodyPr>
-          <a:lstStyle/>
-          <a:p>
-            <a:r>
-              <a:rPr lang="de-DE" dirty="0" err="1" smtClean="0"/>
-              <a:t>fftw_complex</a:t>
-            </a:r>
-            <a:r>
-              <a:rPr lang="de-DE" dirty="0" smtClean="0"/>
-              <a:t> </a:t>
-            </a:r>
-            <a:r>
-              <a:rPr lang="de-DE" dirty="0" err="1" smtClean="0"/>
-              <a:t>array</a:t>
-            </a:r>
-            <a:endParaRPr lang="en-US" dirty="0"/>
-          </a:p>
-        </p:txBody>
-      </p:sp>
-      <p:sp>
-        <p:nvSpPr>
-          <p:cNvPr id="16" name="Rechteck 15"/>
-          <p:cNvSpPr/>
-          <p:nvPr/>
-        </p:nvSpPr>
-        <p:spPr>
-          <a:xfrm>
-            <a:off x="1712609" y="4657873"/>
-            <a:ext cx="4220093" cy="467003"/>
-          </a:xfrm>
-          <a:prstGeom prst="rect">
-            <a:avLst/>
-          </a:prstGeom>
-        </p:spPr>
-        <p:style>
-          <a:lnRef idx="2">
-            <a:schemeClr val="accent6">
-              <a:shade val="50000"/>
-            </a:schemeClr>
-          </a:lnRef>
-          <a:fillRef idx="1">
-            <a:schemeClr val="accent6"/>
-          </a:fillRef>
-          <a:effectRef idx="0">
-            <a:schemeClr val="accent6"/>
-          </a:effectRef>
-          <a:fontRef idx="minor">
-            <a:schemeClr val="lt1"/>
-          </a:fontRef>
-        </p:style>
-        <p:txBody>
-          <a:bodyPr rtlCol="0" anchor="ctr"/>
-          <a:lstStyle/>
-          <a:p>
-            <a:pPr algn="ctr"/>
-            <a:r>
-              <a:rPr lang="de-DE" dirty="0" err="1"/>
-              <a:t>c</a:t>
-            </a:r>
-            <a:r>
-              <a:rPr lang="de-DE" dirty="0" err="1" smtClean="0"/>
-              <a:t>omplex</a:t>
-            </a:r>
-            <a:r>
-              <a:rPr lang="de-DE" dirty="0" smtClean="0"/>
-              <a:t> </a:t>
-            </a:r>
-            <a:r>
-              <a:rPr lang="de-DE" dirty="0" err="1" smtClean="0"/>
-              <a:t>data</a:t>
-            </a:r>
-            <a:endParaRPr lang="en-US" dirty="0"/>
-          </a:p>
-        </p:txBody>
-      </p:sp>
-      <p:sp>
-        <p:nvSpPr>
-          <p:cNvPr id="17" name="Rechteck 16"/>
-          <p:cNvSpPr/>
-          <p:nvPr/>
-        </p:nvSpPr>
-        <p:spPr>
-          <a:xfrm>
-            <a:off x="5932701" y="4657873"/>
-            <a:ext cx="2110046" cy="467003"/>
-          </a:xfrm>
-          <a:prstGeom prst="rect">
-            <a:avLst/>
-          </a:prstGeom>
-          <a:solidFill>
-            <a:schemeClr val="accent6">
-              <a:lumMod val="60000"/>
-              <a:lumOff val="40000"/>
-            </a:schemeClr>
-          </a:solidFill>
-        </p:spPr>
-        <p:style>
-          <a:lnRef idx="2">
-            <a:schemeClr val="accent6">
-              <a:shade val="50000"/>
-            </a:schemeClr>
-          </a:lnRef>
-          <a:fillRef idx="1">
-            <a:schemeClr val="accent6"/>
-          </a:fillRef>
-          <a:effectRef idx="0">
-            <a:schemeClr val="accent6"/>
-          </a:effectRef>
-          <a:fontRef idx="minor">
-            <a:schemeClr val="lt1"/>
-          </a:fontRef>
-        </p:style>
-        <p:txBody>
-          <a:bodyPr rtlCol="0" anchor="ctr"/>
-          <a:lstStyle/>
-          <a:p>
-            <a:pPr algn="ctr"/>
-            <a:r>
-              <a:rPr lang="de-DE" dirty="0" err="1" smtClean="0"/>
-              <a:t>zeroPadding</a:t>
-            </a:r>
-            <a:r>
-              <a:rPr lang="de-DE" dirty="0" smtClean="0"/>
-              <a:t> . . .</a:t>
-            </a:r>
-            <a:endParaRPr lang="en-US" dirty="0"/>
-          </a:p>
-        </p:txBody>
-      </p:sp>
-      <p:sp>
-        <p:nvSpPr>
-          <p:cNvPr id="18" name="Geschweifte Klammer links 17"/>
-          <p:cNvSpPr/>
-          <p:nvPr/>
-        </p:nvSpPr>
-        <p:spPr>
-          <a:xfrm rot="16200000">
-            <a:off x="4625651" y="2316158"/>
-            <a:ext cx="504056" cy="6330140"/>
-          </a:xfrm>
-          <a:prstGeom prst="leftBrace">
-            <a:avLst/>
-          </a:prstGeom>
-        </p:spPr>
-        <p:style>
-          <a:lnRef idx="1">
-            <a:schemeClr val="dk1"/>
-          </a:lnRef>
-          <a:fillRef idx="0">
-            <a:schemeClr val="dk1"/>
-          </a:fillRef>
-          <a:effectRef idx="0">
-            <a:schemeClr val="dk1"/>
-          </a:effectRef>
-          <a:fontRef idx="minor">
-            <a:schemeClr val="tx1"/>
-          </a:fontRef>
-        </p:style>
-        <p:txBody>
-          <a:bodyPr rtlCol="0" anchor="ctr"/>
-          <a:lstStyle/>
-          <a:p>
-            <a:pPr algn="ctr"/>
-            <a:endParaRPr lang="en-US"/>
-          </a:p>
-        </p:txBody>
-      </p:sp>
-      <p:sp>
-        <p:nvSpPr>
-          <p:cNvPr id="19" name="Textfeld 18"/>
-          <p:cNvSpPr txBox="1"/>
-          <p:nvPr/>
-        </p:nvSpPr>
-        <p:spPr>
-          <a:xfrm>
-            <a:off x="2924259" y="5733256"/>
-            <a:ext cx="3906839" cy="369332"/>
-          </a:xfrm>
-          <a:prstGeom prst="rect">
-            <a:avLst/>
-          </a:prstGeom>
-          <a:noFill/>
-        </p:spPr>
-        <p:txBody>
-          <a:bodyPr wrap="none" rtlCol="0">
-            <a:spAutoFit/>
-          </a:bodyPr>
-          <a:lstStyle/>
-          <a:p>
-            <a:r>
-              <a:rPr lang="de-DE" dirty="0" err="1" smtClean="0">
-                <a:latin typeface="Courier New" panose="02070309020205020404" pitchFamily="49" charset="0"/>
-                <a:cs typeface="Courier New" panose="02070309020205020404" pitchFamily="49" charset="0"/>
-              </a:rPr>
-              <a:t>effectiveSize</a:t>
-            </a:r>
-            <a:r>
-              <a:rPr lang="de-DE" dirty="0" smtClean="0">
-                <a:latin typeface="Courier New" panose="02070309020205020404" pitchFamily="49" charset="0"/>
-                <a:cs typeface="Courier New" panose="02070309020205020404" pitchFamily="49" charset="0"/>
-              </a:rPr>
-              <a:t> + </a:t>
-            </a:r>
-            <a:r>
-              <a:rPr lang="de-DE" dirty="0" err="1" smtClean="0">
-                <a:latin typeface="Courier New" panose="02070309020205020404" pitchFamily="49" charset="0"/>
-                <a:cs typeface="Courier New" panose="02070309020205020404" pitchFamily="49" charset="0"/>
-              </a:rPr>
-              <a:t>zeroPadSize</a:t>
-            </a:r>
-            <a:endParaRPr lang="en-US" dirty="0">
-              <a:latin typeface="Courier New" panose="02070309020205020404" pitchFamily="49" charset="0"/>
-              <a:cs typeface="Courier New" panose="02070309020205020404" pitchFamily="49" charset="0"/>
-            </a:endParaRPr>
-          </a:p>
-        </p:txBody>
-      </p:sp>
-      <p:sp>
-        <p:nvSpPr>
-          <p:cNvPr id="20" name="Nach rechts gekrümmter Pfeil 19"/>
-          <p:cNvSpPr/>
-          <p:nvPr/>
-        </p:nvSpPr>
-        <p:spPr>
-          <a:xfrm>
-            <a:off x="611560" y="2196063"/>
-            <a:ext cx="850553" cy="2960637"/>
-          </a:xfrm>
-          <a:prstGeom prst="curvedRightArrow">
-            <a:avLst>
-              <a:gd name="adj1" fmla="val 15897"/>
-              <a:gd name="adj2" fmla="val 51129"/>
-              <a:gd name="adj3" fmla="val 23880"/>
-            </a:avLst>
-          </a:prstGeom>
-        </p:spPr>
-        <p:style>
-          <a:lnRef idx="2">
-            <a:schemeClr val="accent1">
-              <a:shade val="50000"/>
-            </a:schemeClr>
-          </a:lnRef>
-          <a:fillRef idx="1">
-            <a:schemeClr val="accent1"/>
-          </a:fillRef>
-          <a:effectRef idx="0">
-            <a:schemeClr val="accent1"/>
-          </a:effectRef>
-          <a:fontRef idx="minor">
-            <a:schemeClr val="lt1"/>
-          </a:fontRef>
-        </p:style>
-        <p:txBody>
-          <a:bodyPr rtlCol="0" anchor="ctr"/>
-          <a:lstStyle/>
-          <a:p>
-            <a:pPr algn="ctr"/>
-            <a:endParaRPr lang="en-US">
+              </a:endParaRPr>
+            </a:p>
+          </p:txBody>
+        </p:sp>
+        <p:sp>
+          <p:nvSpPr>
+            <p:cNvPr id="20" name="Nach rechts gekrümmter Pfeil 19"/>
+            <p:cNvSpPr/>
+            <p:nvPr/>
+          </p:nvSpPr>
+          <p:spPr>
+            <a:xfrm>
+              <a:off x="611560" y="2196063"/>
+              <a:ext cx="850553" cy="2960637"/>
+            </a:xfrm>
+            <a:prstGeom prst="curvedRightArrow">
+              <a:avLst>
+                <a:gd name="adj1" fmla="val 15897"/>
+                <a:gd name="adj2" fmla="val 51129"/>
+                <a:gd name="adj3" fmla="val 23880"/>
+              </a:avLst>
+            </a:prstGeom>
+          </p:spPr>
+          <p:style>
+            <a:lnRef idx="2">
+              <a:schemeClr val="accent1">
+                <a:shade val="50000"/>
+              </a:schemeClr>
+            </a:lnRef>
+            <a:fillRef idx="1">
+              <a:schemeClr val="accent1"/>
+            </a:fillRef>
+            <a:effectRef idx="0">
+              <a:schemeClr val="accent1"/>
+            </a:effectRef>
+            <a:fontRef idx="minor">
+              <a:schemeClr val="lt1"/>
+            </a:fontRef>
+          </p:style>
+          <p:txBody>
+            <a:bodyPr rtlCol="0" anchor="ctr"/>
+            <a:lstStyle/>
+            <a:p>
+              <a:pPr algn="ctr"/>
+              <a:endParaRPr lang="en-US">
+                <a:solidFill>
+                  <a:schemeClr val="tx1"/>
+                </a:solidFill>
+              </a:endParaRPr>
+            </a:p>
+          </p:txBody>
+        </p:sp>
+        <p:sp>
+          <p:nvSpPr>
+            <p:cNvPr id="11" name="Textfeld 10"/>
+            <p:cNvSpPr txBox="1"/>
+            <p:nvPr/>
+          </p:nvSpPr>
+          <p:spPr>
+            <a:xfrm>
+              <a:off x="62581" y="3501008"/>
+              <a:ext cx="2252540" cy="369332"/>
+            </a:xfrm>
+            <a:prstGeom prst="rect">
+              <a:avLst/>
+            </a:prstGeom>
+            <a:solidFill>
+              <a:schemeClr val="bg1"/>
+            </a:solidFill>
+            <a:ln>
               <a:solidFill>
                 <a:schemeClr val="tx1"/>
               </a:solidFill>
-            </a:endParaRPr>
-          </a:p>
-        </p:txBody>
-      </p:sp>
-      <p:sp>
-        <p:nvSpPr>
-          <p:cNvPr id="11" name="Textfeld 10"/>
-          <p:cNvSpPr txBox="1"/>
-          <p:nvPr/>
-        </p:nvSpPr>
-        <p:spPr>
-          <a:xfrm>
-            <a:off x="62581" y="3501008"/>
-            <a:ext cx="2252540" cy="369332"/>
-          </a:xfrm>
-          <a:prstGeom prst="rect">
-            <a:avLst/>
-          </a:prstGeom>
-          <a:solidFill>
-            <a:schemeClr val="bg1"/>
-          </a:solidFill>
-          <a:ln>
-            <a:solidFill>
-              <a:schemeClr val="tx1"/>
-            </a:solidFill>
-          </a:ln>
-        </p:spPr>
-        <p:txBody>
-          <a:bodyPr wrap="none" rtlCol="0">
-            <a:spAutoFit/>
-          </a:bodyPr>
-          <a:lstStyle/>
-          <a:p>
-            <a:r>
-              <a:rPr lang="de-DE" dirty="0" err="1">
+            </a:ln>
+          </p:spPr>
+          <p:txBody>
+            <a:bodyPr wrap="none" rtlCol="0">
+              <a:spAutoFit/>
+            </a:bodyPr>
+            <a:lstStyle/>
+            <a:p>
+              <a:r>
+                <a:rPr lang="de-DE" dirty="0" err="1">
+                  <a:latin typeface="Courier New" panose="02070309020205020404" pitchFamily="49" charset="0"/>
+                  <a:cs typeface="Courier New" panose="02070309020205020404" pitchFamily="49" charset="0"/>
+                </a:rPr>
+                <a:t>copyToDataOut</a:t>
+              </a:r>
+              <a:r>
+                <a:rPr lang="de-DE" dirty="0">
+                  <a:latin typeface="Courier New" panose="02070309020205020404" pitchFamily="49" charset="0"/>
+                  <a:cs typeface="Courier New" panose="02070309020205020404" pitchFamily="49" charset="0"/>
+                </a:rPr>
+                <a:t>()</a:t>
+              </a:r>
+              <a:endParaRPr lang="en-US" dirty="0">
                 <a:latin typeface="Courier New" panose="02070309020205020404" pitchFamily="49" charset="0"/>
                 <a:cs typeface="Courier New" panose="02070309020205020404" pitchFamily="49" charset="0"/>
-              </a:rPr>
-              <a:t>copyToDataOut</a:t>
-            </a:r>
-            <a:r>
-              <a:rPr lang="de-DE" dirty="0">
-                <a:latin typeface="Courier New" panose="02070309020205020404" pitchFamily="49" charset="0"/>
-                <a:cs typeface="Courier New" panose="02070309020205020404" pitchFamily="49" charset="0"/>
-              </a:rPr>
-              <a:t>()</a:t>
-            </a:r>
-            <a:endParaRPr lang="en-US" dirty="0">
-              <a:latin typeface="Courier New" panose="02070309020205020404" pitchFamily="49" charset="0"/>
-              <a:cs typeface="Courier New" panose="02070309020205020404" pitchFamily="49" charset="0"/>
-            </a:endParaRPr>
-          </a:p>
-        </p:txBody>
-      </p:sp>
-      <p:cxnSp>
-        <p:nvCxnSpPr>
-          <p:cNvPr id="22" name="Gewinkelte Verbindung 21"/>
-          <p:cNvCxnSpPr>
-            <a:endCxn id="4" idx="3"/>
-          </p:cNvCxnSpPr>
-          <p:nvPr/>
-        </p:nvCxnSpPr>
-        <p:spPr>
-          <a:xfrm rot="10800000">
-            <a:off x="5932702" y="2331403"/>
-            <a:ext cx="2420103" cy="593542"/>
-          </a:xfrm>
-          <a:prstGeom prst="bentConnector3">
-            <a:avLst>
-              <a:gd name="adj1" fmla="val 16"/>
-            </a:avLst>
-          </a:prstGeom>
-          <a:ln>
-            <a:tailEnd type="arrow"/>
-          </a:ln>
-        </p:spPr>
-        <p:style>
-          <a:lnRef idx="1">
-            <a:schemeClr val="dk1"/>
-          </a:lnRef>
-          <a:fillRef idx="0">
-            <a:schemeClr val="dk1"/>
-          </a:fillRef>
-          <a:effectRef idx="0">
-            <a:schemeClr val="dk1"/>
-          </a:effectRef>
-          <a:fontRef idx="minor">
-            <a:schemeClr val="tx1"/>
-          </a:fontRef>
-        </p:style>
-      </p:cxnSp>
-      <p:cxnSp>
-        <p:nvCxnSpPr>
-          <p:cNvPr id="53" name="Gerade Verbindung mit Pfeil 52"/>
-          <p:cNvCxnSpPr/>
-          <p:nvPr/>
-        </p:nvCxnSpPr>
-        <p:spPr>
-          <a:xfrm flipV="1">
-            <a:off x="6831098" y="3294276"/>
-            <a:ext cx="0" cy="710788"/>
-          </a:xfrm>
-          <a:prstGeom prst="straightConnector1">
-            <a:avLst/>
-          </a:prstGeom>
-          <a:ln>
-            <a:tailEnd type="arrow"/>
-          </a:ln>
-        </p:spPr>
-        <p:style>
-          <a:lnRef idx="1">
-            <a:schemeClr val="dk1"/>
-          </a:lnRef>
-          <a:fillRef idx="0">
-            <a:schemeClr val="dk1"/>
-          </a:fillRef>
-          <a:effectRef idx="0">
-            <a:schemeClr val="dk1"/>
-          </a:effectRef>
-          <a:fontRef idx="minor">
-            <a:schemeClr val="tx1"/>
-          </a:fontRef>
-        </p:style>
-      </p:cxnSp>
-      <p:cxnSp>
-        <p:nvCxnSpPr>
-          <p:cNvPr id="59" name="Gerade Verbindung 58"/>
-          <p:cNvCxnSpPr>
-            <a:stCxn id="16" idx="0"/>
-          </p:cNvCxnSpPr>
-          <p:nvPr/>
-        </p:nvCxnSpPr>
-        <p:spPr>
-          <a:xfrm flipH="1" flipV="1">
-            <a:off x="3822655" y="4005064"/>
-            <a:ext cx="1" cy="652809"/>
-          </a:xfrm>
-          <a:prstGeom prst="line">
-            <a:avLst/>
-          </a:prstGeom>
-        </p:spPr>
-        <p:style>
-          <a:lnRef idx="1">
-            <a:schemeClr val="dk1"/>
-          </a:lnRef>
-          <a:fillRef idx="0">
-            <a:schemeClr val="dk1"/>
-          </a:fillRef>
-          <a:effectRef idx="0">
-            <a:schemeClr val="dk1"/>
-          </a:effectRef>
-          <a:fontRef idx="minor">
-            <a:schemeClr val="tx1"/>
-          </a:fontRef>
-        </p:style>
-      </p:cxnSp>
-      <p:cxnSp>
-        <p:nvCxnSpPr>
-          <p:cNvPr id="60" name="Gerade Verbindung 59"/>
-          <p:cNvCxnSpPr/>
-          <p:nvPr/>
-        </p:nvCxnSpPr>
-        <p:spPr>
-          <a:xfrm flipH="1">
-            <a:off x="3822657" y="4005064"/>
-            <a:ext cx="3008441" cy="0"/>
-          </a:xfrm>
-          <a:prstGeom prst="line">
-            <a:avLst/>
-          </a:prstGeom>
-        </p:spPr>
-        <p:style>
-          <a:lnRef idx="1">
-            <a:schemeClr val="dk1"/>
-          </a:lnRef>
-          <a:fillRef idx="0">
-            <a:schemeClr val="dk1"/>
-          </a:fillRef>
-          <a:effectRef idx="0">
-            <a:schemeClr val="dk1"/>
-          </a:effectRef>
-          <a:fontRef idx="minor">
-            <a:schemeClr val="tx1"/>
-          </a:fontRef>
-        </p:style>
-      </p:cxnSp>
+              </a:endParaRPr>
+            </a:p>
+          </p:txBody>
+        </p:sp>
+        <p:cxnSp>
+          <p:nvCxnSpPr>
+            <p:cNvPr id="22" name="Gewinkelte Verbindung 21"/>
+            <p:cNvCxnSpPr>
+              <a:endCxn id="4" idx="3"/>
+            </p:cNvCxnSpPr>
+            <p:nvPr/>
+          </p:nvCxnSpPr>
+          <p:spPr>
+            <a:xfrm rot="10800000">
+              <a:off x="5932702" y="2331403"/>
+              <a:ext cx="2420103" cy="593542"/>
+            </a:xfrm>
+            <a:prstGeom prst="bentConnector3">
+              <a:avLst>
+                <a:gd name="adj1" fmla="val 16"/>
+              </a:avLst>
+            </a:prstGeom>
+            <a:ln>
+              <a:tailEnd type="arrow"/>
+            </a:ln>
+          </p:spPr>
+          <p:style>
+            <a:lnRef idx="1">
+              <a:schemeClr val="dk1"/>
+            </a:lnRef>
+            <a:fillRef idx="0">
+              <a:schemeClr val="dk1"/>
+            </a:fillRef>
+            <a:effectRef idx="0">
+              <a:schemeClr val="dk1"/>
+            </a:effectRef>
+            <a:fontRef idx="minor">
+              <a:schemeClr val="tx1"/>
+            </a:fontRef>
+          </p:style>
+        </p:cxnSp>
+        <p:cxnSp>
+          <p:nvCxnSpPr>
+            <p:cNvPr id="53" name="Gerade Verbindung mit Pfeil 52"/>
+            <p:cNvCxnSpPr/>
+            <p:nvPr/>
+          </p:nvCxnSpPr>
+          <p:spPr>
+            <a:xfrm flipV="1">
+              <a:off x="6831098" y="3294276"/>
+              <a:ext cx="0" cy="710788"/>
+            </a:xfrm>
+            <a:prstGeom prst="straightConnector1">
+              <a:avLst/>
+            </a:prstGeom>
+            <a:ln>
+              <a:tailEnd type="arrow"/>
+            </a:ln>
+          </p:spPr>
+          <p:style>
+            <a:lnRef idx="1">
+              <a:schemeClr val="dk1"/>
+            </a:lnRef>
+            <a:fillRef idx="0">
+              <a:schemeClr val="dk1"/>
+            </a:fillRef>
+            <a:effectRef idx="0">
+              <a:schemeClr val="dk1"/>
+            </a:effectRef>
+            <a:fontRef idx="minor">
+              <a:schemeClr val="tx1"/>
+            </a:fontRef>
+          </p:style>
+        </p:cxnSp>
+        <p:cxnSp>
+          <p:nvCxnSpPr>
+            <p:cNvPr id="59" name="Gerade Verbindung 58"/>
+            <p:cNvCxnSpPr>
+              <a:stCxn id="16" idx="0"/>
+            </p:cNvCxnSpPr>
+            <p:nvPr/>
+          </p:nvCxnSpPr>
+          <p:spPr>
+            <a:xfrm flipH="1" flipV="1">
+              <a:off x="3822655" y="4005064"/>
+              <a:ext cx="1" cy="652809"/>
+            </a:xfrm>
+            <a:prstGeom prst="line">
+              <a:avLst/>
+            </a:prstGeom>
+          </p:spPr>
+          <p:style>
+            <a:lnRef idx="1">
+              <a:schemeClr val="dk1"/>
+            </a:lnRef>
+            <a:fillRef idx="0">
+              <a:schemeClr val="dk1"/>
+            </a:fillRef>
+            <a:effectRef idx="0">
+              <a:schemeClr val="dk1"/>
+            </a:effectRef>
+            <a:fontRef idx="minor">
+              <a:schemeClr val="tx1"/>
+            </a:fontRef>
+          </p:style>
+        </p:cxnSp>
+        <p:cxnSp>
+          <p:nvCxnSpPr>
+            <p:cNvPr id="60" name="Gerade Verbindung 59"/>
+            <p:cNvCxnSpPr/>
+            <p:nvPr/>
+          </p:nvCxnSpPr>
+          <p:spPr>
+            <a:xfrm flipH="1">
+              <a:off x="3822657" y="4005064"/>
+              <a:ext cx="3008441" cy="0"/>
+            </a:xfrm>
+            <a:prstGeom prst="line">
+              <a:avLst/>
+            </a:prstGeom>
+          </p:spPr>
+          <p:style>
+            <a:lnRef idx="1">
+              <a:schemeClr val="dk1"/>
+            </a:lnRef>
+            <a:fillRef idx="0">
+              <a:schemeClr val="dk1"/>
+            </a:fillRef>
+            <a:effectRef idx="0">
+              <a:schemeClr val="dk1"/>
+            </a:effectRef>
+            <a:fontRef idx="minor">
+              <a:schemeClr val="tx1"/>
+            </a:fontRef>
+          </p:style>
+        </p:cxnSp>
+      </p:grpSp>
     </p:spTree>
     <p:extLst>
       <p:ext uri="{BB962C8B-B14F-4D97-AF65-F5344CB8AC3E}">
@@ -17174,90 +17204,347 @@
       </p:grpSpPr>
       <p:grpSp>
         <p:nvGrpSpPr>
-          <p:cNvPr id="19" name="Gruppieren 18"/>
+          <p:cNvPr id="2" name="Gruppieren 1"/>
           <p:cNvGrpSpPr/>
           <p:nvPr/>
         </p:nvGrpSpPr>
         <p:grpSpPr>
           <a:xfrm>
-            <a:off x="2110045" y="2114172"/>
-            <a:ext cx="4248472" cy="719292"/>
-            <a:chOff x="1547664" y="1323964"/>
-            <a:chExt cx="4248472" cy="719292"/>
+            <a:off x="2067220" y="1495817"/>
+            <a:ext cx="5009561" cy="3866366"/>
+            <a:chOff x="1843002" y="1482904"/>
+            <a:chExt cx="5009561" cy="3866366"/>
           </a:xfrm>
         </p:grpSpPr>
+        <p:grpSp>
+          <p:nvGrpSpPr>
+            <p:cNvPr id="19" name="Gruppieren 18"/>
+            <p:cNvGrpSpPr/>
+            <p:nvPr/>
+          </p:nvGrpSpPr>
+          <p:grpSpPr>
+            <a:xfrm>
+              <a:off x="2110045" y="2114172"/>
+              <a:ext cx="4248472" cy="719292"/>
+              <a:chOff x="1547664" y="1323964"/>
+              <a:chExt cx="4248472" cy="719292"/>
+            </a:xfrm>
+          </p:grpSpPr>
+          <p:sp>
+            <p:nvSpPr>
+              <p:cNvPr id="6" name="Rechteck 5"/>
+              <p:cNvSpPr/>
+              <p:nvPr/>
+            </p:nvSpPr>
+            <p:spPr>
+              <a:xfrm>
+                <a:off x="1656023" y="1503610"/>
+                <a:ext cx="4140113" cy="360000"/>
+              </a:xfrm>
+              <a:prstGeom prst="rect">
+                <a:avLst/>
+              </a:prstGeom>
+            </p:spPr>
+            <p:style>
+              <a:lnRef idx="2">
+                <a:schemeClr val="accent1">
+                  <a:shade val="50000"/>
+                </a:schemeClr>
+              </a:lnRef>
+              <a:fillRef idx="1">
+                <a:schemeClr val="accent1"/>
+              </a:fillRef>
+              <a:effectRef idx="0">
+                <a:schemeClr val="accent1"/>
+              </a:effectRef>
+              <a:fontRef idx="minor">
+                <a:schemeClr val="lt1"/>
+              </a:fontRef>
+            </p:style>
+            <p:txBody>
+              <a:bodyPr rtlCol="0" anchor="ctr"/>
+              <a:lstStyle/>
+              <a:p>
+                <a:pPr algn="ctr"/>
+                <a:endParaRPr lang="en-US" dirty="0"/>
+              </a:p>
+            </p:txBody>
+          </p:sp>
+          <p:sp>
+            <p:nvSpPr>
+              <p:cNvPr id="10" name="Rechteck 9"/>
+              <p:cNvSpPr/>
+              <p:nvPr/>
+            </p:nvSpPr>
+            <p:spPr>
+              <a:xfrm>
+                <a:off x="1547664" y="1323964"/>
+                <a:ext cx="1512168" cy="719292"/>
+              </a:xfrm>
+              <a:prstGeom prst="rect">
+                <a:avLst/>
+              </a:prstGeom>
+              <a:noFill/>
+              <a:ln>
+                <a:solidFill>
+                  <a:srgbClr val="92D050"/>
+                </a:solidFill>
+              </a:ln>
+            </p:spPr>
+            <p:style>
+              <a:lnRef idx="2">
+                <a:schemeClr val="accent1">
+                  <a:shade val="50000"/>
+                </a:schemeClr>
+              </a:lnRef>
+              <a:fillRef idx="1">
+                <a:schemeClr val="accent1"/>
+              </a:fillRef>
+              <a:effectRef idx="0">
+                <a:schemeClr val="accent1"/>
+              </a:effectRef>
+              <a:fontRef idx="minor">
+                <a:schemeClr val="lt1"/>
+              </a:fontRef>
+            </p:style>
+            <p:txBody>
+              <a:bodyPr rtlCol="0" anchor="ctr"/>
+              <a:lstStyle/>
+              <a:p>
+                <a:pPr algn="ctr"/>
+                <a:endParaRPr lang="en-US"/>
+              </a:p>
+            </p:txBody>
+          </p:sp>
+        </p:grpSp>
+        <p:grpSp>
+          <p:nvGrpSpPr>
+            <p:cNvPr id="20" name="Gruppieren 19"/>
+            <p:cNvGrpSpPr/>
+            <p:nvPr/>
+          </p:nvGrpSpPr>
+          <p:grpSpPr>
+            <a:xfrm>
+              <a:off x="2218404" y="2986670"/>
+              <a:ext cx="4140113" cy="719292"/>
+              <a:chOff x="1656023" y="1323964"/>
+              <a:chExt cx="4140113" cy="719292"/>
+            </a:xfrm>
+          </p:grpSpPr>
+          <p:sp>
+            <p:nvSpPr>
+              <p:cNvPr id="21" name="Rechteck 20"/>
+              <p:cNvSpPr/>
+              <p:nvPr/>
+            </p:nvSpPr>
+            <p:spPr>
+              <a:xfrm>
+                <a:off x="1656023" y="1503610"/>
+                <a:ext cx="4140113" cy="360000"/>
+              </a:xfrm>
+              <a:prstGeom prst="rect">
+                <a:avLst/>
+              </a:prstGeom>
+            </p:spPr>
+            <p:style>
+              <a:lnRef idx="2">
+                <a:schemeClr val="accent1">
+                  <a:shade val="50000"/>
+                </a:schemeClr>
+              </a:lnRef>
+              <a:fillRef idx="1">
+                <a:schemeClr val="accent1"/>
+              </a:fillRef>
+              <a:effectRef idx="0">
+                <a:schemeClr val="accent1"/>
+              </a:effectRef>
+              <a:fontRef idx="minor">
+                <a:schemeClr val="lt1"/>
+              </a:fontRef>
+            </p:style>
+            <p:txBody>
+              <a:bodyPr rtlCol="0" anchor="ctr"/>
+              <a:lstStyle/>
+              <a:p>
+                <a:pPr algn="ctr"/>
+                <a:endParaRPr lang="en-US" dirty="0"/>
+              </a:p>
+            </p:txBody>
+          </p:sp>
+          <p:sp>
+            <p:nvSpPr>
+              <p:cNvPr id="22" name="Rechteck 21"/>
+              <p:cNvSpPr/>
+              <p:nvPr/>
+            </p:nvSpPr>
+            <p:spPr>
+              <a:xfrm>
+                <a:off x="2303748" y="1323964"/>
+                <a:ext cx="1512168" cy="719292"/>
+              </a:xfrm>
+              <a:prstGeom prst="rect">
+                <a:avLst/>
+              </a:prstGeom>
+              <a:noFill/>
+              <a:ln>
+                <a:solidFill>
+                  <a:srgbClr val="92D050"/>
+                </a:solidFill>
+              </a:ln>
+            </p:spPr>
+            <p:style>
+              <a:lnRef idx="2">
+                <a:schemeClr val="accent1">
+                  <a:shade val="50000"/>
+                </a:schemeClr>
+              </a:lnRef>
+              <a:fillRef idx="1">
+                <a:schemeClr val="accent1"/>
+              </a:fillRef>
+              <a:effectRef idx="0">
+                <a:schemeClr val="accent1"/>
+              </a:effectRef>
+              <a:fontRef idx="minor">
+                <a:schemeClr val="lt1"/>
+              </a:fontRef>
+            </p:style>
+            <p:txBody>
+              <a:bodyPr rtlCol="0" anchor="ctr"/>
+              <a:lstStyle/>
+              <a:p>
+                <a:pPr algn="ctr"/>
+                <a:endParaRPr lang="en-US"/>
+              </a:p>
+            </p:txBody>
+          </p:sp>
+        </p:grpSp>
+        <p:grpSp>
+          <p:nvGrpSpPr>
+            <p:cNvPr id="23" name="Gruppieren 22"/>
+            <p:cNvGrpSpPr/>
+            <p:nvPr/>
+          </p:nvGrpSpPr>
+          <p:grpSpPr>
+            <a:xfrm>
+              <a:off x="2218404" y="3859168"/>
+              <a:ext cx="4140113" cy="719292"/>
+              <a:chOff x="1656023" y="1323964"/>
+              <a:chExt cx="4140113" cy="719292"/>
+            </a:xfrm>
+          </p:grpSpPr>
+          <p:sp>
+            <p:nvSpPr>
+              <p:cNvPr id="24" name="Rechteck 23"/>
+              <p:cNvSpPr/>
+              <p:nvPr/>
+            </p:nvSpPr>
+            <p:spPr>
+              <a:xfrm>
+                <a:off x="1656023" y="1503610"/>
+                <a:ext cx="4140113" cy="360000"/>
+              </a:xfrm>
+              <a:prstGeom prst="rect">
+                <a:avLst/>
+              </a:prstGeom>
+            </p:spPr>
+            <p:style>
+              <a:lnRef idx="2">
+                <a:schemeClr val="accent1">
+                  <a:shade val="50000"/>
+                </a:schemeClr>
+              </a:lnRef>
+              <a:fillRef idx="1">
+                <a:schemeClr val="accent1"/>
+              </a:fillRef>
+              <a:effectRef idx="0">
+                <a:schemeClr val="accent1"/>
+              </a:effectRef>
+              <a:fontRef idx="minor">
+                <a:schemeClr val="lt1"/>
+              </a:fontRef>
+            </p:style>
+            <p:txBody>
+              <a:bodyPr rtlCol="0" anchor="ctr"/>
+              <a:lstStyle/>
+              <a:p>
+                <a:pPr algn="ctr"/>
+                <a:endParaRPr lang="en-US" dirty="0"/>
+              </a:p>
+            </p:txBody>
+          </p:sp>
+          <p:sp>
+            <p:nvSpPr>
+              <p:cNvPr id="25" name="Rechteck 24"/>
+              <p:cNvSpPr/>
+              <p:nvPr/>
+            </p:nvSpPr>
+            <p:spPr>
+              <a:xfrm>
+                <a:off x="3059832" y="1323964"/>
+                <a:ext cx="1512168" cy="719292"/>
+              </a:xfrm>
+              <a:prstGeom prst="rect">
+                <a:avLst/>
+              </a:prstGeom>
+              <a:noFill/>
+              <a:ln>
+                <a:solidFill>
+                  <a:srgbClr val="92D050"/>
+                </a:solidFill>
+              </a:ln>
+            </p:spPr>
+            <p:style>
+              <a:lnRef idx="2">
+                <a:schemeClr val="accent1">
+                  <a:shade val="50000"/>
+                </a:schemeClr>
+              </a:lnRef>
+              <a:fillRef idx="1">
+                <a:schemeClr val="accent1"/>
+              </a:fillRef>
+              <a:effectRef idx="0">
+                <a:schemeClr val="accent1"/>
+              </a:effectRef>
+              <a:fontRef idx="minor">
+                <a:schemeClr val="lt1"/>
+              </a:fontRef>
+            </p:style>
+            <p:txBody>
+              <a:bodyPr rtlCol="0" anchor="ctr"/>
+              <a:lstStyle/>
+              <a:p>
+                <a:pPr algn="ctr"/>
+                <a:endParaRPr lang="en-US"/>
+              </a:p>
+            </p:txBody>
+          </p:sp>
+        </p:grpSp>
         <p:sp>
           <p:nvSpPr>
-            <p:cNvPr id="6" name="Rechteck 5"/>
+            <p:cNvPr id="26" name="Pfeil nach links 25"/>
             <p:cNvSpPr/>
             <p:nvPr/>
           </p:nvSpPr>
           <p:spPr>
             <a:xfrm>
-              <a:off x="1656023" y="1503610"/>
-              <a:ext cx="4140113" cy="360000"/>
+              <a:off x="4118698" y="1727344"/>
+              <a:ext cx="2095803" cy="386828"/>
             </a:xfrm>
-            <a:prstGeom prst="rect">
+            <a:prstGeom prst="leftArrow">
               <a:avLst/>
             </a:prstGeom>
           </p:spPr>
           <p:style>
             <a:lnRef idx="2">
-              <a:schemeClr val="accent1">
+              <a:schemeClr val="accent6">
                 <a:shade val="50000"/>
               </a:schemeClr>
             </a:lnRef>
             <a:fillRef idx="1">
-              <a:schemeClr val="accent1"/>
+              <a:schemeClr val="accent6"/>
             </a:fillRef>
             <a:effectRef idx="0">
-              <a:schemeClr val="accent1"/>
-            </a:effectRef>
-            <a:fontRef idx="minor">
-              <a:schemeClr val="lt1"/>
-            </a:fontRef>
-          </p:style>
-          <p:txBody>
-            <a:bodyPr rtlCol="0" anchor="ctr"/>
-            <a:lstStyle/>
-            <a:p>
-              <a:pPr algn="ctr"/>
-              <a:endParaRPr lang="en-US" dirty="0"/>
-            </a:p>
-          </p:txBody>
-        </p:sp>
-        <p:sp>
-          <p:nvSpPr>
-            <p:cNvPr id="10" name="Rechteck 9"/>
-            <p:cNvSpPr/>
-            <p:nvPr/>
-          </p:nvSpPr>
-          <p:spPr>
-            <a:xfrm>
-              <a:off x="1547664" y="1323964"/>
-              <a:ext cx="1512168" cy="719292"/>
-            </a:xfrm>
-            <a:prstGeom prst="rect">
-              <a:avLst/>
-            </a:prstGeom>
-            <a:noFill/>
-            <a:ln>
-              <a:solidFill>
-                <a:srgbClr val="92D050"/>
-              </a:solidFill>
-            </a:ln>
-          </p:spPr>
-          <p:style>
-            <a:lnRef idx="2">
-              <a:schemeClr val="accent1">
-                <a:shade val="50000"/>
-              </a:schemeClr>
-            </a:lnRef>
-            <a:fillRef idx="1">
-              <a:schemeClr val="accent1"/>
-            </a:fillRef>
-            <a:effectRef idx="0">
-              <a:schemeClr val="accent1"/>
+              <a:schemeClr val="accent6"/>
             </a:effectRef>
             <a:fontRef idx="minor">
               <a:schemeClr val="lt1"/>
@@ -17272,615 +17559,373 @@
             </a:p>
           </p:txBody>
         </p:sp>
-      </p:grpSp>
-      <p:grpSp>
-        <p:nvGrpSpPr>
-          <p:cNvPr id="20" name="Gruppieren 19"/>
-          <p:cNvGrpSpPr/>
-          <p:nvPr/>
-        </p:nvGrpSpPr>
-        <p:grpSpPr>
-          <a:xfrm>
-            <a:off x="2218404" y="2986670"/>
-            <a:ext cx="4140113" cy="719292"/>
-            <a:chOff x="1656023" y="1323964"/>
-            <a:chExt cx="4140113" cy="719292"/>
-          </a:xfrm>
-        </p:grpSpPr>
         <p:sp>
           <p:nvSpPr>
-            <p:cNvPr id="21" name="Rechteck 20"/>
-            <p:cNvSpPr/>
+            <p:cNvPr id="27" name="Textfeld 26"/>
+            <p:cNvSpPr txBox="1"/>
             <p:nvPr/>
           </p:nvSpPr>
           <p:spPr>
             <a:xfrm>
-              <a:off x="1656023" y="1503610"/>
-              <a:ext cx="4140113" cy="360000"/>
+              <a:off x="4702333" y="1482904"/>
+              <a:ext cx="1029321" cy="369332"/>
             </a:xfrm>
             <a:prstGeom prst="rect">
               <a:avLst/>
             </a:prstGeom>
+            <a:noFill/>
+          </p:spPr>
+          <p:txBody>
+            <a:bodyPr wrap="none" rtlCol="0">
+              <a:spAutoFit/>
+            </a:bodyPr>
+            <a:lstStyle/>
+            <a:p>
+              <a:r>
+                <a:rPr lang="de-DE" dirty="0" smtClean="0"/>
+                <a:t>Add </a:t>
+              </a:r>
+              <a:r>
+                <a:rPr lang="de-DE" dirty="0" err="1" smtClean="0"/>
+                <a:t>data</a:t>
+              </a:r>
+              <a:endParaRPr lang="en-US" dirty="0"/>
+            </a:p>
+          </p:txBody>
+        </p:sp>
+        <p:cxnSp>
+          <p:nvCxnSpPr>
+            <p:cNvPr id="35" name="Gerade Verbindung 34"/>
+            <p:cNvCxnSpPr/>
+            <p:nvPr/>
+          </p:nvCxnSpPr>
+          <p:spPr>
+            <a:xfrm flipH="1">
+              <a:off x="1894021" y="2779048"/>
+              <a:ext cx="216024" cy="0"/>
+            </a:xfrm>
+            <a:prstGeom prst="line">
+              <a:avLst/>
+            </a:prstGeom>
           </p:spPr>
           <p:style>
-            <a:lnRef idx="2">
-              <a:schemeClr val="accent1">
-                <a:shade val="50000"/>
-              </a:schemeClr>
+            <a:lnRef idx="1">
+              <a:schemeClr val="dk1"/>
             </a:lnRef>
-            <a:fillRef idx="1">
-              <a:schemeClr val="accent1"/>
+            <a:fillRef idx="0">
+              <a:schemeClr val="dk1"/>
             </a:fillRef>
             <a:effectRef idx="0">
-              <a:schemeClr val="accent1"/>
+              <a:schemeClr val="dk1"/>
             </a:effectRef>
             <a:fontRef idx="minor">
-              <a:schemeClr val="lt1"/>
+              <a:schemeClr val="tx1"/>
             </a:fontRef>
           </p:style>
+        </p:cxnSp>
+        <p:cxnSp>
+          <p:nvCxnSpPr>
+            <p:cNvPr id="37" name="Gerade Verbindung 36"/>
+            <p:cNvCxnSpPr/>
+            <p:nvPr/>
+          </p:nvCxnSpPr>
+          <p:spPr>
+            <a:xfrm flipH="1">
+              <a:off x="1894021" y="3643144"/>
+              <a:ext cx="972108" cy="0"/>
+            </a:xfrm>
+            <a:prstGeom prst="line">
+              <a:avLst/>
+            </a:prstGeom>
+          </p:spPr>
+          <p:style>
+            <a:lnRef idx="1">
+              <a:schemeClr val="dk1"/>
+            </a:lnRef>
+            <a:fillRef idx="0">
+              <a:schemeClr val="dk1"/>
+            </a:fillRef>
+            <a:effectRef idx="0">
+              <a:schemeClr val="dk1"/>
+            </a:effectRef>
+            <a:fontRef idx="minor">
+              <a:schemeClr val="tx1"/>
+            </a:fontRef>
+          </p:style>
+        </p:cxnSp>
+        <p:cxnSp>
+          <p:nvCxnSpPr>
+            <p:cNvPr id="39" name="Gerade Verbindung 38"/>
+            <p:cNvCxnSpPr/>
+            <p:nvPr/>
+          </p:nvCxnSpPr>
+          <p:spPr>
+            <a:xfrm flipH="1">
+              <a:off x="1894021" y="4507240"/>
+              <a:ext cx="1728192" cy="0"/>
+            </a:xfrm>
+            <a:prstGeom prst="line">
+              <a:avLst/>
+            </a:prstGeom>
+          </p:spPr>
+          <p:style>
+            <a:lnRef idx="1">
+              <a:schemeClr val="dk1"/>
+            </a:lnRef>
+            <a:fillRef idx="0">
+              <a:schemeClr val="dk1"/>
+            </a:fillRef>
+            <a:effectRef idx="0">
+              <a:schemeClr val="dk1"/>
+            </a:effectRef>
+            <a:fontRef idx="minor">
+              <a:schemeClr val="tx1"/>
+            </a:fontRef>
+          </p:style>
+        </p:cxnSp>
+        <p:cxnSp>
+          <p:nvCxnSpPr>
+            <p:cNvPr id="41" name="Gerade Verbindung mit Pfeil 40"/>
+            <p:cNvCxnSpPr/>
+            <p:nvPr/>
+          </p:nvCxnSpPr>
+          <p:spPr>
+            <a:xfrm>
+              <a:off x="1894021" y="2780950"/>
+              <a:ext cx="0" cy="2520280"/>
+            </a:xfrm>
+            <a:prstGeom prst="straightConnector1">
+              <a:avLst/>
+            </a:prstGeom>
+            <a:ln>
+              <a:tailEnd type="arrow"/>
+            </a:ln>
+          </p:spPr>
+          <p:style>
+            <a:lnRef idx="1">
+              <a:schemeClr val="dk1"/>
+            </a:lnRef>
+            <a:fillRef idx="0">
+              <a:schemeClr val="dk1"/>
+            </a:fillRef>
+            <a:effectRef idx="0">
+              <a:schemeClr val="dk1"/>
+            </a:effectRef>
+            <a:fontRef idx="minor">
+              <a:schemeClr val="tx1"/>
+            </a:fontRef>
+          </p:style>
+        </p:cxnSp>
+        <p:sp>
+          <p:nvSpPr>
+            <p:cNvPr id="45" name="Textfeld 44"/>
+            <p:cNvSpPr txBox="1"/>
+            <p:nvPr/>
+          </p:nvSpPr>
+          <p:spPr>
+            <a:xfrm>
+              <a:off x="1843002" y="4795272"/>
+              <a:ext cx="1419171" cy="369332"/>
+            </a:xfrm>
+            <a:prstGeom prst="rect">
+              <a:avLst/>
+            </a:prstGeom>
+            <a:noFill/>
+          </p:spPr>
           <p:txBody>
-            <a:bodyPr rtlCol="0" anchor="ctr"/>
+            <a:bodyPr wrap="none" rtlCol="0">
+              <a:spAutoFit/>
+            </a:bodyPr>
             <a:lstStyle/>
             <a:p>
-              <a:pPr algn="ctr"/>
+              <a:r>
+                <a:rPr lang="de-DE" dirty="0" err="1" smtClean="0"/>
+                <a:t>Calculate</a:t>
+              </a:r>
+              <a:r>
+                <a:rPr lang="de-DE" dirty="0" smtClean="0"/>
+                <a:t> FFT</a:t>
+              </a:r>
+              <a:endParaRPr lang="en-US" dirty="0"/>
+            </a:p>
+          </p:txBody>
+        </p:sp>
+        <p:cxnSp>
+          <p:nvCxnSpPr>
+            <p:cNvPr id="47" name="Gerade Verbindung mit Pfeil 46"/>
+            <p:cNvCxnSpPr>
+              <a:stCxn id="48" idx="0"/>
+            </p:cNvCxnSpPr>
+            <p:nvPr/>
+          </p:nvCxnSpPr>
+          <p:spPr>
+            <a:xfrm flipH="1" flipV="1">
+              <a:off x="5062373" y="4578460"/>
+              <a:ext cx="137175" cy="401478"/>
+            </a:xfrm>
+            <a:prstGeom prst="straightConnector1">
+              <a:avLst/>
+            </a:prstGeom>
+            <a:ln>
+              <a:tailEnd type="arrow"/>
+            </a:ln>
+          </p:spPr>
+          <p:style>
+            <a:lnRef idx="1">
+              <a:schemeClr val="accent3"/>
+            </a:lnRef>
+            <a:fillRef idx="0">
+              <a:schemeClr val="accent3"/>
+            </a:fillRef>
+            <a:effectRef idx="0">
+              <a:schemeClr val="accent3"/>
+            </a:effectRef>
+            <a:fontRef idx="minor">
+              <a:schemeClr val="tx1"/>
+            </a:fontRef>
+          </p:style>
+        </p:cxnSp>
+        <p:sp>
+          <p:nvSpPr>
+            <p:cNvPr id="48" name="Textfeld 47"/>
+            <p:cNvSpPr txBox="1"/>
+            <p:nvPr/>
+          </p:nvSpPr>
+          <p:spPr>
+            <a:xfrm>
+              <a:off x="4378297" y="4979938"/>
+              <a:ext cx="1642501" cy="369332"/>
+            </a:xfrm>
+            <a:prstGeom prst="rect">
+              <a:avLst/>
+            </a:prstGeom>
+            <a:noFill/>
+          </p:spPr>
+          <p:txBody>
+            <a:bodyPr wrap="none" rtlCol="0">
+              <a:spAutoFit/>
+            </a:bodyPr>
+            <a:lstStyle/>
+            <a:p>
+              <a:r>
+                <a:rPr lang="de-DE" dirty="0" err="1" smtClean="0"/>
+                <a:t>Sliding</a:t>
+              </a:r>
+              <a:r>
+                <a:rPr lang="de-DE" dirty="0" smtClean="0"/>
+                <a:t> </a:t>
+              </a:r>
+              <a:r>
+                <a:rPr lang="de-DE" dirty="0" err="1" smtClean="0"/>
+                <a:t>Window</a:t>
+              </a:r>
               <a:endParaRPr lang="en-US" dirty="0"/>
             </a:p>
           </p:txBody>
         </p:sp>
         <p:sp>
           <p:nvSpPr>
-            <p:cNvPr id="22" name="Rechteck 21"/>
-            <p:cNvSpPr/>
+            <p:cNvPr id="50" name="Textfeld 49"/>
+            <p:cNvSpPr txBox="1"/>
             <p:nvPr/>
           </p:nvSpPr>
           <p:spPr>
             <a:xfrm>
-              <a:off x="2303748" y="1323964"/>
-              <a:ext cx="1512168" cy="719292"/>
+              <a:off x="6358517" y="2256988"/>
+              <a:ext cx="494046" cy="369332"/>
             </a:xfrm>
             <a:prstGeom prst="rect">
               <a:avLst/>
             </a:prstGeom>
             <a:noFill/>
-            <a:ln>
-              <a:solidFill>
-                <a:srgbClr val="92D050"/>
-              </a:solidFill>
-            </a:ln>
           </p:spPr>
-          <p:style>
-            <a:lnRef idx="2">
-              <a:schemeClr val="accent1">
-                <a:shade val="50000"/>
-              </a:schemeClr>
-            </a:lnRef>
-            <a:fillRef idx="1">
-              <a:schemeClr val="accent1"/>
-            </a:fillRef>
-            <a:effectRef idx="0">
-              <a:schemeClr val="accent1"/>
-            </a:effectRef>
-            <a:fontRef idx="minor">
-              <a:schemeClr val="lt1"/>
-            </a:fontRef>
-          </p:style>
           <p:txBody>
-            <a:bodyPr rtlCol="0" anchor="ctr"/>
+            <a:bodyPr wrap="none" rtlCol="0">
+              <a:spAutoFit/>
+            </a:bodyPr>
             <a:lstStyle/>
             <a:p>
-              <a:pPr algn="ctr"/>
-              <a:endParaRPr lang="en-US"/>
-            </a:p>
-          </p:txBody>
-        </p:sp>
-      </p:grpSp>
-      <p:grpSp>
-        <p:nvGrpSpPr>
-          <p:cNvPr id="23" name="Gruppieren 22"/>
-          <p:cNvGrpSpPr/>
-          <p:nvPr/>
-        </p:nvGrpSpPr>
-        <p:grpSpPr>
-          <a:xfrm>
-            <a:off x="2218404" y="3859168"/>
-            <a:ext cx="4140113" cy="719292"/>
-            <a:chOff x="1656023" y="1323964"/>
-            <a:chExt cx="4140113" cy="719292"/>
-          </a:xfrm>
-        </p:grpSpPr>
-        <p:sp>
-          <p:nvSpPr>
-            <p:cNvPr id="24" name="Rechteck 23"/>
-            <p:cNvSpPr/>
-            <p:nvPr/>
-          </p:nvSpPr>
-          <p:spPr>
-            <a:xfrm>
-              <a:off x="1656023" y="1503610"/>
-              <a:ext cx="4140113" cy="360000"/>
-            </a:xfrm>
-            <a:prstGeom prst="rect">
-              <a:avLst/>
-            </a:prstGeom>
-          </p:spPr>
-          <p:style>
-            <a:lnRef idx="2">
-              <a:schemeClr val="accent1">
-                <a:shade val="50000"/>
-              </a:schemeClr>
-            </a:lnRef>
-            <a:fillRef idx="1">
-              <a:schemeClr val="accent1"/>
-            </a:fillRef>
-            <a:effectRef idx="0">
-              <a:schemeClr val="accent1"/>
-            </a:effectRef>
-            <a:fontRef idx="minor">
-              <a:schemeClr val="lt1"/>
-            </a:fontRef>
-          </p:style>
-          <p:txBody>
-            <a:bodyPr rtlCol="0" anchor="ctr"/>
-            <a:lstStyle/>
-            <a:p>
-              <a:pPr algn="ctr"/>
+              <a:r>
+                <a:rPr lang="de-DE" dirty="0"/>
+                <a:t>t</a:t>
+              </a:r>
+              <a:r>
+                <a:rPr lang="de-DE" dirty="0" smtClean="0"/>
+                <a:t>_1</a:t>
+              </a:r>
               <a:endParaRPr lang="en-US" dirty="0"/>
             </a:p>
           </p:txBody>
         </p:sp>
         <p:sp>
           <p:nvSpPr>
-            <p:cNvPr id="25" name="Rechteck 24"/>
-            <p:cNvSpPr/>
+            <p:cNvPr id="51" name="Textfeld 50"/>
+            <p:cNvSpPr txBox="1"/>
             <p:nvPr/>
           </p:nvSpPr>
           <p:spPr>
             <a:xfrm>
-              <a:off x="3059832" y="1323964"/>
-              <a:ext cx="1512168" cy="719292"/>
+              <a:off x="6343116" y="3156984"/>
+              <a:ext cx="494046" cy="369332"/>
             </a:xfrm>
             <a:prstGeom prst="rect">
               <a:avLst/>
             </a:prstGeom>
             <a:noFill/>
-            <a:ln>
-              <a:solidFill>
-                <a:srgbClr val="92D050"/>
-              </a:solidFill>
-            </a:ln>
           </p:spPr>
-          <p:style>
-            <a:lnRef idx="2">
-              <a:schemeClr val="accent1">
-                <a:shade val="50000"/>
-              </a:schemeClr>
-            </a:lnRef>
-            <a:fillRef idx="1">
-              <a:schemeClr val="accent1"/>
-            </a:fillRef>
-            <a:effectRef idx="0">
-              <a:schemeClr val="accent1"/>
-            </a:effectRef>
-            <a:fontRef idx="minor">
-              <a:schemeClr val="lt1"/>
-            </a:fontRef>
-          </p:style>
           <p:txBody>
-            <a:bodyPr rtlCol="0" anchor="ctr"/>
+            <a:bodyPr wrap="none" rtlCol="0">
+              <a:spAutoFit/>
+            </a:bodyPr>
             <a:lstStyle/>
             <a:p>
-              <a:pPr algn="ctr"/>
-              <a:endParaRPr lang="en-US"/>
+              <a:r>
+                <a:rPr lang="de-DE" dirty="0"/>
+                <a:t>t</a:t>
+              </a:r>
+              <a:r>
+                <a:rPr lang="de-DE" dirty="0" smtClean="0"/>
+                <a:t>_2</a:t>
+              </a:r>
+              <a:endParaRPr lang="en-US" dirty="0"/>
+            </a:p>
+          </p:txBody>
+        </p:sp>
+        <p:sp>
+          <p:nvSpPr>
+            <p:cNvPr id="52" name="Textfeld 51"/>
+            <p:cNvSpPr txBox="1"/>
+            <p:nvPr/>
+          </p:nvSpPr>
+          <p:spPr>
+            <a:xfrm>
+              <a:off x="6358517" y="4029482"/>
+              <a:ext cx="494046" cy="369332"/>
+            </a:xfrm>
+            <a:prstGeom prst="rect">
+              <a:avLst/>
+            </a:prstGeom>
+            <a:noFill/>
+          </p:spPr>
+          <p:txBody>
+            <a:bodyPr wrap="none" rtlCol="0">
+              <a:spAutoFit/>
+            </a:bodyPr>
+            <a:lstStyle/>
+            <a:p>
+              <a:r>
+                <a:rPr lang="de-DE" dirty="0"/>
+                <a:t>t</a:t>
+              </a:r>
+              <a:r>
+                <a:rPr lang="de-DE" dirty="0" smtClean="0"/>
+                <a:t>_3</a:t>
+              </a:r>
+              <a:endParaRPr lang="en-US" dirty="0"/>
             </a:p>
           </p:txBody>
         </p:sp>
       </p:grpSp>
-      <p:sp>
-        <p:nvSpPr>
-          <p:cNvPr id="26" name="Pfeil nach links 25"/>
-          <p:cNvSpPr/>
-          <p:nvPr/>
-        </p:nvSpPr>
-        <p:spPr>
-          <a:xfrm>
-            <a:off x="4118698" y="1727344"/>
-            <a:ext cx="2095803" cy="386828"/>
-          </a:xfrm>
-          <a:prstGeom prst="leftArrow">
-            <a:avLst/>
-          </a:prstGeom>
-        </p:spPr>
-        <p:style>
-          <a:lnRef idx="2">
-            <a:schemeClr val="accent6">
-              <a:shade val="50000"/>
-            </a:schemeClr>
-          </a:lnRef>
-          <a:fillRef idx="1">
-            <a:schemeClr val="accent6"/>
-          </a:fillRef>
-          <a:effectRef idx="0">
-            <a:schemeClr val="accent6"/>
-          </a:effectRef>
-          <a:fontRef idx="minor">
-            <a:schemeClr val="lt1"/>
-          </a:fontRef>
-        </p:style>
-        <p:txBody>
-          <a:bodyPr rtlCol="0" anchor="ctr"/>
-          <a:lstStyle/>
-          <a:p>
-            <a:pPr algn="ctr"/>
-            <a:endParaRPr lang="en-US"/>
-          </a:p>
-        </p:txBody>
-      </p:sp>
-      <p:sp>
-        <p:nvSpPr>
-          <p:cNvPr id="27" name="Textfeld 26"/>
-          <p:cNvSpPr txBox="1"/>
-          <p:nvPr/>
-        </p:nvSpPr>
-        <p:spPr>
-          <a:xfrm>
-            <a:off x="4702333" y="1482904"/>
-            <a:ext cx="1029321" cy="369332"/>
-          </a:xfrm>
-          <a:prstGeom prst="rect">
-            <a:avLst/>
-          </a:prstGeom>
-          <a:noFill/>
-        </p:spPr>
-        <p:txBody>
-          <a:bodyPr wrap="none" rtlCol="0">
-            <a:spAutoFit/>
-          </a:bodyPr>
-          <a:lstStyle/>
-          <a:p>
-            <a:r>
-              <a:rPr lang="de-DE" dirty="0" smtClean="0"/>
-              <a:t>Add </a:t>
-            </a:r>
-            <a:r>
-              <a:rPr lang="de-DE" dirty="0" err="1" smtClean="0"/>
-              <a:t>data</a:t>
-            </a:r>
-            <a:endParaRPr lang="en-US" dirty="0"/>
-          </a:p>
-        </p:txBody>
-      </p:sp>
-      <p:cxnSp>
-        <p:nvCxnSpPr>
-          <p:cNvPr id="35" name="Gerade Verbindung 34"/>
-          <p:cNvCxnSpPr/>
-          <p:nvPr/>
-        </p:nvCxnSpPr>
-        <p:spPr>
-          <a:xfrm flipH="1">
-            <a:off x="1894021" y="2779048"/>
-            <a:ext cx="216024" cy="0"/>
-          </a:xfrm>
-          <a:prstGeom prst="line">
-            <a:avLst/>
-          </a:prstGeom>
-        </p:spPr>
-        <p:style>
-          <a:lnRef idx="1">
-            <a:schemeClr val="dk1"/>
-          </a:lnRef>
-          <a:fillRef idx="0">
-            <a:schemeClr val="dk1"/>
-          </a:fillRef>
-          <a:effectRef idx="0">
-            <a:schemeClr val="dk1"/>
-          </a:effectRef>
-          <a:fontRef idx="minor">
-            <a:schemeClr val="tx1"/>
-          </a:fontRef>
-        </p:style>
-      </p:cxnSp>
-      <p:cxnSp>
-        <p:nvCxnSpPr>
-          <p:cNvPr id="37" name="Gerade Verbindung 36"/>
-          <p:cNvCxnSpPr/>
-          <p:nvPr/>
-        </p:nvCxnSpPr>
-        <p:spPr>
-          <a:xfrm flipH="1">
-            <a:off x="1894021" y="3643144"/>
-            <a:ext cx="972108" cy="0"/>
-          </a:xfrm>
-          <a:prstGeom prst="line">
-            <a:avLst/>
-          </a:prstGeom>
-        </p:spPr>
-        <p:style>
-          <a:lnRef idx="1">
-            <a:schemeClr val="dk1"/>
-          </a:lnRef>
-          <a:fillRef idx="0">
-            <a:schemeClr val="dk1"/>
-          </a:fillRef>
-          <a:effectRef idx="0">
-            <a:schemeClr val="dk1"/>
-          </a:effectRef>
-          <a:fontRef idx="minor">
-            <a:schemeClr val="tx1"/>
-          </a:fontRef>
-        </p:style>
-      </p:cxnSp>
-      <p:cxnSp>
-        <p:nvCxnSpPr>
-          <p:cNvPr id="39" name="Gerade Verbindung 38"/>
-          <p:cNvCxnSpPr/>
-          <p:nvPr/>
-        </p:nvCxnSpPr>
-        <p:spPr>
-          <a:xfrm flipH="1">
-            <a:off x="1894021" y="4507240"/>
-            <a:ext cx="1728192" cy="0"/>
-          </a:xfrm>
-          <a:prstGeom prst="line">
-            <a:avLst/>
-          </a:prstGeom>
-        </p:spPr>
-        <p:style>
-          <a:lnRef idx="1">
-            <a:schemeClr val="dk1"/>
-          </a:lnRef>
-          <a:fillRef idx="0">
-            <a:schemeClr val="dk1"/>
-          </a:fillRef>
-          <a:effectRef idx="0">
-            <a:schemeClr val="dk1"/>
-          </a:effectRef>
-          <a:fontRef idx="minor">
-            <a:schemeClr val="tx1"/>
-          </a:fontRef>
-        </p:style>
-      </p:cxnSp>
-      <p:cxnSp>
-        <p:nvCxnSpPr>
-          <p:cNvPr id="41" name="Gerade Verbindung mit Pfeil 40"/>
-          <p:cNvCxnSpPr/>
-          <p:nvPr/>
-        </p:nvCxnSpPr>
-        <p:spPr>
-          <a:xfrm>
-            <a:off x="1894021" y="2780950"/>
-            <a:ext cx="0" cy="2520280"/>
-          </a:xfrm>
-          <a:prstGeom prst="straightConnector1">
-            <a:avLst/>
-          </a:prstGeom>
-          <a:ln>
-            <a:tailEnd type="arrow"/>
-          </a:ln>
-        </p:spPr>
-        <p:style>
-          <a:lnRef idx="1">
-            <a:schemeClr val="dk1"/>
-          </a:lnRef>
-          <a:fillRef idx="0">
-            <a:schemeClr val="dk1"/>
-          </a:fillRef>
-          <a:effectRef idx="0">
-            <a:schemeClr val="dk1"/>
-          </a:effectRef>
-          <a:fontRef idx="minor">
-            <a:schemeClr val="tx1"/>
-          </a:fontRef>
-        </p:style>
-      </p:cxnSp>
-      <p:sp>
-        <p:nvSpPr>
-          <p:cNvPr id="45" name="Textfeld 44"/>
-          <p:cNvSpPr txBox="1"/>
-          <p:nvPr/>
-        </p:nvSpPr>
-        <p:spPr>
-          <a:xfrm>
-            <a:off x="1843002" y="4795272"/>
-            <a:ext cx="1419171" cy="369332"/>
-          </a:xfrm>
-          <a:prstGeom prst="rect">
-            <a:avLst/>
-          </a:prstGeom>
-          <a:noFill/>
-        </p:spPr>
-        <p:txBody>
-          <a:bodyPr wrap="none" rtlCol="0">
-            <a:spAutoFit/>
-          </a:bodyPr>
-          <a:lstStyle/>
-          <a:p>
-            <a:r>
-              <a:rPr lang="de-DE" dirty="0" err="1" smtClean="0"/>
-              <a:t>Calculate</a:t>
-            </a:r>
-            <a:r>
-              <a:rPr lang="de-DE" dirty="0" smtClean="0"/>
-              <a:t> FFT</a:t>
-            </a:r>
-            <a:endParaRPr lang="en-US" dirty="0"/>
-          </a:p>
-        </p:txBody>
-      </p:sp>
-      <p:cxnSp>
-        <p:nvCxnSpPr>
-          <p:cNvPr id="47" name="Gerade Verbindung mit Pfeil 46"/>
-          <p:cNvCxnSpPr>
-            <a:stCxn id="48" idx="0"/>
-          </p:cNvCxnSpPr>
-          <p:nvPr/>
-        </p:nvCxnSpPr>
-        <p:spPr>
-          <a:xfrm flipH="1" flipV="1">
-            <a:off x="5062373" y="4578460"/>
-            <a:ext cx="137175" cy="401478"/>
-          </a:xfrm>
-          <a:prstGeom prst="straightConnector1">
-            <a:avLst/>
-          </a:prstGeom>
-          <a:ln>
-            <a:tailEnd type="arrow"/>
-          </a:ln>
-        </p:spPr>
-        <p:style>
-          <a:lnRef idx="1">
-            <a:schemeClr val="accent3"/>
-          </a:lnRef>
-          <a:fillRef idx="0">
-            <a:schemeClr val="accent3"/>
-          </a:fillRef>
-          <a:effectRef idx="0">
-            <a:schemeClr val="accent3"/>
-          </a:effectRef>
-          <a:fontRef idx="minor">
-            <a:schemeClr val="tx1"/>
-          </a:fontRef>
-        </p:style>
-      </p:cxnSp>
-      <p:sp>
-        <p:nvSpPr>
-          <p:cNvPr id="48" name="Textfeld 47"/>
-          <p:cNvSpPr txBox="1"/>
-          <p:nvPr/>
-        </p:nvSpPr>
-        <p:spPr>
-          <a:xfrm>
-            <a:off x="4378297" y="4979938"/>
-            <a:ext cx="1642501" cy="369332"/>
-          </a:xfrm>
-          <a:prstGeom prst="rect">
-            <a:avLst/>
-          </a:prstGeom>
-          <a:noFill/>
-        </p:spPr>
-        <p:txBody>
-          <a:bodyPr wrap="none" rtlCol="0">
-            <a:spAutoFit/>
-          </a:bodyPr>
-          <a:lstStyle/>
-          <a:p>
-            <a:r>
-              <a:rPr lang="de-DE" dirty="0" err="1" smtClean="0"/>
-              <a:t>Sliding</a:t>
-            </a:r>
-            <a:r>
-              <a:rPr lang="de-DE" dirty="0" smtClean="0"/>
-              <a:t> </a:t>
-            </a:r>
-            <a:r>
-              <a:rPr lang="de-DE" dirty="0" err="1" smtClean="0"/>
-              <a:t>Window</a:t>
-            </a:r>
-            <a:endParaRPr lang="en-US" dirty="0"/>
-          </a:p>
-        </p:txBody>
-      </p:sp>
-      <p:sp>
-        <p:nvSpPr>
-          <p:cNvPr id="50" name="Textfeld 49"/>
-          <p:cNvSpPr txBox="1"/>
-          <p:nvPr/>
-        </p:nvSpPr>
-        <p:spPr>
-          <a:xfrm>
-            <a:off x="6358517" y="2256988"/>
-            <a:ext cx="494046" cy="369332"/>
-          </a:xfrm>
-          <a:prstGeom prst="rect">
-            <a:avLst/>
-          </a:prstGeom>
-          <a:noFill/>
-        </p:spPr>
-        <p:txBody>
-          <a:bodyPr wrap="none" rtlCol="0">
-            <a:spAutoFit/>
-          </a:bodyPr>
-          <a:lstStyle/>
-          <a:p>
-            <a:r>
-              <a:rPr lang="de-DE" dirty="0"/>
-              <a:t>t</a:t>
-            </a:r>
-            <a:r>
-              <a:rPr lang="de-DE" dirty="0" smtClean="0"/>
-              <a:t>_1</a:t>
-            </a:r>
-            <a:endParaRPr lang="en-US" dirty="0"/>
-          </a:p>
-        </p:txBody>
-      </p:sp>
-      <p:sp>
-        <p:nvSpPr>
-          <p:cNvPr id="51" name="Textfeld 50"/>
-          <p:cNvSpPr txBox="1"/>
-          <p:nvPr/>
-        </p:nvSpPr>
-        <p:spPr>
-          <a:xfrm>
-            <a:off x="6343116" y="3156984"/>
-            <a:ext cx="494046" cy="369332"/>
-          </a:xfrm>
-          <a:prstGeom prst="rect">
-            <a:avLst/>
-          </a:prstGeom>
-          <a:noFill/>
-        </p:spPr>
-        <p:txBody>
-          <a:bodyPr wrap="none" rtlCol="0">
-            <a:spAutoFit/>
-          </a:bodyPr>
-          <a:lstStyle/>
-          <a:p>
-            <a:r>
-              <a:rPr lang="de-DE" dirty="0"/>
-              <a:t>t</a:t>
-            </a:r>
-            <a:r>
-              <a:rPr lang="de-DE" dirty="0" smtClean="0"/>
-              <a:t>_2</a:t>
-            </a:r>
-            <a:endParaRPr lang="en-US" dirty="0"/>
-          </a:p>
-        </p:txBody>
-      </p:sp>
-      <p:sp>
-        <p:nvSpPr>
-          <p:cNvPr id="52" name="Textfeld 51"/>
-          <p:cNvSpPr txBox="1"/>
-          <p:nvPr/>
-        </p:nvSpPr>
-        <p:spPr>
-          <a:xfrm>
-            <a:off x="6358517" y="4029482"/>
-            <a:ext cx="494046" cy="369332"/>
-          </a:xfrm>
-          <a:prstGeom prst="rect">
-            <a:avLst/>
-          </a:prstGeom>
-          <a:noFill/>
-        </p:spPr>
-        <p:txBody>
-          <a:bodyPr wrap="none" rtlCol="0">
-            <a:spAutoFit/>
-          </a:bodyPr>
-          <a:lstStyle/>
-          <a:p>
-            <a:r>
-              <a:rPr lang="de-DE" dirty="0"/>
-              <a:t>t</a:t>
-            </a:r>
-            <a:r>
-              <a:rPr lang="de-DE" dirty="0" smtClean="0"/>
-              <a:t>_3</a:t>
-            </a:r>
-            <a:endParaRPr lang="en-US" dirty="0"/>
-          </a:p>
-        </p:txBody>
-      </p:sp>
     </p:spTree>
     <p:extLst>
       <p:ext uri="{BB962C8B-B14F-4D97-AF65-F5344CB8AC3E}">
@@ -17911,296 +17956,311 @@
           <a:chExt cx="0" cy="0"/>
         </a:xfrm>
       </p:grpSpPr>
-      <p:pic>
-        <p:nvPicPr>
-          <p:cNvPr id="2" name="Picture 2" descr="E:\Data\HTWG\Semester 6\Ubicom\Documentation\images\prototype.jpg"/>
-          <p:cNvPicPr>
-            <a:picLocks noChangeAspect="1" noChangeArrowheads="1"/>
-          </p:cNvPicPr>
+      <p:grpSp>
+        <p:nvGrpSpPr>
+          <p:cNvPr id="3" name="Gruppieren 2"/>
+          <p:cNvGrpSpPr/>
           <p:nvPr/>
-        </p:nvPicPr>
-        <p:blipFill>
-          <a:blip r:embed="rId2" cstate="print">
-            <a:extLst>
-              <a:ext uri="{28A0092B-C50C-407E-A947-70E740481C1C}">
-                <a14:useLocalDpi xmlns:a14="http://schemas.microsoft.com/office/drawing/2010/main" val="0"/>
-              </a:ext>
-            </a:extLst>
-          </a:blip>
-          <a:srcRect/>
-          <a:stretch>
-            <a:fillRect/>
-          </a:stretch>
-        </p:blipFill>
-        <p:spPr bwMode="auto">
+        </p:nvGrpSpPr>
+        <p:grpSpPr>
           <a:xfrm>
             <a:off x="647564" y="350596"/>
             <a:ext cx="7848872" cy="6156808"/>
+            <a:chOff x="647564" y="350596"/>
+            <a:chExt cx="7848872" cy="6156808"/>
           </a:xfrm>
-          <a:prstGeom prst="rect">
-            <a:avLst/>
-          </a:prstGeom>
-          <a:noFill/>
-          <a:extLst>
-            <a:ext uri="{909E8E84-426E-40DD-AFC4-6F175D3DCCD1}">
-              <a14:hiddenFill xmlns:a14="http://schemas.microsoft.com/office/drawing/2010/main">
-                <a:solidFill>
-                  <a:srgbClr val="FFFFFF"/>
-                </a:solidFill>
-              </a14:hiddenFill>
-            </a:ext>
-          </a:extLst>
-        </p:spPr>
-      </p:pic>
-      <p:sp>
-        <p:nvSpPr>
-          <p:cNvPr id="4" name="Textfeld 3"/>
-          <p:cNvSpPr txBox="1"/>
-          <p:nvPr/>
-        </p:nvSpPr>
-        <p:spPr>
-          <a:xfrm>
-            <a:off x="5286673" y="4581128"/>
-            <a:ext cx="948465" cy="369332"/>
-          </a:xfrm>
-          <a:prstGeom prst="rect">
-            <a:avLst/>
-          </a:prstGeom>
-        </p:spPr>
-        <p:style>
-          <a:lnRef idx="3">
-            <a:schemeClr val="lt1"/>
-          </a:lnRef>
-          <a:fillRef idx="1">
-            <a:schemeClr val="accent3"/>
-          </a:fillRef>
-          <a:effectRef idx="1">
-            <a:schemeClr val="accent3"/>
-          </a:effectRef>
-          <a:fontRef idx="minor">
-            <a:schemeClr val="lt1"/>
-          </a:fontRef>
-        </p:style>
-        <p:txBody>
-          <a:bodyPr wrap="none" rtlCol="0">
-            <a:spAutoFit/>
-          </a:bodyPr>
-          <a:lstStyle/>
-          <a:p>
-            <a:r>
-              <a:rPr lang="de-DE" dirty="0" err="1" smtClean="0"/>
-              <a:t>Red</a:t>
-            </a:r>
-            <a:r>
-              <a:rPr lang="de-DE" dirty="0" smtClean="0"/>
-              <a:t> LED</a:t>
-            </a:r>
-            <a:endParaRPr lang="en-US" dirty="0"/>
-          </a:p>
-        </p:txBody>
-      </p:sp>
-      <p:sp>
-        <p:nvSpPr>
-          <p:cNvPr id="5" name="Textfeld 4"/>
-          <p:cNvSpPr txBox="1"/>
-          <p:nvPr/>
-        </p:nvSpPr>
-        <p:spPr>
-          <a:xfrm>
-            <a:off x="777548" y="5998378"/>
-            <a:ext cx="1896673" cy="369332"/>
-          </a:xfrm>
-          <a:prstGeom prst="rect">
-            <a:avLst/>
-          </a:prstGeom>
-        </p:spPr>
-        <p:style>
-          <a:lnRef idx="3">
-            <a:schemeClr val="lt1"/>
-          </a:lnRef>
-          <a:fillRef idx="1">
-            <a:schemeClr val="accent3"/>
-          </a:fillRef>
-          <a:effectRef idx="1">
-            <a:schemeClr val="accent3"/>
-          </a:effectRef>
-          <a:fontRef idx="minor">
-            <a:schemeClr val="lt1"/>
-          </a:fontRef>
-        </p:style>
-        <p:txBody>
-          <a:bodyPr wrap="none" rtlCol="0">
-            <a:spAutoFit/>
-          </a:bodyPr>
-          <a:lstStyle/>
-          <a:p>
-            <a:r>
-              <a:rPr lang="de-DE" dirty="0" err="1" smtClean="0"/>
-              <a:t>Luminosity</a:t>
-            </a:r>
-            <a:r>
-              <a:rPr lang="de-DE" dirty="0" smtClean="0"/>
-              <a:t> Sensor</a:t>
-            </a:r>
-            <a:endParaRPr lang="en-US" dirty="0"/>
-          </a:p>
-        </p:txBody>
-      </p:sp>
-      <p:cxnSp>
-        <p:nvCxnSpPr>
-          <p:cNvPr id="7" name="Gerade Verbindung mit Pfeil 6"/>
-          <p:cNvCxnSpPr>
-            <a:stCxn id="5" idx="0"/>
-          </p:cNvCxnSpPr>
-          <p:nvPr/>
-        </p:nvCxnSpPr>
-        <p:spPr>
-          <a:xfrm flipV="1">
-            <a:off x="1725885" y="4221088"/>
-            <a:ext cx="757883" cy="1777290"/>
-          </a:xfrm>
-          <a:prstGeom prst="straightConnector1">
-            <a:avLst/>
-          </a:prstGeom>
-          <a:ln>
-            <a:tailEnd type="arrow"/>
-          </a:ln>
-        </p:spPr>
-        <p:style>
-          <a:lnRef idx="3">
-            <a:schemeClr val="accent3"/>
-          </a:lnRef>
-          <a:fillRef idx="0">
-            <a:schemeClr val="accent3"/>
-          </a:fillRef>
-          <a:effectRef idx="2">
-            <a:schemeClr val="accent3"/>
-          </a:effectRef>
-          <a:fontRef idx="minor">
-            <a:schemeClr val="tx1"/>
-          </a:fontRef>
-        </p:style>
-      </p:cxnSp>
-      <p:cxnSp>
-        <p:nvCxnSpPr>
-          <p:cNvPr id="9" name="Gerade Verbindung mit Pfeil 8"/>
-          <p:cNvCxnSpPr>
-            <a:stCxn id="4" idx="1"/>
-          </p:cNvCxnSpPr>
-          <p:nvPr/>
-        </p:nvCxnSpPr>
-        <p:spPr>
-          <a:xfrm flipH="1" flipV="1">
-            <a:off x="2555776" y="3501008"/>
-            <a:ext cx="2730897" cy="1264786"/>
-          </a:xfrm>
-          <a:prstGeom prst="straightConnector1">
-            <a:avLst/>
-          </a:prstGeom>
-          <a:ln>
-            <a:tailEnd type="arrow"/>
-          </a:ln>
-        </p:spPr>
-        <p:style>
-          <a:lnRef idx="3">
-            <a:schemeClr val="accent3"/>
-          </a:lnRef>
-          <a:fillRef idx="0">
-            <a:schemeClr val="accent3"/>
-          </a:fillRef>
-          <a:effectRef idx="2">
-            <a:schemeClr val="accent3"/>
-          </a:effectRef>
-          <a:fontRef idx="minor">
-            <a:schemeClr val="tx1"/>
-          </a:fontRef>
-        </p:style>
-      </p:cxnSp>
-      <p:sp>
-        <p:nvSpPr>
-          <p:cNvPr id="13" name="Textfeld 12"/>
-          <p:cNvSpPr txBox="1"/>
-          <p:nvPr/>
-        </p:nvSpPr>
-        <p:spPr>
-          <a:xfrm>
-            <a:off x="6444208" y="5444380"/>
-            <a:ext cx="1826077" cy="923330"/>
-          </a:xfrm>
-          <a:prstGeom prst="rect">
-            <a:avLst/>
-          </a:prstGeom>
-        </p:spPr>
-        <p:style>
-          <a:lnRef idx="3">
-            <a:schemeClr val="lt1"/>
-          </a:lnRef>
-          <a:fillRef idx="1">
-            <a:schemeClr val="accent3"/>
-          </a:fillRef>
-          <a:effectRef idx="1">
-            <a:schemeClr val="accent3"/>
-          </a:effectRef>
-          <a:fontRef idx="minor">
-            <a:schemeClr val="lt1"/>
-          </a:fontRef>
-        </p:style>
-        <p:txBody>
-          <a:bodyPr wrap="none" rtlCol="0">
-            <a:spAutoFit/>
-          </a:bodyPr>
-          <a:lstStyle/>
-          <a:p>
-            <a:r>
-              <a:rPr lang="de-DE" dirty="0" smtClean="0"/>
-              <a:t>Finger </a:t>
-            </a:r>
-            <a:r>
-              <a:rPr lang="de-DE" dirty="0" err="1" smtClean="0"/>
-              <a:t>is</a:t>
-            </a:r>
-            <a:r>
-              <a:rPr lang="de-DE" dirty="0" smtClean="0"/>
-              <a:t> </a:t>
-            </a:r>
-            <a:r>
-              <a:rPr lang="de-DE" dirty="0" err="1" smtClean="0"/>
-              <a:t>placed</a:t>
-            </a:r>
-            <a:endParaRPr lang="de-DE" dirty="0" smtClean="0"/>
-          </a:p>
-          <a:p>
-            <a:r>
-              <a:rPr lang="de-DE" dirty="0" err="1"/>
-              <a:t>b</a:t>
-            </a:r>
-            <a:r>
-              <a:rPr lang="de-DE" dirty="0" err="1" smtClean="0"/>
-              <a:t>etween</a:t>
-            </a:r>
-            <a:r>
-              <a:rPr lang="de-DE" dirty="0" smtClean="0"/>
-              <a:t> LED </a:t>
-            </a:r>
-            <a:r>
-              <a:rPr lang="de-DE" dirty="0" err="1" smtClean="0"/>
-              <a:t>and</a:t>
-            </a:r>
-            <a:endParaRPr lang="de-DE" dirty="0" smtClean="0"/>
-          </a:p>
-          <a:p>
-            <a:r>
-              <a:rPr lang="de-DE" dirty="0" err="1"/>
-              <a:t>s</a:t>
-            </a:r>
-            <a:r>
-              <a:rPr lang="de-DE" dirty="0" err="1" smtClean="0"/>
-              <a:t>ensor</a:t>
-            </a:r>
-            <a:endParaRPr lang="en-US" dirty="0"/>
-          </a:p>
-        </p:txBody>
-      </p:sp>
+        </p:grpSpPr>
+        <p:pic>
+          <p:nvPicPr>
+            <p:cNvPr id="2" name="Picture 2" descr="E:\Data\HTWG\Semester 6\Ubicom\Documentation\images\prototype.jpg"/>
+            <p:cNvPicPr>
+              <a:picLocks noChangeAspect="1" noChangeArrowheads="1"/>
+            </p:cNvPicPr>
+            <p:nvPr/>
+          </p:nvPicPr>
+          <p:blipFill>
+            <a:blip r:embed="rId2" cstate="print">
+              <a:extLst>
+                <a:ext uri="{28A0092B-C50C-407E-A947-70E740481C1C}">
+                  <a14:useLocalDpi xmlns:a14="http://schemas.microsoft.com/office/drawing/2010/main" val="0"/>
+                </a:ext>
+              </a:extLst>
+            </a:blip>
+            <a:srcRect/>
+            <a:stretch>
+              <a:fillRect/>
+            </a:stretch>
+          </p:blipFill>
+          <p:spPr bwMode="auto">
+            <a:xfrm>
+              <a:off x="647564" y="350596"/>
+              <a:ext cx="7848872" cy="6156808"/>
+            </a:xfrm>
+            <a:prstGeom prst="rect">
+              <a:avLst/>
+            </a:prstGeom>
+            <a:noFill/>
+            <a:extLst>
+              <a:ext uri="{909E8E84-426E-40DD-AFC4-6F175D3DCCD1}">
+                <a14:hiddenFill xmlns:a14="http://schemas.microsoft.com/office/drawing/2010/main">
+                  <a:solidFill>
+                    <a:srgbClr val="FFFFFF"/>
+                  </a:solidFill>
+                </a14:hiddenFill>
+              </a:ext>
+            </a:extLst>
+          </p:spPr>
+        </p:pic>
+        <p:sp>
+          <p:nvSpPr>
+            <p:cNvPr id="4" name="Textfeld 3"/>
+            <p:cNvSpPr txBox="1"/>
+            <p:nvPr/>
+          </p:nvSpPr>
+          <p:spPr>
+            <a:xfrm>
+              <a:off x="5286673" y="4581128"/>
+              <a:ext cx="948465" cy="369332"/>
+            </a:xfrm>
+            <a:prstGeom prst="rect">
+              <a:avLst/>
+            </a:prstGeom>
+          </p:spPr>
+          <p:style>
+            <a:lnRef idx="3">
+              <a:schemeClr val="lt1"/>
+            </a:lnRef>
+            <a:fillRef idx="1">
+              <a:schemeClr val="accent3"/>
+            </a:fillRef>
+            <a:effectRef idx="1">
+              <a:schemeClr val="accent3"/>
+            </a:effectRef>
+            <a:fontRef idx="minor">
+              <a:schemeClr val="lt1"/>
+            </a:fontRef>
+          </p:style>
+          <p:txBody>
+            <a:bodyPr wrap="none" rtlCol="0">
+              <a:spAutoFit/>
+            </a:bodyPr>
+            <a:lstStyle/>
+            <a:p>
+              <a:r>
+                <a:rPr lang="de-DE" dirty="0" err="1" smtClean="0"/>
+                <a:t>Red</a:t>
+              </a:r>
+              <a:r>
+                <a:rPr lang="de-DE" dirty="0" smtClean="0"/>
+                <a:t> LED</a:t>
+              </a:r>
+              <a:endParaRPr lang="en-US" dirty="0"/>
+            </a:p>
+          </p:txBody>
+        </p:sp>
+        <p:sp>
+          <p:nvSpPr>
+            <p:cNvPr id="5" name="Textfeld 4"/>
+            <p:cNvSpPr txBox="1"/>
+            <p:nvPr/>
+          </p:nvSpPr>
+          <p:spPr>
+            <a:xfrm>
+              <a:off x="777548" y="5998378"/>
+              <a:ext cx="1896673" cy="369332"/>
+            </a:xfrm>
+            <a:prstGeom prst="rect">
+              <a:avLst/>
+            </a:prstGeom>
+          </p:spPr>
+          <p:style>
+            <a:lnRef idx="3">
+              <a:schemeClr val="lt1"/>
+            </a:lnRef>
+            <a:fillRef idx="1">
+              <a:schemeClr val="accent3"/>
+            </a:fillRef>
+            <a:effectRef idx="1">
+              <a:schemeClr val="accent3"/>
+            </a:effectRef>
+            <a:fontRef idx="minor">
+              <a:schemeClr val="lt1"/>
+            </a:fontRef>
+          </p:style>
+          <p:txBody>
+            <a:bodyPr wrap="none" rtlCol="0">
+              <a:spAutoFit/>
+            </a:bodyPr>
+            <a:lstStyle/>
+            <a:p>
+              <a:r>
+                <a:rPr lang="de-DE" dirty="0" err="1" smtClean="0"/>
+                <a:t>Luminosity</a:t>
+              </a:r>
+              <a:r>
+                <a:rPr lang="de-DE" dirty="0" smtClean="0"/>
+                <a:t> Sensor</a:t>
+              </a:r>
+              <a:endParaRPr lang="en-US" dirty="0"/>
+            </a:p>
+          </p:txBody>
+        </p:sp>
+        <p:cxnSp>
+          <p:nvCxnSpPr>
+            <p:cNvPr id="7" name="Gerade Verbindung mit Pfeil 6"/>
+            <p:cNvCxnSpPr>
+              <a:stCxn id="5" idx="0"/>
+            </p:cNvCxnSpPr>
+            <p:nvPr/>
+          </p:nvCxnSpPr>
+          <p:spPr>
+            <a:xfrm flipV="1">
+              <a:off x="1725885" y="4221088"/>
+              <a:ext cx="757883" cy="1777290"/>
+            </a:xfrm>
+            <a:prstGeom prst="straightConnector1">
+              <a:avLst/>
+            </a:prstGeom>
+            <a:ln>
+              <a:tailEnd type="arrow"/>
+            </a:ln>
+          </p:spPr>
+          <p:style>
+            <a:lnRef idx="3">
+              <a:schemeClr val="accent3"/>
+            </a:lnRef>
+            <a:fillRef idx="0">
+              <a:schemeClr val="accent3"/>
+            </a:fillRef>
+            <a:effectRef idx="2">
+              <a:schemeClr val="accent3"/>
+            </a:effectRef>
+            <a:fontRef idx="minor">
+              <a:schemeClr val="tx1"/>
+            </a:fontRef>
+          </p:style>
+        </p:cxnSp>
+        <p:cxnSp>
+          <p:nvCxnSpPr>
+            <p:cNvPr id="9" name="Gerade Verbindung mit Pfeil 8"/>
+            <p:cNvCxnSpPr>
+              <a:stCxn id="4" idx="1"/>
+            </p:cNvCxnSpPr>
+            <p:nvPr/>
+          </p:nvCxnSpPr>
+          <p:spPr>
+            <a:xfrm flipH="1" flipV="1">
+              <a:off x="2555776" y="3501008"/>
+              <a:ext cx="2730897" cy="1264786"/>
+            </a:xfrm>
+            <a:prstGeom prst="straightConnector1">
+              <a:avLst/>
+            </a:prstGeom>
+            <a:ln>
+              <a:tailEnd type="arrow"/>
+            </a:ln>
+          </p:spPr>
+          <p:style>
+            <a:lnRef idx="3">
+              <a:schemeClr val="accent3"/>
+            </a:lnRef>
+            <a:fillRef idx="0">
+              <a:schemeClr val="accent3"/>
+            </a:fillRef>
+            <a:effectRef idx="2">
+              <a:schemeClr val="accent3"/>
+            </a:effectRef>
+            <a:fontRef idx="minor">
+              <a:schemeClr val="tx1"/>
+            </a:fontRef>
+          </p:style>
+        </p:cxnSp>
+        <p:sp>
+          <p:nvSpPr>
+            <p:cNvPr id="13" name="Textfeld 12"/>
+            <p:cNvSpPr txBox="1"/>
+            <p:nvPr/>
+          </p:nvSpPr>
+          <p:spPr>
+            <a:xfrm>
+              <a:off x="6444208" y="5444380"/>
+              <a:ext cx="1826077" cy="923330"/>
+            </a:xfrm>
+            <a:prstGeom prst="rect">
+              <a:avLst/>
+            </a:prstGeom>
+          </p:spPr>
+          <p:style>
+            <a:lnRef idx="3">
+              <a:schemeClr val="lt1"/>
+            </a:lnRef>
+            <a:fillRef idx="1">
+              <a:schemeClr val="accent3"/>
+            </a:fillRef>
+            <a:effectRef idx="1">
+              <a:schemeClr val="accent3"/>
+            </a:effectRef>
+            <a:fontRef idx="minor">
+              <a:schemeClr val="lt1"/>
+            </a:fontRef>
+          </p:style>
+          <p:txBody>
+            <a:bodyPr wrap="none" rtlCol="0">
+              <a:spAutoFit/>
+            </a:bodyPr>
+            <a:lstStyle/>
+            <a:p>
+              <a:r>
+                <a:rPr lang="de-DE" dirty="0" smtClean="0"/>
+                <a:t>Finger </a:t>
+              </a:r>
+              <a:r>
+                <a:rPr lang="de-DE" dirty="0" err="1" smtClean="0"/>
+                <a:t>is</a:t>
+              </a:r>
+              <a:r>
+                <a:rPr lang="de-DE" dirty="0" smtClean="0"/>
+                <a:t> </a:t>
+              </a:r>
+              <a:r>
+                <a:rPr lang="de-DE" dirty="0" err="1" smtClean="0"/>
+                <a:t>placed</a:t>
+              </a:r>
+              <a:endParaRPr lang="de-DE" dirty="0" smtClean="0"/>
+            </a:p>
+            <a:p>
+              <a:r>
+                <a:rPr lang="de-DE" dirty="0" err="1"/>
+                <a:t>b</a:t>
+              </a:r>
+              <a:r>
+                <a:rPr lang="de-DE" dirty="0" err="1" smtClean="0"/>
+                <a:t>etween</a:t>
+              </a:r>
+              <a:r>
+                <a:rPr lang="de-DE" dirty="0" smtClean="0"/>
+                <a:t> LED </a:t>
+              </a:r>
+              <a:r>
+                <a:rPr lang="de-DE" dirty="0" err="1" smtClean="0"/>
+                <a:t>and</a:t>
+              </a:r>
+              <a:endParaRPr lang="de-DE" dirty="0" smtClean="0"/>
+            </a:p>
+            <a:p>
+              <a:r>
+                <a:rPr lang="de-DE" dirty="0" err="1"/>
+                <a:t>s</a:t>
+              </a:r>
+              <a:r>
+                <a:rPr lang="de-DE" dirty="0" err="1" smtClean="0"/>
+                <a:t>ensor</a:t>
+              </a:r>
+              <a:endParaRPr lang="en-US" dirty="0"/>
+            </a:p>
+          </p:txBody>
+        </p:sp>
+      </p:grpSp>
     </p:spTree>
     <p:extLst>
       <p:ext uri="{BB962C8B-B14F-4D97-AF65-F5344CB8AC3E}">

--- a/res/HeartRateMonitor.pptx
+++ b/res/HeartRateMonitor.pptx
@@ -5,7 +5,7 @@
     <p:sldMasterId id="2147483648" r:id="rId1"/>
   </p:sldMasterIdLst>
   <p:notesMasterIdLst>
-    <p:notesMasterId r:id="rId33"/>
+    <p:notesMasterId r:id="rId34"/>
   </p:notesMasterIdLst>
   <p:sldIdLst>
     <p:sldId id="256" r:id="rId2"/>
@@ -39,6 +39,7 @@
     <p:sldId id="285" r:id="rId30"/>
     <p:sldId id="286" r:id="rId31"/>
     <p:sldId id="287" r:id="rId32"/>
+    <p:sldId id="288" r:id="rId33"/>
   </p:sldIdLst>
   <p:sldSz cx="9144000" cy="6858000" type="screen4x3"/>
   <p:notesSz cx="6858000" cy="9144000"/>
@@ -222,7 +223,7 @@
           <a:p>
             <a:fld id="{A6ECA08F-F96F-4BD4-A634-E90DA7FFA32E}" type="datetimeFigureOut">
               <a:rPr lang="en-US" smtClean="0"/>
-              <a:t>7/23/2014</a:t>
+              <a:t>8/8/2014</a:t>
             </a:fld>
             <a:endParaRPr lang="en-US"/>
           </a:p>
@@ -3344,7 +3345,7 @@
           <a:p>
             <a:fld id="{1867D673-17F2-4AAF-8773-56A9AD33FE77}" type="datetimeFigureOut">
               <a:rPr lang="de-DE" smtClean="0"/>
-              <a:t>23.07.2014</a:t>
+              <a:t>08.08.2014</a:t>
             </a:fld>
             <a:endParaRPr lang="de-DE"/>
           </a:p>
@@ -3514,7 +3515,7 @@
           <a:p>
             <a:fld id="{1867D673-17F2-4AAF-8773-56A9AD33FE77}" type="datetimeFigureOut">
               <a:rPr lang="de-DE" smtClean="0"/>
-              <a:t>23.07.2014</a:t>
+              <a:t>08.08.2014</a:t>
             </a:fld>
             <a:endParaRPr lang="de-DE"/>
           </a:p>
@@ -3694,7 +3695,7 @@
           <a:p>
             <a:fld id="{1867D673-17F2-4AAF-8773-56A9AD33FE77}" type="datetimeFigureOut">
               <a:rPr lang="de-DE" smtClean="0"/>
-              <a:t>23.07.2014</a:t>
+              <a:t>08.08.2014</a:t>
             </a:fld>
             <a:endParaRPr lang="de-DE"/>
           </a:p>
@@ -3864,7 +3865,7 @@
           <a:p>
             <a:fld id="{1867D673-17F2-4AAF-8773-56A9AD33FE77}" type="datetimeFigureOut">
               <a:rPr lang="de-DE" smtClean="0"/>
-              <a:t>23.07.2014</a:t>
+              <a:t>08.08.2014</a:t>
             </a:fld>
             <a:endParaRPr lang="de-DE"/>
           </a:p>
@@ -4110,7 +4111,7 @@
           <a:p>
             <a:fld id="{1867D673-17F2-4AAF-8773-56A9AD33FE77}" type="datetimeFigureOut">
               <a:rPr lang="de-DE" smtClean="0"/>
-              <a:t>23.07.2014</a:t>
+              <a:t>08.08.2014</a:t>
             </a:fld>
             <a:endParaRPr lang="de-DE"/>
           </a:p>
@@ -4398,7 +4399,7 @@
           <a:p>
             <a:fld id="{1867D673-17F2-4AAF-8773-56A9AD33FE77}" type="datetimeFigureOut">
               <a:rPr lang="de-DE" smtClean="0"/>
-              <a:t>23.07.2014</a:t>
+              <a:t>08.08.2014</a:t>
             </a:fld>
             <a:endParaRPr lang="de-DE"/>
           </a:p>
@@ -4820,7 +4821,7 @@
           <a:p>
             <a:fld id="{1867D673-17F2-4AAF-8773-56A9AD33FE77}" type="datetimeFigureOut">
               <a:rPr lang="de-DE" smtClean="0"/>
-              <a:t>23.07.2014</a:t>
+              <a:t>08.08.2014</a:t>
             </a:fld>
             <a:endParaRPr lang="de-DE"/>
           </a:p>
@@ -4938,7 +4939,7 @@
           <a:p>
             <a:fld id="{1867D673-17F2-4AAF-8773-56A9AD33FE77}" type="datetimeFigureOut">
               <a:rPr lang="de-DE" smtClean="0"/>
-              <a:t>23.07.2014</a:t>
+              <a:t>08.08.2014</a:t>
             </a:fld>
             <a:endParaRPr lang="de-DE"/>
           </a:p>
@@ -5033,7 +5034,7 @@
           <a:p>
             <a:fld id="{1867D673-17F2-4AAF-8773-56A9AD33FE77}" type="datetimeFigureOut">
               <a:rPr lang="de-DE" smtClean="0"/>
-              <a:t>23.07.2014</a:t>
+              <a:t>08.08.2014</a:t>
             </a:fld>
             <a:endParaRPr lang="de-DE"/>
           </a:p>
@@ -5310,7 +5311,7 @@
           <a:p>
             <a:fld id="{1867D673-17F2-4AAF-8773-56A9AD33FE77}" type="datetimeFigureOut">
               <a:rPr lang="de-DE" smtClean="0"/>
-              <a:t>23.07.2014</a:t>
+              <a:t>08.08.2014</a:t>
             </a:fld>
             <a:endParaRPr lang="de-DE"/>
           </a:p>
@@ -5563,7 +5564,7 @@
           <a:p>
             <a:fld id="{1867D673-17F2-4AAF-8773-56A9AD33FE77}" type="datetimeFigureOut">
               <a:rPr lang="de-DE" smtClean="0"/>
-              <a:t>23.07.2014</a:t>
+              <a:t>08.08.2014</a:t>
             </a:fld>
             <a:endParaRPr lang="de-DE"/>
           </a:p>
@@ -5776,7 +5777,7 @@
           <a:p>
             <a:fld id="{1867D673-17F2-4AAF-8773-56A9AD33FE77}" type="datetimeFigureOut">
               <a:rPr lang="de-DE" smtClean="0"/>
-              <a:t>23.07.2014</a:t>
+              <a:t>08.08.2014</a:t>
             </a:fld>
             <a:endParaRPr lang="de-DE"/>
           </a:p>
@@ -18274,6 +18275,615 @@
 </p:sld>
 </file>
 
+<file path=ppt/slides/slide32.xml><?xml version="1.0" encoding="utf-8"?>
+<p:sld xmlns:a="http://schemas.openxmlformats.org/drawingml/2006/main" xmlns:r="http://schemas.openxmlformats.org/officeDocument/2006/relationships" xmlns:p="http://schemas.openxmlformats.org/presentationml/2006/main">
+  <p:cSld>
+    <p:spTree>
+      <p:nvGrpSpPr>
+        <p:cNvPr id="1" name=""/>
+        <p:cNvGrpSpPr/>
+        <p:nvPr/>
+      </p:nvGrpSpPr>
+      <p:grpSpPr>
+        <a:xfrm>
+          <a:off x="0" y="0"/>
+          <a:ext cx="0" cy="0"/>
+          <a:chOff x="0" y="0"/>
+          <a:chExt cx="0" cy="0"/>
+        </a:xfrm>
+      </p:grpSpPr>
+      <p:sp>
+        <p:nvSpPr>
+          <p:cNvPr id="21" name="Rechteck 20"/>
+          <p:cNvSpPr/>
+          <p:nvPr/>
+        </p:nvSpPr>
+        <p:spPr>
+          <a:xfrm>
+            <a:off x="3414954" y="2619288"/>
+            <a:ext cx="1980000" cy="1980000"/>
+          </a:xfrm>
+          <a:prstGeom prst="rect">
+            <a:avLst/>
+          </a:prstGeom>
+          <a:solidFill>
+            <a:schemeClr val="accent5">
+              <a:lumMod val="20000"/>
+              <a:lumOff val="80000"/>
+            </a:schemeClr>
+          </a:solidFill>
+          <a:ln>
+            <a:solidFill>
+              <a:schemeClr val="tx1"/>
+            </a:solidFill>
+          </a:ln>
+        </p:spPr>
+        <p:style>
+          <a:lnRef idx="2">
+            <a:schemeClr val="accent5">
+              <a:shade val="50000"/>
+            </a:schemeClr>
+          </a:lnRef>
+          <a:fillRef idx="1">
+            <a:schemeClr val="accent5"/>
+          </a:fillRef>
+          <a:effectRef idx="0">
+            <a:schemeClr val="accent5"/>
+          </a:effectRef>
+          <a:fontRef idx="minor">
+            <a:schemeClr val="lt1"/>
+          </a:fontRef>
+        </p:style>
+        <p:txBody>
+          <a:bodyPr rtlCol="0" anchor="ctr"/>
+          <a:lstStyle/>
+          <a:p>
+            <a:pPr algn="ctr"/>
+            <a:endParaRPr lang="en-US"/>
+          </a:p>
+        </p:txBody>
+      </p:sp>
+      <p:grpSp>
+        <p:nvGrpSpPr>
+          <p:cNvPr id="20" name="Gruppieren 19"/>
+          <p:cNvGrpSpPr/>
+          <p:nvPr/>
+        </p:nvGrpSpPr>
+        <p:grpSpPr>
+          <a:xfrm>
+            <a:off x="3504954" y="2709288"/>
+            <a:ext cx="1800000" cy="1800000"/>
+            <a:chOff x="3059832" y="2708920"/>
+            <a:chExt cx="2709403" cy="980217"/>
+          </a:xfrm>
+        </p:grpSpPr>
+        <p:grpSp>
+          <p:nvGrpSpPr>
+            <p:cNvPr id="4" name="Gruppieren 3"/>
+            <p:cNvGrpSpPr/>
+            <p:nvPr/>
+          </p:nvGrpSpPr>
+          <p:grpSpPr>
+            <a:xfrm>
+              <a:off x="3059832" y="2708920"/>
+              <a:ext cx="2119875" cy="980217"/>
+              <a:chOff x="6012160" y="5362582"/>
+              <a:chExt cx="2894338" cy="1306778"/>
+            </a:xfrm>
+          </p:grpSpPr>
+          <p:grpSp>
+            <p:nvGrpSpPr>
+              <p:cNvPr id="5" name="Gruppieren 4"/>
+              <p:cNvGrpSpPr/>
+              <p:nvPr/>
+            </p:nvGrpSpPr>
+            <p:grpSpPr>
+              <a:xfrm>
+                <a:off x="6012160" y="5362582"/>
+                <a:ext cx="1584176" cy="1306778"/>
+                <a:chOff x="6012160" y="5362582"/>
+                <a:chExt cx="1584176" cy="1306778"/>
+              </a:xfrm>
+            </p:grpSpPr>
+            <p:cxnSp>
+              <p:nvCxnSpPr>
+                <p:cNvPr id="13" name="Gerade Verbindung 12"/>
+                <p:cNvCxnSpPr/>
+                <p:nvPr/>
+              </p:nvCxnSpPr>
+              <p:spPr>
+                <a:xfrm>
+                  <a:off x="6012160" y="6237312"/>
+                  <a:ext cx="648072" cy="0"/>
+                </a:xfrm>
+                <a:prstGeom prst="line">
+                  <a:avLst/>
+                </a:prstGeom>
+                <a:ln w="38100">
+                  <a:solidFill>
+                    <a:srgbClr val="FF0000"/>
+                  </a:solidFill>
+                </a:ln>
+              </p:spPr>
+              <p:style>
+                <a:lnRef idx="1">
+                  <a:schemeClr val="accent1"/>
+                </a:lnRef>
+                <a:fillRef idx="0">
+                  <a:schemeClr val="accent1"/>
+                </a:fillRef>
+                <a:effectRef idx="0">
+                  <a:schemeClr val="accent1"/>
+                </a:effectRef>
+                <a:fontRef idx="minor">
+                  <a:schemeClr val="tx1"/>
+                </a:fontRef>
+              </p:style>
+            </p:cxnSp>
+            <p:cxnSp>
+              <p:nvCxnSpPr>
+                <p:cNvPr id="14" name="Gerade Verbindung 13"/>
+                <p:cNvCxnSpPr/>
+                <p:nvPr/>
+              </p:nvCxnSpPr>
+              <p:spPr>
+                <a:xfrm flipH="1">
+                  <a:off x="6660232" y="5373216"/>
+                  <a:ext cx="144016" cy="864096"/>
+                </a:xfrm>
+                <a:prstGeom prst="line">
+                  <a:avLst/>
+                </a:prstGeom>
+                <a:ln w="38100">
+                  <a:solidFill>
+                    <a:srgbClr val="FF0000"/>
+                  </a:solidFill>
+                </a:ln>
+              </p:spPr>
+              <p:style>
+                <a:lnRef idx="1">
+                  <a:schemeClr val="accent1"/>
+                </a:lnRef>
+                <a:fillRef idx="0">
+                  <a:schemeClr val="accent1"/>
+                </a:fillRef>
+                <a:effectRef idx="0">
+                  <a:schemeClr val="accent1"/>
+                </a:effectRef>
+                <a:fontRef idx="minor">
+                  <a:schemeClr val="tx1"/>
+                </a:fontRef>
+              </p:style>
+            </p:cxnSp>
+            <p:cxnSp>
+              <p:nvCxnSpPr>
+                <p:cNvPr id="15" name="Gerade Verbindung 14"/>
+                <p:cNvCxnSpPr/>
+                <p:nvPr/>
+              </p:nvCxnSpPr>
+              <p:spPr>
+                <a:xfrm flipH="1" flipV="1">
+                  <a:off x="6821873" y="5362582"/>
+                  <a:ext cx="144016" cy="1306778"/>
+                </a:xfrm>
+                <a:prstGeom prst="line">
+                  <a:avLst/>
+                </a:prstGeom>
+                <a:ln w="38100">
+                  <a:solidFill>
+                    <a:srgbClr val="FF0000"/>
+                  </a:solidFill>
+                </a:ln>
+              </p:spPr>
+              <p:style>
+                <a:lnRef idx="1">
+                  <a:schemeClr val="accent1"/>
+                </a:lnRef>
+                <a:fillRef idx="0">
+                  <a:schemeClr val="accent1"/>
+                </a:fillRef>
+                <a:effectRef idx="0">
+                  <a:schemeClr val="accent1"/>
+                </a:effectRef>
+                <a:fontRef idx="minor">
+                  <a:schemeClr val="tx1"/>
+                </a:fontRef>
+              </p:style>
+            </p:cxnSp>
+            <p:cxnSp>
+              <p:nvCxnSpPr>
+                <p:cNvPr id="16" name="Gerade Verbindung 15"/>
+                <p:cNvCxnSpPr/>
+                <p:nvPr/>
+              </p:nvCxnSpPr>
+              <p:spPr>
+                <a:xfrm flipH="1">
+                  <a:off x="6965890" y="6016239"/>
+                  <a:ext cx="152757" cy="653121"/>
+                </a:xfrm>
+                <a:prstGeom prst="line">
+                  <a:avLst/>
+                </a:prstGeom>
+                <a:ln w="38100">
+                  <a:solidFill>
+                    <a:srgbClr val="FF0000"/>
+                  </a:solidFill>
+                </a:ln>
+              </p:spPr>
+              <p:style>
+                <a:lnRef idx="1">
+                  <a:schemeClr val="accent1"/>
+                </a:lnRef>
+                <a:fillRef idx="0">
+                  <a:schemeClr val="accent1"/>
+                </a:fillRef>
+                <a:effectRef idx="0">
+                  <a:schemeClr val="accent1"/>
+                </a:effectRef>
+                <a:fontRef idx="minor">
+                  <a:schemeClr val="tx1"/>
+                </a:fontRef>
+              </p:style>
+            </p:cxnSp>
+            <p:cxnSp>
+              <p:nvCxnSpPr>
+                <p:cNvPr id="17" name="Gerade Verbindung 16"/>
+                <p:cNvCxnSpPr/>
+                <p:nvPr/>
+              </p:nvCxnSpPr>
+              <p:spPr>
+                <a:xfrm flipH="1" flipV="1">
+                  <a:off x="7118648" y="6016240"/>
+                  <a:ext cx="102548" cy="205098"/>
+                </a:xfrm>
+                <a:prstGeom prst="line">
+                  <a:avLst/>
+                </a:prstGeom>
+                <a:ln w="38100">
+                  <a:solidFill>
+                    <a:srgbClr val="FF0000"/>
+                  </a:solidFill>
+                </a:ln>
+              </p:spPr>
+              <p:style>
+                <a:lnRef idx="1">
+                  <a:schemeClr val="accent1"/>
+                </a:lnRef>
+                <a:fillRef idx="0">
+                  <a:schemeClr val="accent1"/>
+                </a:fillRef>
+                <a:effectRef idx="0">
+                  <a:schemeClr val="accent1"/>
+                </a:effectRef>
+                <a:fontRef idx="minor">
+                  <a:schemeClr val="tx1"/>
+                </a:fontRef>
+              </p:style>
+            </p:cxnSp>
+            <p:cxnSp>
+              <p:nvCxnSpPr>
+                <p:cNvPr id="18" name="Gerade Verbindung 17"/>
+                <p:cNvCxnSpPr/>
+                <p:nvPr/>
+              </p:nvCxnSpPr>
+              <p:spPr>
+                <a:xfrm flipH="1">
+                  <a:off x="7221196" y="6237312"/>
+                  <a:ext cx="375140" cy="0"/>
+                </a:xfrm>
+                <a:prstGeom prst="line">
+                  <a:avLst/>
+                </a:prstGeom>
+                <a:ln w="38100">
+                  <a:solidFill>
+                    <a:srgbClr val="FF0000"/>
+                  </a:solidFill>
+                </a:ln>
+              </p:spPr>
+              <p:style>
+                <a:lnRef idx="1">
+                  <a:schemeClr val="accent1"/>
+                </a:lnRef>
+                <a:fillRef idx="0">
+                  <a:schemeClr val="accent1"/>
+                </a:fillRef>
+                <a:effectRef idx="0">
+                  <a:schemeClr val="accent1"/>
+                </a:effectRef>
+                <a:fontRef idx="minor">
+                  <a:schemeClr val="tx1"/>
+                </a:fontRef>
+              </p:style>
+            </p:cxnSp>
+          </p:grpSp>
+          <p:grpSp>
+            <p:nvGrpSpPr>
+              <p:cNvPr id="6" name="Gruppieren 5"/>
+              <p:cNvGrpSpPr/>
+              <p:nvPr/>
+            </p:nvGrpSpPr>
+            <p:grpSpPr>
+              <a:xfrm>
+                <a:off x="7322322" y="5362582"/>
+                <a:ext cx="1584176" cy="1306778"/>
+                <a:chOff x="6012160" y="5362582"/>
+                <a:chExt cx="1584176" cy="1306778"/>
+              </a:xfrm>
+            </p:grpSpPr>
+            <p:cxnSp>
+              <p:nvCxnSpPr>
+                <p:cNvPr id="7" name="Gerade Verbindung 6"/>
+                <p:cNvCxnSpPr/>
+                <p:nvPr/>
+              </p:nvCxnSpPr>
+              <p:spPr>
+                <a:xfrm>
+                  <a:off x="6012160" y="6237312"/>
+                  <a:ext cx="648072" cy="0"/>
+                </a:xfrm>
+                <a:prstGeom prst="line">
+                  <a:avLst/>
+                </a:prstGeom>
+                <a:ln w="38100">
+                  <a:solidFill>
+                    <a:srgbClr val="FF0000"/>
+                  </a:solidFill>
+                </a:ln>
+              </p:spPr>
+              <p:style>
+                <a:lnRef idx="1">
+                  <a:schemeClr val="accent1"/>
+                </a:lnRef>
+                <a:fillRef idx="0">
+                  <a:schemeClr val="accent1"/>
+                </a:fillRef>
+                <a:effectRef idx="0">
+                  <a:schemeClr val="accent1"/>
+                </a:effectRef>
+                <a:fontRef idx="minor">
+                  <a:schemeClr val="tx1"/>
+                </a:fontRef>
+              </p:style>
+            </p:cxnSp>
+            <p:cxnSp>
+              <p:nvCxnSpPr>
+                <p:cNvPr id="8" name="Gerade Verbindung 7"/>
+                <p:cNvCxnSpPr/>
+                <p:nvPr/>
+              </p:nvCxnSpPr>
+              <p:spPr>
+                <a:xfrm flipH="1">
+                  <a:off x="6660232" y="5373216"/>
+                  <a:ext cx="144016" cy="864096"/>
+                </a:xfrm>
+                <a:prstGeom prst="line">
+                  <a:avLst/>
+                </a:prstGeom>
+                <a:ln w="38100">
+                  <a:solidFill>
+                    <a:srgbClr val="FF0000"/>
+                  </a:solidFill>
+                </a:ln>
+              </p:spPr>
+              <p:style>
+                <a:lnRef idx="1">
+                  <a:schemeClr val="accent1"/>
+                </a:lnRef>
+                <a:fillRef idx="0">
+                  <a:schemeClr val="accent1"/>
+                </a:fillRef>
+                <a:effectRef idx="0">
+                  <a:schemeClr val="accent1"/>
+                </a:effectRef>
+                <a:fontRef idx="minor">
+                  <a:schemeClr val="tx1"/>
+                </a:fontRef>
+              </p:style>
+            </p:cxnSp>
+            <p:cxnSp>
+              <p:nvCxnSpPr>
+                <p:cNvPr id="9" name="Gerade Verbindung 8"/>
+                <p:cNvCxnSpPr/>
+                <p:nvPr/>
+              </p:nvCxnSpPr>
+              <p:spPr>
+                <a:xfrm flipH="1" flipV="1">
+                  <a:off x="6821873" y="5362582"/>
+                  <a:ext cx="144016" cy="1306778"/>
+                </a:xfrm>
+                <a:prstGeom prst="line">
+                  <a:avLst/>
+                </a:prstGeom>
+                <a:ln w="38100">
+                  <a:solidFill>
+                    <a:srgbClr val="FF0000"/>
+                  </a:solidFill>
+                </a:ln>
+              </p:spPr>
+              <p:style>
+                <a:lnRef idx="1">
+                  <a:schemeClr val="accent1"/>
+                </a:lnRef>
+                <a:fillRef idx="0">
+                  <a:schemeClr val="accent1"/>
+                </a:fillRef>
+                <a:effectRef idx="0">
+                  <a:schemeClr val="accent1"/>
+                </a:effectRef>
+                <a:fontRef idx="minor">
+                  <a:schemeClr val="tx1"/>
+                </a:fontRef>
+              </p:style>
+            </p:cxnSp>
+            <p:cxnSp>
+              <p:nvCxnSpPr>
+                <p:cNvPr id="10" name="Gerade Verbindung 9"/>
+                <p:cNvCxnSpPr/>
+                <p:nvPr/>
+              </p:nvCxnSpPr>
+              <p:spPr>
+                <a:xfrm flipH="1">
+                  <a:off x="6965890" y="6016239"/>
+                  <a:ext cx="152757" cy="653121"/>
+                </a:xfrm>
+                <a:prstGeom prst="line">
+                  <a:avLst/>
+                </a:prstGeom>
+                <a:ln w="38100">
+                  <a:solidFill>
+                    <a:srgbClr val="FF0000"/>
+                  </a:solidFill>
+                </a:ln>
+              </p:spPr>
+              <p:style>
+                <a:lnRef idx="1">
+                  <a:schemeClr val="accent1"/>
+                </a:lnRef>
+                <a:fillRef idx="0">
+                  <a:schemeClr val="accent1"/>
+                </a:fillRef>
+                <a:effectRef idx="0">
+                  <a:schemeClr val="accent1"/>
+                </a:effectRef>
+                <a:fontRef idx="minor">
+                  <a:schemeClr val="tx1"/>
+                </a:fontRef>
+              </p:style>
+            </p:cxnSp>
+            <p:cxnSp>
+              <p:nvCxnSpPr>
+                <p:cNvPr id="11" name="Gerade Verbindung 10"/>
+                <p:cNvCxnSpPr/>
+                <p:nvPr/>
+              </p:nvCxnSpPr>
+              <p:spPr>
+                <a:xfrm flipH="1" flipV="1">
+                  <a:off x="7118648" y="6016240"/>
+                  <a:ext cx="102548" cy="205098"/>
+                </a:xfrm>
+                <a:prstGeom prst="line">
+                  <a:avLst/>
+                </a:prstGeom>
+                <a:ln w="38100">
+                  <a:solidFill>
+                    <a:srgbClr val="FF0000"/>
+                  </a:solidFill>
+                </a:ln>
+              </p:spPr>
+              <p:style>
+                <a:lnRef idx="1">
+                  <a:schemeClr val="accent1"/>
+                </a:lnRef>
+                <a:fillRef idx="0">
+                  <a:schemeClr val="accent1"/>
+                </a:fillRef>
+                <a:effectRef idx="0">
+                  <a:schemeClr val="accent1"/>
+                </a:effectRef>
+                <a:fontRef idx="minor">
+                  <a:schemeClr val="tx1"/>
+                </a:fontRef>
+              </p:style>
+            </p:cxnSp>
+            <p:cxnSp>
+              <p:nvCxnSpPr>
+                <p:cNvPr id="12" name="Gerade Verbindung 11"/>
+                <p:cNvCxnSpPr/>
+                <p:nvPr/>
+              </p:nvCxnSpPr>
+              <p:spPr>
+                <a:xfrm flipH="1">
+                  <a:off x="7221196" y="6237312"/>
+                  <a:ext cx="375140" cy="0"/>
+                </a:xfrm>
+                <a:prstGeom prst="line">
+                  <a:avLst/>
+                </a:prstGeom>
+                <a:ln w="38100">
+                  <a:solidFill>
+                    <a:srgbClr val="FF0000"/>
+                  </a:solidFill>
+                </a:ln>
+              </p:spPr>
+              <p:style>
+                <a:lnRef idx="1">
+                  <a:schemeClr val="accent1"/>
+                </a:lnRef>
+                <a:fillRef idx="0">
+                  <a:schemeClr val="accent1"/>
+                </a:fillRef>
+                <a:effectRef idx="0">
+                  <a:schemeClr val="accent1"/>
+                </a:effectRef>
+                <a:fontRef idx="minor">
+                  <a:schemeClr val="tx1"/>
+                </a:fontRef>
+              </p:style>
+            </p:cxnSp>
+          </p:grpSp>
+        </p:grpSp>
+        <p:sp>
+          <p:nvSpPr>
+            <p:cNvPr id="19" name="Herz 18"/>
+            <p:cNvSpPr/>
+            <p:nvPr/>
+          </p:nvSpPr>
+          <p:spPr>
+            <a:xfrm>
+              <a:off x="4965821" y="2799436"/>
+              <a:ext cx="803414" cy="350288"/>
+            </a:xfrm>
+            <a:prstGeom prst="heart">
+              <a:avLst/>
+            </a:prstGeom>
+            <a:solidFill>
+              <a:srgbClr val="FF0000"/>
+            </a:solidFill>
+            <a:ln>
+              <a:solidFill>
+                <a:schemeClr val="tx1"/>
+              </a:solidFill>
+            </a:ln>
+          </p:spPr>
+          <p:style>
+            <a:lnRef idx="2">
+              <a:schemeClr val="accent2">
+                <a:shade val="50000"/>
+              </a:schemeClr>
+            </a:lnRef>
+            <a:fillRef idx="1">
+              <a:schemeClr val="accent2"/>
+            </a:fillRef>
+            <a:effectRef idx="0">
+              <a:schemeClr val="accent2"/>
+            </a:effectRef>
+            <a:fontRef idx="minor">
+              <a:schemeClr val="lt1"/>
+            </a:fontRef>
+          </p:style>
+          <p:txBody>
+            <a:bodyPr rtlCol="0" anchor="ctr"/>
+            <a:lstStyle/>
+            <a:p>
+              <a:pPr algn="ctr"/>
+              <a:endParaRPr lang="en-US"/>
+            </a:p>
+          </p:txBody>
+        </p:sp>
+      </p:grpSp>
+    </p:spTree>
+    <p:extLst>
+      <p:ext uri="{BB962C8B-B14F-4D97-AF65-F5344CB8AC3E}">
+        <p14:creationId xmlns:p14="http://schemas.microsoft.com/office/powerpoint/2010/main" val="162627250"/>
+      </p:ext>
+    </p:extLst>
+  </p:cSld>
+  <p:clrMapOvr>
+    <a:masterClrMapping/>
+  </p:clrMapOvr>
+</p:sld>
+</file>
+
 <file path=ppt/slides/slide4.xml><?xml version="1.0" encoding="utf-8"?>
 <p:sld xmlns:a="http://schemas.openxmlformats.org/drawingml/2006/main" xmlns:r="http://schemas.openxmlformats.org/officeDocument/2006/relationships" xmlns:p="http://schemas.openxmlformats.org/presentationml/2006/main">
   <p:cSld>

--- a/res/HeartRateMonitor.pptx
+++ b/res/HeartRateMonitor.pptx
@@ -5,7 +5,7 @@
     <p:sldMasterId id="2147483648" r:id="rId1"/>
   </p:sldMasterIdLst>
   <p:notesMasterIdLst>
-    <p:notesMasterId r:id="rId34"/>
+    <p:notesMasterId r:id="rId36"/>
   </p:notesMasterIdLst>
   <p:sldIdLst>
     <p:sldId id="256" r:id="rId2"/>
@@ -40,6 +40,8 @@
     <p:sldId id="286" r:id="rId31"/>
     <p:sldId id="287" r:id="rId32"/>
     <p:sldId id="288" r:id="rId33"/>
+    <p:sldId id="289" r:id="rId34"/>
+    <p:sldId id="290" r:id="rId35"/>
   </p:sldIdLst>
   <p:sldSz cx="9144000" cy="6858000" type="screen4x3"/>
   <p:notesSz cx="6858000" cy="9144000"/>
@@ -223,7 +225,7 @@
           <a:p>
             <a:fld id="{A6ECA08F-F96F-4BD4-A634-E90DA7FFA32E}" type="datetimeFigureOut">
               <a:rPr lang="en-US" smtClean="0"/>
-              <a:t>8/8/2014</a:t>
+              <a:t>6/1/2015</a:t>
             </a:fld>
             <a:endParaRPr lang="en-US"/>
           </a:p>
@@ -3345,7 +3347,7 @@
           <a:p>
             <a:fld id="{1867D673-17F2-4AAF-8773-56A9AD33FE77}" type="datetimeFigureOut">
               <a:rPr lang="de-DE" smtClean="0"/>
-              <a:t>08.08.2014</a:t>
+              <a:t>01.06.2015</a:t>
             </a:fld>
             <a:endParaRPr lang="de-DE"/>
           </a:p>
@@ -3515,7 +3517,7 @@
           <a:p>
             <a:fld id="{1867D673-17F2-4AAF-8773-56A9AD33FE77}" type="datetimeFigureOut">
               <a:rPr lang="de-DE" smtClean="0"/>
-              <a:t>08.08.2014</a:t>
+              <a:t>01.06.2015</a:t>
             </a:fld>
             <a:endParaRPr lang="de-DE"/>
           </a:p>
@@ -3695,7 +3697,7 @@
           <a:p>
             <a:fld id="{1867D673-17F2-4AAF-8773-56A9AD33FE77}" type="datetimeFigureOut">
               <a:rPr lang="de-DE" smtClean="0"/>
-              <a:t>08.08.2014</a:t>
+              <a:t>01.06.2015</a:t>
             </a:fld>
             <a:endParaRPr lang="de-DE"/>
           </a:p>
@@ -3865,7 +3867,7 @@
           <a:p>
             <a:fld id="{1867D673-17F2-4AAF-8773-56A9AD33FE77}" type="datetimeFigureOut">
               <a:rPr lang="de-DE" smtClean="0"/>
-              <a:t>08.08.2014</a:t>
+              <a:t>01.06.2015</a:t>
             </a:fld>
             <a:endParaRPr lang="de-DE"/>
           </a:p>
@@ -4111,7 +4113,7 @@
           <a:p>
             <a:fld id="{1867D673-17F2-4AAF-8773-56A9AD33FE77}" type="datetimeFigureOut">
               <a:rPr lang="de-DE" smtClean="0"/>
-              <a:t>08.08.2014</a:t>
+              <a:t>01.06.2015</a:t>
             </a:fld>
             <a:endParaRPr lang="de-DE"/>
           </a:p>
@@ -4399,7 +4401,7 @@
           <a:p>
             <a:fld id="{1867D673-17F2-4AAF-8773-56A9AD33FE77}" type="datetimeFigureOut">
               <a:rPr lang="de-DE" smtClean="0"/>
-              <a:t>08.08.2014</a:t>
+              <a:t>01.06.2015</a:t>
             </a:fld>
             <a:endParaRPr lang="de-DE"/>
           </a:p>
@@ -4821,7 +4823,7 @@
           <a:p>
             <a:fld id="{1867D673-17F2-4AAF-8773-56A9AD33FE77}" type="datetimeFigureOut">
               <a:rPr lang="de-DE" smtClean="0"/>
-              <a:t>08.08.2014</a:t>
+              <a:t>01.06.2015</a:t>
             </a:fld>
             <a:endParaRPr lang="de-DE"/>
           </a:p>
@@ -4939,7 +4941,7 @@
           <a:p>
             <a:fld id="{1867D673-17F2-4AAF-8773-56A9AD33FE77}" type="datetimeFigureOut">
               <a:rPr lang="de-DE" smtClean="0"/>
-              <a:t>08.08.2014</a:t>
+              <a:t>01.06.2015</a:t>
             </a:fld>
             <a:endParaRPr lang="de-DE"/>
           </a:p>
@@ -5034,7 +5036,7 @@
           <a:p>
             <a:fld id="{1867D673-17F2-4AAF-8773-56A9AD33FE77}" type="datetimeFigureOut">
               <a:rPr lang="de-DE" smtClean="0"/>
-              <a:t>08.08.2014</a:t>
+              <a:t>01.06.2015</a:t>
             </a:fld>
             <a:endParaRPr lang="de-DE"/>
           </a:p>
@@ -5311,7 +5313,7 @@
           <a:p>
             <a:fld id="{1867D673-17F2-4AAF-8773-56A9AD33FE77}" type="datetimeFigureOut">
               <a:rPr lang="de-DE" smtClean="0"/>
-              <a:t>08.08.2014</a:t>
+              <a:t>01.06.2015</a:t>
             </a:fld>
             <a:endParaRPr lang="de-DE"/>
           </a:p>
@@ -5564,7 +5566,7 @@
           <a:p>
             <a:fld id="{1867D673-17F2-4AAF-8773-56A9AD33FE77}" type="datetimeFigureOut">
               <a:rPr lang="de-DE" smtClean="0"/>
-              <a:t>08.08.2014</a:t>
+              <a:t>01.06.2015</a:t>
             </a:fld>
             <a:endParaRPr lang="de-DE"/>
           </a:p>
@@ -5777,7 +5779,7 @@
           <a:p>
             <a:fld id="{1867D673-17F2-4AAF-8773-56A9AD33FE77}" type="datetimeFigureOut">
               <a:rPr lang="de-DE" smtClean="0"/>
-              <a:t>08.08.2014</a:t>
+              <a:t>01.06.2015</a:t>
             </a:fld>
             <a:endParaRPr lang="de-DE"/>
           </a:p>
@@ -17212,9 +17214,9 @@
         <p:grpSpPr>
           <a:xfrm>
             <a:off x="2067220" y="1495817"/>
-            <a:ext cx="5009561" cy="3866366"/>
+            <a:ext cx="4974743" cy="3866366"/>
             <a:chOff x="1843002" y="1482904"/>
-            <a:chExt cx="5009561" cy="3866366"/>
+            <a:chExt cx="4974743" cy="3866366"/>
           </a:xfrm>
         </p:grpSpPr>
         <p:grpSp>
@@ -17824,108 +17826,312 @@
             </a:p>
           </p:txBody>
         </p:sp>
-        <p:sp>
-          <p:nvSpPr>
-            <p:cNvPr id="50" name="Textfeld 49"/>
-            <p:cNvSpPr txBox="1"/>
-            <p:nvPr/>
-          </p:nvSpPr>
-          <p:spPr>
-            <a:xfrm>
-              <a:off x="6358517" y="2256988"/>
-              <a:ext cx="494046" cy="369332"/>
-            </a:xfrm>
-            <a:prstGeom prst="rect">
-              <a:avLst/>
-            </a:prstGeom>
-            <a:noFill/>
-          </p:spPr>
-          <p:txBody>
-            <a:bodyPr wrap="none" rtlCol="0">
-              <a:spAutoFit/>
-            </a:bodyPr>
-            <a:lstStyle/>
-            <a:p>
-              <a:r>
-                <a:rPr lang="de-DE" dirty="0"/>
-                <a:t>t</a:t>
-              </a:r>
-              <a:r>
-                <a:rPr lang="de-DE" dirty="0" smtClean="0"/>
-                <a:t>_1</a:t>
-              </a:r>
-              <a:endParaRPr lang="en-US" dirty="0"/>
-            </a:p>
-          </p:txBody>
-        </p:sp>
-        <p:sp>
-          <p:nvSpPr>
-            <p:cNvPr id="51" name="Textfeld 50"/>
-            <p:cNvSpPr txBox="1"/>
-            <p:nvPr/>
-          </p:nvSpPr>
-          <p:spPr>
-            <a:xfrm>
-              <a:off x="6343116" y="3156984"/>
-              <a:ext cx="494046" cy="369332"/>
-            </a:xfrm>
-            <a:prstGeom prst="rect">
-              <a:avLst/>
-            </a:prstGeom>
-            <a:noFill/>
-          </p:spPr>
-          <p:txBody>
-            <a:bodyPr wrap="none" rtlCol="0">
-              <a:spAutoFit/>
-            </a:bodyPr>
-            <a:lstStyle/>
-            <a:p>
-              <a:r>
-                <a:rPr lang="de-DE" dirty="0"/>
-                <a:t>t</a:t>
-              </a:r>
-              <a:r>
-                <a:rPr lang="de-DE" dirty="0" smtClean="0"/>
-                <a:t>_2</a:t>
-              </a:r>
-              <a:endParaRPr lang="en-US" dirty="0"/>
-            </a:p>
-          </p:txBody>
-        </p:sp>
-        <p:sp>
-          <p:nvSpPr>
-            <p:cNvPr id="52" name="Textfeld 51"/>
-            <p:cNvSpPr txBox="1"/>
-            <p:nvPr/>
-          </p:nvSpPr>
-          <p:spPr>
-            <a:xfrm>
-              <a:off x="6358517" y="4029482"/>
-              <a:ext cx="494046" cy="369332"/>
-            </a:xfrm>
-            <a:prstGeom prst="rect">
-              <a:avLst/>
-            </a:prstGeom>
-            <a:noFill/>
-          </p:spPr>
-          <p:txBody>
-            <a:bodyPr wrap="none" rtlCol="0">
-              <a:spAutoFit/>
-            </a:bodyPr>
-            <a:lstStyle/>
-            <a:p>
-              <a:r>
-                <a:rPr lang="de-DE" dirty="0"/>
-                <a:t>t</a:t>
-              </a:r>
-              <a:r>
-                <a:rPr lang="de-DE" dirty="0" smtClean="0"/>
-                <a:t>_3</a:t>
-              </a:r>
-              <a:endParaRPr lang="en-US" dirty="0"/>
-            </a:p>
-          </p:txBody>
-        </p:sp>
+        <mc:AlternateContent xmlns:mc="http://schemas.openxmlformats.org/markup-compatibility/2006">
+          <mc:Choice xmlns:a14="http://schemas.microsoft.com/office/drawing/2010/main" Requires="a14">
+            <p:sp>
+              <p:nvSpPr>
+                <p:cNvPr id="50" name="Textfeld 49"/>
+                <p:cNvSpPr txBox="1"/>
+                <p:nvPr/>
+              </p:nvSpPr>
+              <p:spPr>
+                <a:xfrm>
+                  <a:off x="6358517" y="2273763"/>
+                  <a:ext cx="453265" cy="400110"/>
+                </a:xfrm>
+                <a:prstGeom prst="rect">
+                  <a:avLst/>
+                </a:prstGeom>
+                <a:noFill/>
+              </p:spPr>
+              <p:txBody>
+                <a:bodyPr wrap="none" rtlCol="0">
+                  <a:spAutoFit/>
+                </a:bodyPr>
+                <a:lstStyle/>
+                <a:p>
+                  <a14:m>
+                    <m:oMathPara xmlns:m="http://schemas.openxmlformats.org/officeDocument/2006/math">
+                      <m:oMathParaPr>
+                        <m:jc m:val="centerGroup"/>
+                      </m:oMathParaPr>
+                      <m:oMath xmlns:m="http://schemas.openxmlformats.org/officeDocument/2006/math">
+                        <m:sSub>
+                          <m:sSubPr>
+                            <m:ctrlPr>
+                              <a:rPr lang="de-DE" sz="2000" b="0" i="1" smtClean="0">
+                                <a:latin typeface="Cambria Math"/>
+                              </a:rPr>
+                            </m:ctrlPr>
+                          </m:sSubPr>
+                          <m:e>
+                            <m:r>
+                              <a:rPr lang="de-DE" sz="2000" b="0" i="1" smtClean="0">
+                                <a:latin typeface="Cambria Math"/>
+                              </a:rPr>
+                              <m:t>𝑡</m:t>
+                            </m:r>
+                          </m:e>
+                          <m:sub>
+                            <m:r>
+                              <a:rPr lang="de-DE" sz="2000" b="0" i="1" smtClean="0">
+                                <a:latin typeface="Cambria Math"/>
+                              </a:rPr>
+                              <m:t>1</m:t>
+                            </m:r>
+                          </m:sub>
+                        </m:sSub>
+                      </m:oMath>
+                    </m:oMathPara>
+                  </a14:m>
+                  <a:endParaRPr lang="en-US" sz="2000" dirty="0"/>
+                </a:p>
+              </p:txBody>
+            </p:sp>
+          </mc:Choice>
+          <mc:Fallback>
+            <p:sp>
+              <p:nvSpPr>
+                <p:cNvPr id="50" name="Textfeld 49"/>
+                <p:cNvSpPr txBox="1">
+                  <a:spLocks noRot="1" noChangeAspect="1" noMove="1" noResize="1" noEditPoints="1" noAdjustHandles="1" noChangeArrowheads="1" noChangeShapeType="1" noTextEdit="1"/>
+                </p:cNvSpPr>
+                <p:nvPr/>
+              </p:nvSpPr>
+              <p:spPr>
+                <a:xfrm>
+                  <a:off x="6358517" y="2273763"/>
+                  <a:ext cx="453265" cy="400110"/>
+                </a:xfrm>
+                <a:prstGeom prst="rect">
+                  <a:avLst/>
+                </a:prstGeom>
+                <a:blipFill rotWithShape="1">
+                  <a:blip r:embed="rId2"/>
+                  <a:stretch>
+                    <a:fillRect/>
+                  </a:stretch>
+                </a:blipFill>
+              </p:spPr>
+              <p:txBody>
+                <a:bodyPr/>
+                <a:lstStyle/>
+                <a:p>
+                  <a:r>
+                    <a:rPr lang="en-US">
+                      <a:noFill/>
+                    </a:rPr>
+                    <a:t> </a:t>
+                  </a:r>
+                </a:p>
+              </p:txBody>
+            </p:sp>
+          </mc:Fallback>
+        </mc:AlternateContent>
+        <mc:AlternateContent xmlns:mc="http://schemas.openxmlformats.org/markup-compatibility/2006">
+          <mc:Choice xmlns:a14="http://schemas.microsoft.com/office/drawing/2010/main" Requires="a14">
+            <p:sp>
+              <p:nvSpPr>
+                <p:cNvPr id="51" name="Textfeld 50"/>
+                <p:cNvSpPr txBox="1"/>
+                <p:nvPr/>
+              </p:nvSpPr>
+              <p:spPr>
+                <a:xfrm>
+                  <a:off x="6358517" y="3146261"/>
+                  <a:ext cx="459228" cy="400110"/>
+                </a:xfrm>
+                <a:prstGeom prst="rect">
+                  <a:avLst/>
+                </a:prstGeom>
+                <a:noFill/>
+              </p:spPr>
+              <p:txBody>
+                <a:bodyPr wrap="none" rtlCol="0">
+                  <a:spAutoFit/>
+                </a:bodyPr>
+                <a:lstStyle/>
+                <a:p>
+                  <a14:m>
+                    <m:oMathPara xmlns:m="http://schemas.openxmlformats.org/officeDocument/2006/math">
+                      <m:oMathParaPr>
+                        <m:jc m:val="centerGroup"/>
+                      </m:oMathParaPr>
+                      <m:oMath xmlns:m="http://schemas.openxmlformats.org/officeDocument/2006/math">
+                        <m:sSub>
+                          <m:sSubPr>
+                            <m:ctrlPr>
+                              <a:rPr lang="en-US" sz="2000" i="1" smtClean="0">
+                                <a:latin typeface="Cambria Math"/>
+                              </a:rPr>
+                            </m:ctrlPr>
+                          </m:sSubPr>
+                          <m:e>
+                            <m:r>
+                              <a:rPr lang="de-DE" sz="2000" b="0" i="1" smtClean="0">
+                                <a:latin typeface="Cambria Math"/>
+                              </a:rPr>
+                              <m:t>𝑡</m:t>
+                            </m:r>
+                          </m:e>
+                          <m:sub>
+                            <m:r>
+                              <a:rPr lang="de-DE" sz="2000" b="0" i="1" smtClean="0">
+                                <a:latin typeface="Cambria Math"/>
+                              </a:rPr>
+                              <m:t>2</m:t>
+                            </m:r>
+                          </m:sub>
+                        </m:sSub>
+                      </m:oMath>
+                    </m:oMathPara>
+                  </a14:m>
+                  <a:endParaRPr lang="en-US" sz="2000" dirty="0"/>
+                </a:p>
+              </p:txBody>
+            </p:sp>
+          </mc:Choice>
+          <mc:Fallback>
+            <p:sp>
+              <p:nvSpPr>
+                <p:cNvPr id="51" name="Textfeld 50"/>
+                <p:cNvSpPr txBox="1">
+                  <a:spLocks noRot="1" noChangeAspect="1" noMove="1" noResize="1" noEditPoints="1" noAdjustHandles="1" noChangeArrowheads="1" noChangeShapeType="1" noTextEdit="1"/>
+                </p:cNvSpPr>
+                <p:nvPr/>
+              </p:nvSpPr>
+              <p:spPr>
+                <a:xfrm>
+                  <a:off x="6358517" y="3146261"/>
+                  <a:ext cx="459228" cy="400110"/>
+                </a:xfrm>
+                <a:prstGeom prst="rect">
+                  <a:avLst/>
+                </a:prstGeom>
+                <a:blipFill rotWithShape="1">
+                  <a:blip r:embed="rId3"/>
+                  <a:stretch>
+                    <a:fillRect/>
+                  </a:stretch>
+                </a:blipFill>
+              </p:spPr>
+              <p:txBody>
+                <a:bodyPr/>
+                <a:lstStyle/>
+                <a:p>
+                  <a:r>
+                    <a:rPr lang="en-US">
+                      <a:noFill/>
+                    </a:rPr>
+                    <a:t> </a:t>
+                  </a:r>
+                </a:p>
+              </p:txBody>
+            </p:sp>
+          </mc:Fallback>
+        </mc:AlternateContent>
+        <mc:AlternateContent xmlns:mc="http://schemas.openxmlformats.org/markup-compatibility/2006">
+          <mc:Choice xmlns:a14="http://schemas.microsoft.com/office/drawing/2010/main" Requires="a14">
+            <p:sp>
+              <p:nvSpPr>
+                <p:cNvPr id="52" name="Textfeld 51"/>
+                <p:cNvSpPr txBox="1"/>
+                <p:nvPr/>
+              </p:nvSpPr>
+              <p:spPr>
+                <a:xfrm>
+                  <a:off x="6358517" y="4018759"/>
+                  <a:ext cx="459228" cy="400110"/>
+                </a:xfrm>
+                <a:prstGeom prst="rect">
+                  <a:avLst/>
+                </a:prstGeom>
+                <a:noFill/>
+              </p:spPr>
+              <p:txBody>
+                <a:bodyPr wrap="none" rtlCol="0">
+                  <a:spAutoFit/>
+                </a:bodyPr>
+                <a:lstStyle/>
+                <a:p>
+                  <a14:m>
+                    <m:oMathPara xmlns:m="http://schemas.openxmlformats.org/officeDocument/2006/math">
+                      <m:oMathParaPr>
+                        <m:jc m:val="centerGroup"/>
+                      </m:oMathParaPr>
+                      <m:oMath xmlns:m="http://schemas.openxmlformats.org/officeDocument/2006/math">
+                        <m:sSub>
+                          <m:sSubPr>
+                            <m:ctrlPr>
+                              <a:rPr lang="en-US" sz="2000" i="1" smtClean="0">
+                                <a:latin typeface="Cambria Math"/>
+                              </a:rPr>
+                            </m:ctrlPr>
+                          </m:sSubPr>
+                          <m:e>
+                            <m:r>
+                              <a:rPr lang="de-DE" sz="2000" b="0" i="1" smtClean="0">
+                                <a:latin typeface="Cambria Math"/>
+                              </a:rPr>
+                              <m:t>𝑡</m:t>
+                            </m:r>
+                          </m:e>
+                          <m:sub>
+                            <m:r>
+                              <a:rPr lang="de-DE" sz="2000" b="0" i="1" smtClean="0">
+                                <a:latin typeface="Cambria Math"/>
+                              </a:rPr>
+                              <m:t>3</m:t>
+                            </m:r>
+                          </m:sub>
+                        </m:sSub>
+                      </m:oMath>
+                    </m:oMathPara>
+                  </a14:m>
+                  <a:endParaRPr lang="en-US" sz="2000" dirty="0"/>
+                </a:p>
+              </p:txBody>
+            </p:sp>
+          </mc:Choice>
+          <mc:Fallback>
+            <p:sp>
+              <p:nvSpPr>
+                <p:cNvPr id="52" name="Textfeld 51"/>
+                <p:cNvSpPr txBox="1">
+                  <a:spLocks noRot="1" noChangeAspect="1" noMove="1" noResize="1" noEditPoints="1" noAdjustHandles="1" noChangeArrowheads="1" noChangeShapeType="1" noTextEdit="1"/>
+                </p:cNvSpPr>
+                <p:nvPr/>
+              </p:nvSpPr>
+              <p:spPr>
+                <a:xfrm>
+                  <a:off x="6358517" y="4018759"/>
+                  <a:ext cx="459228" cy="400110"/>
+                </a:xfrm>
+                <a:prstGeom prst="rect">
+                  <a:avLst/>
+                </a:prstGeom>
+                <a:blipFill rotWithShape="1">
+                  <a:blip r:embed="rId4"/>
+                  <a:stretch>
+                    <a:fillRect/>
+                  </a:stretch>
+                </a:blipFill>
+              </p:spPr>
+              <p:txBody>
+                <a:bodyPr/>
+                <a:lstStyle/>
+                <a:p>
+                  <a:r>
+                    <a:rPr lang="en-US">
+                      <a:noFill/>
+                    </a:rPr>
+                    <a:t> </a:t>
+                  </a:r>
+                </a:p>
+              </p:txBody>
+            </p:sp>
+          </mc:Fallback>
+        </mc:AlternateContent>
       </p:grpSp>
     </p:spTree>
     <p:extLst>
@@ -18875,6 +19081,1510 @@
     <p:extLst>
       <p:ext uri="{BB962C8B-B14F-4D97-AF65-F5344CB8AC3E}">
         <p14:creationId xmlns:p14="http://schemas.microsoft.com/office/powerpoint/2010/main" val="162627250"/>
+      </p:ext>
+    </p:extLst>
+  </p:cSld>
+  <p:clrMapOvr>
+    <a:masterClrMapping/>
+  </p:clrMapOvr>
+</p:sld>
+</file>
+
+<file path=ppt/slides/slide33.xml><?xml version="1.0" encoding="utf-8"?>
+<p:sld xmlns:a="http://schemas.openxmlformats.org/drawingml/2006/main" xmlns:r="http://schemas.openxmlformats.org/officeDocument/2006/relationships" xmlns:p="http://schemas.openxmlformats.org/presentationml/2006/main">
+  <p:cSld>
+    <p:spTree>
+      <p:nvGrpSpPr>
+        <p:cNvPr id="1" name=""/>
+        <p:cNvGrpSpPr/>
+        <p:nvPr/>
+      </p:nvGrpSpPr>
+      <p:grpSpPr>
+        <a:xfrm>
+          <a:off x="0" y="0"/>
+          <a:ext cx="0" cy="0"/>
+          <a:chOff x="0" y="0"/>
+          <a:chExt cx="0" cy="0"/>
+        </a:xfrm>
+      </p:grpSpPr>
+      <p:grpSp>
+        <p:nvGrpSpPr>
+          <p:cNvPr id="24" name="Gruppieren 23"/>
+          <p:cNvGrpSpPr/>
+          <p:nvPr/>
+        </p:nvGrpSpPr>
+        <p:grpSpPr>
+          <a:xfrm>
+            <a:off x="251520" y="2928259"/>
+            <a:ext cx="8712946" cy="936104"/>
+            <a:chOff x="251520" y="2928259"/>
+            <a:chExt cx="8712946" cy="936104"/>
+          </a:xfrm>
+        </p:grpSpPr>
+        <p:sp>
+          <p:nvSpPr>
+            <p:cNvPr id="6" name="Rechteck 5"/>
+            <p:cNvSpPr/>
+            <p:nvPr/>
+          </p:nvSpPr>
+          <p:spPr>
+            <a:xfrm>
+              <a:off x="251520" y="2928259"/>
+              <a:ext cx="1584176" cy="936104"/>
+            </a:xfrm>
+            <a:prstGeom prst="rect">
+              <a:avLst/>
+            </a:prstGeom>
+          </p:spPr>
+          <p:style>
+            <a:lnRef idx="1">
+              <a:schemeClr val="accent5"/>
+            </a:lnRef>
+            <a:fillRef idx="2">
+              <a:schemeClr val="accent5"/>
+            </a:fillRef>
+            <a:effectRef idx="1">
+              <a:schemeClr val="accent5"/>
+            </a:effectRef>
+            <a:fontRef idx="minor">
+              <a:schemeClr val="dk1"/>
+            </a:fontRef>
+          </p:style>
+          <p:txBody>
+            <a:bodyPr rtlCol="0" anchor="ctr"/>
+            <a:lstStyle/>
+            <a:p>
+              <a:pPr algn="ctr"/>
+              <a:r>
+                <a:rPr lang="de-DE" dirty="0" err="1" smtClean="0"/>
+                <a:t>Window</a:t>
+              </a:r>
+              <a:r>
+                <a:rPr lang="de-DE" dirty="0" smtClean="0"/>
+                <a:t> </a:t>
+              </a:r>
+              <a:r>
+                <a:rPr lang="de-DE" dirty="0" err="1" smtClean="0"/>
+                <a:t>Function</a:t>
+              </a:r>
+              <a:endParaRPr lang="en-US" dirty="0"/>
+            </a:p>
+          </p:txBody>
+        </p:sp>
+        <p:sp>
+          <p:nvSpPr>
+            <p:cNvPr id="7" name="Rechteck 6"/>
+            <p:cNvSpPr/>
+            <p:nvPr/>
+          </p:nvSpPr>
+          <p:spPr>
+            <a:xfrm>
+              <a:off x="3815906" y="2928259"/>
+              <a:ext cx="1584176" cy="936104"/>
+            </a:xfrm>
+            <a:prstGeom prst="rect">
+              <a:avLst/>
+            </a:prstGeom>
+          </p:spPr>
+          <p:style>
+            <a:lnRef idx="1">
+              <a:schemeClr val="accent5"/>
+            </a:lnRef>
+            <a:fillRef idx="2">
+              <a:schemeClr val="accent5"/>
+            </a:fillRef>
+            <a:effectRef idx="1">
+              <a:schemeClr val="accent5"/>
+            </a:effectRef>
+            <a:fontRef idx="minor">
+              <a:schemeClr val="dk1"/>
+            </a:fontRef>
+          </p:style>
+          <p:txBody>
+            <a:bodyPr rtlCol="0" anchor="ctr"/>
+            <a:lstStyle/>
+            <a:p>
+              <a:pPr algn="ctr"/>
+              <a:r>
+                <a:rPr lang="de-DE" dirty="0" smtClean="0"/>
+                <a:t>FFT</a:t>
+              </a:r>
+              <a:endParaRPr lang="en-US" dirty="0"/>
+            </a:p>
+          </p:txBody>
+        </p:sp>
+        <p:sp>
+          <p:nvSpPr>
+            <p:cNvPr id="8" name="Rechteck 7"/>
+            <p:cNvSpPr/>
+            <p:nvPr/>
+          </p:nvSpPr>
+          <p:spPr>
+            <a:xfrm>
+              <a:off x="5598099" y="2928259"/>
+              <a:ext cx="1584176" cy="936104"/>
+            </a:xfrm>
+            <a:prstGeom prst="rect">
+              <a:avLst/>
+            </a:prstGeom>
+          </p:spPr>
+          <p:style>
+            <a:lnRef idx="1">
+              <a:schemeClr val="accent5"/>
+            </a:lnRef>
+            <a:fillRef idx="2">
+              <a:schemeClr val="accent5"/>
+            </a:fillRef>
+            <a:effectRef idx="1">
+              <a:schemeClr val="accent5"/>
+            </a:effectRef>
+            <a:fontRef idx="minor">
+              <a:schemeClr val="dk1"/>
+            </a:fontRef>
+          </p:style>
+          <p:txBody>
+            <a:bodyPr rtlCol="0" anchor="ctr"/>
+            <a:lstStyle/>
+            <a:p>
+              <a:pPr algn="ctr"/>
+              <a:r>
+                <a:rPr lang="de-DE" dirty="0" smtClean="0"/>
+                <a:t>Ideal Filter</a:t>
+              </a:r>
+              <a:endParaRPr lang="en-US" dirty="0"/>
+            </a:p>
+          </p:txBody>
+        </p:sp>
+        <p:cxnSp>
+          <p:nvCxnSpPr>
+            <p:cNvPr id="9" name="Gerade Verbindung mit Pfeil 8"/>
+            <p:cNvCxnSpPr>
+              <a:stCxn id="8" idx="3"/>
+              <a:endCxn id="14" idx="1"/>
+            </p:cNvCxnSpPr>
+            <p:nvPr/>
+          </p:nvCxnSpPr>
+          <p:spPr>
+            <a:xfrm>
+              <a:off x="7182275" y="3396311"/>
+              <a:ext cx="198015" cy="0"/>
+            </a:xfrm>
+            <a:prstGeom prst="straightConnector1">
+              <a:avLst/>
+            </a:prstGeom>
+            <a:ln>
+              <a:tailEnd type="arrow"/>
+            </a:ln>
+          </p:spPr>
+          <p:style>
+            <a:lnRef idx="2">
+              <a:schemeClr val="accent1"/>
+            </a:lnRef>
+            <a:fillRef idx="0">
+              <a:schemeClr val="accent1"/>
+            </a:fillRef>
+            <a:effectRef idx="1">
+              <a:schemeClr val="accent1"/>
+            </a:effectRef>
+            <a:fontRef idx="minor">
+              <a:schemeClr val="tx1"/>
+            </a:fontRef>
+          </p:style>
+        </p:cxnSp>
+        <p:cxnSp>
+          <p:nvCxnSpPr>
+            <p:cNvPr id="10" name="Gerade Verbindung mit Pfeil 9"/>
+            <p:cNvCxnSpPr>
+              <a:stCxn id="6" idx="3"/>
+              <a:endCxn id="12" idx="1"/>
+            </p:cNvCxnSpPr>
+            <p:nvPr/>
+          </p:nvCxnSpPr>
+          <p:spPr>
+            <a:xfrm>
+              <a:off x="1835696" y="3396311"/>
+              <a:ext cx="198017" cy="0"/>
+            </a:xfrm>
+            <a:prstGeom prst="straightConnector1">
+              <a:avLst/>
+            </a:prstGeom>
+            <a:ln>
+              <a:tailEnd type="arrow"/>
+            </a:ln>
+          </p:spPr>
+          <p:style>
+            <a:lnRef idx="2">
+              <a:schemeClr val="accent1"/>
+            </a:lnRef>
+            <a:fillRef idx="0">
+              <a:schemeClr val="accent1"/>
+            </a:fillRef>
+            <a:effectRef idx="1">
+              <a:schemeClr val="accent1"/>
+            </a:effectRef>
+            <a:fontRef idx="minor">
+              <a:schemeClr val="tx1"/>
+            </a:fontRef>
+          </p:style>
+        </p:cxnSp>
+        <p:cxnSp>
+          <p:nvCxnSpPr>
+            <p:cNvPr id="11" name="Gerade Verbindung mit Pfeil 10"/>
+            <p:cNvCxnSpPr>
+              <a:stCxn id="7" idx="3"/>
+              <a:endCxn id="8" idx="1"/>
+            </p:cNvCxnSpPr>
+            <p:nvPr/>
+          </p:nvCxnSpPr>
+          <p:spPr>
+            <a:xfrm>
+              <a:off x="5400082" y="3396311"/>
+              <a:ext cx="198017" cy="0"/>
+            </a:xfrm>
+            <a:prstGeom prst="straightConnector1">
+              <a:avLst/>
+            </a:prstGeom>
+            <a:ln>
+              <a:tailEnd type="arrow"/>
+            </a:ln>
+          </p:spPr>
+          <p:style>
+            <a:lnRef idx="2">
+              <a:schemeClr val="accent1"/>
+            </a:lnRef>
+            <a:fillRef idx="0">
+              <a:schemeClr val="accent1"/>
+            </a:fillRef>
+            <a:effectRef idx="1">
+              <a:schemeClr val="accent1"/>
+            </a:effectRef>
+            <a:fontRef idx="minor">
+              <a:schemeClr val="tx1"/>
+            </a:fontRef>
+          </p:style>
+        </p:cxnSp>
+        <p:sp>
+          <p:nvSpPr>
+            <p:cNvPr id="12" name="Rechteck 11"/>
+            <p:cNvSpPr/>
+            <p:nvPr/>
+          </p:nvSpPr>
+          <p:spPr>
+            <a:xfrm>
+              <a:off x="2033713" y="2928259"/>
+              <a:ext cx="1584176" cy="936104"/>
+            </a:xfrm>
+            <a:prstGeom prst="rect">
+              <a:avLst/>
+            </a:prstGeom>
+          </p:spPr>
+          <p:style>
+            <a:lnRef idx="1">
+              <a:schemeClr val="accent5"/>
+            </a:lnRef>
+            <a:fillRef idx="2">
+              <a:schemeClr val="accent5"/>
+            </a:fillRef>
+            <a:effectRef idx="1">
+              <a:schemeClr val="accent5"/>
+            </a:effectRef>
+            <a:fontRef idx="minor">
+              <a:schemeClr val="dk1"/>
+            </a:fontRef>
+          </p:style>
+          <p:txBody>
+            <a:bodyPr rtlCol="0" anchor="ctr"/>
+            <a:lstStyle/>
+            <a:p>
+              <a:pPr algn="ctr"/>
+              <a:r>
+                <a:rPr lang="de-DE" dirty="0" smtClean="0"/>
+                <a:t>Zero </a:t>
+              </a:r>
+              <a:r>
+                <a:rPr lang="de-DE" dirty="0" err="1" smtClean="0"/>
+                <a:t>Padding</a:t>
+              </a:r>
+              <a:endParaRPr lang="en-US" dirty="0"/>
+            </a:p>
+          </p:txBody>
+        </p:sp>
+        <p:cxnSp>
+          <p:nvCxnSpPr>
+            <p:cNvPr id="13" name="Gerade Verbindung mit Pfeil 12"/>
+            <p:cNvCxnSpPr>
+              <a:stCxn id="12" idx="3"/>
+              <a:endCxn id="7" idx="1"/>
+            </p:cNvCxnSpPr>
+            <p:nvPr/>
+          </p:nvCxnSpPr>
+          <p:spPr>
+            <a:xfrm>
+              <a:off x="3617889" y="3396311"/>
+              <a:ext cx="198017" cy="0"/>
+            </a:xfrm>
+            <a:prstGeom prst="straightConnector1">
+              <a:avLst/>
+            </a:prstGeom>
+            <a:ln>
+              <a:tailEnd type="arrow"/>
+            </a:ln>
+          </p:spPr>
+          <p:style>
+            <a:lnRef idx="2">
+              <a:schemeClr val="accent1"/>
+            </a:lnRef>
+            <a:fillRef idx="0">
+              <a:schemeClr val="accent1"/>
+            </a:fillRef>
+            <a:effectRef idx="1">
+              <a:schemeClr val="accent1"/>
+            </a:effectRef>
+            <a:fontRef idx="minor">
+              <a:schemeClr val="tx1"/>
+            </a:fontRef>
+          </p:style>
+        </p:cxnSp>
+        <p:sp>
+          <p:nvSpPr>
+            <p:cNvPr id="14" name="Rechteck 13"/>
+            <p:cNvSpPr/>
+            <p:nvPr/>
+          </p:nvSpPr>
+          <p:spPr>
+            <a:xfrm>
+              <a:off x="7380290" y="2928259"/>
+              <a:ext cx="1584176" cy="936104"/>
+            </a:xfrm>
+            <a:prstGeom prst="rect">
+              <a:avLst/>
+            </a:prstGeom>
+          </p:spPr>
+          <p:style>
+            <a:lnRef idx="1">
+              <a:schemeClr val="accent5"/>
+            </a:lnRef>
+            <a:fillRef idx="2">
+              <a:schemeClr val="accent5"/>
+            </a:fillRef>
+            <a:effectRef idx="1">
+              <a:schemeClr val="accent5"/>
+            </a:effectRef>
+            <a:fontRef idx="minor">
+              <a:schemeClr val="dk1"/>
+            </a:fontRef>
+          </p:style>
+          <p:txBody>
+            <a:bodyPr rtlCol="0" anchor="ctr"/>
+            <a:lstStyle/>
+            <a:p>
+              <a:pPr algn="ctr"/>
+              <a:r>
+                <a:rPr lang="de-DE" dirty="0" err="1"/>
+                <a:t>Converting</a:t>
+              </a:r>
+              <a:r>
+                <a:rPr lang="de-DE" dirty="0"/>
+                <a:t>/</a:t>
+              </a:r>
+            </a:p>
+            <a:p>
+              <a:pPr algn="ctr"/>
+              <a:r>
+                <a:rPr lang="de-DE" dirty="0" err="1" smtClean="0"/>
+                <a:t>Scaling</a:t>
+              </a:r>
+              <a:endParaRPr lang="en-US" dirty="0"/>
+            </a:p>
+          </p:txBody>
+        </p:sp>
+      </p:grpSp>
+    </p:spTree>
+    <p:extLst>
+      <p:ext uri="{BB962C8B-B14F-4D97-AF65-F5344CB8AC3E}">
+        <p14:creationId xmlns:p14="http://schemas.microsoft.com/office/powerpoint/2010/main" val="320839070"/>
+      </p:ext>
+    </p:extLst>
+  </p:cSld>
+  <p:clrMapOvr>
+    <a:masterClrMapping/>
+  </p:clrMapOvr>
+</p:sld>
+</file>
+
+<file path=ppt/slides/slide34.xml><?xml version="1.0" encoding="utf-8"?>
+<p:sld xmlns:a="http://schemas.openxmlformats.org/drawingml/2006/main" xmlns:r="http://schemas.openxmlformats.org/officeDocument/2006/relationships" xmlns:p="http://schemas.openxmlformats.org/presentationml/2006/main">
+  <p:cSld>
+    <p:spTree>
+      <p:nvGrpSpPr>
+        <p:cNvPr id="1" name=""/>
+        <p:cNvGrpSpPr/>
+        <p:nvPr/>
+      </p:nvGrpSpPr>
+      <p:grpSpPr>
+        <a:xfrm>
+          <a:off x="0" y="0"/>
+          <a:ext cx="0" cy="0"/>
+          <a:chOff x="0" y="0"/>
+          <a:chExt cx="0" cy="0"/>
+        </a:xfrm>
+      </p:grpSpPr>
+      <p:grpSp>
+        <p:nvGrpSpPr>
+          <p:cNvPr id="34" name="Gruppieren 33"/>
+          <p:cNvGrpSpPr/>
+          <p:nvPr/>
+        </p:nvGrpSpPr>
+        <p:grpSpPr>
+          <a:xfrm>
+            <a:off x="1296144" y="1412776"/>
+            <a:ext cx="6012160" cy="3744416"/>
+            <a:chOff x="1296144" y="1412776"/>
+            <a:chExt cx="6012160" cy="3744416"/>
+          </a:xfrm>
+        </p:grpSpPr>
+        <p:sp>
+          <p:nvSpPr>
+            <p:cNvPr id="4" name="Textfeld 3"/>
+            <p:cNvSpPr txBox="1"/>
+            <p:nvPr/>
+          </p:nvSpPr>
+          <p:spPr>
+            <a:xfrm>
+              <a:off x="5425816" y="4787860"/>
+              <a:ext cx="1532727" cy="369332"/>
+            </a:xfrm>
+            <a:prstGeom prst="rect">
+              <a:avLst/>
+            </a:prstGeom>
+            <a:noFill/>
+          </p:spPr>
+          <p:txBody>
+            <a:bodyPr wrap="none" rtlCol="0">
+              <a:spAutoFit/>
+            </a:bodyPr>
+            <a:lstStyle/>
+            <a:p>
+              <a:r>
+                <a:rPr lang="de-DE" dirty="0" smtClean="0"/>
+                <a:t>Light </a:t>
+              </a:r>
+              <a:r>
+                <a:rPr lang="de-DE" dirty="0" err="1" smtClean="0"/>
+                <a:t>reflected</a:t>
+              </a:r>
+              <a:endParaRPr lang="en-US" dirty="0"/>
+            </a:p>
+          </p:txBody>
+        </p:sp>
+        <p:sp>
+          <p:nvSpPr>
+            <p:cNvPr id="5" name="Textfeld 4"/>
+            <p:cNvSpPr txBox="1"/>
+            <p:nvPr/>
+          </p:nvSpPr>
+          <p:spPr>
+            <a:xfrm>
+              <a:off x="2595286" y="4787860"/>
+              <a:ext cx="1865191" cy="369332"/>
+            </a:xfrm>
+            <a:prstGeom prst="rect">
+              <a:avLst/>
+            </a:prstGeom>
+            <a:noFill/>
+          </p:spPr>
+          <p:txBody>
+            <a:bodyPr wrap="none" rtlCol="0">
+              <a:spAutoFit/>
+            </a:bodyPr>
+            <a:lstStyle/>
+            <a:p>
+              <a:r>
+                <a:rPr lang="de-DE" dirty="0" smtClean="0"/>
+                <a:t>Light </a:t>
+              </a:r>
+              <a:r>
+                <a:rPr lang="de-DE" dirty="0" err="1" smtClean="0"/>
+                <a:t>through</a:t>
+              </a:r>
+              <a:r>
+                <a:rPr lang="de-DE" dirty="0" smtClean="0"/>
+                <a:t> </a:t>
+              </a:r>
+              <a:r>
+                <a:rPr lang="de-DE" dirty="0" err="1" smtClean="0"/>
+                <a:t>skin</a:t>
+              </a:r>
+              <a:endParaRPr lang="en-US" dirty="0"/>
+            </a:p>
+          </p:txBody>
+        </p:sp>
+        <p:cxnSp>
+          <p:nvCxnSpPr>
+            <p:cNvPr id="6" name="Gerade Verbindung 5"/>
+            <p:cNvCxnSpPr/>
+            <p:nvPr/>
+          </p:nvCxnSpPr>
+          <p:spPr>
+            <a:xfrm>
+              <a:off x="4860032" y="1412776"/>
+              <a:ext cx="0" cy="3744416"/>
+            </a:xfrm>
+            <a:prstGeom prst="line">
+              <a:avLst/>
+            </a:prstGeom>
+          </p:spPr>
+          <p:style>
+            <a:lnRef idx="3">
+              <a:schemeClr val="dk1"/>
+            </a:lnRef>
+            <a:fillRef idx="0">
+              <a:schemeClr val="dk1"/>
+            </a:fillRef>
+            <a:effectRef idx="2">
+              <a:schemeClr val="dk1"/>
+            </a:effectRef>
+            <a:fontRef idx="minor">
+              <a:schemeClr val="tx1"/>
+            </a:fontRef>
+          </p:style>
+        </p:cxnSp>
+        <p:grpSp>
+          <p:nvGrpSpPr>
+            <p:cNvPr id="7" name="Gruppieren 6"/>
+            <p:cNvGrpSpPr/>
+            <p:nvPr/>
+          </p:nvGrpSpPr>
+          <p:grpSpPr>
+            <a:xfrm>
+              <a:off x="1296144" y="1849179"/>
+              <a:ext cx="3347864" cy="2371909"/>
+              <a:chOff x="504056" y="2065203"/>
+              <a:chExt cx="3347864" cy="2371909"/>
+            </a:xfrm>
+          </p:grpSpPr>
+          <p:sp>
+            <p:nvSpPr>
+              <p:cNvPr id="8" name="Sonne 7"/>
+              <p:cNvSpPr/>
+              <p:nvPr/>
+            </p:nvSpPr>
+            <p:spPr>
+              <a:xfrm>
+                <a:off x="2411760" y="2065203"/>
+                <a:ext cx="648072" cy="648072"/>
+              </a:xfrm>
+              <a:prstGeom prst="sun">
+                <a:avLst/>
+              </a:prstGeom>
+              <a:solidFill>
+                <a:srgbClr val="FF0000"/>
+              </a:solidFill>
+              <a:ln>
+                <a:noFill/>
+              </a:ln>
+            </p:spPr>
+            <p:style>
+              <a:lnRef idx="2">
+                <a:schemeClr val="accent2">
+                  <a:shade val="50000"/>
+                </a:schemeClr>
+              </a:lnRef>
+              <a:fillRef idx="1">
+                <a:schemeClr val="accent2"/>
+              </a:fillRef>
+              <a:effectRef idx="0">
+                <a:schemeClr val="accent2"/>
+              </a:effectRef>
+              <a:fontRef idx="minor">
+                <a:schemeClr val="lt1"/>
+              </a:fontRef>
+            </p:style>
+            <p:txBody>
+              <a:bodyPr rtlCol="0" anchor="ctr"/>
+              <a:lstStyle/>
+              <a:p>
+                <a:pPr algn="ctr"/>
+                <a:endParaRPr lang="en-US"/>
+              </a:p>
+            </p:txBody>
+          </p:sp>
+          <p:grpSp>
+            <p:nvGrpSpPr>
+              <p:cNvPr id="9" name="Gruppieren 8"/>
+              <p:cNvGrpSpPr/>
+              <p:nvPr/>
+            </p:nvGrpSpPr>
+            <p:grpSpPr>
+              <a:xfrm rot="10800000">
+                <a:off x="2326307" y="4090428"/>
+                <a:ext cx="818976" cy="270030"/>
+                <a:chOff x="7080793" y="2060848"/>
+                <a:chExt cx="818976" cy="270030"/>
+              </a:xfrm>
+            </p:grpSpPr>
+            <p:sp>
+              <p:nvSpPr>
+                <p:cNvPr id="21" name="Rechteck 20"/>
+                <p:cNvSpPr/>
+                <p:nvPr/>
+              </p:nvSpPr>
+              <p:spPr>
+                <a:xfrm>
+                  <a:off x="7080793" y="2060848"/>
+                  <a:ext cx="818976" cy="216024"/>
+                </a:xfrm>
+                <a:prstGeom prst="rect">
+                  <a:avLst/>
+                </a:prstGeom>
+                <a:solidFill>
+                  <a:srgbClr val="00B050"/>
+                </a:solidFill>
+              </p:spPr>
+              <p:style>
+                <a:lnRef idx="2">
+                  <a:schemeClr val="accent1">
+                    <a:shade val="50000"/>
+                  </a:schemeClr>
+                </a:lnRef>
+                <a:fillRef idx="1">
+                  <a:schemeClr val="accent1"/>
+                </a:fillRef>
+                <a:effectRef idx="0">
+                  <a:schemeClr val="accent1"/>
+                </a:effectRef>
+                <a:fontRef idx="minor">
+                  <a:schemeClr val="lt1"/>
+                </a:fontRef>
+              </p:style>
+              <p:txBody>
+                <a:bodyPr rtlCol="0" anchor="ctr"/>
+                <a:lstStyle/>
+                <a:p>
+                  <a:pPr algn="ctr"/>
+                  <a:endParaRPr lang="en-US"/>
+                </a:p>
+              </p:txBody>
+            </p:sp>
+            <p:sp>
+              <p:nvSpPr>
+                <p:cNvPr id="22" name="Rechteck 21"/>
+                <p:cNvSpPr/>
+                <p:nvPr/>
+              </p:nvSpPr>
+              <p:spPr>
+                <a:xfrm>
+                  <a:off x="7321747" y="2222866"/>
+                  <a:ext cx="337067" cy="108012"/>
+                </a:xfrm>
+                <a:prstGeom prst="rect">
+                  <a:avLst/>
+                </a:prstGeom>
+                <a:solidFill>
+                  <a:schemeClr val="tx1"/>
+                </a:solidFill>
+                <a:ln>
+                  <a:solidFill>
+                    <a:schemeClr val="tx1"/>
+                  </a:solidFill>
+                </a:ln>
+              </p:spPr>
+              <p:style>
+                <a:lnRef idx="2">
+                  <a:schemeClr val="accent1">
+                    <a:shade val="50000"/>
+                  </a:schemeClr>
+                </a:lnRef>
+                <a:fillRef idx="1">
+                  <a:schemeClr val="accent1"/>
+                </a:fillRef>
+                <a:effectRef idx="0">
+                  <a:schemeClr val="accent1"/>
+                </a:effectRef>
+                <a:fontRef idx="minor">
+                  <a:schemeClr val="lt1"/>
+                </a:fontRef>
+              </p:style>
+              <p:txBody>
+                <a:bodyPr rtlCol="0" anchor="ctr"/>
+                <a:lstStyle/>
+                <a:p>
+                  <a:pPr algn="ctr"/>
+                  <a:endParaRPr lang="en-US"/>
+                </a:p>
+              </p:txBody>
+            </p:sp>
+          </p:grpSp>
+          <p:sp>
+            <p:nvSpPr>
+              <p:cNvPr id="10" name="Abgerundetes Rechteck 9"/>
+              <p:cNvSpPr/>
+              <p:nvPr/>
+            </p:nvSpPr>
+            <p:spPr>
+              <a:xfrm>
+                <a:off x="1619672" y="2946684"/>
+                <a:ext cx="2232248" cy="864096"/>
+              </a:xfrm>
+              <a:prstGeom prst="roundRect">
+                <a:avLst/>
+              </a:prstGeom>
+              <a:solidFill>
+                <a:schemeClr val="accent6">
+                  <a:lumMod val="40000"/>
+                  <a:lumOff val="60000"/>
+                </a:schemeClr>
+              </a:solidFill>
+              <a:ln>
+                <a:solidFill>
+                  <a:schemeClr val="tx1"/>
+                </a:solidFill>
+              </a:ln>
+            </p:spPr>
+            <p:style>
+              <a:lnRef idx="2">
+                <a:schemeClr val="accent1">
+                  <a:shade val="50000"/>
+                </a:schemeClr>
+              </a:lnRef>
+              <a:fillRef idx="1">
+                <a:schemeClr val="accent1"/>
+              </a:fillRef>
+              <a:effectRef idx="0">
+                <a:schemeClr val="accent1"/>
+              </a:effectRef>
+              <a:fontRef idx="minor">
+                <a:schemeClr val="lt1"/>
+              </a:fontRef>
+            </p:style>
+            <p:txBody>
+              <a:bodyPr rtlCol="0" anchor="ctr"/>
+              <a:lstStyle/>
+              <a:p>
+                <a:pPr algn="ctr"/>
+                <a:endParaRPr lang="en-US"/>
+              </a:p>
+            </p:txBody>
+          </p:sp>
+          <p:cxnSp>
+            <p:nvCxnSpPr>
+              <p:cNvPr id="11" name="Gerade Verbindung mit Pfeil 10"/>
+              <p:cNvCxnSpPr/>
+              <p:nvPr/>
+            </p:nvCxnSpPr>
+            <p:spPr>
+              <a:xfrm>
+                <a:off x="2735796" y="2857291"/>
+                <a:ext cx="0" cy="1152000"/>
+              </a:xfrm>
+              <a:prstGeom prst="straightConnector1">
+                <a:avLst/>
+              </a:prstGeom>
+              <a:ln w="19050">
+                <a:solidFill>
+                  <a:srgbClr val="FF0000"/>
+                </a:solidFill>
+                <a:tailEnd type="arrow"/>
+              </a:ln>
+            </p:spPr>
+            <p:style>
+              <a:lnRef idx="1">
+                <a:schemeClr val="accent1"/>
+              </a:lnRef>
+              <a:fillRef idx="0">
+                <a:schemeClr val="accent1"/>
+              </a:fillRef>
+              <a:effectRef idx="0">
+                <a:schemeClr val="accent1"/>
+              </a:effectRef>
+              <a:fontRef idx="minor">
+                <a:schemeClr val="tx1"/>
+              </a:fontRef>
+            </p:style>
+          </p:cxnSp>
+          <p:cxnSp>
+            <p:nvCxnSpPr>
+              <p:cNvPr id="12" name="Gerade Verbindung mit Pfeil 11"/>
+              <p:cNvCxnSpPr/>
+              <p:nvPr/>
+            </p:nvCxnSpPr>
+            <p:spPr>
+              <a:xfrm>
+                <a:off x="2567261" y="2857291"/>
+                <a:ext cx="0" cy="1152000"/>
+              </a:xfrm>
+              <a:prstGeom prst="straightConnector1">
+                <a:avLst/>
+              </a:prstGeom>
+              <a:ln w="19050">
+                <a:solidFill>
+                  <a:srgbClr val="FF0000"/>
+                </a:solidFill>
+                <a:tailEnd type="arrow"/>
+              </a:ln>
+            </p:spPr>
+            <p:style>
+              <a:lnRef idx="1">
+                <a:schemeClr val="accent1"/>
+              </a:lnRef>
+              <a:fillRef idx="0">
+                <a:schemeClr val="accent1"/>
+              </a:fillRef>
+              <a:effectRef idx="0">
+                <a:schemeClr val="accent1"/>
+              </a:effectRef>
+              <a:fontRef idx="minor">
+                <a:schemeClr val="tx1"/>
+              </a:fontRef>
+            </p:style>
+          </p:cxnSp>
+          <p:cxnSp>
+            <p:nvCxnSpPr>
+              <p:cNvPr id="13" name="Gerade Verbindung mit Pfeil 12"/>
+              <p:cNvCxnSpPr/>
+              <p:nvPr/>
+            </p:nvCxnSpPr>
+            <p:spPr>
+              <a:xfrm>
+                <a:off x="2910918" y="2865394"/>
+                <a:ext cx="0" cy="1152000"/>
+              </a:xfrm>
+              <a:prstGeom prst="straightConnector1">
+                <a:avLst/>
+              </a:prstGeom>
+              <a:ln w="19050">
+                <a:solidFill>
+                  <a:srgbClr val="FF0000"/>
+                </a:solidFill>
+                <a:tailEnd type="arrow"/>
+              </a:ln>
+            </p:spPr>
+            <p:style>
+              <a:lnRef idx="1">
+                <a:schemeClr val="accent1"/>
+              </a:lnRef>
+              <a:fillRef idx="0">
+                <a:schemeClr val="accent1"/>
+              </a:fillRef>
+              <a:effectRef idx="0">
+                <a:schemeClr val="accent1"/>
+              </a:effectRef>
+              <a:fontRef idx="minor">
+                <a:schemeClr val="tx1"/>
+              </a:fontRef>
+            </p:style>
+          </p:cxnSp>
+          <p:sp>
+            <p:nvSpPr>
+              <p:cNvPr id="14" name="Textfeld 13"/>
+              <p:cNvSpPr txBox="1"/>
+              <p:nvPr/>
+            </p:nvSpPr>
+            <p:spPr>
+              <a:xfrm>
+                <a:off x="504056" y="2204573"/>
+                <a:ext cx="1362040" cy="369332"/>
+              </a:xfrm>
+              <a:prstGeom prst="rect">
+                <a:avLst/>
+              </a:prstGeom>
+              <a:noFill/>
+            </p:spPr>
+            <p:txBody>
+              <a:bodyPr wrap="none" rtlCol="0">
+                <a:spAutoFit/>
+              </a:bodyPr>
+              <a:lstStyle/>
+              <a:p>
+                <a:r>
+                  <a:rPr lang="de-DE" dirty="0" smtClean="0"/>
+                  <a:t>LED (</a:t>
+                </a:r>
+                <a:r>
+                  <a:rPr lang="de-DE" dirty="0" err="1" smtClean="0"/>
+                  <a:t>Red</a:t>
+                </a:r>
+                <a:r>
+                  <a:rPr lang="de-DE" dirty="0" smtClean="0"/>
+                  <a:t>/IR)</a:t>
+                </a:r>
+                <a:endParaRPr lang="en-US" dirty="0"/>
+              </a:p>
+            </p:txBody>
+          </p:sp>
+          <p:sp>
+            <p:nvSpPr>
+              <p:cNvPr id="15" name="Textfeld 14"/>
+              <p:cNvSpPr txBox="1"/>
+              <p:nvPr/>
+            </p:nvSpPr>
+            <p:spPr>
+              <a:xfrm>
+                <a:off x="615689" y="4067780"/>
+                <a:ext cx="1277273" cy="369332"/>
+              </a:xfrm>
+              <a:prstGeom prst="rect">
+                <a:avLst/>
+              </a:prstGeom>
+              <a:noFill/>
+            </p:spPr>
+            <p:txBody>
+              <a:bodyPr wrap="none" rtlCol="0">
+                <a:spAutoFit/>
+              </a:bodyPr>
+              <a:lstStyle/>
+              <a:p>
+                <a:r>
+                  <a:rPr lang="de-DE" dirty="0" err="1" smtClean="0"/>
+                  <a:t>Photodiode</a:t>
+                </a:r>
+                <a:endParaRPr lang="en-US" dirty="0"/>
+              </a:p>
+            </p:txBody>
+          </p:sp>
+          <p:sp>
+            <p:nvSpPr>
+              <p:cNvPr id="16" name="Textfeld 15"/>
+              <p:cNvSpPr txBox="1"/>
+              <p:nvPr/>
+            </p:nvSpPr>
+            <p:spPr>
+              <a:xfrm>
+                <a:off x="610267" y="3194066"/>
+                <a:ext cx="569387" cy="369332"/>
+              </a:xfrm>
+              <a:prstGeom prst="rect">
+                <a:avLst/>
+              </a:prstGeom>
+              <a:noFill/>
+            </p:spPr>
+            <p:txBody>
+              <a:bodyPr wrap="none" rtlCol="0">
+                <a:spAutoFit/>
+              </a:bodyPr>
+              <a:lstStyle/>
+              <a:p>
+                <a:r>
+                  <a:rPr lang="de-DE" dirty="0" smtClean="0"/>
+                  <a:t>Skin</a:t>
+                </a:r>
+                <a:endParaRPr lang="en-US" dirty="0"/>
+              </a:p>
+            </p:txBody>
+          </p:sp>
+          <p:cxnSp>
+            <p:nvCxnSpPr>
+              <p:cNvPr id="17" name="Gerade Verbindung 16"/>
+              <p:cNvCxnSpPr>
+                <a:stCxn id="14" idx="3"/>
+                <a:endCxn id="8" idx="1"/>
+              </p:cNvCxnSpPr>
+              <p:nvPr/>
+            </p:nvCxnSpPr>
+            <p:spPr>
+              <a:xfrm>
+                <a:off x="1866096" y="2389239"/>
+                <a:ext cx="545664" cy="0"/>
+              </a:xfrm>
+              <a:prstGeom prst="line">
+                <a:avLst/>
+              </a:prstGeom>
+            </p:spPr>
+            <p:style>
+              <a:lnRef idx="1">
+                <a:schemeClr val="dk1"/>
+              </a:lnRef>
+              <a:fillRef idx="0">
+                <a:schemeClr val="dk1"/>
+              </a:fillRef>
+              <a:effectRef idx="0">
+                <a:schemeClr val="dk1"/>
+              </a:effectRef>
+              <a:fontRef idx="minor">
+                <a:schemeClr val="tx1"/>
+              </a:fontRef>
+            </p:style>
+          </p:cxnSp>
+          <p:cxnSp>
+            <p:nvCxnSpPr>
+              <p:cNvPr id="18" name="Gerade Verbindung 17"/>
+              <p:cNvCxnSpPr>
+                <a:stCxn id="16" idx="3"/>
+                <a:endCxn id="10" idx="1"/>
+              </p:cNvCxnSpPr>
+              <p:nvPr/>
+            </p:nvCxnSpPr>
+            <p:spPr>
+              <a:xfrm>
+                <a:off x="1179654" y="3378732"/>
+                <a:ext cx="440018" cy="0"/>
+              </a:xfrm>
+              <a:prstGeom prst="line">
+                <a:avLst/>
+              </a:prstGeom>
+            </p:spPr>
+            <p:style>
+              <a:lnRef idx="1">
+                <a:schemeClr val="dk1"/>
+              </a:lnRef>
+              <a:fillRef idx="0">
+                <a:schemeClr val="dk1"/>
+              </a:fillRef>
+              <a:effectRef idx="0">
+                <a:schemeClr val="dk1"/>
+              </a:effectRef>
+              <a:fontRef idx="minor">
+                <a:schemeClr val="tx1"/>
+              </a:fontRef>
+            </p:style>
+          </p:cxnSp>
+          <p:cxnSp>
+            <p:nvCxnSpPr>
+              <p:cNvPr id="19" name="Gerade Verbindung 18"/>
+              <p:cNvCxnSpPr>
+                <a:stCxn id="15" idx="3"/>
+                <a:endCxn id="21" idx="3"/>
+              </p:cNvCxnSpPr>
+              <p:nvPr/>
+            </p:nvCxnSpPr>
+            <p:spPr>
+              <a:xfrm>
+                <a:off x="1892962" y="4252446"/>
+                <a:ext cx="433345" cy="0"/>
+              </a:xfrm>
+              <a:prstGeom prst="line">
+                <a:avLst/>
+              </a:prstGeom>
+            </p:spPr>
+            <p:style>
+              <a:lnRef idx="1">
+                <a:schemeClr val="dk1"/>
+              </a:lnRef>
+              <a:fillRef idx="0">
+                <a:schemeClr val="dk1"/>
+              </a:fillRef>
+              <a:effectRef idx="0">
+                <a:schemeClr val="dk1"/>
+              </a:effectRef>
+              <a:fontRef idx="minor">
+                <a:schemeClr val="tx1"/>
+              </a:fontRef>
+            </p:style>
+          </p:cxnSp>
+          <p:sp>
+            <p:nvSpPr>
+              <p:cNvPr id="20" name="Rechteck 19"/>
+              <p:cNvSpPr/>
+              <p:nvPr/>
+            </p:nvSpPr>
+            <p:spPr>
+              <a:xfrm>
+                <a:off x="1702441" y="3289339"/>
+                <a:ext cx="2066710" cy="216024"/>
+              </a:xfrm>
+              <a:prstGeom prst="rect">
+                <a:avLst/>
+              </a:prstGeom>
+            </p:spPr>
+            <p:style>
+              <a:lnRef idx="2">
+                <a:schemeClr val="accent2">
+                  <a:shade val="50000"/>
+                </a:schemeClr>
+              </a:lnRef>
+              <a:fillRef idx="1">
+                <a:schemeClr val="accent2"/>
+              </a:fillRef>
+              <a:effectRef idx="0">
+                <a:schemeClr val="accent2"/>
+              </a:effectRef>
+              <a:fontRef idx="minor">
+                <a:schemeClr val="lt1"/>
+              </a:fontRef>
+            </p:style>
+            <p:txBody>
+              <a:bodyPr rtlCol="0" anchor="ctr"/>
+              <a:lstStyle/>
+              <a:p>
+                <a:pPr algn="ctr"/>
+                <a:r>
+                  <a:rPr lang="de-DE" dirty="0" smtClean="0"/>
+                  <a:t>Blood</a:t>
+                </a:r>
+                <a:endParaRPr lang="en-US" dirty="0"/>
+              </a:p>
+            </p:txBody>
+          </p:sp>
+        </p:grpSp>
+        <p:grpSp>
+          <p:nvGrpSpPr>
+            <p:cNvPr id="23" name="Gruppieren 22"/>
+            <p:cNvGrpSpPr/>
+            <p:nvPr/>
+          </p:nvGrpSpPr>
+          <p:grpSpPr>
+            <a:xfrm>
+              <a:off x="5076056" y="1628800"/>
+              <a:ext cx="2232248" cy="2664296"/>
+              <a:chOff x="5653243" y="1844824"/>
+              <a:chExt cx="2232248" cy="2664296"/>
+            </a:xfrm>
+          </p:grpSpPr>
+          <p:sp>
+            <p:nvSpPr>
+              <p:cNvPr id="24" name="Sonne 23"/>
+              <p:cNvSpPr/>
+              <p:nvPr/>
+            </p:nvSpPr>
+            <p:spPr>
+              <a:xfrm>
+                <a:off x="5653243" y="2051847"/>
+                <a:ext cx="648072" cy="648072"/>
+              </a:xfrm>
+              <a:prstGeom prst="sun">
+                <a:avLst/>
+              </a:prstGeom>
+              <a:solidFill>
+                <a:srgbClr val="FF0000"/>
+              </a:solidFill>
+              <a:ln>
+                <a:noFill/>
+              </a:ln>
+            </p:spPr>
+            <p:style>
+              <a:lnRef idx="2">
+                <a:schemeClr val="accent2">
+                  <a:shade val="50000"/>
+                </a:schemeClr>
+              </a:lnRef>
+              <a:fillRef idx="1">
+                <a:schemeClr val="accent2"/>
+              </a:fillRef>
+              <a:effectRef idx="0">
+                <a:schemeClr val="accent2"/>
+              </a:effectRef>
+              <a:fontRef idx="minor">
+                <a:schemeClr val="lt1"/>
+              </a:fontRef>
+            </p:style>
+            <p:txBody>
+              <a:bodyPr rtlCol="0" anchor="ctr"/>
+              <a:lstStyle/>
+              <a:p>
+                <a:pPr algn="ctr"/>
+                <a:endParaRPr lang="en-US"/>
+              </a:p>
+            </p:txBody>
+          </p:sp>
+          <p:grpSp>
+            <p:nvGrpSpPr>
+              <p:cNvPr id="25" name="Gruppieren 24"/>
+              <p:cNvGrpSpPr/>
+              <p:nvPr/>
+            </p:nvGrpSpPr>
+            <p:grpSpPr>
+              <a:xfrm>
+                <a:off x="6937900" y="2267871"/>
+                <a:ext cx="818976" cy="270030"/>
+                <a:chOff x="7080793" y="2060848"/>
+                <a:chExt cx="818976" cy="270030"/>
+              </a:xfrm>
+            </p:grpSpPr>
+            <p:sp>
+              <p:nvSpPr>
+                <p:cNvPr id="31" name="Rechteck 30"/>
+                <p:cNvSpPr/>
+                <p:nvPr/>
+              </p:nvSpPr>
+              <p:spPr>
+                <a:xfrm>
+                  <a:off x="7080793" y="2060848"/>
+                  <a:ext cx="818976" cy="216024"/>
+                </a:xfrm>
+                <a:prstGeom prst="rect">
+                  <a:avLst/>
+                </a:prstGeom>
+                <a:solidFill>
+                  <a:srgbClr val="00B050"/>
+                </a:solidFill>
+              </p:spPr>
+              <p:style>
+                <a:lnRef idx="2">
+                  <a:schemeClr val="accent1">
+                    <a:shade val="50000"/>
+                  </a:schemeClr>
+                </a:lnRef>
+                <a:fillRef idx="1">
+                  <a:schemeClr val="accent1"/>
+                </a:fillRef>
+                <a:effectRef idx="0">
+                  <a:schemeClr val="accent1"/>
+                </a:effectRef>
+                <a:fontRef idx="minor">
+                  <a:schemeClr val="lt1"/>
+                </a:fontRef>
+              </p:style>
+              <p:txBody>
+                <a:bodyPr rtlCol="0" anchor="ctr"/>
+                <a:lstStyle/>
+                <a:p>
+                  <a:pPr algn="ctr"/>
+                  <a:endParaRPr lang="en-US"/>
+                </a:p>
+              </p:txBody>
+            </p:sp>
+            <p:sp>
+              <p:nvSpPr>
+                <p:cNvPr id="32" name="Rechteck 31"/>
+                <p:cNvSpPr/>
+                <p:nvPr/>
+              </p:nvSpPr>
+              <p:spPr>
+                <a:xfrm>
+                  <a:off x="7321747" y="2222866"/>
+                  <a:ext cx="337067" cy="108012"/>
+                </a:xfrm>
+                <a:prstGeom prst="rect">
+                  <a:avLst/>
+                </a:prstGeom>
+                <a:solidFill>
+                  <a:schemeClr val="tx1"/>
+                </a:solidFill>
+                <a:ln>
+                  <a:solidFill>
+                    <a:schemeClr val="tx1"/>
+                  </a:solidFill>
+                </a:ln>
+              </p:spPr>
+              <p:style>
+                <a:lnRef idx="2">
+                  <a:schemeClr val="accent1">
+                    <a:shade val="50000"/>
+                  </a:schemeClr>
+                </a:lnRef>
+                <a:fillRef idx="1">
+                  <a:schemeClr val="accent1"/>
+                </a:fillRef>
+                <a:effectRef idx="0">
+                  <a:schemeClr val="accent1"/>
+                </a:effectRef>
+                <a:fontRef idx="minor">
+                  <a:schemeClr val="lt1"/>
+                </a:fontRef>
+              </p:style>
+              <p:txBody>
+                <a:bodyPr rtlCol="0" anchor="ctr"/>
+                <a:lstStyle/>
+                <a:p>
+                  <a:pPr algn="ctr"/>
+                  <a:endParaRPr lang="en-US"/>
+                </a:p>
+              </p:txBody>
+            </p:sp>
+          </p:grpSp>
+          <p:sp>
+            <p:nvSpPr>
+              <p:cNvPr id="26" name="Abgerundetes Rechteck 25"/>
+              <p:cNvSpPr/>
+              <p:nvPr/>
+            </p:nvSpPr>
+            <p:spPr>
+              <a:xfrm>
+                <a:off x="5653243" y="3645024"/>
+                <a:ext cx="2232248" cy="864096"/>
+              </a:xfrm>
+              <a:prstGeom prst="roundRect">
+                <a:avLst/>
+              </a:prstGeom>
+              <a:solidFill>
+                <a:schemeClr val="accent6">
+                  <a:lumMod val="40000"/>
+                  <a:lumOff val="60000"/>
+                </a:schemeClr>
+              </a:solidFill>
+              <a:ln>
+                <a:solidFill>
+                  <a:schemeClr val="tx1"/>
+                </a:solidFill>
+              </a:ln>
+            </p:spPr>
+            <p:style>
+              <a:lnRef idx="2">
+                <a:schemeClr val="accent1">
+                  <a:shade val="50000"/>
+                </a:schemeClr>
+              </a:lnRef>
+              <a:fillRef idx="1">
+                <a:schemeClr val="accent1"/>
+              </a:fillRef>
+              <a:effectRef idx="0">
+                <a:schemeClr val="accent1"/>
+              </a:effectRef>
+              <a:fontRef idx="minor">
+                <a:schemeClr val="lt1"/>
+              </a:fontRef>
+            </p:style>
+            <p:txBody>
+              <a:bodyPr rtlCol="0" anchor="ctr"/>
+              <a:lstStyle/>
+              <a:p>
+                <a:pPr algn="ctr"/>
+                <a:endParaRPr lang="en-US"/>
+              </a:p>
+            </p:txBody>
+          </p:sp>
+          <p:cxnSp>
+            <p:nvCxnSpPr>
+              <p:cNvPr id="27" name="Gerade Verbindung mit Pfeil 26"/>
+              <p:cNvCxnSpPr/>
+              <p:nvPr/>
+            </p:nvCxnSpPr>
+            <p:spPr>
+              <a:xfrm>
+                <a:off x="6204789" y="2857291"/>
+                <a:ext cx="456566" cy="1066764"/>
+              </a:xfrm>
+              <a:prstGeom prst="straightConnector1">
+                <a:avLst/>
+              </a:prstGeom>
+              <a:ln w="19050">
+                <a:solidFill>
+                  <a:srgbClr val="FF0000"/>
+                </a:solidFill>
+                <a:tailEnd type="arrow"/>
+              </a:ln>
+            </p:spPr>
+            <p:style>
+              <a:lnRef idx="1">
+                <a:schemeClr val="accent1"/>
+              </a:lnRef>
+              <a:fillRef idx="0">
+                <a:schemeClr val="accent1"/>
+              </a:fillRef>
+              <a:effectRef idx="0">
+                <a:schemeClr val="accent1"/>
+              </a:effectRef>
+              <a:fontRef idx="minor">
+                <a:schemeClr val="tx1"/>
+              </a:fontRef>
+            </p:style>
+          </p:cxnSp>
+          <p:cxnSp>
+            <p:nvCxnSpPr>
+              <p:cNvPr id="28" name="Gerade Verbindung mit Pfeil 27"/>
+              <p:cNvCxnSpPr/>
+              <p:nvPr/>
+            </p:nvCxnSpPr>
+            <p:spPr>
+              <a:xfrm flipV="1">
+                <a:off x="6937900" y="2717304"/>
+                <a:ext cx="396044" cy="1206751"/>
+              </a:xfrm>
+              <a:prstGeom prst="straightConnector1">
+                <a:avLst/>
+              </a:prstGeom>
+              <a:ln w="19050">
+                <a:solidFill>
+                  <a:srgbClr val="FF0000"/>
+                </a:solidFill>
+                <a:tailEnd type="arrow"/>
+              </a:ln>
+            </p:spPr>
+            <p:style>
+              <a:lnRef idx="1">
+                <a:schemeClr val="accent1"/>
+              </a:lnRef>
+              <a:fillRef idx="0">
+                <a:schemeClr val="accent1"/>
+              </a:fillRef>
+              <a:effectRef idx="0">
+                <a:schemeClr val="accent1"/>
+              </a:effectRef>
+              <a:fontRef idx="minor">
+                <a:schemeClr val="tx1"/>
+              </a:fontRef>
+            </p:style>
+          </p:cxnSp>
+          <p:cxnSp>
+            <p:nvCxnSpPr>
+              <p:cNvPr id="29" name="Gerade Verbindung 28"/>
+              <p:cNvCxnSpPr/>
+              <p:nvPr/>
+            </p:nvCxnSpPr>
+            <p:spPr>
+              <a:xfrm>
+                <a:off x="6660232" y="1844824"/>
+                <a:ext cx="0" cy="872480"/>
+              </a:xfrm>
+              <a:prstGeom prst="line">
+                <a:avLst/>
+              </a:prstGeom>
+            </p:spPr>
+            <p:style>
+              <a:lnRef idx="2">
+                <a:schemeClr val="dk1"/>
+              </a:lnRef>
+              <a:fillRef idx="0">
+                <a:schemeClr val="dk1"/>
+              </a:fillRef>
+              <a:effectRef idx="1">
+                <a:schemeClr val="dk1"/>
+              </a:effectRef>
+              <a:fontRef idx="minor">
+                <a:schemeClr val="tx1"/>
+              </a:fontRef>
+            </p:style>
+          </p:cxnSp>
+          <p:sp>
+            <p:nvSpPr>
+              <p:cNvPr id="30" name="Rechteck 29"/>
+              <p:cNvSpPr/>
+              <p:nvPr/>
+            </p:nvSpPr>
+            <p:spPr>
+              <a:xfrm>
+                <a:off x="5736012" y="3969060"/>
+                <a:ext cx="2066710" cy="216024"/>
+              </a:xfrm>
+              <a:prstGeom prst="rect">
+                <a:avLst/>
+              </a:prstGeom>
+            </p:spPr>
+            <p:style>
+              <a:lnRef idx="2">
+                <a:schemeClr val="accent2">
+                  <a:shade val="50000"/>
+                </a:schemeClr>
+              </a:lnRef>
+              <a:fillRef idx="1">
+                <a:schemeClr val="accent2"/>
+              </a:fillRef>
+              <a:effectRef idx="0">
+                <a:schemeClr val="accent2"/>
+              </a:effectRef>
+              <a:fontRef idx="minor">
+                <a:schemeClr val="lt1"/>
+              </a:fontRef>
+            </p:style>
+            <p:txBody>
+              <a:bodyPr rtlCol="0" anchor="ctr"/>
+              <a:lstStyle/>
+              <a:p>
+                <a:pPr algn="ctr"/>
+                <a:r>
+                  <a:rPr lang="de-DE" dirty="0" smtClean="0"/>
+                  <a:t>Blood</a:t>
+                </a:r>
+                <a:endParaRPr lang="en-US" dirty="0"/>
+              </a:p>
+            </p:txBody>
+          </p:sp>
+        </p:grpSp>
+      </p:grpSp>
+    </p:spTree>
+    <p:extLst>
+      <p:ext uri="{BB962C8B-B14F-4D97-AF65-F5344CB8AC3E}">
+        <p14:creationId xmlns:p14="http://schemas.microsoft.com/office/powerpoint/2010/main" val="2313884750"/>
       </p:ext>
     </p:extLst>
   </p:cSld>
